--- a/Single Cycle RISC-V 발표_박호윤.pptx
+++ b/Single Cycle RISC-V 발표_박호윤.pptx
@@ -20,41 +20,40 @@
     <p:sldId id="260" r:id="rId14"/>
     <p:sldId id="261" r:id="rId15"/>
     <p:sldId id="262" r:id="rId16"/>
-    <p:sldId id="297" r:id="rId17"/>
-    <p:sldId id="263" r:id="rId18"/>
-    <p:sldId id="264" r:id="rId19"/>
-    <p:sldId id="265" r:id="rId20"/>
-    <p:sldId id="266" r:id="rId21"/>
-    <p:sldId id="267" r:id="rId22"/>
-    <p:sldId id="268" r:id="rId23"/>
-    <p:sldId id="269" r:id="rId24"/>
-    <p:sldId id="271" r:id="rId25"/>
-    <p:sldId id="272" r:id="rId26"/>
-    <p:sldId id="273" r:id="rId27"/>
-    <p:sldId id="274" r:id="rId28"/>
-    <p:sldId id="275" r:id="rId29"/>
-    <p:sldId id="276" r:id="rId30"/>
-    <p:sldId id="277" r:id="rId31"/>
-    <p:sldId id="278" r:id="rId32"/>
-    <p:sldId id="279" r:id="rId33"/>
-    <p:sldId id="280" r:id="rId34"/>
-    <p:sldId id="281" r:id="rId35"/>
-    <p:sldId id="282" r:id="rId36"/>
-    <p:sldId id="283" r:id="rId37"/>
-    <p:sldId id="284" r:id="rId38"/>
-    <p:sldId id="285" r:id="rId39"/>
-    <p:sldId id="286" r:id="rId40"/>
-    <p:sldId id="298" r:id="rId41"/>
-    <p:sldId id="287" r:id="rId42"/>
-    <p:sldId id="288" r:id="rId43"/>
-    <p:sldId id="289" r:id="rId44"/>
-    <p:sldId id="290" r:id="rId45"/>
-    <p:sldId id="291" r:id="rId46"/>
-    <p:sldId id="292" r:id="rId47"/>
-    <p:sldId id="293" r:id="rId48"/>
-    <p:sldId id="294" r:id="rId49"/>
-    <p:sldId id="295" r:id="rId50"/>
-    <p:sldId id="296" r:id="rId51"/>
+    <p:sldId id="263" r:id="rId17"/>
+    <p:sldId id="264" r:id="rId18"/>
+    <p:sldId id="265" r:id="rId19"/>
+    <p:sldId id="266" r:id="rId20"/>
+    <p:sldId id="267" r:id="rId21"/>
+    <p:sldId id="268" r:id="rId22"/>
+    <p:sldId id="269" r:id="rId23"/>
+    <p:sldId id="271" r:id="rId24"/>
+    <p:sldId id="272" r:id="rId25"/>
+    <p:sldId id="273" r:id="rId26"/>
+    <p:sldId id="274" r:id="rId27"/>
+    <p:sldId id="275" r:id="rId28"/>
+    <p:sldId id="276" r:id="rId29"/>
+    <p:sldId id="277" r:id="rId30"/>
+    <p:sldId id="278" r:id="rId31"/>
+    <p:sldId id="279" r:id="rId32"/>
+    <p:sldId id="280" r:id="rId33"/>
+    <p:sldId id="281" r:id="rId34"/>
+    <p:sldId id="282" r:id="rId35"/>
+    <p:sldId id="283" r:id="rId36"/>
+    <p:sldId id="284" r:id="rId37"/>
+    <p:sldId id="285" r:id="rId38"/>
+    <p:sldId id="286" r:id="rId39"/>
+    <p:sldId id="298" r:id="rId40"/>
+    <p:sldId id="287" r:id="rId41"/>
+    <p:sldId id="288" r:id="rId42"/>
+    <p:sldId id="289" r:id="rId43"/>
+    <p:sldId id="290" r:id="rId44"/>
+    <p:sldId id="291" r:id="rId45"/>
+    <p:sldId id="292" r:id="rId46"/>
+    <p:sldId id="293" r:id="rId47"/>
+    <p:sldId id="294" r:id="rId48"/>
+    <p:sldId id="295" r:id="rId49"/>
+    <p:sldId id="296" r:id="rId50"/>
   </p:sldIdLst>
   <p:sldSz cx="12192000" cy="6858000"/>
   <p:notesSz cx="7559675" cy="10691813"/>
@@ -8264,174 +8263,6 @@
 <file path=ppt/slides/slide10.xml><?xml version="1.0" encoding="utf-8"?>
 <p:sld xmlns:a="http://schemas.openxmlformats.org/drawingml/2006/main" xmlns:r="http://schemas.openxmlformats.org/officeDocument/2006/relationships" xmlns:p="http://schemas.openxmlformats.org/presentationml/2006/main">
   <p:cSld>
-    <p:spTree>
-      <p:nvGrpSpPr>
-        <p:cNvPr id="1" name=""/>
-        <p:cNvGrpSpPr/>
-        <p:nvPr/>
-      </p:nvGrpSpPr>
-      <p:grpSpPr>
-        <a:xfrm>
-          <a:off x="0" y="0"/>
-          <a:ext cx="0" cy="0"/>
-          <a:chOff x="0" y="0"/>
-          <a:chExt cx="0" cy="0"/>
-        </a:xfrm>
-      </p:grpSpPr>
-      <p:sp>
-        <p:nvSpPr>
-          <p:cNvPr id="95" name="TextBox 16"/>
-          <p:cNvSpPr/>
-          <p:nvPr/>
-        </p:nvSpPr>
-        <p:spPr>
-          <a:xfrm flipH="1">
-            <a:off x="434880" y="486000"/>
-            <a:ext cx="5832570" cy="860320"/>
-          </a:xfrm>
-          <a:prstGeom prst="rect">
-            <a:avLst/>
-          </a:prstGeom>
-          <a:noFill/>
-          <a:ln w="0">
-            <a:noFill/>
-          </a:ln>
-        </p:spPr>
-        <p:style>
-          <a:lnRef idx="0">
-            <a:scrgbClr r="0" g="0" b="0"/>
-          </a:lnRef>
-          <a:fillRef idx="0">
-            <a:scrgbClr r="0" g="0" b="0"/>
-          </a:fillRef>
-          <a:effectRef idx="0">
-            <a:scrgbClr r="0" g="0" b="0"/>
-          </a:effectRef>
-          <a:fontRef idx="minor"/>
-        </p:style>
-        <p:txBody>
-          <a:bodyPr wrap="square" lIns="90000" tIns="45000" rIns="90000" bIns="45000" anchor="t">
-            <a:spAutoFit/>
-          </a:bodyPr>
-          <a:lstStyle/>
-          <a:p>
-            <a:pPr defTabSz="914400">
-              <a:lnSpc>
-                <a:spcPct val="100000"/>
-              </a:lnSpc>
-            </a:pPr>
-            <a:r>
-              <a:rPr lang="en-US" sz="5000" b="1" u="none" strike="noStrike" spc="-300" dirty="0" err="1">
-                <a:solidFill>
-                  <a:schemeClr val="accent1">
-                    <a:lumMod val="50000"/>
-                  </a:schemeClr>
-                </a:solidFill>
-                <a:effectLst/>
-                <a:uFillTx/>
-                <a:latin typeface="Pretendard Black"/>
-                <a:ea typeface="Pretendard Black"/>
-              </a:rPr>
-              <a:t>Singel</a:t>
-            </a:r>
-            <a:r>
-              <a:rPr lang="en-US" sz="5000" b="1" u="none" strike="noStrike" spc="-300" dirty="0">
-                <a:solidFill>
-                  <a:schemeClr val="accent1">
-                    <a:lumMod val="50000"/>
-                  </a:schemeClr>
-                </a:solidFill>
-                <a:effectLst/>
-                <a:uFillTx/>
-                <a:latin typeface="Pretendard Black"/>
-                <a:ea typeface="Pretendard Black"/>
-              </a:rPr>
-              <a:t> Cycle RISC - V</a:t>
-            </a:r>
-            <a:endParaRPr lang="en-US" sz="5000" b="0" u="none" strike="noStrike" dirty="0">
-              <a:solidFill>
-                <a:srgbClr val="000000"/>
-              </a:solidFill>
-              <a:effectLst/>
-              <a:uFillTx/>
-              <a:latin typeface="맑은 고딕"/>
-            </a:endParaRPr>
-          </a:p>
-        </p:txBody>
-      </p:sp>
-      <p:pic>
-        <p:nvPicPr>
-          <p:cNvPr id="96" name="그림 95"/>
-          <p:cNvPicPr/>
-          <p:nvPr/>
-        </p:nvPicPr>
-        <p:blipFill>
-          <a:blip r:embed="rId2"/>
-          <a:srcRect r="66024"/>
-          <a:stretch/>
-        </p:blipFill>
-        <p:spPr>
-          <a:xfrm>
-            <a:off x="900000" y="2144160"/>
-            <a:ext cx="10619640" cy="4840560"/>
-          </a:xfrm>
-          <a:prstGeom prst="rect">
-            <a:avLst/>
-          </a:prstGeom>
-          <a:noFill/>
-          <a:ln w="0">
-            <a:noFill/>
-          </a:ln>
-        </p:spPr>
-      </p:pic>
-      <p:sp>
-        <p:nvSpPr>
-          <p:cNvPr id="2" name="PlaceHolder 1"/>
-          <p:cNvSpPr>
-            <a:spLocks noGrp="1"/>
-          </p:cNvSpPr>
-          <p:nvPr>
-            <p:ph type="sldNum" idx="2"/>
-          </p:nvPr>
-        </p:nvSpPr>
-        <p:spPr/>
-        <p:txBody>
-          <a:bodyPr/>
-          <a:lstStyle/>
-          <a:p>
-            <a:fld id="{CA9910C8-F2C8-4FAE-A0FB-B082F0BAF8E9}" type="slidenum">
-              <a:t>10</a:t>
-            </a:fld>
-            <a:endParaRPr/>
-          </a:p>
-        </p:txBody>
-      </p:sp>
-    </p:spTree>
-  </p:cSld>
-  <p:clrMapOvr>
-    <a:masterClrMapping/>
-  </p:clrMapOvr>
-  <mc:AlternateContent xmlns:mc="http://schemas.openxmlformats.org/markup-compatibility/2006" xmlns:p14="http://schemas.microsoft.com/office/powerpoint/2010/main">
-    <mc:Choice Requires="p14">
-      <p:transition spd="slow" p14:dur="2000"/>
-    </mc:Choice>
-    <mc:Fallback xmlns="" xmlns:p15="http://schemas.microsoft.com/office/powerpoint/2012/main">
-      <p:transition spd="slow"/>
-    </mc:Fallback>
-  </mc:AlternateContent>
-  <p:timing>
-    <p:tnLst>
-      <p:par>
-        <p:cTn id="1" dur="indefinite" restart="never" nodeType="tmRoot"/>
-      </p:par>
-    </p:tnLst>
-  </p:timing>
-</p:sld>
-</file>
-
-<file path=ppt/slides/slide11.xml><?xml version="1.0" encoding="utf-8"?>
-<p:sld xmlns:a="http://schemas.openxmlformats.org/drawingml/2006/main" xmlns:r="http://schemas.openxmlformats.org/officeDocument/2006/relationships" xmlns:p="http://schemas.openxmlformats.org/presentationml/2006/main">
-  <p:cSld>
     <p:bg>
       <p:bgPr>
         <a:solidFill>
@@ -8659,7 +8490,7 @@
           <a:lstStyle/>
           <a:p>
             <a:fld id="{B5732758-90D0-4200-915A-261E5CABA97E}" type="slidenum">
-              <a:t>11</a:t>
+              <a:t>10</a:t>
             </a:fld>
             <a:endParaRPr/>
           </a:p>
@@ -8688,7 +8519,7 @@
 </p:sld>
 </file>
 
-<file path=ppt/slides/slide12.xml><?xml version="1.0" encoding="utf-8"?>
+<file path=ppt/slides/slide11.xml><?xml version="1.0" encoding="utf-8"?>
 <p:sld xmlns:a="http://schemas.openxmlformats.org/drawingml/2006/main" xmlns:r="http://schemas.openxmlformats.org/officeDocument/2006/relationships" xmlns:p="http://schemas.openxmlformats.org/presentationml/2006/main">
   <p:cSld>
     <p:spTree>
@@ -8824,7 +8655,7 @@
           <a:lstStyle/>
           <a:p>
             <a:fld id="{C52B0F2E-CF3D-4F4C-9433-98545DBD9FF1}" type="slidenum">
-              <a:t>12</a:t>
+              <a:t>11</a:t>
             </a:fld>
             <a:endParaRPr/>
           </a:p>
@@ -8846,7 +8677,7 @@
 </p:sld>
 </file>
 
-<file path=ppt/slides/slide13.xml><?xml version="1.0" encoding="utf-8"?>
+<file path=ppt/slides/slide12.xml><?xml version="1.0" encoding="utf-8"?>
 <p:sld xmlns:a="http://schemas.openxmlformats.org/drawingml/2006/main" xmlns:r="http://schemas.openxmlformats.org/officeDocument/2006/relationships" xmlns:p="http://schemas.openxmlformats.org/presentationml/2006/main">
   <p:cSld>
     <p:spTree>
@@ -9114,7 +8945,7 @@
           <a:lstStyle/>
           <a:p>
             <a:fld id="{23FAF673-CACA-4E3A-BF84-86976FEBDF7F}" type="slidenum">
-              <a:t>13</a:t>
+              <a:t>12</a:t>
             </a:fld>
             <a:endParaRPr/>
           </a:p>
@@ -9136,7 +8967,7 @@
 </p:sld>
 </file>
 
-<file path=ppt/slides/slide14.xml><?xml version="1.0" encoding="utf-8"?>
+<file path=ppt/slides/slide13.xml><?xml version="1.0" encoding="utf-8"?>
 <p:sld xmlns:a="http://schemas.openxmlformats.org/drawingml/2006/main" xmlns:r="http://schemas.openxmlformats.org/officeDocument/2006/relationships" xmlns:p="http://schemas.openxmlformats.org/presentationml/2006/main">
   <p:cSld>
     <p:spTree>
@@ -9382,7 +9213,7 @@
           <a:lstStyle/>
           <a:p>
             <a:fld id="{C0C79ED4-C670-431E-BCFC-851C5B9DD9D5}" type="slidenum">
-              <a:t>14</a:t>
+              <a:t>13</a:t>
             </a:fld>
             <a:endParaRPr/>
           </a:p>
@@ -9404,7 +9235,7 @@
 </p:sld>
 </file>
 
-<file path=ppt/slides/slide15.xml><?xml version="1.0" encoding="utf-8"?>
+<file path=ppt/slides/slide14.xml><?xml version="1.0" encoding="utf-8"?>
 <p:sld xmlns:a="http://schemas.openxmlformats.org/drawingml/2006/main" xmlns:r="http://schemas.openxmlformats.org/officeDocument/2006/relationships" xmlns:p="http://schemas.openxmlformats.org/presentationml/2006/main">
   <p:cSld>
     <p:spTree>
@@ -9664,7 +9495,7 @@
           <a:lstStyle/>
           <a:p>
             <a:fld id="{DDD3256E-4E4F-42D8-B615-B174C34635BF}" type="slidenum">
-              <a:t>15</a:t>
+              <a:t>14</a:t>
             </a:fld>
             <a:endParaRPr/>
           </a:p>
@@ -9686,7 +9517,7 @@
 </p:sld>
 </file>
 
-<file path=ppt/slides/slide16.xml><?xml version="1.0" encoding="utf-8"?>
+<file path=ppt/slides/slide15.xml><?xml version="1.0" encoding="utf-8"?>
 <p:sld xmlns:a="http://schemas.openxmlformats.org/drawingml/2006/main" xmlns:r="http://schemas.openxmlformats.org/officeDocument/2006/relationships" xmlns:p="http://schemas.openxmlformats.org/presentationml/2006/main">
   <p:cSld>
     <p:spTree>
@@ -10186,7 +10017,7 @@
           <a:lstStyle/>
           <a:p>
             <a:fld id="{5E4FEFFE-848A-4071-AF9C-C7D0B5774F16}" type="slidenum">
-              <a:t>16</a:t>
+              <a:t>15</a:t>
             </a:fld>
             <a:endParaRPr/>
           </a:p>
@@ -10367,7 +10198,7 @@
 </p:sld>
 </file>
 
-<file path=ppt/slides/slide17.xml><?xml version="1.0" encoding="utf-8"?>
+<file path=ppt/slides/slide16.xml><?xml version="1.0" encoding="utf-8"?>
 <p:sld xmlns:a="http://schemas.openxmlformats.org/drawingml/2006/main" xmlns:r="http://schemas.openxmlformats.org/officeDocument/2006/relationships" xmlns:p="http://schemas.openxmlformats.org/presentationml/2006/main">
   <p:cSld>
     <p:spTree>
@@ -10489,7 +10320,7 @@
           <a:lstStyle/>
           <a:p>
             <a:fld id="{4D1F2B2A-2F63-4F97-BF31-0C6F14E8CF67}" type="slidenum">
-              <a:t>17</a:t>
+              <a:t>16</a:t>
             </a:fld>
             <a:endParaRPr/>
           </a:p>
@@ -10511,7 +10342,7 @@
 </p:sld>
 </file>
 
-<file path=ppt/slides/slide18.xml><?xml version="1.0" encoding="utf-8"?>
+<file path=ppt/slides/slide17.xml><?xml version="1.0" encoding="utf-8"?>
 <p:sld xmlns:a="http://schemas.openxmlformats.org/drawingml/2006/main" xmlns:r="http://schemas.openxmlformats.org/officeDocument/2006/relationships" xmlns:p="http://schemas.openxmlformats.org/presentationml/2006/main">
   <p:cSld>
     <p:spTree>
@@ -10635,7 +10466,7 @@
           <a:lstStyle/>
           <a:p>
             <a:fld id="{5D6A354B-AC90-4C7C-82E9-801F3FF8DE64}" type="slidenum">
-              <a:t>18</a:t>
+              <a:t>17</a:t>
             </a:fld>
             <a:endParaRPr/>
           </a:p>
@@ -10657,7 +10488,7 @@
 </p:sld>
 </file>
 
-<file path=ppt/slides/slide19.xml><?xml version="1.0" encoding="utf-8"?>
+<file path=ppt/slides/slide18.xml><?xml version="1.0" encoding="utf-8"?>
 <p:sld xmlns:a="http://schemas.openxmlformats.org/drawingml/2006/main" xmlns:r="http://schemas.openxmlformats.org/officeDocument/2006/relationships" xmlns:p="http://schemas.openxmlformats.org/presentationml/2006/main">
   <p:cSld>
     <p:spTree>
@@ -11137,6 +10968,177 @@
           <a:lstStyle/>
           <a:p>
             <a:fld id="{48D0B958-65E0-45E9-B346-DDECD05AB56D}" type="slidenum">
+              <a:t>18</a:t>
+            </a:fld>
+            <a:endParaRPr/>
+          </a:p>
+        </p:txBody>
+      </p:sp>
+    </p:spTree>
+  </p:cSld>
+  <p:clrMapOvr>
+    <a:masterClrMapping/>
+  </p:clrMapOvr>
+  <mc:AlternateContent xmlns:mc="http://schemas.openxmlformats.org/markup-compatibility/2006" xmlns:p14="http://schemas.microsoft.com/office/powerpoint/2010/main">
+    <mc:Choice Requires="p14">
+      <p:transition spd="slow" p14:dur="2000"/>
+    </mc:Choice>
+    <mc:Fallback xmlns="" xmlns:p15="http://schemas.microsoft.com/office/powerpoint/2012/main">
+      <p:transition spd="slow"/>
+    </mc:Fallback>
+  </mc:AlternateContent>
+</p:sld>
+</file>
+
+<file path=ppt/slides/slide19.xml><?xml version="1.0" encoding="utf-8"?>
+<p:sld xmlns:a="http://schemas.openxmlformats.org/drawingml/2006/main" xmlns:r="http://schemas.openxmlformats.org/officeDocument/2006/relationships" xmlns:p="http://schemas.openxmlformats.org/presentationml/2006/main">
+  <p:cSld>
+    <p:spTree>
+      <p:nvGrpSpPr>
+        <p:cNvPr id="1" name=""/>
+        <p:cNvGrpSpPr/>
+        <p:nvPr/>
+      </p:nvGrpSpPr>
+      <p:grpSpPr>
+        <a:xfrm>
+          <a:off x="0" y="0"/>
+          <a:ext cx="0" cy="0"/>
+          <a:chOff x="0" y="0"/>
+          <a:chExt cx="0" cy="0"/>
+        </a:xfrm>
+      </p:grpSpPr>
+      <p:sp>
+        <p:nvSpPr>
+          <p:cNvPr id="135" name="TextBox 29"/>
+          <p:cNvSpPr/>
+          <p:nvPr/>
+        </p:nvSpPr>
+        <p:spPr>
+          <a:xfrm flipH="1">
+            <a:off x="434160" y="486000"/>
+            <a:ext cx="9284040" cy="853200"/>
+          </a:xfrm>
+          <a:prstGeom prst="rect">
+            <a:avLst/>
+          </a:prstGeom>
+          <a:noFill/>
+          <a:ln w="0">
+            <a:noFill/>
+          </a:ln>
+        </p:spPr>
+        <p:style>
+          <a:lnRef idx="0">
+            <a:scrgbClr r="0" g="0" b="0"/>
+          </a:lnRef>
+          <a:fillRef idx="0">
+            <a:scrgbClr r="0" g="0" b="0"/>
+          </a:fillRef>
+          <a:effectRef idx="0">
+            <a:scrgbClr r="0" g="0" b="0"/>
+          </a:effectRef>
+          <a:fontRef idx="minor"/>
+        </p:style>
+        <p:txBody>
+          <a:bodyPr lIns="90000" tIns="45000" rIns="90000" bIns="45000" anchor="t">
+            <a:spAutoFit/>
+          </a:bodyPr>
+          <a:lstStyle/>
+          <a:p>
+            <a:pPr defTabSz="914400">
+              <a:lnSpc>
+                <a:spcPct val="100000"/>
+              </a:lnSpc>
+            </a:pPr>
+            <a:r>
+              <a:rPr lang="en-US" sz="5000" b="1" u="none" strike="noStrike" spc="-300">
+                <a:solidFill>
+                  <a:schemeClr val="accent1">
+                    <a:lumMod val="50000"/>
+                  </a:schemeClr>
+                </a:solidFill>
+                <a:effectLst/>
+                <a:uFillTx/>
+                <a:latin typeface="Pretendard Black"/>
+                <a:ea typeface="Pretendard Black"/>
+              </a:rPr>
+              <a:t>R_Type</a:t>
+            </a:r>
+            <a:endParaRPr lang="en-US" sz="5000" b="0" u="none" strike="noStrike">
+              <a:solidFill>
+                <a:srgbClr val="000000"/>
+              </a:solidFill>
+              <a:effectLst/>
+              <a:uFillTx/>
+              <a:latin typeface="맑은 고딕"/>
+            </a:endParaRPr>
+          </a:p>
+        </p:txBody>
+      </p:sp>
+      <p:pic>
+        <p:nvPicPr>
+          <p:cNvPr id="136" name="그림 135"/>
+          <p:cNvPicPr/>
+          <p:nvPr/>
+        </p:nvPicPr>
+        <p:blipFill>
+          <a:blip r:embed="rId2"/>
+          <a:stretch/>
+        </p:blipFill>
+        <p:spPr>
+          <a:xfrm>
+            <a:off x="7236720" y="1198800"/>
+            <a:ext cx="4859280" cy="2904120"/>
+          </a:xfrm>
+          <a:prstGeom prst="rect">
+            <a:avLst/>
+          </a:prstGeom>
+          <a:noFill/>
+          <a:ln w="0">
+            <a:noFill/>
+          </a:ln>
+        </p:spPr>
+      </p:pic>
+      <p:pic>
+        <p:nvPicPr>
+          <p:cNvPr id="137" name="그림 136"/>
+          <p:cNvPicPr/>
+          <p:nvPr/>
+        </p:nvPicPr>
+        <p:blipFill>
+          <a:blip r:embed="rId3"/>
+          <a:srcRect r="4643"/>
+          <a:stretch/>
+        </p:blipFill>
+        <p:spPr>
+          <a:xfrm>
+            <a:off x="24840" y="4079880"/>
+            <a:ext cx="12171240" cy="2044440"/>
+          </a:xfrm>
+          <a:prstGeom prst="rect">
+            <a:avLst/>
+          </a:prstGeom>
+          <a:noFill/>
+          <a:ln w="0">
+            <a:noFill/>
+          </a:ln>
+        </p:spPr>
+      </p:pic>
+      <p:sp>
+        <p:nvSpPr>
+          <p:cNvPr id="2" name="PlaceHolder 1"/>
+          <p:cNvSpPr>
+            <a:spLocks noGrp="1"/>
+          </p:cNvSpPr>
+          <p:nvPr>
+            <p:ph type="sldNum" idx="2"/>
+          </p:nvPr>
+        </p:nvSpPr>
+        <p:spPr/>
+        <p:txBody>
+          <a:bodyPr/>
+          <a:lstStyle/>
+          <a:p>
+            <a:fld id="{51F652F5-C811-4850-88F1-CB67C98B28EF}" type="slidenum">
               <a:t>19</a:t>
             </a:fld>
             <a:endParaRPr/>
@@ -11972,177 +11974,6 @@
       </p:grpSpPr>
       <p:sp>
         <p:nvSpPr>
-          <p:cNvPr id="135" name="TextBox 29"/>
-          <p:cNvSpPr/>
-          <p:nvPr/>
-        </p:nvSpPr>
-        <p:spPr>
-          <a:xfrm flipH="1">
-            <a:off x="434160" y="486000"/>
-            <a:ext cx="9284040" cy="853200"/>
-          </a:xfrm>
-          <a:prstGeom prst="rect">
-            <a:avLst/>
-          </a:prstGeom>
-          <a:noFill/>
-          <a:ln w="0">
-            <a:noFill/>
-          </a:ln>
-        </p:spPr>
-        <p:style>
-          <a:lnRef idx="0">
-            <a:scrgbClr r="0" g="0" b="0"/>
-          </a:lnRef>
-          <a:fillRef idx="0">
-            <a:scrgbClr r="0" g="0" b="0"/>
-          </a:fillRef>
-          <a:effectRef idx="0">
-            <a:scrgbClr r="0" g="0" b="0"/>
-          </a:effectRef>
-          <a:fontRef idx="minor"/>
-        </p:style>
-        <p:txBody>
-          <a:bodyPr lIns="90000" tIns="45000" rIns="90000" bIns="45000" anchor="t">
-            <a:spAutoFit/>
-          </a:bodyPr>
-          <a:lstStyle/>
-          <a:p>
-            <a:pPr defTabSz="914400">
-              <a:lnSpc>
-                <a:spcPct val="100000"/>
-              </a:lnSpc>
-            </a:pPr>
-            <a:r>
-              <a:rPr lang="en-US" sz="5000" b="1" u="none" strike="noStrike" spc="-300">
-                <a:solidFill>
-                  <a:schemeClr val="accent1">
-                    <a:lumMod val="50000"/>
-                  </a:schemeClr>
-                </a:solidFill>
-                <a:effectLst/>
-                <a:uFillTx/>
-                <a:latin typeface="Pretendard Black"/>
-                <a:ea typeface="Pretendard Black"/>
-              </a:rPr>
-              <a:t>R_Type</a:t>
-            </a:r>
-            <a:endParaRPr lang="en-US" sz="5000" b="0" u="none" strike="noStrike">
-              <a:solidFill>
-                <a:srgbClr val="000000"/>
-              </a:solidFill>
-              <a:effectLst/>
-              <a:uFillTx/>
-              <a:latin typeface="맑은 고딕"/>
-            </a:endParaRPr>
-          </a:p>
-        </p:txBody>
-      </p:sp>
-      <p:pic>
-        <p:nvPicPr>
-          <p:cNvPr id="136" name="그림 135"/>
-          <p:cNvPicPr/>
-          <p:nvPr/>
-        </p:nvPicPr>
-        <p:blipFill>
-          <a:blip r:embed="rId2"/>
-          <a:stretch/>
-        </p:blipFill>
-        <p:spPr>
-          <a:xfrm>
-            <a:off x="7236720" y="1198800"/>
-            <a:ext cx="4859280" cy="2904120"/>
-          </a:xfrm>
-          <a:prstGeom prst="rect">
-            <a:avLst/>
-          </a:prstGeom>
-          <a:noFill/>
-          <a:ln w="0">
-            <a:noFill/>
-          </a:ln>
-        </p:spPr>
-      </p:pic>
-      <p:pic>
-        <p:nvPicPr>
-          <p:cNvPr id="137" name="그림 136"/>
-          <p:cNvPicPr/>
-          <p:nvPr/>
-        </p:nvPicPr>
-        <p:blipFill>
-          <a:blip r:embed="rId3"/>
-          <a:srcRect r="4643"/>
-          <a:stretch/>
-        </p:blipFill>
-        <p:spPr>
-          <a:xfrm>
-            <a:off x="24840" y="4079880"/>
-            <a:ext cx="12171240" cy="2044440"/>
-          </a:xfrm>
-          <a:prstGeom prst="rect">
-            <a:avLst/>
-          </a:prstGeom>
-          <a:noFill/>
-          <a:ln w="0">
-            <a:noFill/>
-          </a:ln>
-        </p:spPr>
-      </p:pic>
-      <p:sp>
-        <p:nvSpPr>
-          <p:cNvPr id="2" name="PlaceHolder 1"/>
-          <p:cNvSpPr>
-            <a:spLocks noGrp="1"/>
-          </p:cNvSpPr>
-          <p:nvPr>
-            <p:ph type="sldNum" idx="2"/>
-          </p:nvPr>
-        </p:nvSpPr>
-        <p:spPr/>
-        <p:txBody>
-          <a:bodyPr/>
-          <a:lstStyle/>
-          <a:p>
-            <a:fld id="{51F652F5-C811-4850-88F1-CB67C98B28EF}" type="slidenum">
-              <a:t>20</a:t>
-            </a:fld>
-            <a:endParaRPr/>
-          </a:p>
-        </p:txBody>
-      </p:sp>
-    </p:spTree>
-  </p:cSld>
-  <p:clrMapOvr>
-    <a:masterClrMapping/>
-  </p:clrMapOvr>
-  <mc:AlternateContent xmlns:mc="http://schemas.openxmlformats.org/markup-compatibility/2006" xmlns:p14="http://schemas.microsoft.com/office/powerpoint/2010/main">
-    <mc:Choice Requires="p14">
-      <p:transition spd="slow" p14:dur="2000"/>
-    </mc:Choice>
-    <mc:Fallback xmlns="" xmlns:p15="http://schemas.microsoft.com/office/powerpoint/2012/main">
-      <p:transition spd="slow"/>
-    </mc:Fallback>
-  </mc:AlternateContent>
-</p:sld>
-</file>
-
-<file path=ppt/slides/slide21.xml><?xml version="1.0" encoding="utf-8"?>
-<p:sld xmlns:a="http://schemas.openxmlformats.org/drawingml/2006/main" xmlns:r="http://schemas.openxmlformats.org/officeDocument/2006/relationships" xmlns:p="http://schemas.openxmlformats.org/presentationml/2006/main">
-  <p:cSld>
-    <p:spTree>
-      <p:nvGrpSpPr>
-        <p:cNvPr id="1" name=""/>
-        <p:cNvGrpSpPr/>
-        <p:nvPr/>
-      </p:nvGrpSpPr>
-      <p:grpSpPr>
-        <a:xfrm>
-          <a:off x="0" y="0"/>
-          <a:ext cx="0" cy="0"/>
-          <a:chOff x="0" y="0"/>
-          <a:chExt cx="0" cy="0"/>
-        </a:xfrm>
-      </p:grpSpPr>
-      <p:sp>
-        <p:nvSpPr>
           <p:cNvPr id="138" name="TextBox 46"/>
           <p:cNvSpPr/>
           <p:nvPr/>
@@ -12604,7 +12435,7 @@
           <a:lstStyle/>
           <a:p>
             <a:fld id="{94CA911C-A5C2-4048-895D-96EDFAB658D1}" type="slidenum">
-              <a:t>21</a:t>
+              <a:t>20</a:t>
             </a:fld>
             <a:endParaRPr/>
           </a:p>
@@ -12626,7 +12457,7 @@
 </p:sld>
 </file>
 
-<file path=ppt/slides/slide22.xml><?xml version="1.0" encoding="utf-8"?>
+<file path=ppt/slides/slide21.xml><?xml version="1.0" encoding="utf-8"?>
 <p:sld xmlns:a="http://schemas.openxmlformats.org/drawingml/2006/main" xmlns:r="http://schemas.openxmlformats.org/officeDocument/2006/relationships" xmlns:p="http://schemas.openxmlformats.org/presentationml/2006/main">
   <p:cSld>
     <p:spTree>
@@ -12774,7 +12605,7 @@
           <a:lstStyle/>
           <a:p>
             <a:fld id="{43CB39C3-E9C3-40D4-8E6C-843690CD8C78}" type="slidenum">
-              <a:t>22</a:t>
+              <a:t>21</a:t>
             </a:fld>
             <a:endParaRPr/>
           </a:p>
@@ -12796,7 +12627,7 @@
 </p:sld>
 </file>
 
-<file path=ppt/slides/slide23.xml><?xml version="1.0" encoding="utf-8"?>
+<file path=ppt/slides/slide22.xml><?xml version="1.0" encoding="utf-8"?>
 <p:sld xmlns:a="http://schemas.openxmlformats.org/drawingml/2006/main" xmlns:r="http://schemas.openxmlformats.org/officeDocument/2006/relationships" xmlns:p="http://schemas.openxmlformats.org/presentationml/2006/main">
   <p:cSld>
     <p:spTree>
@@ -13289,7 +13120,7 @@
           <a:lstStyle/>
           <a:p>
             <a:fld id="{76CEDBA9-DB90-4FC0-8353-5DE9050896DB}" type="slidenum">
-              <a:t>23</a:t>
+              <a:t>22</a:t>
             </a:fld>
             <a:endParaRPr/>
           </a:p>
@@ -13335,7 +13166,7 @@
 </p:sld>
 </file>
 
-<file path=ppt/slides/slide24.xml><?xml version="1.0" encoding="utf-8"?>
+<file path=ppt/slides/slide23.xml><?xml version="1.0" encoding="utf-8"?>
 <p:sld xmlns:a="http://schemas.openxmlformats.org/drawingml/2006/main" xmlns:r="http://schemas.openxmlformats.org/officeDocument/2006/relationships" xmlns:p="http://schemas.openxmlformats.org/presentationml/2006/main">
   <p:cSld>
     <p:spTree>
@@ -13483,7 +13314,7 @@
           <a:lstStyle/>
           <a:p>
             <a:fld id="{D4BECAC4-C207-47F3-8625-A02AE019E39A}" type="slidenum">
-              <a:t>24</a:t>
+              <a:t>23</a:t>
             </a:fld>
             <a:endParaRPr/>
           </a:p>
@@ -13505,7 +13336,7 @@
 </p:sld>
 </file>
 
-<file path=ppt/slides/slide25.xml><?xml version="1.0" encoding="utf-8"?>
+<file path=ppt/slides/slide24.xml><?xml version="1.0" encoding="utf-8"?>
 <p:sld xmlns:a="http://schemas.openxmlformats.org/drawingml/2006/main" xmlns:r="http://schemas.openxmlformats.org/officeDocument/2006/relationships" xmlns:p="http://schemas.openxmlformats.org/presentationml/2006/main">
   <p:cSld>
     <p:spTree>
@@ -14014,7 +13845,7 @@
           <a:lstStyle/>
           <a:p>
             <a:fld id="{6DBB673C-DE29-4A8B-A3E7-C585C1018C1A}" type="slidenum">
-              <a:t>25</a:t>
+              <a:t>24</a:t>
             </a:fld>
             <a:endParaRPr/>
           </a:p>
@@ -14036,7 +13867,7 @@
 </p:sld>
 </file>
 
-<file path=ppt/slides/slide26.xml><?xml version="1.0" encoding="utf-8"?>
+<file path=ppt/slides/slide25.xml><?xml version="1.0" encoding="utf-8"?>
 <p:sld xmlns:a="http://schemas.openxmlformats.org/drawingml/2006/main" xmlns:r="http://schemas.openxmlformats.org/officeDocument/2006/relationships" xmlns:p="http://schemas.openxmlformats.org/presentationml/2006/main">
   <p:cSld>
     <p:spTree>
@@ -14185,7 +14016,7 @@
           <a:lstStyle/>
           <a:p>
             <a:fld id="{4458EA1E-BEED-4510-88BF-E2B0F1F3336B}" type="slidenum">
-              <a:t>26</a:t>
+              <a:t>25</a:t>
             </a:fld>
             <a:endParaRPr/>
           </a:p>
@@ -14207,7 +14038,7 @@
 </p:sld>
 </file>
 
-<file path=ppt/slides/slide27.xml><?xml version="1.0" encoding="utf-8"?>
+<file path=ppt/slides/slide26.xml><?xml version="1.0" encoding="utf-8"?>
 <p:sld xmlns:a="http://schemas.openxmlformats.org/drawingml/2006/main" xmlns:r="http://schemas.openxmlformats.org/officeDocument/2006/relationships" xmlns:p="http://schemas.openxmlformats.org/presentationml/2006/main">
   <p:cSld>
     <p:spTree>
@@ -14834,7 +14665,7 @@
           <a:lstStyle/>
           <a:p>
             <a:fld id="{770E60C8-F782-4263-8587-F0A24BF918BE}" type="slidenum">
-              <a:t>27</a:t>
+              <a:t>26</a:t>
             </a:fld>
             <a:endParaRPr/>
           </a:p>
@@ -14856,7 +14687,7 @@
 </p:sld>
 </file>
 
-<file path=ppt/slides/slide28.xml><?xml version="1.0" encoding="utf-8"?>
+<file path=ppt/slides/slide27.xml><?xml version="1.0" encoding="utf-8"?>
 <p:sld xmlns:a="http://schemas.openxmlformats.org/drawingml/2006/main" xmlns:r="http://schemas.openxmlformats.org/officeDocument/2006/relationships" xmlns:p="http://schemas.openxmlformats.org/presentationml/2006/main">
   <p:cSld>
     <p:spTree>
@@ -15004,7 +14835,7 @@
           <a:lstStyle/>
           <a:p>
             <a:fld id="{59AC1F0D-7073-457C-B790-3508BEE14041}" type="slidenum">
-              <a:t>28</a:t>
+              <a:t>27</a:t>
             </a:fld>
             <a:endParaRPr/>
           </a:p>
@@ -15051,7 +14882,7 @@
 </p:sld>
 </file>
 
-<file path=ppt/slides/slide29.xml><?xml version="1.0" encoding="utf-8"?>
+<file path=ppt/slides/slide28.xml><?xml version="1.0" encoding="utf-8"?>
 <p:sld xmlns:a="http://schemas.openxmlformats.org/drawingml/2006/main" xmlns:r="http://schemas.openxmlformats.org/officeDocument/2006/relationships" xmlns:p="http://schemas.openxmlformats.org/presentationml/2006/main">
   <p:cSld>
     <p:spTree>
@@ -15709,6 +15540,176 @@
           <a:lstStyle/>
           <a:p>
             <a:fld id="{4B46B10E-7F58-42F3-9193-30117CBB92C9}" type="slidenum">
+              <a:t>28</a:t>
+            </a:fld>
+            <a:endParaRPr/>
+          </a:p>
+        </p:txBody>
+      </p:sp>
+    </p:spTree>
+  </p:cSld>
+  <p:clrMapOvr>
+    <a:masterClrMapping/>
+  </p:clrMapOvr>
+  <mc:AlternateContent xmlns:mc="http://schemas.openxmlformats.org/markup-compatibility/2006" xmlns:p14="http://schemas.microsoft.com/office/powerpoint/2010/main">
+    <mc:Choice Requires="p14">
+      <p:transition spd="slow" p14:dur="2000"/>
+    </mc:Choice>
+    <mc:Fallback xmlns="" xmlns:p15="http://schemas.microsoft.com/office/powerpoint/2012/main">
+      <p:transition spd="slow"/>
+    </mc:Fallback>
+  </mc:AlternateContent>
+</p:sld>
+</file>
+
+<file path=ppt/slides/slide29.xml><?xml version="1.0" encoding="utf-8"?>
+<p:sld xmlns:a="http://schemas.openxmlformats.org/drawingml/2006/main" xmlns:r="http://schemas.openxmlformats.org/officeDocument/2006/relationships" xmlns:p="http://schemas.openxmlformats.org/presentationml/2006/main">
+  <p:cSld>
+    <p:spTree>
+      <p:nvGrpSpPr>
+        <p:cNvPr id="1" name=""/>
+        <p:cNvGrpSpPr/>
+        <p:nvPr/>
+      </p:nvGrpSpPr>
+      <p:grpSpPr>
+        <a:xfrm>
+          <a:off x="0" y="0"/>
+          <a:ext cx="0" cy="0"/>
+          <a:chOff x="0" y="0"/>
+          <a:chExt cx="0" cy="0"/>
+        </a:xfrm>
+      </p:grpSpPr>
+      <p:sp>
+        <p:nvSpPr>
+          <p:cNvPr id="187" name="TextBox 45"/>
+          <p:cNvSpPr/>
+          <p:nvPr/>
+        </p:nvSpPr>
+        <p:spPr>
+          <a:xfrm flipH="1">
+            <a:off x="434160" y="486000"/>
+            <a:ext cx="9284040" cy="853200"/>
+          </a:xfrm>
+          <a:prstGeom prst="rect">
+            <a:avLst/>
+          </a:prstGeom>
+          <a:noFill/>
+          <a:ln w="0">
+            <a:noFill/>
+          </a:ln>
+        </p:spPr>
+        <p:style>
+          <a:lnRef idx="0">
+            <a:scrgbClr r="0" g="0" b="0"/>
+          </a:lnRef>
+          <a:fillRef idx="0">
+            <a:scrgbClr r="0" g="0" b="0"/>
+          </a:fillRef>
+          <a:effectRef idx="0">
+            <a:scrgbClr r="0" g="0" b="0"/>
+          </a:effectRef>
+          <a:fontRef idx="minor"/>
+        </p:style>
+        <p:txBody>
+          <a:bodyPr lIns="90000" tIns="45000" rIns="90000" bIns="45000" anchor="t">
+            <a:spAutoFit/>
+          </a:bodyPr>
+          <a:lstStyle/>
+          <a:p>
+            <a:pPr defTabSz="914400">
+              <a:lnSpc>
+                <a:spcPct val="100000"/>
+              </a:lnSpc>
+            </a:pPr>
+            <a:r>
+              <a:rPr lang="en-US" sz="5000" b="1" u="none" strike="noStrike" spc="-300">
+                <a:solidFill>
+                  <a:schemeClr val="accent1">
+                    <a:lumMod val="50000"/>
+                  </a:schemeClr>
+                </a:solidFill>
+                <a:effectLst/>
+                <a:uFillTx/>
+                <a:latin typeface="Pretendard Black"/>
+                <a:ea typeface="Pretendard Black"/>
+              </a:rPr>
+              <a:t>J, JL_Type</a:t>
+            </a:r>
+            <a:endParaRPr lang="en-US" sz="5000" b="0" u="none" strike="noStrike">
+              <a:solidFill>
+                <a:srgbClr val="000000"/>
+              </a:solidFill>
+              <a:effectLst/>
+              <a:uFillTx/>
+              <a:latin typeface="맑은 고딕"/>
+            </a:endParaRPr>
+          </a:p>
+        </p:txBody>
+      </p:sp>
+      <p:pic>
+        <p:nvPicPr>
+          <p:cNvPr id="188" name="그림 187"/>
+          <p:cNvPicPr/>
+          <p:nvPr/>
+        </p:nvPicPr>
+        <p:blipFill>
+          <a:blip r:embed="rId2"/>
+          <a:stretch/>
+        </p:blipFill>
+        <p:spPr>
+          <a:xfrm>
+            <a:off x="-1080" y="3981960"/>
+            <a:ext cx="12191040" cy="1952640"/>
+          </a:xfrm>
+          <a:prstGeom prst="rect">
+            <a:avLst/>
+          </a:prstGeom>
+          <a:noFill/>
+          <a:ln w="0">
+            <a:noFill/>
+          </a:ln>
+        </p:spPr>
+      </p:pic>
+      <p:pic>
+        <p:nvPicPr>
+          <p:cNvPr id="189" name="그림 188"/>
+          <p:cNvPicPr/>
+          <p:nvPr/>
+        </p:nvPicPr>
+        <p:blipFill>
+          <a:blip r:embed="rId3"/>
+          <a:stretch/>
+        </p:blipFill>
+        <p:spPr>
+          <a:xfrm>
+            <a:off x="7492442" y="1152525"/>
+            <a:ext cx="4697518" cy="2828715"/>
+          </a:xfrm>
+          <a:prstGeom prst="rect">
+            <a:avLst/>
+          </a:prstGeom>
+          <a:noFill/>
+          <a:ln w="0">
+            <a:noFill/>
+          </a:ln>
+        </p:spPr>
+      </p:pic>
+      <p:sp>
+        <p:nvSpPr>
+          <p:cNvPr id="2" name="PlaceHolder 1"/>
+          <p:cNvSpPr>
+            <a:spLocks noGrp="1"/>
+          </p:cNvSpPr>
+          <p:nvPr>
+            <p:ph type="sldNum" idx="2"/>
+          </p:nvPr>
+        </p:nvSpPr>
+        <p:spPr/>
+        <p:txBody>
+          <a:bodyPr/>
+          <a:lstStyle/>
+          <a:p>
+            <a:fld id="{839DF8F8-ABF4-40EF-B612-0EBFEBF172D8}" type="slidenum">
               <a:t>29</a:t>
             </a:fld>
             <a:endParaRPr/>
@@ -16009,176 +16010,6 @@
       </p:grpSpPr>
       <p:sp>
         <p:nvSpPr>
-          <p:cNvPr id="187" name="TextBox 45"/>
-          <p:cNvSpPr/>
-          <p:nvPr/>
-        </p:nvSpPr>
-        <p:spPr>
-          <a:xfrm flipH="1">
-            <a:off x="434160" y="486000"/>
-            <a:ext cx="9284040" cy="853200"/>
-          </a:xfrm>
-          <a:prstGeom prst="rect">
-            <a:avLst/>
-          </a:prstGeom>
-          <a:noFill/>
-          <a:ln w="0">
-            <a:noFill/>
-          </a:ln>
-        </p:spPr>
-        <p:style>
-          <a:lnRef idx="0">
-            <a:scrgbClr r="0" g="0" b="0"/>
-          </a:lnRef>
-          <a:fillRef idx="0">
-            <a:scrgbClr r="0" g="0" b="0"/>
-          </a:fillRef>
-          <a:effectRef idx="0">
-            <a:scrgbClr r="0" g="0" b="0"/>
-          </a:effectRef>
-          <a:fontRef idx="minor"/>
-        </p:style>
-        <p:txBody>
-          <a:bodyPr lIns="90000" tIns="45000" rIns="90000" bIns="45000" anchor="t">
-            <a:spAutoFit/>
-          </a:bodyPr>
-          <a:lstStyle/>
-          <a:p>
-            <a:pPr defTabSz="914400">
-              <a:lnSpc>
-                <a:spcPct val="100000"/>
-              </a:lnSpc>
-            </a:pPr>
-            <a:r>
-              <a:rPr lang="en-US" sz="5000" b="1" u="none" strike="noStrike" spc="-300">
-                <a:solidFill>
-                  <a:schemeClr val="accent1">
-                    <a:lumMod val="50000"/>
-                  </a:schemeClr>
-                </a:solidFill>
-                <a:effectLst/>
-                <a:uFillTx/>
-                <a:latin typeface="Pretendard Black"/>
-                <a:ea typeface="Pretendard Black"/>
-              </a:rPr>
-              <a:t>J, JL_Type</a:t>
-            </a:r>
-            <a:endParaRPr lang="en-US" sz="5000" b="0" u="none" strike="noStrike">
-              <a:solidFill>
-                <a:srgbClr val="000000"/>
-              </a:solidFill>
-              <a:effectLst/>
-              <a:uFillTx/>
-              <a:latin typeface="맑은 고딕"/>
-            </a:endParaRPr>
-          </a:p>
-        </p:txBody>
-      </p:sp>
-      <p:pic>
-        <p:nvPicPr>
-          <p:cNvPr id="188" name="그림 187"/>
-          <p:cNvPicPr/>
-          <p:nvPr/>
-        </p:nvPicPr>
-        <p:blipFill>
-          <a:blip r:embed="rId2"/>
-          <a:stretch/>
-        </p:blipFill>
-        <p:spPr>
-          <a:xfrm>
-            <a:off x="-1080" y="3981960"/>
-            <a:ext cx="12191040" cy="1952640"/>
-          </a:xfrm>
-          <a:prstGeom prst="rect">
-            <a:avLst/>
-          </a:prstGeom>
-          <a:noFill/>
-          <a:ln w="0">
-            <a:noFill/>
-          </a:ln>
-        </p:spPr>
-      </p:pic>
-      <p:pic>
-        <p:nvPicPr>
-          <p:cNvPr id="189" name="그림 188"/>
-          <p:cNvPicPr/>
-          <p:nvPr/>
-        </p:nvPicPr>
-        <p:blipFill>
-          <a:blip r:embed="rId3"/>
-          <a:stretch/>
-        </p:blipFill>
-        <p:spPr>
-          <a:xfrm>
-            <a:off x="7492442" y="1152525"/>
-            <a:ext cx="4697518" cy="2828715"/>
-          </a:xfrm>
-          <a:prstGeom prst="rect">
-            <a:avLst/>
-          </a:prstGeom>
-          <a:noFill/>
-          <a:ln w="0">
-            <a:noFill/>
-          </a:ln>
-        </p:spPr>
-      </p:pic>
-      <p:sp>
-        <p:nvSpPr>
-          <p:cNvPr id="2" name="PlaceHolder 1"/>
-          <p:cNvSpPr>
-            <a:spLocks noGrp="1"/>
-          </p:cNvSpPr>
-          <p:nvPr>
-            <p:ph type="sldNum" idx="2"/>
-          </p:nvPr>
-        </p:nvSpPr>
-        <p:spPr/>
-        <p:txBody>
-          <a:bodyPr/>
-          <a:lstStyle/>
-          <a:p>
-            <a:fld id="{839DF8F8-ABF4-40EF-B612-0EBFEBF172D8}" type="slidenum">
-              <a:t>30</a:t>
-            </a:fld>
-            <a:endParaRPr/>
-          </a:p>
-        </p:txBody>
-      </p:sp>
-    </p:spTree>
-  </p:cSld>
-  <p:clrMapOvr>
-    <a:masterClrMapping/>
-  </p:clrMapOvr>
-  <mc:AlternateContent xmlns:mc="http://schemas.openxmlformats.org/markup-compatibility/2006" xmlns:p14="http://schemas.microsoft.com/office/powerpoint/2010/main">
-    <mc:Choice Requires="p14">
-      <p:transition spd="slow" p14:dur="2000"/>
-    </mc:Choice>
-    <mc:Fallback xmlns="" xmlns:p15="http://schemas.microsoft.com/office/powerpoint/2012/main">
-      <p:transition spd="slow"/>
-    </mc:Fallback>
-  </mc:AlternateContent>
-</p:sld>
-</file>
-
-<file path=ppt/slides/slide31.xml><?xml version="1.0" encoding="utf-8"?>
-<p:sld xmlns:a="http://schemas.openxmlformats.org/drawingml/2006/main" xmlns:r="http://schemas.openxmlformats.org/officeDocument/2006/relationships" xmlns:p="http://schemas.openxmlformats.org/presentationml/2006/main">
-  <p:cSld>
-    <p:spTree>
-      <p:nvGrpSpPr>
-        <p:cNvPr id="1" name=""/>
-        <p:cNvGrpSpPr/>
-        <p:nvPr/>
-      </p:nvGrpSpPr>
-      <p:grpSpPr>
-        <a:xfrm>
-          <a:off x="0" y="0"/>
-          <a:ext cx="0" cy="0"/>
-          <a:chOff x="0" y="0"/>
-          <a:chExt cx="0" cy="0"/>
-        </a:xfrm>
-      </p:grpSpPr>
-      <p:sp>
-        <p:nvSpPr>
           <p:cNvPr id="190" name="TextBox 47"/>
           <p:cNvSpPr/>
           <p:nvPr/>
@@ -16284,7 +16115,7 @@
           <a:lstStyle/>
           <a:p>
             <a:fld id="{9DCD5035-D2DC-4DD3-A989-F26CB647E0FB}" type="slidenum">
-              <a:t>31</a:t>
+              <a:t>30</a:t>
             </a:fld>
             <a:endParaRPr/>
           </a:p>
@@ -16306,7 +16137,7 @@
 </p:sld>
 </file>
 
-<file path=ppt/slides/slide32.xml><?xml version="1.0" encoding="utf-8"?>
+<file path=ppt/slides/slide31.xml><?xml version="1.0" encoding="utf-8"?>
 <p:sld xmlns:a="http://schemas.openxmlformats.org/drawingml/2006/main" xmlns:r="http://schemas.openxmlformats.org/officeDocument/2006/relationships" xmlns:p="http://schemas.openxmlformats.org/presentationml/2006/main">
   <p:cSld>
     <p:spTree>
@@ -16444,7 +16275,7 @@
           <a:lstStyle/>
           <a:p>
             <a:fld id="{A61311E9-4C3F-47D0-9BF5-74501CCB0DE0}" type="slidenum">
-              <a:t>32</a:t>
+              <a:t>31</a:t>
             </a:fld>
             <a:endParaRPr/>
           </a:p>
@@ -16471,7 +16302,7 @@
 </p:sld>
 </file>
 
-<file path=ppt/slides/slide33.xml><?xml version="1.0" encoding="utf-8"?>
+<file path=ppt/slides/slide32.xml><?xml version="1.0" encoding="utf-8"?>
 <p:sld xmlns:a="http://schemas.openxmlformats.org/drawingml/2006/main" xmlns:r="http://schemas.openxmlformats.org/officeDocument/2006/relationships" xmlns:p="http://schemas.openxmlformats.org/presentationml/2006/main">
   <p:cSld>
     <p:spTree>
@@ -16595,7 +16426,7 @@
           <a:lstStyle/>
           <a:p>
             <a:fld id="{AEF8C48B-369C-414E-AAB8-35E32836C57C}" type="slidenum">
-              <a:t>33</a:t>
+              <a:t>32</a:t>
             </a:fld>
             <a:endParaRPr/>
           </a:p>
@@ -16617,7 +16448,7 @@
 </p:sld>
 </file>
 
-<file path=ppt/slides/slide34.xml><?xml version="1.0" encoding="utf-8"?>
+<file path=ppt/slides/slide33.xml><?xml version="1.0" encoding="utf-8"?>
 <p:sld xmlns:a="http://schemas.openxmlformats.org/drawingml/2006/main" xmlns:r="http://schemas.openxmlformats.org/officeDocument/2006/relationships" xmlns:p="http://schemas.openxmlformats.org/presentationml/2006/main">
   <p:cSld>
     <p:spTree>
@@ -16741,7 +16572,7 @@
           <a:lstStyle/>
           <a:p>
             <a:fld id="{09FC2B51-3C72-4739-B393-D609518AAD4A}" type="slidenum">
-              <a:t>34</a:t>
+              <a:t>33</a:t>
             </a:fld>
             <a:endParaRPr/>
           </a:p>
@@ -16763,7 +16594,7 @@
 </p:sld>
 </file>
 
-<file path=ppt/slides/slide35.xml><?xml version="1.0" encoding="utf-8"?>
+<file path=ppt/slides/slide34.xml><?xml version="1.0" encoding="utf-8"?>
 <p:sld xmlns:a="http://schemas.openxmlformats.org/drawingml/2006/main" xmlns:r="http://schemas.openxmlformats.org/officeDocument/2006/relationships" xmlns:p="http://schemas.openxmlformats.org/presentationml/2006/main">
   <p:cSld>
     <p:spTree>
@@ -16887,7 +16718,7 @@
           <a:lstStyle/>
           <a:p>
             <a:fld id="{F35F7D29-586E-47F0-8516-B069F6539AFD}" type="slidenum">
-              <a:t>35</a:t>
+              <a:t>34</a:t>
             </a:fld>
             <a:endParaRPr/>
           </a:p>
@@ -16974,7 +16805,7 @@
 </p:sld>
 </file>
 
-<file path=ppt/slides/slide36.xml><?xml version="1.0" encoding="utf-8"?>
+<file path=ppt/slides/slide35.xml><?xml version="1.0" encoding="utf-8"?>
 <p:sld xmlns:a="http://schemas.openxmlformats.org/drawingml/2006/main" xmlns:r="http://schemas.openxmlformats.org/officeDocument/2006/relationships" xmlns:p="http://schemas.openxmlformats.org/presentationml/2006/main">
   <p:cSld>
     <p:bg>
@@ -17204,7 +17035,7 @@
           <a:lstStyle/>
           <a:p>
             <a:fld id="{92BA8466-D17B-482E-8A71-2AEB23E73F80}" type="slidenum">
-              <a:t>36</a:t>
+              <a:t>35</a:t>
             </a:fld>
             <a:endParaRPr/>
           </a:p>
@@ -17226,7 +17057,7 @@
 </p:sld>
 </file>
 
-<file path=ppt/slides/slide37.xml><?xml version="1.0" encoding="utf-8"?>
+<file path=ppt/slides/slide36.xml><?xml version="1.0" encoding="utf-8"?>
 <p:sld xmlns:a="http://schemas.openxmlformats.org/drawingml/2006/main" xmlns:r="http://schemas.openxmlformats.org/officeDocument/2006/relationships" xmlns:p="http://schemas.openxmlformats.org/presentationml/2006/main">
   <p:cSld>
     <p:spTree>
@@ -17773,7 +17604,7 @@
           <a:lstStyle/>
           <a:p>
             <a:fld id="{A84A90A0-8EC4-441F-ACBC-FEB2A802E153}" type="slidenum">
-              <a:t>37</a:t>
+              <a:t>36</a:t>
             </a:fld>
             <a:endParaRPr/>
           </a:p>
@@ -17819,7 +17650,7 @@
 </p:sld>
 </file>
 
-<file path=ppt/slides/slide38.xml><?xml version="1.0" encoding="utf-8"?>
+<file path=ppt/slides/slide37.xml><?xml version="1.0" encoding="utf-8"?>
 <p:sld xmlns:a="http://schemas.openxmlformats.org/drawingml/2006/main" xmlns:r="http://schemas.openxmlformats.org/officeDocument/2006/relationships" xmlns:p="http://schemas.openxmlformats.org/presentationml/2006/main">
   <p:cSld>
     <p:spTree>
@@ -18645,7 +18476,7 @@
           <a:lstStyle/>
           <a:p>
             <a:fld id="{89392D52-1E77-4359-AABB-B886937F5D07}" type="slidenum">
-              <a:t>38</a:t>
+              <a:t>37</a:t>
             </a:fld>
             <a:endParaRPr/>
           </a:p>
@@ -18776,7 +18607,7 @@
 </p:sld>
 </file>
 
-<file path=ppt/slides/slide39.xml><?xml version="1.0" encoding="utf-8"?>
+<file path=ppt/slides/slide38.xml><?xml version="1.0" encoding="utf-8"?>
 <p:sld xmlns:a="http://schemas.openxmlformats.org/drawingml/2006/main" xmlns:r="http://schemas.openxmlformats.org/officeDocument/2006/relationships" xmlns:p="http://schemas.openxmlformats.org/presentationml/2006/main">
   <p:cSld>
     <p:bg>
@@ -19006,7 +18837,7 @@
           <a:lstStyle/>
           <a:p>
             <a:fld id="{8E26EE72-1E59-4C96-89FD-E64F4B0CFD06}" type="slidenum">
-              <a:t>39</a:t>
+              <a:t>38</a:t>
             </a:fld>
             <a:endParaRPr/>
           </a:p>
@@ -19028,254 +18859,7 @@
 </p:sld>
 </file>
 
-<file path=ppt/slides/slide4.xml><?xml version="1.0" encoding="utf-8"?>
-<p:sld xmlns:a="http://schemas.openxmlformats.org/drawingml/2006/main" xmlns:r="http://schemas.openxmlformats.org/officeDocument/2006/relationships" xmlns:p="http://schemas.openxmlformats.org/presentationml/2006/main">
-  <p:cSld>
-    <p:spTree>
-      <p:nvGrpSpPr>
-        <p:cNvPr id="1" name=""/>
-        <p:cNvGrpSpPr/>
-        <p:nvPr/>
-      </p:nvGrpSpPr>
-      <p:grpSpPr>
-        <a:xfrm>
-          <a:off x="0" y="0"/>
-          <a:ext cx="0" cy="0"/>
-          <a:chOff x="0" y="0"/>
-          <a:chExt cx="0" cy="0"/>
-        </a:xfrm>
-      </p:grpSpPr>
-      <p:pic>
-        <p:nvPicPr>
-          <p:cNvPr id="80" name="그림 79"/>
-          <p:cNvPicPr/>
-          <p:nvPr/>
-        </p:nvPicPr>
-        <p:blipFill>
-          <a:blip r:embed="rId2"/>
-          <a:stretch/>
-        </p:blipFill>
-        <p:spPr>
-          <a:xfrm>
-            <a:off x="8211606" y="4825876"/>
-            <a:ext cx="3308394" cy="1079624"/>
-          </a:xfrm>
-          <a:prstGeom prst="rect">
-            <a:avLst/>
-          </a:prstGeom>
-          <a:noFill/>
-          <a:ln w="0">
-            <a:noFill/>
-          </a:ln>
-        </p:spPr>
-      </p:pic>
-      <p:pic>
-        <p:nvPicPr>
-          <p:cNvPr id="81" name="그림 80"/>
-          <p:cNvPicPr/>
-          <p:nvPr/>
-        </p:nvPicPr>
-        <p:blipFill>
-          <a:blip r:embed="rId3"/>
-          <a:stretch/>
-        </p:blipFill>
-        <p:spPr>
-          <a:xfrm>
-            <a:off x="8215200" y="3385875"/>
-            <a:ext cx="3304800" cy="1380600"/>
-          </a:xfrm>
-          <a:prstGeom prst="rect">
-            <a:avLst/>
-          </a:prstGeom>
-          <a:noFill/>
-          <a:ln w="0">
-            <a:noFill/>
-          </a:ln>
-        </p:spPr>
-      </p:pic>
-      <p:sp>
-        <p:nvSpPr>
-          <p:cNvPr id="2" name="PlaceHolder 1"/>
-          <p:cNvSpPr>
-            <a:spLocks noGrp="1"/>
-          </p:cNvSpPr>
-          <p:nvPr>
-            <p:ph type="sldNum" idx="2"/>
-          </p:nvPr>
-        </p:nvSpPr>
-        <p:spPr/>
-        <p:txBody>
-          <a:bodyPr/>
-          <a:lstStyle/>
-          <a:p>
-            <a:fld id="{4CD49E3B-66C5-4838-BC82-1B2F04785E55}" type="slidenum">
-              <a:t>4</a:t>
-            </a:fld>
-            <a:endParaRPr/>
-          </a:p>
-        </p:txBody>
-      </p:sp>
-      <p:pic>
-        <p:nvPicPr>
-          <p:cNvPr id="1028" name="Picture 4" descr="New and Improved SystemVerilog 1800-2017 - Verification Horizons"/>
-          <p:cNvPicPr>
-            <a:picLocks noChangeAspect="1" noChangeArrowheads="1"/>
-          </p:cNvPicPr>
-          <p:nvPr/>
-        </p:nvPicPr>
-        <p:blipFill>
-          <a:blip r:embed="rId4">
-            <a:extLst>
-              <a:ext uri="{28A0092B-C50C-407E-A947-70E740481C1C}">
-                <a14:useLocalDpi xmlns:a14="http://schemas.microsoft.com/office/drawing/2010/main" val="0"/>
-              </a:ext>
-            </a:extLst>
-          </a:blip>
-          <a:srcRect/>
-          <a:stretch>
-            <a:fillRect/>
-          </a:stretch>
-        </p:blipFill>
-        <p:spPr bwMode="auto">
-          <a:xfrm>
-            <a:off x="8211606" y="1908591"/>
-            <a:ext cx="3308394" cy="1417884"/>
-          </a:xfrm>
-          <a:prstGeom prst="rect">
-            <a:avLst/>
-          </a:prstGeom>
-          <a:noFill/>
-          <a:extLst>
-            <a:ext uri="{909E8E84-426E-40DD-AFC4-6F175D3DCCD1}">
-              <a14:hiddenFill xmlns:a14="http://schemas.microsoft.com/office/drawing/2010/main">
-                <a:solidFill>
-                  <a:srgbClr val="FFFFFF"/>
-                </a:solidFill>
-              </a14:hiddenFill>
-            </a:ext>
-          </a:extLst>
-        </p:spPr>
-      </p:pic>
-      <p:sp>
-        <p:nvSpPr>
-          <p:cNvPr id="9" name="TextBox 65"/>
-          <p:cNvSpPr/>
-          <p:nvPr/>
-        </p:nvSpPr>
-        <p:spPr>
-          <a:xfrm>
-            <a:off x="330321" y="5199068"/>
-            <a:ext cx="7071660" cy="706432"/>
-          </a:xfrm>
-          <a:prstGeom prst="rect">
-            <a:avLst/>
-          </a:prstGeom>
-          <a:noFill/>
-          <a:ln w="0">
-            <a:noFill/>
-          </a:ln>
-        </p:spPr>
-        <p:style>
-          <a:lnRef idx="0">
-            <a:scrgbClr r="0" g="0" b="0"/>
-          </a:lnRef>
-          <a:fillRef idx="0">
-            <a:scrgbClr r="0" g="0" b="0"/>
-          </a:fillRef>
-          <a:effectRef idx="0">
-            <a:scrgbClr r="0" g="0" b="0"/>
-          </a:effectRef>
-          <a:fontRef idx="minor"/>
-        </p:style>
-        <p:txBody>
-          <a:bodyPr wrap="square" lIns="90000" tIns="45000" rIns="90000" bIns="45000" anchor="t">
-            <a:spAutoFit/>
-          </a:bodyPr>
-          <a:lstStyle/>
-          <a:p>
-            <a:pPr defTabSz="914400">
-              <a:lnSpc>
-                <a:spcPct val="100000"/>
-              </a:lnSpc>
-            </a:pPr>
-            <a:r>
-              <a:rPr lang="ko-KR" altLang="en-US" sz="2000" dirty="0" smtClean="0">
-                <a:solidFill>
-                  <a:srgbClr val="000000"/>
-                </a:solidFill>
-                <a:latin typeface="맑은 고딕"/>
-              </a:rPr>
-              <a:t>프로젝트 관리</a:t>
-            </a:r>
-            <a:r>
-              <a:rPr lang="en-US" altLang="ko-KR" sz="2000" dirty="0" smtClean="0">
-                <a:solidFill>
-                  <a:srgbClr val="000000"/>
-                </a:solidFill>
-                <a:latin typeface="맑은 고딕"/>
-              </a:rPr>
-              <a:t>: GIT</a:t>
-            </a:r>
-          </a:p>
-          <a:p>
-            <a:pPr defTabSz="914400">
-              <a:lnSpc>
-                <a:spcPct val="100000"/>
-              </a:lnSpc>
-            </a:pPr>
-            <a:r>
-              <a:rPr lang="ko-KR" altLang="en-US" sz="2000" dirty="0" smtClean="0">
-                <a:solidFill>
-                  <a:srgbClr val="000000"/>
-                </a:solidFill>
-                <a:latin typeface="맑은 고딕"/>
-              </a:rPr>
-              <a:t>시뮬레이션 및 회로 합성</a:t>
-            </a:r>
-            <a:r>
-              <a:rPr lang="en-US" altLang="ko-KR" sz="2000" dirty="0" smtClean="0">
-                <a:solidFill>
-                  <a:srgbClr val="000000"/>
-                </a:solidFill>
-                <a:latin typeface="맑은 고딕"/>
-              </a:rPr>
-              <a:t>: VIVADO</a:t>
-            </a:r>
-            <a:endParaRPr lang="en-US" sz="2000" b="0" u="none" strike="noStrike" dirty="0">
-              <a:solidFill>
-                <a:srgbClr val="000000"/>
-              </a:solidFill>
-              <a:effectLst/>
-              <a:uFillTx/>
-              <a:latin typeface="맑은 고딕"/>
-            </a:endParaRPr>
-          </a:p>
-        </p:txBody>
-      </p:sp>
-    </p:spTree>
-  </p:cSld>
-  <p:clrMapOvr>
-    <a:masterClrMapping/>
-  </p:clrMapOvr>
-  <mc:AlternateContent xmlns:mc="http://schemas.openxmlformats.org/markup-compatibility/2006" xmlns:p14="http://schemas.microsoft.com/office/powerpoint/2010/main">
-    <mc:Choice Requires="p14">
-      <p:transition spd="slow" p14:dur="2000"/>
-    </mc:Choice>
-    <mc:Fallback xmlns="" xmlns:p15="http://schemas.microsoft.com/office/powerpoint/2012/main">
-      <p:transition spd="slow"/>
-    </mc:Fallback>
-  </mc:AlternateContent>
-  <p:timing>
-    <p:tnLst>
-      <p:par>
-        <p:cTn id="1" dur="indefinite" restart="never" nodeType="tmRoot"/>
-      </p:par>
-    </p:tnLst>
-  </p:timing>
-</p:sld>
-</file>
-
-<file path=ppt/slides/slide40.xml><?xml version="1.0" encoding="utf-8"?>
+<file path=ppt/slides/slide39.xml><?xml version="1.0" encoding="utf-8"?>
 <p:sld xmlns:a="http://schemas.openxmlformats.org/drawingml/2006/main" xmlns:r="http://schemas.openxmlformats.org/officeDocument/2006/relationships" xmlns:p="http://schemas.openxmlformats.org/presentationml/2006/main">
   <p:cSld>
     <p:spTree>
@@ -19748,7 +19332,7 @@
           <a:lstStyle/>
           <a:p>
             <a:fld id="{E4A73E57-A4FB-48DA-B7AA-1FDA145F819C}" type="slidenum">
-              <a:t>40</a:t>
+              <a:t>39</a:t>
             </a:fld>
             <a:endParaRPr/>
           </a:p>
@@ -19857,7 +19441,254 @@
 </p:sld>
 </file>
 
-<file path=ppt/slides/slide41.xml><?xml version="1.0" encoding="utf-8"?>
+<file path=ppt/slides/slide4.xml><?xml version="1.0" encoding="utf-8"?>
+<p:sld xmlns:a="http://schemas.openxmlformats.org/drawingml/2006/main" xmlns:r="http://schemas.openxmlformats.org/officeDocument/2006/relationships" xmlns:p="http://schemas.openxmlformats.org/presentationml/2006/main">
+  <p:cSld>
+    <p:spTree>
+      <p:nvGrpSpPr>
+        <p:cNvPr id="1" name=""/>
+        <p:cNvGrpSpPr/>
+        <p:nvPr/>
+      </p:nvGrpSpPr>
+      <p:grpSpPr>
+        <a:xfrm>
+          <a:off x="0" y="0"/>
+          <a:ext cx="0" cy="0"/>
+          <a:chOff x="0" y="0"/>
+          <a:chExt cx="0" cy="0"/>
+        </a:xfrm>
+      </p:grpSpPr>
+      <p:pic>
+        <p:nvPicPr>
+          <p:cNvPr id="80" name="그림 79"/>
+          <p:cNvPicPr/>
+          <p:nvPr/>
+        </p:nvPicPr>
+        <p:blipFill>
+          <a:blip r:embed="rId2"/>
+          <a:stretch/>
+        </p:blipFill>
+        <p:spPr>
+          <a:xfrm>
+            <a:off x="8211606" y="4825876"/>
+            <a:ext cx="3308394" cy="1079624"/>
+          </a:xfrm>
+          <a:prstGeom prst="rect">
+            <a:avLst/>
+          </a:prstGeom>
+          <a:noFill/>
+          <a:ln w="0">
+            <a:noFill/>
+          </a:ln>
+        </p:spPr>
+      </p:pic>
+      <p:pic>
+        <p:nvPicPr>
+          <p:cNvPr id="81" name="그림 80"/>
+          <p:cNvPicPr/>
+          <p:nvPr/>
+        </p:nvPicPr>
+        <p:blipFill>
+          <a:blip r:embed="rId3"/>
+          <a:stretch/>
+        </p:blipFill>
+        <p:spPr>
+          <a:xfrm>
+            <a:off x="8215200" y="3385875"/>
+            <a:ext cx="3304800" cy="1380600"/>
+          </a:xfrm>
+          <a:prstGeom prst="rect">
+            <a:avLst/>
+          </a:prstGeom>
+          <a:noFill/>
+          <a:ln w="0">
+            <a:noFill/>
+          </a:ln>
+        </p:spPr>
+      </p:pic>
+      <p:sp>
+        <p:nvSpPr>
+          <p:cNvPr id="2" name="PlaceHolder 1"/>
+          <p:cNvSpPr>
+            <a:spLocks noGrp="1"/>
+          </p:cNvSpPr>
+          <p:nvPr>
+            <p:ph type="sldNum" idx="2"/>
+          </p:nvPr>
+        </p:nvSpPr>
+        <p:spPr/>
+        <p:txBody>
+          <a:bodyPr/>
+          <a:lstStyle/>
+          <a:p>
+            <a:fld id="{4CD49E3B-66C5-4838-BC82-1B2F04785E55}" type="slidenum">
+              <a:t>4</a:t>
+            </a:fld>
+            <a:endParaRPr/>
+          </a:p>
+        </p:txBody>
+      </p:sp>
+      <p:pic>
+        <p:nvPicPr>
+          <p:cNvPr id="1028" name="Picture 4" descr="New and Improved SystemVerilog 1800-2017 - Verification Horizons"/>
+          <p:cNvPicPr>
+            <a:picLocks noChangeAspect="1" noChangeArrowheads="1"/>
+          </p:cNvPicPr>
+          <p:nvPr/>
+        </p:nvPicPr>
+        <p:blipFill>
+          <a:blip r:embed="rId4">
+            <a:extLst>
+              <a:ext uri="{28A0092B-C50C-407E-A947-70E740481C1C}">
+                <a14:useLocalDpi xmlns:a14="http://schemas.microsoft.com/office/drawing/2010/main" val="0"/>
+              </a:ext>
+            </a:extLst>
+          </a:blip>
+          <a:srcRect/>
+          <a:stretch>
+            <a:fillRect/>
+          </a:stretch>
+        </p:blipFill>
+        <p:spPr bwMode="auto">
+          <a:xfrm>
+            <a:off x="8211606" y="1908591"/>
+            <a:ext cx="3308394" cy="1417884"/>
+          </a:xfrm>
+          <a:prstGeom prst="rect">
+            <a:avLst/>
+          </a:prstGeom>
+          <a:noFill/>
+          <a:extLst>
+            <a:ext uri="{909E8E84-426E-40DD-AFC4-6F175D3DCCD1}">
+              <a14:hiddenFill xmlns:a14="http://schemas.microsoft.com/office/drawing/2010/main">
+                <a:solidFill>
+                  <a:srgbClr val="FFFFFF"/>
+                </a:solidFill>
+              </a14:hiddenFill>
+            </a:ext>
+          </a:extLst>
+        </p:spPr>
+      </p:pic>
+      <p:sp>
+        <p:nvSpPr>
+          <p:cNvPr id="9" name="TextBox 65"/>
+          <p:cNvSpPr/>
+          <p:nvPr/>
+        </p:nvSpPr>
+        <p:spPr>
+          <a:xfrm>
+            <a:off x="330321" y="5199068"/>
+            <a:ext cx="7071660" cy="706432"/>
+          </a:xfrm>
+          <a:prstGeom prst="rect">
+            <a:avLst/>
+          </a:prstGeom>
+          <a:noFill/>
+          <a:ln w="0">
+            <a:noFill/>
+          </a:ln>
+        </p:spPr>
+        <p:style>
+          <a:lnRef idx="0">
+            <a:scrgbClr r="0" g="0" b="0"/>
+          </a:lnRef>
+          <a:fillRef idx="0">
+            <a:scrgbClr r="0" g="0" b="0"/>
+          </a:fillRef>
+          <a:effectRef idx="0">
+            <a:scrgbClr r="0" g="0" b="0"/>
+          </a:effectRef>
+          <a:fontRef idx="minor"/>
+        </p:style>
+        <p:txBody>
+          <a:bodyPr wrap="square" lIns="90000" tIns="45000" rIns="90000" bIns="45000" anchor="t">
+            <a:spAutoFit/>
+          </a:bodyPr>
+          <a:lstStyle/>
+          <a:p>
+            <a:pPr defTabSz="914400">
+              <a:lnSpc>
+                <a:spcPct val="100000"/>
+              </a:lnSpc>
+            </a:pPr>
+            <a:r>
+              <a:rPr lang="ko-KR" altLang="en-US" sz="2000" dirty="0" smtClean="0">
+                <a:solidFill>
+                  <a:srgbClr val="000000"/>
+                </a:solidFill>
+                <a:latin typeface="맑은 고딕"/>
+              </a:rPr>
+              <a:t>프로젝트 관리</a:t>
+            </a:r>
+            <a:r>
+              <a:rPr lang="en-US" altLang="ko-KR" sz="2000" dirty="0" smtClean="0">
+                <a:solidFill>
+                  <a:srgbClr val="000000"/>
+                </a:solidFill>
+                <a:latin typeface="맑은 고딕"/>
+              </a:rPr>
+              <a:t>: GIT</a:t>
+            </a:r>
+          </a:p>
+          <a:p>
+            <a:pPr defTabSz="914400">
+              <a:lnSpc>
+                <a:spcPct val="100000"/>
+              </a:lnSpc>
+            </a:pPr>
+            <a:r>
+              <a:rPr lang="ko-KR" altLang="en-US" sz="2000" dirty="0" smtClean="0">
+                <a:solidFill>
+                  <a:srgbClr val="000000"/>
+                </a:solidFill>
+                <a:latin typeface="맑은 고딕"/>
+              </a:rPr>
+              <a:t>시뮬레이션 및 회로 합성</a:t>
+            </a:r>
+            <a:r>
+              <a:rPr lang="en-US" altLang="ko-KR" sz="2000" dirty="0" smtClean="0">
+                <a:solidFill>
+                  <a:srgbClr val="000000"/>
+                </a:solidFill>
+                <a:latin typeface="맑은 고딕"/>
+              </a:rPr>
+              <a:t>: VIVADO</a:t>
+            </a:r>
+            <a:endParaRPr lang="en-US" sz="2000" b="0" u="none" strike="noStrike" dirty="0">
+              <a:solidFill>
+                <a:srgbClr val="000000"/>
+              </a:solidFill>
+              <a:effectLst/>
+              <a:uFillTx/>
+              <a:latin typeface="맑은 고딕"/>
+            </a:endParaRPr>
+          </a:p>
+        </p:txBody>
+      </p:sp>
+    </p:spTree>
+  </p:cSld>
+  <p:clrMapOvr>
+    <a:masterClrMapping/>
+  </p:clrMapOvr>
+  <mc:AlternateContent xmlns:mc="http://schemas.openxmlformats.org/markup-compatibility/2006" xmlns:p14="http://schemas.microsoft.com/office/powerpoint/2010/main">
+    <mc:Choice Requires="p14">
+      <p:transition spd="slow" p14:dur="2000"/>
+    </mc:Choice>
+    <mc:Fallback xmlns="" xmlns:p15="http://schemas.microsoft.com/office/powerpoint/2012/main">
+      <p:transition spd="slow"/>
+    </mc:Fallback>
+  </mc:AlternateContent>
+  <p:timing>
+    <p:tnLst>
+      <p:par>
+        <p:cTn id="1" dur="indefinite" restart="never" nodeType="tmRoot"/>
+      </p:par>
+    </p:tnLst>
+  </p:timing>
+</p:sld>
+</file>
+
+<file path=ppt/slides/slide40.xml><?xml version="1.0" encoding="utf-8"?>
 <p:sld xmlns:a="http://schemas.openxmlformats.org/drawingml/2006/main" xmlns:r="http://schemas.openxmlformats.org/officeDocument/2006/relationships" xmlns:p="http://schemas.openxmlformats.org/presentationml/2006/main">
   <p:cSld>
     <p:spTree>
@@ -20158,7 +19989,7 @@
           <a:lstStyle/>
           <a:p>
             <a:fld id="{5BA1C0EC-159C-4C58-B140-AF97273DA943}" type="slidenum">
-              <a:t>41</a:t>
+              <a:t>40</a:t>
             </a:fld>
             <a:endParaRPr/>
           </a:p>
@@ -20180,7 +20011,7 @@
 </p:sld>
 </file>
 
-<file path=ppt/slides/slide42.xml><?xml version="1.0" encoding="utf-8"?>
+<file path=ppt/slides/slide41.xml><?xml version="1.0" encoding="utf-8"?>
 <p:sld xmlns:a="http://schemas.openxmlformats.org/drawingml/2006/main" xmlns:r="http://schemas.openxmlformats.org/officeDocument/2006/relationships" xmlns:p="http://schemas.openxmlformats.org/presentationml/2006/main">
   <p:cSld>
     <p:bg>
@@ -20399,7 +20230,7 @@
           <a:lstStyle/>
           <a:p>
             <a:fld id="{1F31FFD2-79FC-4D33-912B-80A0255C1492}" type="slidenum">
-              <a:t>42</a:t>
+              <a:t>41</a:t>
             </a:fld>
             <a:endParaRPr/>
           </a:p>
@@ -21751,6 +21582,30 @@
           </a:p>
         </p:txBody>
       </p:sp>
+      <p:pic>
+        <p:nvPicPr>
+          <p:cNvPr id="94" name="그림 93"/>
+          <p:cNvPicPr/>
+          <p:nvPr/>
+        </p:nvPicPr>
+        <p:blipFill>
+          <a:blip r:embed="rId2"/>
+          <a:stretch/>
+        </p:blipFill>
+        <p:spPr>
+          <a:xfrm>
+            <a:off x="3288600" y="486000"/>
+            <a:ext cx="8179920" cy="5633280"/>
+          </a:xfrm>
+          <a:prstGeom prst="rect">
+            <a:avLst/>
+          </a:prstGeom>
+          <a:noFill/>
+          <a:ln w="0">
+            <a:noFill/>
+          </a:ln>
+        </p:spPr>
+      </p:pic>
       <p:sp>
         <p:nvSpPr>
           <p:cNvPr id="2" name="PlaceHolder 1"/>
@@ -21781,8 +21636,8 @@
         </p:nvSpPr>
         <p:spPr>
           <a:xfrm>
-            <a:off x="357839" y="1339199"/>
-            <a:ext cx="10910235" cy="706432"/>
+            <a:off x="228601" y="1339199"/>
+            <a:ext cx="3060000" cy="1321985"/>
           </a:xfrm>
           <a:prstGeom prst="rect">
             <a:avLst/>
@@ -21875,7 +21730,7 @@
               </a:lnSpc>
             </a:pPr>
             <a:r>
-              <a:rPr lang="en-US" sz="2000" b="1" dirty="0" smtClean="0">
+              <a:rPr lang="en-US" altLang="ko-KR" sz="2000" b="1" dirty="0" smtClean="0">
                 <a:solidFill>
                   <a:schemeClr val="accent1">
                     <a:lumMod val="50000"/>
@@ -21883,7 +21738,7 @@
                 </a:solidFill>
                 <a:latin typeface="Pretendard"/>
               </a:rPr>
-              <a:t>CISC</a:t>
+              <a:t>ARM</a:t>
             </a:r>
             <a:r>
               <a:rPr lang="ko-KR" altLang="en-US" sz="2000" b="1" dirty="0" smtClean="0">
@@ -21894,10 +21749,10 @@
                 </a:solidFill>
                 <a:latin typeface="Pretendard"/>
               </a:rPr>
-              <a:t>에 비해 </a:t>
-            </a:r>
-            <a:r>
-              <a:rPr lang="ko-KR" altLang="en-US" sz="2000" b="1" dirty="0" err="1" smtClean="0">
+              <a:t>에 비해 단순한 구조</a:t>
+            </a:r>
+            <a:r>
+              <a:rPr lang="en-US" altLang="ko-KR" sz="2000" b="1" dirty="0" smtClean="0">
                 <a:solidFill>
                   <a:schemeClr val="accent1">
                     <a:lumMod val="50000"/>
@@ -21905,30 +21760,15 @@
                 </a:solidFill>
                 <a:latin typeface="Pretendard"/>
               </a:rPr>
-              <a:t>인스트럭션구조가</a:t>
-            </a:r>
-            <a:r>
-              <a:rPr lang="ko-KR" altLang="en-US" sz="2000" b="1" dirty="0" smtClean="0">
-                <a:solidFill>
-                  <a:schemeClr val="accent1">
-                    <a:lumMod val="50000"/>
-                  </a:schemeClr>
-                </a:solidFill>
-                <a:latin typeface="Pretendard"/>
-              </a:rPr>
-              <a:t> 단순</a:t>
-            </a:r>
-            <a:r>
-              <a:rPr lang="en-US" altLang="ko-KR" sz="2000" b="1" dirty="0">
-                <a:solidFill>
-                  <a:schemeClr val="accent1">
-                    <a:lumMod val="50000"/>
-                  </a:schemeClr>
-                </a:solidFill>
-                <a:latin typeface="Pretendard"/>
-              </a:rPr>
               <a:t> </a:t>
             </a:r>
+          </a:p>
+          <a:p>
+            <a:pPr algn="just" defTabSz="914400">
+              <a:lnSpc>
+                <a:spcPct val="100000"/>
+              </a:lnSpc>
+            </a:pPr>
             <a:r>
               <a:rPr lang="en-US" altLang="ko-KR" sz="2000" b="1" dirty="0" smtClean="0">
                 <a:solidFill>
@@ -21963,11 +21803,6 @@
         </p:txBody>
       </p:sp>
     </p:spTree>
-    <p:extLst>
-      <p:ext uri="{BB962C8B-B14F-4D97-AF65-F5344CB8AC3E}">
-        <p14:creationId xmlns:p14="http://schemas.microsoft.com/office/powerpoint/2010/main" val="3417564045"/>
-      </p:ext>
-    </p:extLst>
   </p:cSld>
   <p:clrMapOvr>
     <a:masterClrMapping/>
@@ -22009,14 +21844,14 @@
       </p:grpSpPr>
       <p:sp>
         <p:nvSpPr>
-          <p:cNvPr id="93" name="TextBox 22"/>
+          <p:cNvPr id="95" name="TextBox 16"/>
           <p:cNvSpPr/>
           <p:nvPr/>
         </p:nvSpPr>
         <p:spPr>
           <a:xfrm flipH="1">
-            <a:off x="434160" y="486000"/>
-            <a:ext cx="7755480" cy="853200"/>
+            <a:off x="434880" y="486000"/>
+            <a:ext cx="5832570" cy="860320"/>
           </a:xfrm>
           <a:prstGeom prst="rect">
             <a:avLst/>
@@ -22039,7 +21874,7 @@
           <a:fontRef idx="minor"/>
         </p:style>
         <p:txBody>
-          <a:bodyPr lIns="90000" tIns="45000" rIns="90000" bIns="45000" anchor="t">
+          <a:bodyPr wrap="square" lIns="90000" tIns="45000" rIns="90000" bIns="45000" anchor="t">
             <a:spAutoFit/>
           </a:bodyPr>
           <a:lstStyle/>
@@ -22050,7 +21885,7 @@
               </a:lnSpc>
             </a:pPr>
             <a:r>
-              <a:rPr lang="en-US" sz="5000" b="1" u="none" strike="noStrike" spc="-300">
+              <a:rPr lang="en-US" sz="5000" b="1" u="none" strike="noStrike" spc="-300" dirty="0" err="1">
                 <a:solidFill>
                   <a:schemeClr val="accent1">
                     <a:lumMod val="50000"/>
@@ -22061,9 +21896,23 @@
                 <a:latin typeface="Pretendard Black"/>
                 <a:ea typeface="Pretendard Black"/>
               </a:rPr>
-              <a:t>RISC - V</a:t>
-            </a:r>
-            <a:endParaRPr lang="en-US" sz="5000" b="0" u="none" strike="noStrike">
+              <a:t>Singel</a:t>
+            </a:r>
+            <a:r>
+              <a:rPr lang="en-US" sz="5000" b="1" u="none" strike="noStrike" spc="-300" dirty="0">
+                <a:solidFill>
+                  <a:schemeClr val="accent1">
+                    <a:lumMod val="50000"/>
+                  </a:schemeClr>
+                </a:solidFill>
+                <a:effectLst/>
+                <a:uFillTx/>
+                <a:latin typeface="Pretendard Black"/>
+                <a:ea typeface="Pretendard Black"/>
+              </a:rPr>
+              <a:t> Cycle RISC - V</a:t>
+            </a:r>
+            <a:endParaRPr lang="en-US" sz="5000" b="0" u="none" strike="noStrike" dirty="0">
               <a:solidFill>
                 <a:srgbClr val="000000"/>
               </a:solidFill>
@@ -22076,18 +21925,19 @@
       </p:sp>
       <p:pic>
         <p:nvPicPr>
-          <p:cNvPr id="94" name="그림 93"/>
+          <p:cNvPr id="96" name="그림 95"/>
           <p:cNvPicPr/>
           <p:nvPr/>
         </p:nvPicPr>
         <p:blipFill>
           <a:blip r:embed="rId2"/>
+          <a:srcRect r="66024"/>
           <a:stretch/>
         </p:blipFill>
         <p:spPr>
           <a:xfrm>
-            <a:off x="3288600" y="486000"/>
-            <a:ext cx="8179920" cy="5633280"/>
+            <a:off x="900000" y="2144160"/>
+            <a:ext cx="10619640" cy="4840560"/>
           </a:xfrm>
           <a:prstGeom prst="rect">
             <a:avLst/>
@@ -22113,184 +21963,10 @@
           <a:bodyPr/>
           <a:lstStyle/>
           <a:p>
-            <a:fld id="{039B35E5-FC26-49ED-8429-FED93CBB8072}" type="slidenum">
+            <a:fld id="{CA9910C8-F2C8-4FAE-A0FB-B082F0BAF8E9}" type="slidenum">
               <a:t>9</a:t>
             </a:fld>
             <a:endParaRPr/>
-          </a:p>
-        </p:txBody>
-      </p:sp>
-      <p:sp>
-        <p:nvSpPr>
-          <p:cNvPr id="5" name="TextBox 65"/>
-          <p:cNvSpPr/>
-          <p:nvPr/>
-        </p:nvSpPr>
-        <p:spPr>
-          <a:xfrm>
-            <a:off x="228601" y="1339199"/>
-            <a:ext cx="3060000" cy="1321985"/>
-          </a:xfrm>
-          <a:prstGeom prst="rect">
-            <a:avLst/>
-          </a:prstGeom>
-          <a:noFill/>
-          <a:ln w="0">
-            <a:noFill/>
-          </a:ln>
-        </p:spPr>
-        <p:style>
-          <a:lnRef idx="0">
-            <a:scrgbClr r="0" g="0" b="0"/>
-          </a:lnRef>
-          <a:fillRef idx="0">
-            <a:scrgbClr r="0" g="0" b="0"/>
-          </a:fillRef>
-          <a:effectRef idx="0">
-            <a:scrgbClr r="0" g="0" b="0"/>
-          </a:effectRef>
-          <a:fontRef idx="minor"/>
-        </p:style>
-        <p:txBody>
-          <a:bodyPr wrap="square" lIns="90000" tIns="45000" rIns="90000" bIns="45000" anchor="t">
-            <a:spAutoFit/>
-          </a:bodyPr>
-          <a:lstStyle/>
-          <a:p>
-            <a:pPr algn="just" defTabSz="914400">
-              <a:lnSpc>
-                <a:spcPct val="100000"/>
-              </a:lnSpc>
-            </a:pPr>
-            <a:r>
-              <a:rPr lang="en-US" sz="2000" b="1" dirty="0" smtClean="0">
-                <a:solidFill>
-                  <a:schemeClr val="accent1">
-                    <a:lumMod val="50000"/>
-                  </a:schemeClr>
-                </a:solidFill>
-                <a:latin typeface="Pretendard"/>
-              </a:rPr>
-              <a:t>UC</a:t>
-            </a:r>
-            <a:r>
-              <a:rPr lang="ko-KR" altLang="en-US" sz="2000" b="1" dirty="0" smtClean="0">
-                <a:solidFill>
-                  <a:schemeClr val="accent1">
-                    <a:lumMod val="50000"/>
-                  </a:schemeClr>
-                </a:solidFill>
-                <a:latin typeface="Pretendard"/>
-              </a:rPr>
-              <a:t>버클리에서 개발중인 오픈소스</a:t>
-            </a:r>
-            <a:r>
-              <a:rPr lang="en-US" altLang="ko-KR" sz="2000" b="1" dirty="0" smtClean="0">
-                <a:solidFill>
-                  <a:schemeClr val="accent1">
-                    <a:lumMod val="50000"/>
-                  </a:schemeClr>
-                </a:solidFill>
-                <a:latin typeface="Pretendard"/>
-              </a:rPr>
-              <a:t>CPU</a:t>
-            </a:r>
-            <a:r>
-              <a:rPr lang="ko-KR" altLang="en-US" sz="2000" b="1" dirty="0" smtClean="0">
-                <a:solidFill>
-                  <a:schemeClr val="accent1">
-                    <a:lumMod val="50000"/>
-                  </a:schemeClr>
-                </a:solidFill>
-                <a:latin typeface="Pretendard"/>
-              </a:rPr>
-              <a:t>아키텍처</a:t>
-            </a:r>
-            <a:endParaRPr lang="en-US" altLang="ko-KR" sz="2000" b="1" dirty="0" smtClean="0">
-              <a:solidFill>
-                <a:schemeClr val="accent1">
-                  <a:lumMod val="50000"/>
-                </a:schemeClr>
-              </a:solidFill>
-              <a:latin typeface="Pretendard"/>
-            </a:endParaRPr>
-          </a:p>
-          <a:p>
-            <a:pPr algn="just" defTabSz="914400">
-              <a:lnSpc>
-                <a:spcPct val="100000"/>
-              </a:lnSpc>
-            </a:pPr>
-            <a:r>
-              <a:rPr lang="en-US" altLang="ko-KR" sz="2000" b="1" dirty="0" smtClean="0">
-                <a:solidFill>
-                  <a:schemeClr val="accent1">
-                    <a:lumMod val="50000"/>
-                  </a:schemeClr>
-                </a:solidFill>
-                <a:latin typeface="Pretendard"/>
-              </a:rPr>
-              <a:t>ARM</a:t>
-            </a:r>
-            <a:r>
-              <a:rPr lang="ko-KR" altLang="en-US" sz="2000" b="1" dirty="0" smtClean="0">
-                <a:solidFill>
-                  <a:schemeClr val="accent1">
-                    <a:lumMod val="50000"/>
-                  </a:schemeClr>
-                </a:solidFill>
-                <a:latin typeface="Pretendard"/>
-              </a:rPr>
-              <a:t>에 비해 단순한 구조</a:t>
-            </a:r>
-            <a:r>
-              <a:rPr lang="en-US" altLang="ko-KR" sz="2000" b="1" dirty="0" smtClean="0">
-                <a:solidFill>
-                  <a:schemeClr val="accent1">
-                    <a:lumMod val="50000"/>
-                  </a:schemeClr>
-                </a:solidFill>
-                <a:latin typeface="Pretendard"/>
-              </a:rPr>
-              <a:t> </a:t>
-            </a:r>
-          </a:p>
-          <a:p>
-            <a:pPr algn="just" defTabSz="914400">
-              <a:lnSpc>
-                <a:spcPct val="100000"/>
-              </a:lnSpc>
-            </a:pPr>
-            <a:r>
-              <a:rPr lang="en-US" altLang="ko-KR" sz="2000" b="1" dirty="0" smtClean="0">
-                <a:solidFill>
-                  <a:schemeClr val="accent1">
-                    <a:lumMod val="50000"/>
-                  </a:schemeClr>
-                </a:solidFill>
-                <a:latin typeface="Pretendard"/>
-              </a:rPr>
-              <a:t>– </a:t>
-            </a:r>
-            <a:r>
-              <a:rPr lang="ko-KR" altLang="en-US" sz="2000" b="1" dirty="0" smtClean="0">
-                <a:solidFill>
-                  <a:schemeClr val="accent1">
-                    <a:lumMod val="50000"/>
-                  </a:schemeClr>
-                </a:solidFill>
-                <a:latin typeface="Pretendard"/>
-              </a:rPr>
-              <a:t>저전력 고효율</a:t>
-            </a:r>
-            <a:endParaRPr lang="en-US" altLang="ko-KR" sz="2000" b="1" dirty="0" smtClean="0">
-              <a:solidFill>
-                <a:schemeClr val="accent1">
-                  <a:lumMod val="50000"/>
-                </a:schemeClr>
-              </a:solidFill>
-              <a:latin typeface="Pretendard"/>
-            </a:endParaRPr>
           </a:p>
         </p:txBody>
       </p:sp>

--- a/Single Cycle RISC-V 발표_박호윤.pptx
+++ b/Single Cycle RISC-V 발표_박호윤.pptx
@@ -12,6 +12,9 @@
     <p:sldMasterId id="2147483663" r:id="rId8"/>
     <p:sldMasterId id="2147483665" r:id="rId9"/>
   </p:sldMasterIdLst>
+  <p:notesMasterIdLst>
+    <p:notesMasterId r:id="rId52"/>
+  </p:notesMasterIdLst>
   <p:sldIdLst>
     <p:sldId id="256" r:id="rId10"/>
     <p:sldId id="257" r:id="rId11"/>
@@ -22,38 +25,39 @@
     <p:sldId id="262" r:id="rId16"/>
     <p:sldId id="263" r:id="rId17"/>
     <p:sldId id="264" r:id="rId18"/>
-    <p:sldId id="265" r:id="rId19"/>
-    <p:sldId id="266" r:id="rId20"/>
-    <p:sldId id="267" r:id="rId21"/>
-    <p:sldId id="268" r:id="rId22"/>
-    <p:sldId id="269" r:id="rId23"/>
-    <p:sldId id="271" r:id="rId24"/>
+    <p:sldId id="266" r:id="rId19"/>
+    <p:sldId id="267" r:id="rId20"/>
+    <p:sldId id="268" r:id="rId21"/>
+    <p:sldId id="269" r:id="rId22"/>
+    <p:sldId id="271" r:id="rId23"/>
+    <p:sldId id="265" r:id="rId24"/>
     <p:sldId id="272" r:id="rId25"/>
     <p:sldId id="273" r:id="rId26"/>
-    <p:sldId id="274" r:id="rId27"/>
-    <p:sldId id="275" r:id="rId28"/>
-    <p:sldId id="276" r:id="rId29"/>
-    <p:sldId id="277" r:id="rId30"/>
-    <p:sldId id="278" r:id="rId31"/>
-    <p:sldId id="279" r:id="rId32"/>
-    <p:sldId id="280" r:id="rId33"/>
-    <p:sldId id="281" r:id="rId34"/>
-    <p:sldId id="282" r:id="rId35"/>
-    <p:sldId id="283" r:id="rId36"/>
-    <p:sldId id="284" r:id="rId37"/>
-    <p:sldId id="285" r:id="rId38"/>
-    <p:sldId id="286" r:id="rId39"/>
-    <p:sldId id="298" r:id="rId40"/>
-    <p:sldId id="287" r:id="rId41"/>
-    <p:sldId id="288" r:id="rId42"/>
-    <p:sldId id="289" r:id="rId43"/>
-    <p:sldId id="290" r:id="rId44"/>
-    <p:sldId id="291" r:id="rId45"/>
-    <p:sldId id="292" r:id="rId46"/>
-    <p:sldId id="293" r:id="rId47"/>
-    <p:sldId id="294" r:id="rId48"/>
-    <p:sldId id="295" r:id="rId49"/>
-    <p:sldId id="296" r:id="rId50"/>
+    <p:sldId id="299" r:id="rId27"/>
+    <p:sldId id="274" r:id="rId28"/>
+    <p:sldId id="275" r:id="rId29"/>
+    <p:sldId id="276" r:id="rId30"/>
+    <p:sldId id="277" r:id="rId31"/>
+    <p:sldId id="278" r:id="rId32"/>
+    <p:sldId id="279" r:id="rId33"/>
+    <p:sldId id="280" r:id="rId34"/>
+    <p:sldId id="281" r:id="rId35"/>
+    <p:sldId id="282" r:id="rId36"/>
+    <p:sldId id="283" r:id="rId37"/>
+    <p:sldId id="284" r:id="rId38"/>
+    <p:sldId id="285" r:id="rId39"/>
+    <p:sldId id="286" r:id="rId40"/>
+    <p:sldId id="298" r:id="rId41"/>
+    <p:sldId id="287" r:id="rId42"/>
+    <p:sldId id="288" r:id="rId43"/>
+    <p:sldId id="289" r:id="rId44"/>
+    <p:sldId id="290" r:id="rId45"/>
+    <p:sldId id="291" r:id="rId46"/>
+    <p:sldId id="292" r:id="rId47"/>
+    <p:sldId id="293" r:id="rId48"/>
+    <p:sldId id="294" r:id="rId49"/>
+    <p:sldId id="295" r:id="rId50"/>
+    <p:sldId id="296" r:id="rId51"/>
   </p:sldIdLst>
   <p:sldSz cx="12192000" cy="6858000"/>
   <p:notesSz cx="7559675" cy="10691813"/>
@@ -169,6 +173,524 @@
     </p:ext>
   </p:extLst>
 </p:presentation>
+</file>
+
+<file path=ppt/notesMasters/notesMaster1.xml><?xml version="1.0" encoding="utf-8"?>
+<p:notesMaster xmlns:a="http://schemas.openxmlformats.org/drawingml/2006/main" xmlns:r="http://schemas.openxmlformats.org/officeDocument/2006/relationships" xmlns:p="http://schemas.openxmlformats.org/presentationml/2006/main">
+  <p:cSld>
+    <p:bg>
+      <p:bgRef idx="1001">
+        <a:schemeClr val="bg1"/>
+      </p:bgRef>
+    </p:bg>
+    <p:spTree>
+      <p:nvGrpSpPr>
+        <p:cNvPr id="1" name=""/>
+        <p:cNvGrpSpPr/>
+        <p:nvPr/>
+      </p:nvGrpSpPr>
+      <p:grpSpPr>
+        <a:xfrm>
+          <a:off x="0" y="0"/>
+          <a:ext cx="0" cy="0"/>
+          <a:chOff x="0" y="0"/>
+          <a:chExt cx="0" cy="0"/>
+        </a:xfrm>
+      </p:grpSpPr>
+      <p:sp>
+        <p:nvSpPr>
+          <p:cNvPr id="2" name="머리글 개체 틀 1"/>
+          <p:cNvSpPr>
+            <a:spLocks noGrp="1"/>
+          </p:cNvSpPr>
+          <p:nvPr>
+            <p:ph type="hdr" sz="quarter"/>
+          </p:nvPr>
+        </p:nvSpPr>
+        <p:spPr>
+          <a:xfrm>
+            <a:off x="0" y="0"/>
+            <a:ext cx="3276600" cy="536575"/>
+          </a:xfrm>
+          <a:prstGeom prst="rect">
+            <a:avLst/>
+          </a:prstGeom>
+        </p:spPr>
+        <p:txBody>
+          <a:bodyPr vert="horz" lIns="91440" tIns="45720" rIns="91440" bIns="45720" rtlCol="0"/>
+          <a:lstStyle>
+            <a:lvl1pPr algn="l">
+              <a:defRPr sz="1200"/>
+            </a:lvl1pPr>
+          </a:lstStyle>
+          <a:p>
+            <a:endParaRPr lang="ko-KR" altLang="en-US"/>
+          </a:p>
+        </p:txBody>
+      </p:sp>
+      <p:sp>
+        <p:nvSpPr>
+          <p:cNvPr id="3" name="날짜 개체 틀 2"/>
+          <p:cNvSpPr>
+            <a:spLocks noGrp="1"/>
+          </p:cNvSpPr>
+          <p:nvPr>
+            <p:ph type="dt" idx="1"/>
+          </p:nvPr>
+        </p:nvSpPr>
+        <p:spPr>
+          <a:xfrm>
+            <a:off x="4281488" y="0"/>
+            <a:ext cx="3276600" cy="536575"/>
+          </a:xfrm>
+          <a:prstGeom prst="rect">
+            <a:avLst/>
+          </a:prstGeom>
+        </p:spPr>
+        <p:txBody>
+          <a:bodyPr vert="horz" lIns="91440" tIns="45720" rIns="91440" bIns="45720" rtlCol="0"/>
+          <a:lstStyle>
+            <a:lvl1pPr algn="r">
+              <a:defRPr sz="1200"/>
+            </a:lvl1pPr>
+          </a:lstStyle>
+          <a:p>
+            <a:fld id="{84C28C04-FE3F-48CA-BD57-469EAB586EAE}" type="datetimeFigureOut">
+              <a:rPr lang="ko-KR" altLang="en-US" smtClean="0"/>
+              <a:t>2025-04-14</a:t>
+            </a:fld>
+            <a:endParaRPr lang="ko-KR" altLang="en-US"/>
+          </a:p>
+        </p:txBody>
+      </p:sp>
+      <p:sp>
+        <p:nvSpPr>
+          <p:cNvPr id="4" name="슬라이드 이미지 개체 틀 3"/>
+          <p:cNvSpPr>
+            <a:spLocks noGrp="1" noRot="1" noChangeAspect="1"/>
+          </p:cNvSpPr>
+          <p:nvPr>
+            <p:ph type="sldImg" idx="2"/>
+          </p:nvPr>
+        </p:nvSpPr>
+        <p:spPr>
+          <a:xfrm>
+            <a:off x="573088" y="1336675"/>
+            <a:ext cx="6413500" cy="3608388"/>
+          </a:xfrm>
+          <a:prstGeom prst="rect">
+            <a:avLst/>
+          </a:prstGeom>
+          <a:noFill/>
+          <a:ln w="12700">
+            <a:solidFill>
+              <a:prstClr val="black"/>
+            </a:solidFill>
+          </a:ln>
+        </p:spPr>
+        <p:txBody>
+          <a:bodyPr vert="horz" lIns="91440" tIns="45720" rIns="91440" bIns="45720" rtlCol="0" anchor="ctr"/>
+          <a:lstStyle/>
+          <a:p>
+            <a:endParaRPr lang="ko-KR" altLang="en-US"/>
+          </a:p>
+        </p:txBody>
+      </p:sp>
+      <p:sp>
+        <p:nvSpPr>
+          <p:cNvPr id="5" name="슬라이드 노트 개체 틀 4"/>
+          <p:cNvSpPr>
+            <a:spLocks noGrp="1"/>
+          </p:cNvSpPr>
+          <p:nvPr>
+            <p:ph type="body" sz="quarter" idx="3"/>
+          </p:nvPr>
+        </p:nvSpPr>
+        <p:spPr>
+          <a:xfrm>
+            <a:off x="755650" y="5145088"/>
+            <a:ext cx="6048375" cy="4210050"/>
+          </a:xfrm>
+          <a:prstGeom prst="rect">
+            <a:avLst/>
+          </a:prstGeom>
+        </p:spPr>
+        <p:txBody>
+          <a:bodyPr vert="horz" lIns="91440" tIns="45720" rIns="91440" bIns="45720" rtlCol="0"/>
+          <a:lstStyle/>
+          <a:p>
+            <a:pPr lvl="0"/>
+            <a:r>
+              <a:rPr lang="ko-KR" altLang="en-US" smtClean="0"/>
+              <a:t>마스터 텍스트 스타일 편집</a:t>
+            </a:r>
+          </a:p>
+          <a:p>
+            <a:pPr lvl="1"/>
+            <a:r>
+              <a:rPr lang="ko-KR" altLang="en-US" smtClean="0"/>
+              <a:t>둘째 수준</a:t>
+            </a:r>
+          </a:p>
+          <a:p>
+            <a:pPr lvl="2"/>
+            <a:r>
+              <a:rPr lang="ko-KR" altLang="en-US" smtClean="0"/>
+              <a:t>셋째 수준</a:t>
+            </a:r>
+          </a:p>
+          <a:p>
+            <a:pPr lvl="3"/>
+            <a:r>
+              <a:rPr lang="ko-KR" altLang="en-US" smtClean="0"/>
+              <a:t>넷째 수준</a:t>
+            </a:r>
+          </a:p>
+          <a:p>
+            <a:pPr lvl="4"/>
+            <a:r>
+              <a:rPr lang="ko-KR" altLang="en-US" smtClean="0"/>
+              <a:t>다섯째 수준</a:t>
+            </a:r>
+            <a:endParaRPr lang="ko-KR" altLang="en-US"/>
+          </a:p>
+        </p:txBody>
+      </p:sp>
+      <p:sp>
+        <p:nvSpPr>
+          <p:cNvPr id="6" name="바닥글 개체 틀 5"/>
+          <p:cNvSpPr>
+            <a:spLocks noGrp="1"/>
+          </p:cNvSpPr>
+          <p:nvPr>
+            <p:ph type="ftr" sz="quarter" idx="4"/>
+          </p:nvPr>
+        </p:nvSpPr>
+        <p:spPr>
+          <a:xfrm>
+            <a:off x="0" y="10155238"/>
+            <a:ext cx="3276600" cy="536575"/>
+          </a:xfrm>
+          <a:prstGeom prst="rect">
+            <a:avLst/>
+          </a:prstGeom>
+        </p:spPr>
+        <p:txBody>
+          <a:bodyPr vert="horz" lIns="91440" tIns="45720" rIns="91440" bIns="45720" rtlCol="0" anchor="b"/>
+          <a:lstStyle>
+            <a:lvl1pPr algn="l">
+              <a:defRPr sz="1200"/>
+            </a:lvl1pPr>
+          </a:lstStyle>
+          <a:p>
+            <a:endParaRPr lang="ko-KR" altLang="en-US"/>
+          </a:p>
+        </p:txBody>
+      </p:sp>
+      <p:sp>
+        <p:nvSpPr>
+          <p:cNvPr id="7" name="슬라이드 번호 개체 틀 6"/>
+          <p:cNvSpPr>
+            <a:spLocks noGrp="1"/>
+          </p:cNvSpPr>
+          <p:nvPr>
+            <p:ph type="sldNum" sz="quarter" idx="5"/>
+          </p:nvPr>
+        </p:nvSpPr>
+        <p:spPr>
+          <a:xfrm>
+            <a:off x="4281488" y="10155238"/>
+            <a:ext cx="3276600" cy="536575"/>
+          </a:xfrm>
+          <a:prstGeom prst="rect">
+            <a:avLst/>
+          </a:prstGeom>
+        </p:spPr>
+        <p:txBody>
+          <a:bodyPr vert="horz" lIns="91440" tIns="45720" rIns="91440" bIns="45720" rtlCol="0" anchor="b"/>
+          <a:lstStyle>
+            <a:lvl1pPr algn="r">
+              <a:defRPr sz="1200"/>
+            </a:lvl1pPr>
+          </a:lstStyle>
+          <a:p>
+            <a:fld id="{A8093E8D-34D3-4F35-8CED-A9B15660B49C}" type="slidenum">
+              <a:rPr lang="ko-KR" altLang="en-US" smtClean="0"/>
+              <a:t>‹#›</a:t>
+            </a:fld>
+            <a:endParaRPr lang="ko-KR" altLang="en-US"/>
+          </a:p>
+        </p:txBody>
+      </p:sp>
+    </p:spTree>
+    <p:extLst>
+      <p:ext uri="{BB962C8B-B14F-4D97-AF65-F5344CB8AC3E}">
+        <p14:creationId xmlns:p14="http://schemas.microsoft.com/office/powerpoint/2010/main" val="3771453338"/>
+      </p:ext>
+    </p:extLst>
+  </p:cSld>
+  <p:clrMap bg1="lt1" tx1="dk1" bg2="lt2" tx2="dk2" accent1="accent1" accent2="accent2" accent3="accent3" accent4="accent4" accent5="accent5" accent6="accent6" hlink="hlink" folHlink="folHlink"/>
+  <p:notesStyle>
+    <a:lvl1pPr marL="0" algn="l" defTabSz="914400" rtl="0" eaLnBrk="1" latinLnBrk="1" hangingPunct="1">
+      <a:defRPr sz="1200" kern="1200">
+        <a:solidFill>
+          <a:schemeClr val="tx1"/>
+        </a:solidFill>
+        <a:latin typeface="+mn-lt"/>
+        <a:ea typeface="+mn-ea"/>
+        <a:cs typeface="+mn-cs"/>
+      </a:defRPr>
+    </a:lvl1pPr>
+    <a:lvl2pPr marL="457200" algn="l" defTabSz="914400" rtl="0" eaLnBrk="1" latinLnBrk="1" hangingPunct="1">
+      <a:defRPr sz="1200" kern="1200">
+        <a:solidFill>
+          <a:schemeClr val="tx1"/>
+        </a:solidFill>
+        <a:latin typeface="+mn-lt"/>
+        <a:ea typeface="+mn-ea"/>
+        <a:cs typeface="+mn-cs"/>
+      </a:defRPr>
+    </a:lvl2pPr>
+    <a:lvl3pPr marL="914400" algn="l" defTabSz="914400" rtl="0" eaLnBrk="1" latinLnBrk="1" hangingPunct="1">
+      <a:defRPr sz="1200" kern="1200">
+        <a:solidFill>
+          <a:schemeClr val="tx1"/>
+        </a:solidFill>
+        <a:latin typeface="+mn-lt"/>
+        <a:ea typeface="+mn-ea"/>
+        <a:cs typeface="+mn-cs"/>
+      </a:defRPr>
+    </a:lvl3pPr>
+    <a:lvl4pPr marL="1371600" algn="l" defTabSz="914400" rtl="0" eaLnBrk="1" latinLnBrk="1" hangingPunct="1">
+      <a:defRPr sz="1200" kern="1200">
+        <a:solidFill>
+          <a:schemeClr val="tx1"/>
+        </a:solidFill>
+        <a:latin typeface="+mn-lt"/>
+        <a:ea typeface="+mn-ea"/>
+        <a:cs typeface="+mn-cs"/>
+      </a:defRPr>
+    </a:lvl4pPr>
+    <a:lvl5pPr marL="1828800" algn="l" defTabSz="914400" rtl="0" eaLnBrk="1" latinLnBrk="1" hangingPunct="1">
+      <a:defRPr sz="1200" kern="1200">
+        <a:solidFill>
+          <a:schemeClr val="tx1"/>
+        </a:solidFill>
+        <a:latin typeface="+mn-lt"/>
+        <a:ea typeface="+mn-ea"/>
+        <a:cs typeface="+mn-cs"/>
+      </a:defRPr>
+    </a:lvl5pPr>
+    <a:lvl6pPr marL="2286000" algn="l" defTabSz="914400" rtl="0" eaLnBrk="1" latinLnBrk="1" hangingPunct="1">
+      <a:defRPr sz="1200" kern="1200">
+        <a:solidFill>
+          <a:schemeClr val="tx1"/>
+        </a:solidFill>
+        <a:latin typeface="+mn-lt"/>
+        <a:ea typeface="+mn-ea"/>
+        <a:cs typeface="+mn-cs"/>
+      </a:defRPr>
+    </a:lvl6pPr>
+    <a:lvl7pPr marL="2743200" algn="l" defTabSz="914400" rtl="0" eaLnBrk="1" latinLnBrk="1" hangingPunct="1">
+      <a:defRPr sz="1200" kern="1200">
+        <a:solidFill>
+          <a:schemeClr val="tx1"/>
+        </a:solidFill>
+        <a:latin typeface="+mn-lt"/>
+        <a:ea typeface="+mn-ea"/>
+        <a:cs typeface="+mn-cs"/>
+      </a:defRPr>
+    </a:lvl7pPr>
+    <a:lvl8pPr marL="3200400" algn="l" defTabSz="914400" rtl="0" eaLnBrk="1" latinLnBrk="1" hangingPunct="1">
+      <a:defRPr sz="1200" kern="1200">
+        <a:solidFill>
+          <a:schemeClr val="tx1"/>
+        </a:solidFill>
+        <a:latin typeface="+mn-lt"/>
+        <a:ea typeface="+mn-ea"/>
+        <a:cs typeface="+mn-cs"/>
+      </a:defRPr>
+    </a:lvl8pPr>
+    <a:lvl9pPr marL="3657600" algn="l" defTabSz="914400" rtl="0" eaLnBrk="1" latinLnBrk="1" hangingPunct="1">
+      <a:defRPr sz="1200" kern="1200">
+        <a:solidFill>
+          <a:schemeClr val="tx1"/>
+        </a:solidFill>
+        <a:latin typeface="+mn-lt"/>
+        <a:ea typeface="+mn-ea"/>
+        <a:cs typeface="+mn-cs"/>
+      </a:defRPr>
+    </a:lvl9pPr>
+  </p:notesStyle>
+</p:notesMaster>
+</file>
+
+<file path=ppt/notesSlides/notesSlide1.xml><?xml version="1.0" encoding="utf-8"?>
+<p:notes xmlns:a="http://schemas.openxmlformats.org/drawingml/2006/main" xmlns:r="http://schemas.openxmlformats.org/officeDocument/2006/relationships" xmlns:p="http://schemas.openxmlformats.org/presentationml/2006/main">
+  <p:cSld>
+    <p:spTree>
+      <p:nvGrpSpPr>
+        <p:cNvPr id="1" name=""/>
+        <p:cNvGrpSpPr/>
+        <p:nvPr/>
+      </p:nvGrpSpPr>
+      <p:grpSpPr>
+        <a:xfrm>
+          <a:off x="0" y="0"/>
+          <a:ext cx="0" cy="0"/>
+          <a:chOff x="0" y="0"/>
+          <a:chExt cx="0" cy="0"/>
+        </a:xfrm>
+      </p:grpSpPr>
+      <p:sp>
+        <p:nvSpPr>
+          <p:cNvPr id="2" name="슬라이드 이미지 개체 틀 1"/>
+          <p:cNvSpPr>
+            <a:spLocks noGrp="1" noRot="1" noChangeAspect="1"/>
+          </p:cNvSpPr>
+          <p:nvPr>
+            <p:ph type="sldImg"/>
+          </p:nvPr>
+        </p:nvSpPr>
+        <p:spPr/>
+      </p:sp>
+      <p:sp>
+        <p:nvSpPr>
+          <p:cNvPr id="3" name="슬라이드 노트 개체 틀 2"/>
+          <p:cNvSpPr>
+            <a:spLocks noGrp="1"/>
+          </p:cNvSpPr>
+          <p:nvPr>
+            <p:ph type="body" idx="1"/>
+          </p:nvPr>
+        </p:nvSpPr>
+        <p:spPr/>
+        <p:txBody>
+          <a:bodyPr/>
+          <a:lstStyle/>
+          <a:p>
+            <a:endParaRPr lang="ko-KR" altLang="en-US" dirty="0"/>
+          </a:p>
+        </p:txBody>
+      </p:sp>
+      <p:sp>
+        <p:nvSpPr>
+          <p:cNvPr id="4" name="슬라이드 번호 개체 틀 3"/>
+          <p:cNvSpPr>
+            <a:spLocks noGrp="1"/>
+          </p:cNvSpPr>
+          <p:nvPr>
+            <p:ph type="sldNum" sz="quarter" idx="10"/>
+          </p:nvPr>
+        </p:nvSpPr>
+        <p:spPr/>
+        <p:txBody>
+          <a:bodyPr/>
+          <a:lstStyle/>
+          <a:p>
+            <a:fld id="{A8093E8D-34D3-4F35-8CED-A9B15660B49C}" type="slidenum">
+              <a:rPr lang="ko-KR" altLang="en-US" smtClean="0"/>
+              <a:t>14</a:t>
+            </a:fld>
+            <a:endParaRPr lang="ko-KR" altLang="en-US"/>
+          </a:p>
+        </p:txBody>
+      </p:sp>
+    </p:spTree>
+    <p:extLst>
+      <p:ext uri="{BB962C8B-B14F-4D97-AF65-F5344CB8AC3E}">
+        <p14:creationId xmlns:p14="http://schemas.microsoft.com/office/powerpoint/2010/main" val="4281755875"/>
+      </p:ext>
+    </p:extLst>
+  </p:cSld>
+  <p:clrMapOvr>
+    <a:masterClrMapping/>
+  </p:clrMapOvr>
+</p:notes>
+</file>
+
+<file path=ppt/notesSlides/notesSlide2.xml><?xml version="1.0" encoding="utf-8"?>
+<p:notes xmlns:a="http://schemas.openxmlformats.org/drawingml/2006/main" xmlns:r="http://schemas.openxmlformats.org/officeDocument/2006/relationships" xmlns:p="http://schemas.openxmlformats.org/presentationml/2006/main">
+  <p:cSld>
+    <p:spTree>
+      <p:nvGrpSpPr>
+        <p:cNvPr id="1" name=""/>
+        <p:cNvGrpSpPr/>
+        <p:nvPr/>
+      </p:nvGrpSpPr>
+      <p:grpSpPr>
+        <a:xfrm>
+          <a:off x="0" y="0"/>
+          <a:ext cx="0" cy="0"/>
+          <a:chOff x="0" y="0"/>
+          <a:chExt cx="0" cy="0"/>
+        </a:xfrm>
+      </p:grpSpPr>
+      <p:sp>
+        <p:nvSpPr>
+          <p:cNvPr id="2" name="슬라이드 이미지 개체 틀 1"/>
+          <p:cNvSpPr>
+            <a:spLocks noGrp="1" noRot="1" noChangeAspect="1"/>
+          </p:cNvSpPr>
+          <p:nvPr>
+            <p:ph type="sldImg"/>
+          </p:nvPr>
+        </p:nvSpPr>
+        <p:spPr/>
+      </p:sp>
+      <p:sp>
+        <p:nvSpPr>
+          <p:cNvPr id="3" name="슬라이드 노트 개체 틀 2"/>
+          <p:cNvSpPr>
+            <a:spLocks noGrp="1"/>
+          </p:cNvSpPr>
+          <p:nvPr>
+            <p:ph type="body" idx="1"/>
+          </p:nvPr>
+        </p:nvSpPr>
+        <p:spPr/>
+        <p:txBody>
+          <a:bodyPr/>
+          <a:lstStyle/>
+          <a:p>
+            <a:endParaRPr lang="ko-KR" altLang="en-US" dirty="0"/>
+          </a:p>
+        </p:txBody>
+      </p:sp>
+      <p:sp>
+        <p:nvSpPr>
+          <p:cNvPr id="4" name="슬라이드 번호 개체 틀 3"/>
+          <p:cNvSpPr>
+            <a:spLocks noGrp="1"/>
+          </p:cNvSpPr>
+          <p:nvPr>
+            <p:ph type="sldNum" sz="quarter" idx="10"/>
+          </p:nvPr>
+        </p:nvSpPr>
+        <p:spPr/>
+        <p:txBody>
+          <a:bodyPr/>
+          <a:lstStyle/>
+          <a:p>
+            <a:fld id="{A8093E8D-34D3-4F35-8CED-A9B15660B49C}" type="slidenum">
+              <a:rPr lang="ko-KR" altLang="en-US" smtClean="0"/>
+              <a:t>38</a:t>
+            </a:fld>
+            <a:endParaRPr lang="ko-KR" altLang="en-US"/>
+          </a:p>
+        </p:txBody>
+      </p:sp>
+    </p:spTree>
+    <p:extLst>
+      <p:ext uri="{BB962C8B-B14F-4D97-AF65-F5344CB8AC3E}">
+        <p14:creationId xmlns:p14="http://schemas.microsoft.com/office/powerpoint/2010/main" val="3022038583"/>
+      </p:ext>
+    </p:extLst>
+  </p:cSld>
+  <p:clrMapOvr>
+    <a:masterClrMapping/>
+  </p:clrMapOvr>
+</p:notes>
 </file>
 
 <file path=ppt/slideLayouts/slideLayout1.xml><?xml version="1.0" encoding="utf-8"?>
@@ -8257,20 +8779,19 @@
       <p:transition spd="slow"/>
     </mc:Fallback>
   </mc:AlternateContent>
+  <p:timing>
+    <p:tnLst>
+      <p:par>
+        <p:cTn id="1" dur="indefinite" restart="never" nodeType="tmRoot"/>
+      </p:par>
+    </p:tnLst>
+  </p:timing>
 </p:sld>
 </file>
 
 <file path=ppt/slides/slide10.xml><?xml version="1.0" encoding="utf-8"?>
 <p:sld xmlns:a="http://schemas.openxmlformats.org/drawingml/2006/main" xmlns:r="http://schemas.openxmlformats.org/officeDocument/2006/relationships" xmlns:p="http://schemas.openxmlformats.org/presentationml/2006/main">
   <p:cSld>
-    <p:bg>
-      <p:bgPr>
-        <a:solidFill>
-          <a:srgbClr val="224D60"/>
-        </a:solidFill>
-        <a:effectLst/>
-      </p:bgPr>
-    </p:bg>
     <p:spTree>
       <p:nvGrpSpPr>
         <p:cNvPr id="1" name=""/>
@@ -8285,195 +8806,109 @@
           <a:chExt cx="0" cy="0"/>
         </a:xfrm>
       </p:grpSpPr>
-      <p:grpSp>
-        <p:nvGrpSpPr>
-          <p:cNvPr id="97" name="그룹 6"/>
-          <p:cNvGrpSpPr/>
+      <p:sp>
+        <p:nvSpPr>
+          <p:cNvPr id="102" name="TextBox 25"/>
+          <p:cNvSpPr/>
           <p:nvPr/>
-        </p:nvGrpSpPr>
-        <p:grpSpPr>
+        </p:nvSpPr>
+        <p:spPr>
+          <a:xfrm flipH="1">
+            <a:off x="7593106" y="5445720"/>
+            <a:ext cx="3941294" cy="700560"/>
+          </a:xfrm>
+          <a:prstGeom prst="rect">
+            <a:avLst/>
+          </a:prstGeom>
+          <a:noFill/>
+          <a:ln w="0">
+            <a:noFill/>
+          </a:ln>
+        </p:spPr>
+        <p:style>
+          <a:lnRef idx="0">
+            <a:scrgbClr r="0" g="0" b="0"/>
+          </a:lnRef>
+          <a:fillRef idx="0">
+            <a:scrgbClr r="0" g="0" b="0"/>
+          </a:fillRef>
+          <a:effectRef idx="0">
+            <a:scrgbClr r="0" g="0" b="0"/>
+          </a:effectRef>
+          <a:fontRef idx="minor"/>
+        </p:style>
+        <p:txBody>
+          <a:bodyPr wrap="square" lIns="90000" tIns="45000" rIns="90000" bIns="45000" anchor="t" anchorCtr="1">
+            <a:spAutoFit/>
+          </a:bodyPr>
+          <a:lstStyle/>
+          <a:p>
+            <a:pPr algn="r" defTabSz="914400">
+              <a:lnSpc>
+                <a:spcPct val="100000"/>
+              </a:lnSpc>
+            </a:pPr>
+            <a:r>
+              <a:rPr lang="ko-KR" sz="4000" b="1" u="none" strike="noStrike" spc="-300" dirty="0" err="1">
+                <a:solidFill>
+                  <a:schemeClr val="accent1">
+                    <a:lumMod val="50000"/>
+                  </a:schemeClr>
+                </a:solidFill>
+                <a:effectLst/>
+                <a:uFillTx/>
+                <a:latin typeface="Pretendard Black"/>
+                <a:ea typeface="Pretendard Black"/>
+              </a:rPr>
+              <a:t>타입별</a:t>
+            </a:r>
+            <a:r>
+              <a:rPr lang="ko-KR" sz="4000" b="1" u="none" strike="noStrike" spc="-300" dirty="0">
+                <a:solidFill>
+                  <a:schemeClr val="accent1">
+                    <a:lumMod val="50000"/>
+                  </a:schemeClr>
+                </a:solidFill>
+                <a:effectLst/>
+                <a:uFillTx/>
+                <a:latin typeface="Pretendard Black"/>
+                <a:ea typeface="Pretendard Black"/>
+              </a:rPr>
+              <a:t> 동작 설명</a:t>
+            </a:r>
+            <a:endParaRPr lang="en-US" sz="4000" b="0" u="none" strike="noStrike" dirty="0">
+              <a:solidFill>
+                <a:srgbClr val="000000"/>
+              </a:solidFill>
+              <a:effectLst/>
+              <a:uFillTx/>
+              <a:latin typeface="맑은 고딕"/>
+            </a:endParaRPr>
+          </a:p>
+        </p:txBody>
+      </p:sp>
+      <p:cxnSp>
+        <p:nvCxnSpPr>
+          <p:cNvPr id="103" name="직선 연결선 7"/>
+          <p:cNvCxnSpPr/>
+          <p:nvPr/>
+        </p:nvCxnSpPr>
+        <p:spPr>
           <a:xfrm>
-            <a:off x="6817680" y="872280"/>
-            <a:ext cx="5376600" cy="4485960"/>
-            <a:chOff x="6817680" y="872280"/>
-            <a:chExt cx="5376600" cy="4485960"/>
+            <a:off x="513360" y="6298200"/>
+            <a:ext cx="11702880" cy="2880"/>
           </a:xfrm>
-        </p:grpSpPr>
-        <p:sp>
-          <p:nvSpPr>
-            <p:cNvPr id="98" name="TextBox 1"/>
-            <p:cNvSpPr/>
-            <p:nvPr/>
-          </p:nvSpPr>
-          <p:spPr>
-            <a:xfrm>
-              <a:off x="6818040" y="872280"/>
-              <a:ext cx="1865520" cy="3125520"/>
-            </a:xfrm>
-            <a:prstGeom prst="rect">
-              <a:avLst/>
-            </a:prstGeom>
-            <a:noFill/>
-            <a:ln w="0">
-              <a:noFill/>
-            </a:ln>
-          </p:spPr>
-          <p:style>
-            <a:lnRef idx="0">
-              <a:scrgbClr r="0" g="0" b="0"/>
-            </a:lnRef>
-            <a:fillRef idx="0">
-              <a:scrgbClr r="0" g="0" b="0"/>
-            </a:fillRef>
-            <a:effectRef idx="0">
-              <a:scrgbClr r="0" g="0" b="0"/>
-            </a:effectRef>
-            <a:fontRef idx="minor"/>
-          </p:style>
-          <p:txBody>
-            <a:bodyPr wrap="none" lIns="90000" tIns="45000" rIns="90000" bIns="45000" anchor="t">
-              <a:spAutoFit/>
-            </a:bodyPr>
-            <a:lstStyle/>
-            <a:p>
-              <a:pPr defTabSz="914400">
-                <a:lnSpc>
-                  <a:spcPct val="100000"/>
-                </a:lnSpc>
-              </a:pPr>
-              <a:r>
-                <a:rPr lang="en-US" sz="19900" b="1" u="none" strike="noStrike">
-                  <a:solidFill>
-                    <a:schemeClr val="lt1"/>
-                  </a:solidFill>
-                  <a:effectLst/>
-                  <a:uFillTx/>
-                  <a:latin typeface="Pretendard Black"/>
-                  <a:ea typeface="Pretendard Black"/>
-                </a:rPr>
-                <a:t>2</a:t>
-              </a:r>
-              <a:endParaRPr lang="en-US" sz="19900" b="0" u="none" strike="noStrike">
-                <a:solidFill>
-                  <a:srgbClr val="FFFFFF"/>
-                </a:solidFill>
-                <a:effectLst/>
-                <a:uFillTx/>
-                <a:latin typeface="맑은 고딕"/>
-              </a:endParaRPr>
-            </a:p>
-          </p:txBody>
-        </p:sp>
-        <p:sp>
-          <p:nvSpPr>
-            <p:cNvPr id="99" name="TextBox 2"/>
-            <p:cNvSpPr/>
-            <p:nvPr/>
-          </p:nvSpPr>
-          <p:spPr>
-            <a:xfrm>
-              <a:off x="6818040" y="3912120"/>
-              <a:ext cx="3608640" cy="822600"/>
-            </a:xfrm>
-            <a:prstGeom prst="rect">
-              <a:avLst/>
-            </a:prstGeom>
-            <a:noFill/>
-            <a:ln w="0">
-              <a:noFill/>
-            </a:ln>
-          </p:spPr>
-          <p:style>
-            <a:lnRef idx="0">
-              <a:scrgbClr r="0" g="0" b="0"/>
-            </a:lnRef>
-            <a:fillRef idx="0">
-              <a:scrgbClr r="0" g="0" b="0"/>
-            </a:fillRef>
-            <a:effectRef idx="0">
-              <a:scrgbClr r="0" g="0" b="0"/>
-            </a:effectRef>
-            <a:fontRef idx="minor"/>
-          </p:style>
-          <p:txBody>
-            <a:bodyPr wrap="none" lIns="90000" tIns="45000" rIns="90000" bIns="45000" anchor="t">
-              <a:spAutoFit/>
-            </a:bodyPr>
-            <a:lstStyle/>
-            <a:p>
-              <a:pPr defTabSz="914400">
-                <a:lnSpc>
-                  <a:spcPct val="100000"/>
-                </a:lnSpc>
-              </a:pPr>
-              <a:r>
-                <a:rPr lang="ko-KR" sz="4800" b="1" u="none" strike="noStrike" spc="-300">
-                  <a:solidFill>
-                    <a:schemeClr val="lt1"/>
-                  </a:solidFill>
-                  <a:effectLst/>
-                  <a:uFillTx/>
-                  <a:latin typeface="Pretendard"/>
-                  <a:ea typeface="Pretendard"/>
-                </a:rPr>
-                <a:t>구현 및 검증</a:t>
-              </a:r>
-              <a:endParaRPr lang="en-US" sz="4800" b="0" u="none" strike="noStrike">
-                <a:solidFill>
-                  <a:srgbClr val="FFFFFF"/>
-                </a:solidFill>
-                <a:effectLst/>
-                <a:uFillTx/>
-                <a:latin typeface="맑은 고딕"/>
-              </a:endParaRPr>
-            </a:p>
-          </p:txBody>
-        </p:sp>
-        <p:cxnSp>
-          <p:nvCxnSpPr>
-            <p:cNvPr id="100" name="직선 연결선 3"/>
-            <p:cNvCxnSpPr/>
-            <p:nvPr/>
-          </p:nvCxnSpPr>
-          <p:spPr>
-            <a:xfrm>
-              <a:off x="6817680" y="5107320"/>
-              <a:ext cx="5376960" cy="2880"/>
-            </a:xfrm>
-            <a:prstGeom prst="straightConnector1">
-              <a:avLst/>
-            </a:prstGeom>
-            <a:ln w="76320">
-              <a:solidFill>
-                <a:srgbClr val="FFFFFF"/>
-              </a:solidFill>
-              <a:miter/>
-            </a:ln>
-          </p:spPr>
-        </p:cxnSp>
-        <p:cxnSp>
-          <p:nvCxnSpPr>
-            <p:cNvPr id="101" name="직선 연결선 5"/>
-            <p:cNvCxnSpPr/>
-            <p:nvPr/>
-          </p:nvCxnSpPr>
-          <p:spPr>
-            <a:xfrm>
-              <a:off x="6817680" y="5355720"/>
-              <a:ext cx="5376960" cy="2880"/>
-            </a:xfrm>
-            <a:prstGeom prst="straightConnector1">
-              <a:avLst/>
-            </a:prstGeom>
-            <a:ln w="3240">
-              <a:solidFill>
-                <a:srgbClr val="FFFFFF"/>
-              </a:solidFill>
-              <a:miter/>
-            </a:ln>
-          </p:spPr>
-        </p:cxnSp>
-      </p:grpSp>
+          <a:prstGeom prst="straightConnector1">
+            <a:avLst/>
+          </a:prstGeom>
+          <a:ln w="57240">
+            <a:solidFill>
+              <a:srgbClr val="BF0041"/>
+            </a:solidFill>
+            <a:miter/>
+          </a:ln>
+        </p:spPr>
+      </p:cxnSp>
       <p:sp>
         <p:nvSpPr>
           <p:cNvPr id="2" name="PlaceHolder 1"/>
@@ -8489,7 +8924,7 @@
           <a:bodyPr/>
           <a:lstStyle/>
           <a:p>
-            <a:fld id="{B5732758-90D0-4200-915A-261E5CABA97E}" type="slidenum">
+            <a:fld id="{C52B0F2E-CF3D-4F4C-9433-98545DBD9FF1}" type="slidenum">
               <a:t>10</a:t>
             </a:fld>
             <a:endParaRPr/>
@@ -8538,164 +8973,6 @@
       </p:grpSpPr>
       <p:sp>
         <p:nvSpPr>
-          <p:cNvPr id="102" name="TextBox 25"/>
-          <p:cNvSpPr/>
-          <p:nvPr/>
-        </p:nvSpPr>
-        <p:spPr>
-          <a:xfrm flipH="1">
-            <a:off x="7593106" y="5445720"/>
-            <a:ext cx="3941294" cy="700560"/>
-          </a:xfrm>
-          <a:prstGeom prst="rect">
-            <a:avLst/>
-          </a:prstGeom>
-          <a:noFill/>
-          <a:ln w="0">
-            <a:noFill/>
-          </a:ln>
-        </p:spPr>
-        <p:style>
-          <a:lnRef idx="0">
-            <a:scrgbClr r="0" g="0" b="0"/>
-          </a:lnRef>
-          <a:fillRef idx="0">
-            <a:scrgbClr r="0" g="0" b="0"/>
-          </a:fillRef>
-          <a:effectRef idx="0">
-            <a:scrgbClr r="0" g="0" b="0"/>
-          </a:effectRef>
-          <a:fontRef idx="minor"/>
-        </p:style>
-        <p:txBody>
-          <a:bodyPr wrap="square" lIns="90000" tIns="45000" rIns="90000" bIns="45000" anchor="t" anchorCtr="1">
-            <a:spAutoFit/>
-          </a:bodyPr>
-          <a:lstStyle/>
-          <a:p>
-            <a:pPr algn="r" defTabSz="914400">
-              <a:lnSpc>
-                <a:spcPct val="100000"/>
-              </a:lnSpc>
-            </a:pPr>
-            <a:r>
-              <a:rPr lang="ko-KR" sz="4000" b="1" u="none" strike="noStrike" spc="-300" dirty="0" err="1">
-                <a:solidFill>
-                  <a:schemeClr val="accent1">
-                    <a:lumMod val="50000"/>
-                  </a:schemeClr>
-                </a:solidFill>
-                <a:effectLst/>
-                <a:uFillTx/>
-                <a:latin typeface="Pretendard Black"/>
-                <a:ea typeface="Pretendard Black"/>
-              </a:rPr>
-              <a:t>타입별</a:t>
-            </a:r>
-            <a:r>
-              <a:rPr lang="ko-KR" sz="4000" b="1" u="none" strike="noStrike" spc="-300" dirty="0">
-                <a:solidFill>
-                  <a:schemeClr val="accent1">
-                    <a:lumMod val="50000"/>
-                  </a:schemeClr>
-                </a:solidFill>
-                <a:effectLst/>
-                <a:uFillTx/>
-                <a:latin typeface="Pretendard Black"/>
-                <a:ea typeface="Pretendard Black"/>
-              </a:rPr>
-              <a:t> 동작 설명</a:t>
-            </a:r>
-            <a:endParaRPr lang="en-US" sz="4000" b="0" u="none" strike="noStrike" dirty="0">
-              <a:solidFill>
-                <a:srgbClr val="000000"/>
-              </a:solidFill>
-              <a:effectLst/>
-              <a:uFillTx/>
-              <a:latin typeface="맑은 고딕"/>
-            </a:endParaRPr>
-          </a:p>
-        </p:txBody>
-      </p:sp>
-      <p:cxnSp>
-        <p:nvCxnSpPr>
-          <p:cNvPr id="103" name="직선 연결선 7"/>
-          <p:cNvCxnSpPr/>
-          <p:nvPr/>
-        </p:nvCxnSpPr>
-        <p:spPr>
-          <a:xfrm>
-            <a:off x="513360" y="6298200"/>
-            <a:ext cx="11702880" cy="2880"/>
-          </a:xfrm>
-          <a:prstGeom prst="straightConnector1">
-            <a:avLst/>
-          </a:prstGeom>
-          <a:ln w="57240">
-            <a:solidFill>
-              <a:srgbClr val="BF0041"/>
-            </a:solidFill>
-            <a:miter/>
-          </a:ln>
-        </p:spPr>
-      </p:cxnSp>
-      <p:sp>
-        <p:nvSpPr>
-          <p:cNvPr id="2" name="PlaceHolder 1"/>
-          <p:cNvSpPr>
-            <a:spLocks noGrp="1"/>
-          </p:cNvSpPr>
-          <p:nvPr>
-            <p:ph type="sldNum" idx="2"/>
-          </p:nvPr>
-        </p:nvSpPr>
-        <p:spPr/>
-        <p:txBody>
-          <a:bodyPr/>
-          <a:lstStyle/>
-          <a:p>
-            <a:fld id="{C52B0F2E-CF3D-4F4C-9433-98545DBD9FF1}" type="slidenum">
-              <a:t>11</a:t>
-            </a:fld>
-            <a:endParaRPr/>
-          </a:p>
-        </p:txBody>
-      </p:sp>
-    </p:spTree>
-  </p:cSld>
-  <p:clrMapOvr>
-    <a:masterClrMapping/>
-  </p:clrMapOvr>
-  <mc:AlternateContent xmlns:mc="http://schemas.openxmlformats.org/markup-compatibility/2006" xmlns:p14="http://schemas.microsoft.com/office/powerpoint/2010/main">
-    <mc:Choice Requires="p14">
-      <p:transition spd="slow" p14:dur="2000"/>
-    </mc:Choice>
-    <mc:Fallback xmlns="" xmlns:p15="http://schemas.microsoft.com/office/powerpoint/2012/main">
-      <p:transition spd="slow"/>
-    </mc:Fallback>
-  </mc:AlternateContent>
-</p:sld>
-</file>
-
-<file path=ppt/slides/slide12.xml><?xml version="1.0" encoding="utf-8"?>
-<p:sld xmlns:a="http://schemas.openxmlformats.org/drawingml/2006/main" xmlns:r="http://schemas.openxmlformats.org/officeDocument/2006/relationships" xmlns:p="http://schemas.openxmlformats.org/presentationml/2006/main">
-  <p:cSld>
-    <p:spTree>
-      <p:nvGrpSpPr>
-        <p:cNvPr id="1" name=""/>
-        <p:cNvGrpSpPr/>
-        <p:nvPr/>
-      </p:nvGrpSpPr>
-      <p:grpSpPr>
-        <a:xfrm>
-          <a:off x="0" y="0"/>
-          <a:ext cx="0" cy="0"/>
-          <a:chOff x="0" y="0"/>
-          <a:chExt cx="0" cy="0"/>
-        </a:xfrm>
-      </p:grpSpPr>
-      <p:sp>
-        <p:nvSpPr>
           <p:cNvPr id="104" name="TextBox 23"/>
           <p:cNvSpPr/>
           <p:nvPr/>
@@ -8945,7 +9222,7 @@
           <a:lstStyle/>
           <a:p>
             <a:fld id="{23FAF673-CACA-4E3A-BF84-86976FEBDF7F}" type="slidenum">
-              <a:t>12</a:t>
+              <a:t>11</a:t>
             </a:fld>
             <a:endParaRPr/>
           </a:p>
@@ -8964,10 +9241,17 @@
       <p:transition spd="slow"/>
     </mc:Fallback>
   </mc:AlternateContent>
+  <p:timing>
+    <p:tnLst>
+      <p:par>
+        <p:cTn id="1" dur="indefinite" restart="never" nodeType="tmRoot"/>
+      </p:par>
+    </p:tnLst>
+  </p:timing>
 </p:sld>
 </file>
 
-<file path=ppt/slides/slide13.xml><?xml version="1.0" encoding="utf-8"?>
+<file path=ppt/slides/slide12.xml><?xml version="1.0" encoding="utf-8"?>
 <p:sld xmlns:a="http://schemas.openxmlformats.org/drawingml/2006/main" xmlns:r="http://schemas.openxmlformats.org/officeDocument/2006/relationships" xmlns:p="http://schemas.openxmlformats.org/presentationml/2006/main">
   <p:cSld>
     <p:spTree>
@@ -9213,7 +9497,7 @@
           <a:lstStyle/>
           <a:p>
             <a:fld id="{C0C79ED4-C670-431E-BCFC-851C5B9DD9D5}" type="slidenum">
-              <a:t>13</a:t>
+              <a:t>12</a:t>
             </a:fld>
             <a:endParaRPr/>
           </a:p>
@@ -9232,10 +9516,17 @@
       <p:transition spd="slow"/>
     </mc:Fallback>
   </mc:AlternateContent>
+  <p:timing>
+    <p:tnLst>
+      <p:par>
+        <p:cTn id="1" dur="indefinite" restart="never" nodeType="tmRoot"/>
+      </p:par>
+    </p:tnLst>
+  </p:timing>
 </p:sld>
 </file>
 
-<file path=ppt/slides/slide14.xml><?xml version="1.0" encoding="utf-8"?>
+<file path=ppt/slides/slide13.xml><?xml version="1.0" encoding="utf-8"?>
 <p:sld xmlns:a="http://schemas.openxmlformats.org/drawingml/2006/main" xmlns:r="http://schemas.openxmlformats.org/officeDocument/2006/relationships" xmlns:p="http://schemas.openxmlformats.org/presentationml/2006/main">
   <p:cSld>
     <p:spTree>
@@ -9495,7 +9786,7 @@
           <a:lstStyle/>
           <a:p>
             <a:fld id="{DDD3256E-4E4F-42D8-B615-B174C34635BF}" type="slidenum">
-              <a:t>14</a:t>
+              <a:t>13</a:t>
             </a:fld>
             <a:endParaRPr/>
           </a:p>
@@ -9514,10 +9805,17 @@
       <p:transition spd="slow"/>
     </mc:Fallback>
   </mc:AlternateContent>
+  <p:timing>
+    <p:tnLst>
+      <p:par>
+        <p:cTn id="1" dur="indefinite" restart="never" nodeType="tmRoot"/>
+      </p:par>
+    </p:tnLst>
+  </p:timing>
 </p:sld>
 </file>
 
-<file path=ppt/slides/slide15.xml><?xml version="1.0" encoding="utf-8"?>
+<file path=ppt/slides/slide14.xml><?xml version="1.0" encoding="utf-8"?>
 <p:sld xmlns:a="http://schemas.openxmlformats.org/drawingml/2006/main" xmlns:r="http://schemas.openxmlformats.org/officeDocument/2006/relationships" xmlns:p="http://schemas.openxmlformats.org/presentationml/2006/main">
   <p:cSld>
     <p:spTree>
@@ -9610,7 +9908,7 @@
         <p:spPr>
           <a:xfrm>
             <a:off x="405000" y="3981135"/>
-            <a:ext cx="11474280" cy="1004400"/>
+            <a:ext cx="11474280" cy="1014209"/>
           </a:xfrm>
           <a:prstGeom prst="rect">
             <a:avLst/>
@@ -9658,35 +9956,31 @@
               <a:t>AU, LU Type: </a:t>
             </a:r>
             <a:r>
-              <a:rPr lang="en-US" sz="2000" b="1" u="none" strike="noStrike" dirty="0" err="1" smtClean="0">
-                <a:solidFill>
-                  <a:schemeClr val="accent1">
-                    <a:lumMod val="50000"/>
-                  </a:schemeClr>
-                </a:solidFill>
-                <a:effectLst/>
-                <a:uFillTx/>
+              <a:rPr lang="en-US" sz="2000" b="1" dirty="0" smtClean="0">
+                <a:solidFill>
+                  <a:schemeClr val="accent1">
+                    <a:lumMod val="50000"/>
+                  </a:schemeClr>
+                </a:solidFill>
                 <a:latin typeface="Pretendard"/>
                 <a:ea typeface="Pretendard"/>
               </a:rPr>
-              <a:t>instCode</a:t>
-            </a:r>
-            <a:r>
-              <a:rPr lang="ko-KR" altLang="en-US" sz="2000" b="1" u="none" strike="noStrike" dirty="0" smtClean="0">
-                <a:solidFill>
-                  <a:schemeClr val="accent1">
-                    <a:lumMod val="50000"/>
-                  </a:schemeClr>
-                </a:solidFill>
-                <a:effectLst/>
-                <a:uFillTx/>
+              <a:t>12</a:t>
+            </a:r>
+            <a:r>
+              <a:rPr lang="ko-KR" altLang="en-US" sz="2000" b="1" dirty="0" smtClean="0">
+                <a:solidFill>
+                  <a:schemeClr val="accent1">
+                    <a:lumMod val="50000"/>
+                  </a:schemeClr>
+                </a:solidFill>
                 <a:latin typeface="Pretendard"/>
                 <a:ea typeface="Pretendard"/>
               </a:rPr>
-              <a:t>로 보낼 수 없고</a:t>
-            </a:r>
-            <a:r>
-              <a:rPr lang="en-US" altLang="ko-KR" sz="2000" b="1" u="none" strike="noStrike" dirty="0" smtClean="0">
+              <a:t>비트가 넘어서 </a:t>
+            </a:r>
+            <a:r>
+              <a:rPr lang="en-US" sz="2000" b="1" u="none" strike="noStrike" dirty="0" err="1" smtClean="0">
                 <a:solidFill>
                   <a:schemeClr val="accent1">
                     <a:lumMod val="50000"/>
@@ -9697,10 +9991,10 @@
                 <a:latin typeface="Pretendard"/>
                 <a:ea typeface="Pretendard"/>
               </a:rPr>
-              <a:t>, </a:t>
-            </a:r>
-            <a:r>
-              <a:rPr lang="ko-KR" sz="2000" b="1" u="none" strike="noStrike" dirty="0" smtClean="0">
+              <a:t>instCode</a:t>
+            </a:r>
+            <a:r>
+              <a:rPr lang="ko-KR" altLang="en-US" sz="2000" b="1" u="none" strike="noStrike" dirty="0" smtClean="0">
                 <a:solidFill>
                   <a:schemeClr val="accent1">
                     <a:lumMod val="50000"/>
@@ -9711,21 +10005,61 @@
                 <a:latin typeface="Pretendard"/>
                 <a:ea typeface="Pretendard"/>
               </a:rPr>
-              <a:t>레지스터에 </a:t>
-            </a:r>
-            <a:r>
-              <a:rPr lang="ko-KR" sz="2000" b="1" u="none" strike="noStrike" dirty="0">
-                <a:solidFill>
-                  <a:schemeClr val="accent1">
-                    <a:lumMod val="50000"/>
-                  </a:schemeClr>
-                </a:solidFill>
-                <a:effectLst/>
-                <a:uFillTx/>
+              <a:t>로 보낼 수 </a:t>
+            </a:r>
+            <a:r>
+              <a:rPr lang="ko-KR" altLang="en-US" sz="2000" b="1" dirty="0" smtClean="0">
+                <a:solidFill>
+                  <a:schemeClr val="accent1">
+                    <a:lumMod val="50000"/>
+                  </a:schemeClr>
+                </a:solidFill>
                 <a:latin typeface="Pretendard"/>
                 <a:ea typeface="Pretendard"/>
               </a:rPr>
-              <a:t>없는 큰 값을 사용해야 할 때 사용</a:t>
+              <a:t>없고</a:t>
+            </a:r>
+            <a:r>
+              <a:rPr lang="en-US" altLang="ko-KR" sz="2000" b="1" u="none" strike="noStrike" dirty="0" smtClean="0">
+                <a:solidFill>
+                  <a:schemeClr val="accent1">
+                    <a:lumMod val="50000"/>
+                  </a:schemeClr>
+                </a:solidFill>
+                <a:effectLst/>
+                <a:uFillTx/>
+                <a:latin typeface="Pretendard"/>
+                <a:ea typeface="Pretendard"/>
+              </a:rPr>
+              <a:t>, </a:t>
+            </a:r>
+            <a:r>
+              <a:rPr lang="ko-KR" sz="2000" b="1" u="none" strike="noStrike" dirty="0" smtClean="0">
+                <a:solidFill>
+                  <a:schemeClr val="accent1">
+                    <a:lumMod val="50000"/>
+                  </a:schemeClr>
+                </a:solidFill>
+                <a:effectLst/>
+                <a:uFillTx/>
+                <a:latin typeface="Pretendard"/>
+                <a:ea typeface="Pretendard"/>
+              </a:rPr>
+              <a:t>레지스터에 없는 </a:t>
+            </a:r>
+            <a:r>
+              <a:rPr lang="ko-KR" sz="2000" b="1" u="none" strike="noStrike" dirty="0">
+                <a:solidFill>
+                  <a:schemeClr val="accent1">
+                    <a:lumMod val="50000"/>
+                  </a:schemeClr>
+                </a:solidFill>
+                <a:effectLst/>
+                <a:uFillTx/>
+                <a:latin typeface="Pretendard"/>
+                <a:ea typeface="Pretendard"/>
+              </a:rPr>
+              <a:t>값을 사용해야 할 때 사용</a:t>
             </a:r>
             <a:endParaRPr lang="en-US" sz="2000" b="0" u="none" strike="noStrike" dirty="0">
               <a:solidFill>
@@ -9983,7 +10317,7 @@
           <p:nvPr/>
         </p:nvPicPr>
         <p:blipFill>
-          <a:blip r:embed="rId2"/>
+          <a:blip r:embed="rId3"/>
           <a:srcRect t="88073"/>
           <a:stretch/>
         </p:blipFill>
@@ -10017,7 +10351,7 @@
           <a:lstStyle/>
           <a:p>
             <a:fld id="{5E4FEFFE-848A-4071-AF9C-C7D0B5774F16}" type="slidenum">
-              <a:t>15</a:t>
+              <a:t>14</a:t>
             </a:fld>
             <a:endParaRPr/>
           </a:p>
@@ -10164,7 +10498,7 @@
           <p:nvPr/>
         </p:nvPicPr>
         <p:blipFill>
-          <a:blip r:embed="rId2"/>
+          <a:blip r:embed="rId3"/>
           <a:srcRect t="70596" b="13792"/>
           <a:stretch/>
         </p:blipFill>
@@ -10195,6 +10529,272 @@
       <p:transition spd="slow"/>
     </mc:Fallback>
   </mc:AlternateContent>
+  <p:timing>
+    <p:tnLst>
+      <p:par>
+        <p:cTn id="1" dur="indefinite" restart="never" nodeType="tmRoot"/>
+      </p:par>
+    </p:tnLst>
+  </p:timing>
+</p:sld>
+</file>
+
+<file path=ppt/slides/slide15.xml><?xml version="1.0" encoding="utf-8"?>
+<p:sld xmlns:a="http://schemas.openxmlformats.org/drawingml/2006/main" xmlns:r="http://schemas.openxmlformats.org/officeDocument/2006/relationships" xmlns:p="http://schemas.openxmlformats.org/presentationml/2006/main">
+  <p:cSld>
+    <p:bg>
+      <p:bgPr>
+        <a:solidFill>
+          <a:srgbClr val="224D60"/>
+        </a:solidFill>
+        <a:effectLst/>
+      </p:bgPr>
+    </p:bg>
+    <p:spTree>
+      <p:nvGrpSpPr>
+        <p:cNvPr id="1" name=""/>
+        <p:cNvGrpSpPr/>
+        <p:nvPr/>
+      </p:nvGrpSpPr>
+      <p:grpSpPr>
+        <a:xfrm>
+          <a:off x="0" y="0"/>
+          <a:ext cx="0" cy="0"/>
+          <a:chOff x="0" y="0"/>
+          <a:chExt cx="0" cy="0"/>
+        </a:xfrm>
+      </p:grpSpPr>
+      <p:grpSp>
+        <p:nvGrpSpPr>
+          <p:cNvPr id="97" name="그룹 6"/>
+          <p:cNvGrpSpPr/>
+          <p:nvPr/>
+        </p:nvGrpSpPr>
+        <p:grpSpPr>
+          <a:xfrm>
+            <a:off x="6817680" y="872280"/>
+            <a:ext cx="5376600" cy="4485960"/>
+            <a:chOff x="6817680" y="872280"/>
+            <a:chExt cx="5376600" cy="4485960"/>
+          </a:xfrm>
+        </p:grpSpPr>
+        <p:sp>
+          <p:nvSpPr>
+            <p:cNvPr id="98" name="TextBox 1"/>
+            <p:cNvSpPr/>
+            <p:nvPr/>
+          </p:nvSpPr>
+          <p:spPr>
+            <a:xfrm>
+              <a:off x="6818040" y="872280"/>
+              <a:ext cx="1865520" cy="3125520"/>
+            </a:xfrm>
+            <a:prstGeom prst="rect">
+              <a:avLst/>
+            </a:prstGeom>
+            <a:noFill/>
+            <a:ln w="0">
+              <a:noFill/>
+            </a:ln>
+          </p:spPr>
+          <p:style>
+            <a:lnRef idx="0">
+              <a:scrgbClr r="0" g="0" b="0"/>
+            </a:lnRef>
+            <a:fillRef idx="0">
+              <a:scrgbClr r="0" g="0" b="0"/>
+            </a:fillRef>
+            <a:effectRef idx="0">
+              <a:scrgbClr r="0" g="0" b="0"/>
+            </a:effectRef>
+            <a:fontRef idx="minor"/>
+          </p:style>
+          <p:txBody>
+            <a:bodyPr wrap="none" lIns="90000" tIns="45000" rIns="90000" bIns="45000" anchor="t">
+              <a:spAutoFit/>
+            </a:bodyPr>
+            <a:lstStyle/>
+            <a:p>
+              <a:pPr defTabSz="914400">
+                <a:lnSpc>
+                  <a:spcPct val="100000"/>
+                </a:lnSpc>
+              </a:pPr>
+              <a:r>
+                <a:rPr lang="en-US" sz="19900" b="1" u="none" strike="noStrike">
+                  <a:solidFill>
+                    <a:schemeClr val="lt1"/>
+                  </a:solidFill>
+                  <a:effectLst/>
+                  <a:uFillTx/>
+                  <a:latin typeface="Pretendard Black"/>
+                  <a:ea typeface="Pretendard Black"/>
+                </a:rPr>
+                <a:t>2</a:t>
+              </a:r>
+              <a:endParaRPr lang="en-US" sz="19900" b="0" u="none" strike="noStrike">
+                <a:solidFill>
+                  <a:srgbClr val="FFFFFF"/>
+                </a:solidFill>
+                <a:effectLst/>
+                <a:uFillTx/>
+                <a:latin typeface="맑은 고딕"/>
+              </a:endParaRPr>
+            </a:p>
+          </p:txBody>
+        </p:sp>
+        <p:sp>
+          <p:nvSpPr>
+            <p:cNvPr id="99" name="TextBox 2"/>
+            <p:cNvSpPr/>
+            <p:nvPr/>
+          </p:nvSpPr>
+          <p:spPr>
+            <a:xfrm>
+              <a:off x="6818040" y="3912120"/>
+              <a:ext cx="3608640" cy="822600"/>
+            </a:xfrm>
+            <a:prstGeom prst="rect">
+              <a:avLst/>
+            </a:prstGeom>
+            <a:noFill/>
+            <a:ln w="0">
+              <a:noFill/>
+            </a:ln>
+          </p:spPr>
+          <p:style>
+            <a:lnRef idx="0">
+              <a:scrgbClr r="0" g="0" b="0"/>
+            </a:lnRef>
+            <a:fillRef idx="0">
+              <a:scrgbClr r="0" g="0" b="0"/>
+            </a:fillRef>
+            <a:effectRef idx="0">
+              <a:scrgbClr r="0" g="0" b="0"/>
+            </a:effectRef>
+            <a:fontRef idx="minor"/>
+          </p:style>
+          <p:txBody>
+            <a:bodyPr wrap="none" lIns="90000" tIns="45000" rIns="90000" bIns="45000" anchor="t">
+              <a:spAutoFit/>
+            </a:bodyPr>
+            <a:lstStyle/>
+            <a:p>
+              <a:pPr defTabSz="914400">
+                <a:lnSpc>
+                  <a:spcPct val="100000"/>
+                </a:lnSpc>
+              </a:pPr>
+              <a:r>
+                <a:rPr lang="ko-KR" sz="4800" b="1" u="none" strike="noStrike" spc="-300">
+                  <a:solidFill>
+                    <a:schemeClr val="lt1"/>
+                  </a:solidFill>
+                  <a:effectLst/>
+                  <a:uFillTx/>
+                  <a:latin typeface="Pretendard"/>
+                  <a:ea typeface="Pretendard"/>
+                </a:rPr>
+                <a:t>구현 및 검증</a:t>
+              </a:r>
+              <a:endParaRPr lang="en-US" sz="4800" b="0" u="none" strike="noStrike">
+                <a:solidFill>
+                  <a:srgbClr val="FFFFFF"/>
+                </a:solidFill>
+                <a:effectLst/>
+                <a:uFillTx/>
+                <a:latin typeface="맑은 고딕"/>
+              </a:endParaRPr>
+            </a:p>
+          </p:txBody>
+        </p:sp>
+        <p:cxnSp>
+          <p:nvCxnSpPr>
+            <p:cNvPr id="100" name="직선 연결선 3"/>
+            <p:cNvCxnSpPr/>
+            <p:nvPr/>
+          </p:nvCxnSpPr>
+          <p:spPr>
+            <a:xfrm>
+              <a:off x="6817680" y="5107320"/>
+              <a:ext cx="5376960" cy="2880"/>
+            </a:xfrm>
+            <a:prstGeom prst="straightConnector1">
+              <a:avLst/>
+            </a:prstGeom>
+            <a:ln w="76320">
+              <a:solidFill>
+                <a:srgbClr val="FFFFFF"/>
+              </a:solidFill>
+              <a:miter/>
+            </a:ln>
+          </p:spPr>
+        </p:cxnSp>
+        <p:cxnSp>
+          <p:nvCxnSpPr>
+            <p:cNvPr id="101" name="직선 연결선 5"/>
+            <p:cNvCxnSpPr/>
+            <p:nvPr/>
+          </p:nvCxnSpPr>
+          <p:spPr>
+            <a:xfrm>
+              <a:off x="6817680" y="5355720"/>
+              <a:ext cx="5376960" cy="2880"/>
+            </a:xfrm>
+            <a:prstGeom prst="straightConnector1">
+              <a:avLst/>
+            </a:prstGeom>
+            <a:ln w="3240">
+              <a:solidFill>
+                <a:srgbClr val="FFFFFF"/>
+              </a:solidFill>
+              <a:miter/>
+            </a:ln>
+          </p:spPr>
+        </p:cxnSp>
+      </p:grpSp>
+      <p:sp>
+        <p:nvSpPr>
+          <p:cNvPr id="2" name="PlaceHolder 1"/>
+          <p:cNvSpPr>
+            <a:spLocks noGrp="1"/>
+          </p:cNvSpPr>
+          <p:nvPr>
+            <p:ph type="sldNum" idx="2"/>
+          </p:nvPr>
+        </p:nvSpPr>
+        <p:spPr/>
+        <p:txBody>
+          <a:bodyPr/>
+          <a:lstStyle/>
+          <a:p>
+            <a:fld id="{B5732758-90D0-4200-915A-261E5CABA97E}" type="slidenum">
+              <a:t>15</a:t>
+            </a:fld>
+            <a:endParaRPr/>
+          </a:p>
+        </p:txBody>
+      </p:sp>
+    </p:spTree>
+  </p:cSld>
+  <p:clrMapOvr>
+    <a:masterClrMapping/>
+  </p:clrMapOvr>
+  <mc:AlternateContent xmlns:mc="http://schemas.openxmlformats.org/markup-compatibility/2006" xmlns:p14="http://schemas.microsoft.com/office/powerpoint/2010/main">
+    <mc:Choice Requires="p14">
+      <p:transition spd="slow" p14:dur="2000"/>
+    </mc:Choice>
+    <mc:Fallback xmlns="" xmlns:p15="http://schemas.microsoft.com/office/powerpoint/2012/main">
+      <p:transition spd="slow"/>
+    </mc:Fallback>
+  </mc:AlternateContent>
+  <p:timing>
+    <p:tnLst>
+      <p:par>
+        <p:cTn id="1" dur="indefinite" restart="never" nodeType="tmRoot"/>
+      </p:par>
+    </p:tnLst>
+  </p:timing>
 </p:sld>
 </file>
 
@@ -10215,73 +10815,6 @@
           <a:chExt cx="0" cy="0"/>
         </a:xfrm>
       </p:grpSpPr>
-      <p:sp>
-        <p:nvSpPr>
-          <p:cNvPr id="124" name="TextBox 58"/>
-          <p:cNvSpPr/>
-          <p:nvPr/>
-        </p:nvSpPr>
-        <p:spPr>
-          <a:xfrm flipH="1">
-            <a:off x="8610480" y="5445720"/>
-            <a:ext cx="2923920" cy="699840"/>
-          </a:xfrm>
-          <a:prstGeom prst="rect">
-            <a:avLst/>
-          </a:prstGeom>
-          <a:noFill/>
-          <a:ln w="0">
-            <a:noFill/>
-          </a:ln>
-        </p:spPr>
-        <p:style>
-          <a:lnRef idx="0">
-            <a:scrgbClr r="0" g="0" b="0"/>
-          </a:lnRef>
-          <a:fillRef idx="0">
-            <a:scrgbClr r="0" g="0" b="0"/>
-          </a:fillRef>
-          <a:effectRef idx="0">
-            <a:scrgbClr r="0" g="0" b="0"/>
-          </a:effectRef>
-          <a:fontRef idx="minor"/>
-        </p:style>
-        <p:txBody>
-          <a:bodyPr wrap="square" lIns="90000" tIns="45000" rIns="90000" bIns="45000" anchor="t" anchorCtr="1">
-            <a:spAutoFit/>
-          </a:bodyPr>
-          <a:lstStyle/>
-          <a:p>
-            <a:pPr algn="r" defTabSz="914400">
-              <a:lnSpc>
-                <a:spcPct val="100000"/>
-              </a:lnSpc>
-            </a:pPr>
-            <a:r>
-              <a:rPr lang="ko-KR" sz="4000" b="1" u="none" strike="noStrike" spc="-300" dirty="0">
-                <a:solidFill>
-                  <a:schemeClr val="accent1">
-                    <a:lumMod val="50000"/>
-                  </a:schemeClr>
-                </a:solidFill>
-                <a:effectLst/>
-                <a:uFillTx/>
-                <a:latin typeface="Pretendard Black"/>
-                <a:ea typeface="Pretendard Black"/>
-              </a:rPr>
-              <a:t>구현 및 검증</a:t>
-            </a:r>
-            <a:endParaRPr lang="en-US" sz="4000" b="0" u="none" strike="noStrike" dirty="0">
-              <a:solidFill>
-                <a:srgbClr val="000000"/>
-              </a:solidFill>
-              <a:effectLst/>
-              <a:uFillTx/>
-              <a:latin typeface="맑은 고딕"/>
-            </a:endParaRPr>
-          </a:p>
-        </p:txBody>
-      </p:sp>
       <p:cxnSp>
         <p:nvCxnSpPr>
           <p:cNvPr id="125" name="직선 연결선 9"/>
@@ -10326,6 +10859,73 @@
           </a:p>
         </p:txBody>
       </p:sp>
+      <p:sp>
+        <p:nvSpPr>
+          <p:cNvPr id="5" name="TextBox 29"/>
+          <p:cNvSpPr/>
+          <p:nvPr/>
+        </p:nvSpPr>
+        <p:spPr>
+          <a:xfrm flipH="1">
+            <a:off x="2412750" y="5536328"/>
+            <a:ext cx="9284040" cy="706432"/>
+          </a:xfrm>
+          <a:prstGeom prst="rect">
+            <a:avLst/>
+          </a:prstGeom>
+          <a:noFill/>
+          <a:ln w="0">
+            <a:noFill/>
+          </a:ln>
+        </p:spPr>
+        <p:style>
+          <a:lnRef idx="0">
+            <a:scrgbClr r="0" g="0" b="0"/>
+          </a:lnRef>
+          <a:fillRef idx="0">
+            <a:scrgbClr r="0" g="0" b="0"/>
+          </a:fillRef>
+          <a:effectRef idx="0">
+            <a:scrgbClr r="0" g="0" b="0"/>
+          </a:effectRef>
+          <a:fontRef idx="minor"/>
+        </p:style>
+        <p:txBody>
+          <a:bodyPr lIns="90000" tIns="45000" rIns="90000" bIns="45000" anchor="t">
+            <a:spAutoFit/>
+          </a:bodyPr>
+          <a:lstStyle/>
+          <a:p>
+            <a:pPr algn="r" defTabSz="914400">
+              <a:lnSpc>
+                <a:spcPct val="100000"/>
+              </a:lnSpc>
+            </a:pPr>
+            <a:r>
+              <a:rPr lang="ko-KR" altLang="en-US" sz="4000" b="1" u="none" strike="noStrike" spc="-300" dirty="0" smtClean="0">
+                <a:solidFill>
+                  <a:schemeClr val="accent1">
+                    <a:lumMod val="50000"/>
+                  </a:schemeClr>
+                </a:solidFill>
+                <a:effectLst/>
+                <a:uFillTx/>
+                <a:latin typeface="Pretendard Black"/>
+                <a:ea typeface="Pretendard Black"/>
+              </a:rPr>
+              <a:t>구현</a:t>
+            </a:r>
+            <a:endParaRPr lang="en-US" sz="4000" b="0" u="none" strike="noStrike" dirty="0">
+              <a:solidFill>
+                <a:srgbClr val="000000"/>
+              </a:solidFill>
+              <a:effectLst/>
+              <a:uFillTx/>
+              <a:latin typeface="맑은 고딕"/>
+            </a:endParaRPr>
+          </a:p>
+        </p:txBody>
+      </p:sp>
     </p:spTree>
   </p:cSld>
   <p:clrMapOvr>
@@ -10339,6 +10939,13 @@
       <p:transition spd="slow"/>
     </mc:Fallback>
   </mc:AlternateContent>
+  <p:timing>
+    <p:tnLst>
+      <p:par>
+        <p:cTn id="1" dur="indefinite" restart="never" nodeType="tmRoot"/>
+      </p:par>
+    </p:tnLst>
+  </p:timing>
 </p:sld>
 </file>
 
@@ -10485,10 +11092,185 @@
       <p:transition spd="slow"/>
     </mc:Fallback>
   </mc:AlternateContent>
+  <p:timing>
+    <p:tnLst>
+      <p:par>
+        <p:cTn id="1" dur="indefinite" restart="never" nodeType="tmRoot"/>
+      </p:par>
+    </p:tnLst>
+  </p:timing>
 </p:sld>
 </file>
 
 <file path=ppt/slides/slide18.xml><?xml version="1.0" encoding="utf-8"?>
+<p:sld xmlns:a="http://schemas.openxmlformats.org/drawingml/2006/main" xmlns:r="http://schemas.openxmlformats.org/officeDocument/2006/relationships" xmlns:p="http://schemas.openxmlformats.org/presentationml/2006/main">
+  <p:cSld>
+    <p:spTree>
+      <p:nvGrpSpPr>
+        <p:cNvPr id="1" name=""/>
+        <p:cNvGrpSpPr/>
+        <p:nvPr/>
+      </p:nvGrpSpPr>
+      <p:grpSpPr>
+        <a:xfrm>
+          <a:off x="0" y="0"/>
+          <a:ext cx="0" cy="0"/>
+          <a:chOff x="0" y="0"/>
+          <a:chExt cx="0" cy="0"/>
+        </a:xfrm>
+      </p:grpSpPr>
+      <p:cxnSp>
+        <p:nvCxnSpPr>
+          <p:cNvPr id="125" name="직선 연결선 9"/>
+          <p:cNvCxnSpPr/>
+          <p:nvPr/>
+        </p:nvCxnSpPr>
+        <p:spPr>
+          <a:xfrm>
+            <a:off x="513360" y="6298200"/>
+            <a:ext cx="11702880" cy="2880"/>
+          </a:xfrm>
+          <a:prstGeom prst="straightConnector1">
+            <a:avLst/>
+          </a:prstGeom>
+          <a:ln w="57240">
+            <a:solidFill>
+              <a:srgbClr val="BF0041"/>
+            </a:solidFill>
+            <a:miter/>
+          </a:ln>
+        </p:spPr>
+      </p:cxnSp>
+      <p:sp>
+        <p:nvSpPr>
+          <p:cNvPr id="2" name="PlaceHolder 1"/>
+          <p:cNvSpPr>
+            <a:spLocks noGrp="1"/>
+          </p:cNvSpPr>
+          <p:nvPr>
+            <p:ph type="sldNum" idx="2"/>
+          </p:nvPr>
+        </p:nvSpPr>
+        <p:spPr/>
+        <p:txBody>
+          <a:bodyPr/>
+          <a:lstStyle/>
+          <a:p>
+            <a:fld id="{4D1F2B2A-2F63-4F97-BF31-0C6F14E8CF67}" type="slidenum">
+              <a:t>18</a:t>
+            </a:fld>
+            <a:endParaRPr/>
+          </a:p>
+        </p:txBody>
+      </p:sp>
+      <p:sp>
+        <p:nvSpPr>
+          <p:cNvPr id="5" name="TextBox 29"/>
+          <p:cNvSpPr/>
+          <p:nvPr/>
+        </p:nvSpPr>
+        <p:spPr>
+          <a:xfrm flipH="1">
+            <a:off x="2462177" y="5536328"/>
+            <a:ext cx="9284040" cy="706432"/>
+          </a:xfrm>
+          <a:prstGeom prst="rect">
+            <a:avLst/>
+          </a:prstGeom>
+          <a:noFill/>
+          <a:ln w="0">
+            <a:noFill/>
+          </a:ln>
+        </p:spPr>
+        <p:style>
+          <a:lnRef idx="0">
+            <a:scrgbClr r="0" g="0" b="0"/>
+          </a:lnRef>
+          <a:fillRef idx="0">
+            <a:scrgbClr r="0" g="0" b="0"/>
+          </a:fillRef>
+          <a:effectRef idx="0">
+            <a:scrgbClr r="0" g="0" b="0"/>
+          </a:effectRef>
+          <a:fontRef idx="minor"/>
+        </p:style>
+        <p:txBody>
+          <a:bodyPr lIns="90000" tIns="45000" rIns="90000" bIns="45000" anchor="t">
+            <a:spAutoFit/>
+          </a:bodyPr>
+          <a:lstStyle/>
+          <a:p>
+            <a:pPr algn="r" defTabSz="914400">
+              <a:lnSpc>
+                <a:spcPct val="100000"/>
+              </a:lnSpc>
+            </a:pPr>
+            <a:r>
+              <a:rPr lang="ko-KR" altLang="en-US" sz="4000" b="1" spc="-300" dirty="0" smtClean="0">
+                <a:solidFill>
+                  <a:schemeClr val="accent1">
+                    <a:lumMod val="50000"/>
+                  </a:schemeClr>
+                </a:solidFill>
+                <a:latin typeface="Pretendard Black"/>
+                <a:ea typeface="Pretendard Black"/>
+              </a:rPr>
+              <a:t>회로</a:t>
+            </a:r>
+            <a:r>
+              <a:rPr lang="ko-KR" altLang="en-US" sz="4000" b="1" u="none" strike="noStrike" spc="-300" dirty="0" smtClean="0">
+                <a:solidFill>
+                  <a:schemeClr val="accent1">
+                    <a:lumMod val="50000"/>
+                  </a:schemeClr>
+                </a:solidFill>
+                <a:effectLst/>
+                <a:uFillTx/>
+                <a:latin typeface="Pretendard Black"/>
+                <a:ea typeface="Pretendard Black"/>
+              </a:rPr>
+              <a:t> 검증</a:t>
+            </a:r>
+            <a:endParaRPr lang="en-US" sz="4000" b="0" u="none" strike="noStrike" dirty="0">
+              <a:solidFill>
+                <a:srgbClr val="000000"/>
+              </a:solidFill>
+              <a:effectLst/>
+              <a:uFillTx/>
+              <a:latin typeface="맑은 고딕"/>
+            </a:endParaRPr>
+          </a:p>
+        </p:txBody>
+      </p:sp>
+    </p:spTree>
+    <p:extLst>
+      <p:ext uri="{BB962C8B-B14F-4D97-AF65-F5344CB8AC3E}">
+        <p14:creationId xmlns:p14="http://schemas.microsoft.com/office/powerpoint/2010/main" val="2644716006"/>
+      </p:ext>
+    </p:extLst>
+  </p:cSld>
+  <p:clrMapOvr>
+    <a:masterClrMapping/>
+  </p:clrMapOvr>
+  <mc:AlternateContent xmlns:mc="http://schemas.openxmlformats.org/markup-compatibility/2006" xmlns:p14="http://schemas.microsoft.com/office/powerpoint/2010/main">
+    <mc:Choice Requires="p14">
+      <p:transition spd="slow" p14:dur="2000"/>
+    </mc:Choice>
+    <mc:Fallback xmlns="" xmlns:p15="http://schemas.microsoft.com/office/powerpoint/2012/main">
+      <p:transition spd="slow"/>
+    </mc:Fallback>
+  </mc:AlternateContent>
+  <p:timing>
+    <p:tnLst>
+      <p:par>
+        <p:cTn id="1" dur="indefinite" restart="never" nodeType="tmRoot"/>
+      </p:par>
+    </p:tnLst>
+  </p:timing>
+</p:sld>
+</file>
+
+<file path=ppt/slides/slide19.xml><?xml version="1.0" encoding="utf-8"?>
 <p:sld xmlns:a="http://schemas.openxmlformats.org/drawingml/2006/main" xmlns:r="http://schemas.openxmlformats.org/officeDocument/2006/relationships" xmlns:p="http://schemas.openxmlformats.org/presentationml/2006/main">
   <p:cSld>
     <p:spTree>
@@ -10548,7 +11330,7 @@
               </a:lnSpc>
             </a:pPr>
             <a:r>
-              <a:rPr lang="en-US" sz="5000" b="1" u="none" strike="noStrike" spc="-300">
+              <a:rPr lang="en-US" sz="5000" b="1" u="none" strike="noStrike" spc="-300" dirty="0" err="1">
                 <a:solidFill>
                   <a:schemeClr val="accent1">
                     <a:lumMod val="50000"/>
@@ -10561,7 +11343,7 @@
               </a:rPr>
               <a:t>R_Type</a:t>
             </a:r>
-            <a:endParaRPr lang="en-US" sz="5000" b="0" u="none" strike="noStrike">
+            <a:endParaRPr lang="en-US" sz="5000" b="0" u="none" strike="noStrike" dirty="0">
               <a:solidFill>
                 <a:srgbClr val="000000"/>
               </a:solidFill>
@@ -10577,7 +11359,7 @@
               </a:lnSpc>
             </a:pPr>
             <a:r>
-              <a:rPr lang="ko-KR" sz="3000" b="1" u="none" strike="noStrike" spc="-300">
+              <a:rPr lang="ko-KR" sz="3000" b="1" u="none" strike="noStrike" spc="-300" dirty="0">
                 <a:solidFill>
                   <a:schemeClr val="accent1">
                     <a:lumMod val="50000"/>
@@ -10590,7 +11372,7 @@
               </a:rPr>
               <a:t>동작 검증</a:t>
             </a:r>
-            <a:endParaRPr lang="en-US" sz="3000" b="0" u="none" strike="noStrike">
+            <a:endParaRPr lang="en-US" sz="3000" b="0" u="none" strike="noStrike" dirty="0">
               <a:solidFill>
                 <a:srgbClr val="000000"/>
               </a:solidFill>
@@ -10968,7 +11750,7 @@
           <a:lstStyle/>
           <a:p>
             <a:fld id="{48D0B958-65E0-45E9-B346-DDECD05AB56D}" type="slidenum">
-              <a:t>18</a:t>
+              <a:t>19</a:t>
             </a:fld>
             <a:endParaRPr/>
           </a:p>
@@ -10987,177 +11769,13 @@
       <p:transition spd="slow"/>
     </mc:Fallback>
   </mc:AlternateContent>
-</p:sld>
-</file>
-
-<file path=ppt/slides/slide19.xml><?xml version="1.0" encoding="utf-8"?>
-<p:sld xmlns:a="http://schemas.openxmlformats.org/drawingml/2006/main" xmlns:r="http://schemas.openxmlformats.org/officeDocument/2006/relationships" xmlns:p="http://schemas.openxmlformats.org/presentationml/2006/main">
-  <p:cSld>
-    <p:spTree>
-      <p:nvGrpSpPr>
-        <p:cNvPr id="1" name=""/>
-        <p:cNvGrpSpPr/>
-        <p:nvPr/>
-      </p:nvGrpSpPr>
-      <p:grpSpPr>
-        <a:xfrm>
-          <a:off x="0" y="0"/>
-          <a:ext cx="0" cy="0"/>
-          <a:chOff x="0" y="0"/>
-          <a:chExt cx="0" cy="0"/>
-        </a:xfrm>
-      </p:grpSpPr>
-      <p:sp>
-        <p:nvSpPr>
-          <p:cNvPr id="135" name="TextBox 29"/>
-          <p:cNvSpPr/>
-          <p:nvPr/>
-        </p:nvSpPr>
-        <p:spPr>
-          <a:xfrm flipH="1">
-            <a:off x="434160" y="486000"/>
-            <a:ext cx="9284040" cy="853200"/>
-          </a:xfrm>
-          <a:prstGeom prst="rect">
-            <a:avLst/>
-          </a:prstGeom>
-          <a:noFill/>
-          <a:ln w="0">
-            <a:noFill/>
-          </a:ln>
-        </p:spPr>
-        <p:style>
-          <a:lnRef idx="0">
-            <a:scrgbClr r="0" g="0" b="0"/>
-          </a:lnRef>
-          <a:fillRef idx="0">
-            <a:scrgbClr r="0" g="0" b="0"/>
-          </a:fillRef>
-          <a:effectRef idx="0">
-            <a:scrgbClr r="0" g="0" b="0"/>
-          </a:effectRef>
-          <a:fontRef idx="minor"/>
-        </p:style>
-        <p:txBody>
-          <a:bodyPr lIns="90000" tIns="45000" rIns="90000" bIns="45000" anchor="t">
-            <a:spAutoFit/>
-          </a:bodyPr>
-          <a:lstStyle/>
-          <a:p>
-            <a:pPr defTabSz="914400">
-              <a:lnSpc>
-                <a:spcPct val="100000"/>
-              </a:lnSpc>
-            </a:pPr>
-            <a:r>
-              <a:rPr lang="en-US" sz="5000" b="1" u="none" strike="noStrike" spc="-300">
-                <a:solidFill>
-                  <a:schemeClr val="accent1">
-                    <a:lumMod val="50000"/>
-                  </a:schemeClr>
-                </a:solidFill>
-                <a:effectLst/>
-                <a:uFillTx/>
-                <a:latin typeface="Pretendard Black"/>
-                <a:ea typeface="Pretendard Black"/>
-              </a:rPr>
-              <a:t>R_Type</a:t>
-            </a:r>
-            <a:endParaRPr lang="en-US" sz="5000" b="0" u="none" strike="noStrike">
-              <a:solidFill>
-                <a:srgbClr val="000000"/>
-              </a:solidFill>
-              <a:effectLst/>
-              <a:uFillTx/>
-              <a:latin typeface="맑은 고딕"/>
-            </a:endParaRPr>
-          </a:p>
-        </p:txBody>
-      </p:sp>
-      <p:pic>
-        <p:nvPicPr>
-          <p:cNvPr id="136" name="그림 135"/>
-          <p:cNvPicPr/>
-          <p:nvPr/>
-        </p:nvPicPr>
-        <p:blipFill>
-          <a:blip r:embed="rId2"/>
-          <a:stretch/>
-        </p:blipFill>
-        <p:spPr>
-          <a:xfrm>
-            <a:off x="7236720" y="1198800"/>
-            <a:ext cx="4859280" cy="2904120"/>
-          </a:xfrm>
-          <a:prstGeom prst="rect">
-            <a:avLst/>
-          </a:prstGeom>
-          <a:noFill/>
-          <a:ln w="0">
-            <a:noFill/>
-          </a:ln>
-        </p:spPr>
-      </p:pic>
-      <p:pic>
-        <p:nvPicPr>
-          <p:cNvPr id="137" name="그림 136"/>
-          <p:cNvPicPr/>
-          <p:nvPr/>
-        </p:nvPicPr>
-        <p:blipFill>
-          <a:blip r:embed="rId3"/>
-          <a:srcRect r="4643"/>
-          <a:stretch/>
-        </p:blipFill>
-        <p:spPr>
-          <a:xfrm>
-            <a:off x="24840" y="4079880"/>
-            <a:ext cx="12171240" cy="2044440"/>
-          </a:xfrm>
-          <a:prstGeom prst="rect">
-            <a:avLst/>
-          </a:prstGeom>
-          <a:noFill/>
-          <a:ln w="0">
-            <a:noFill/>
-          </a:ln>
-        </p:spPr>
-      </p:pic>
-      <p:sp>
-        <p:nvSpPr>
-          <p:cNvPr id="2" name="PlaceHolder 1"/>
-          <p:cNvSpPr>
-            <a:spLocks noGrp="1"/>
-          </p:cNvSpPr>
-          <p:nvPr>
-            <p:ph type="sldNum" idx="2"/>
-          </p:nvPr>
-        </p:nvSpPr>
-        <p:spPr/>
-        <p:txBody>
-          <a:bodyPr/>
-          <a:lstStyle/>
-          <a:p>
-            <a:fld id="{51F652F5-C811-4850-88F1-CB67C98B28EF}" type="slidenum">
-              <a:t>19</a:t>
-            </a:fld>
-            <a:endParaRPr/>
-          </a:p>
-        </p:txBody>
-      </p:sp>
-    </p:spTree>
-  </p:cSld>
-  <p:clrMapOvr>
-    <a:masterClrMapping/>
-  </p:clrMapOvr>
-  <mc:AlternateContent xmlns:mc="http://schemas.openxmlformats.org/markup-compatibility/2006" xmlns:p14="http://schemas.microsoft.com/office/powerpoint/2010/main">
-    <mc:Choice Requires="p14">
-      <p:transition spd="slow" p14:dur="2000"/>
-    </mc:Choice>
-    <mc:Fallback xmlns="" xmlns:p15="http://schemas.microsoft.com/office/powerpoint/2012/main">
-      <p:transition spd="slow"/>
-    </mc:Fallback>
-  </mc:AlternateContent>
+  <p:timing>
+    <p:tnLst>
+      <p:par>
+        <p:cTn id="1" dur="indefinite" restart="never" nodeType="tmRoot"/>
+      </p:par>
+    </p:tnLst>
+  </p:timing>
 </p:sld>
 </file>
 
@@ -11952,10 +12570,219 @@
       <p:transition spd="slow"/>
     </mc:Fallback>
   </mc:AlternateContent>
+  <p:timing>
+    <p:tnLst>
+      <p:par>
+        <p:cTn id="1" dur="indefinite" restart="never" nodeType="tmRoot"/>
+      </p:par>
+    </p:tnLst>
+  </p:timing>
 </p:sld>
 </file>
 
 <file path=ppt/slides/slide20.xml><?xml version="1.0" encoding="utf-8"?>
+<p:sld xmlns:a="http://schemas.openxmlformats.org/drawingml/2006/main" xmlns:r="http://schemas.openxmlformats.org/officeDocument/2006/relationships" xmlns:p="http://schemas.openxmlformats.org/presentationml/2006/main">
+  <p:cSld>
+    <p:spTree>
+      <p:nvGrpSpPr>
+        <p:cNvPr id="1" name=""/>
+        <p:cNvGrpSpPr/>
+        <p:nvPr/>
+      </p:nvGrpSpPr>
+      <p:grpSpPr>
+        <a:xfrm>
+          <a:off x="0" y="0"/>
+          <a:ext cx="0" cy="0"/>
+          <a:chOff x="0" y="0"/>
+          <a:chExt cx="0" cy="0"/>
+        </a:xfrm>
+      </p:grpSpPr>
+      <p:sp>
+        <p:nvSpPr>
+          <p:cNvPr id="135" name="TextBox 29"/>
+          <p:cNvSpPr/>
+          <p:nvPr/>
+        </p:nvSpPr>
+        <p:spPr>
+          <a:xfrm flipH="1">
+            <a:off x="434160" y="486000"/>
+            <a:ext cx="9284040" cy="853200"/>
+          </a:xfrm>
+          <a:prstGeom prst="rect">
+            <a:avLst/>
+          </a:prstGeom>
+          <a:noFill/>
+          <a:ln w="0">
+            <a:noFill/>
+          </a:ln>
+        </p:spPr>
+        <p:style>
+          <a:lnRef idx="0">
+            <a:scrgbClr r="0" g="0" b="0"/>
+          </a:lnRef>
+          <a:fillRef idx="0">
+            <a:scrgbClr r="0" g="0" b="0"/>
+          </a:fillRef>
+          <a:effectRef idx="0">
+            <a:scrgbClr r="0" g="0" b="0"/>
+          </a:effectRef>
+          <a:fontRef idx="minor"/>
+        </p:style>
+        <p:txBody>
+          <a:bodyPr lIns="90000" tIns="45000" rIns="90000" bIns="45000" anchor="t">
+            <a:spAutoFit/>
+          </a:bodyPr>
+          <a:lstStyle/>
+          <a:p>
+            <a:pPr defTabSz="914400">
+              <a:lnSpc>
+                <a:spcPct val="100000"/>
+              </a:lnSpc>
+            </a:pPr>
+            <a:r>
+              <a:rPr lang="en-US" sz="5000" b="1" u="none" strike="noStrike" spc="-300" dirty="0" err="1">
+                <a:solidFill>
+                  <a:schemeClr val="accent1">
+                    <a:lumMod val="50000"/>
+                  </a:schemeClr>
+                </a:solidFill>
+                <a:effectLst/>
+                <a:uFillTx/>
+                <a:latin typeface="Pretendard Black"/>
+                <a:ea typeface="Pretendard Black"/>
+              </a:rPr>
+              <a:t>R_Type</a:t>
+            </a:r>
+            <a:endParaRPr lang="en-US" sz="5000" b="0" u="none" strike="noStrike" dirty="0">
+              <a:solidFill>
+                <a:srgbClr val="000000"/>
+              </a:solidFill>
+              <a:effectLst/>
+              <a:uFillTx/>
+              <a:latin typeface="맑은 고딕"/>
+            </a:endParaRPr>
+          </a:p>
+        </p:txBody>
+      </p:sp>
+      <p:pic>
+        <p:nvPicPr>
+          <p:cNvPr id="136" name="그림 135"/>
+          <p:cNvPicPr/>
+          <p:nvPr/>
+        </p:nvPicPr>
+        <p:blipFill>
+          <a:blip r:embed="rId2"/>
+          <a:stretch/>
+        </p:blipFill>
+        <p:spPr>
+          <a:xfrm>
+            <a:off x="7236720" y="1198800"/>
+            <a:ext cx="4859280" cy="2904120"/>
+          </a:xfrm>
+          <a:prstGeom prst="rect">
+            <a:avLst/>
+          </a:prstGeom>
+          <a:noFill/>
+          <a:ln w="0">
+            <a:noFill/>
+          </a:ln>
+        </p:spPr>
+      </p:pic>
+      <p:pic>
+        <p:nvPicPr>
+          <p:cNvPr id="137" name="그림 136"/>
+          <p:cNvPicPr/>
+          <p:nvPr/>
+        </p:nvPicPr>
+        <p:blipFill>
+          <a:blip r:embed="rId3"/>
+          <a:srcRect r="4643"/>
+          <a:stretch/>
+        </p:blipFill>
+        <p:spPr>
+          <a:xfrm>
+            <a:off x="24840" y="4079880"/>
+            <a:ext cx="12171240" cy="2044440"/>
+          </a:xfrm>
+          <a:prstGeom prst="rect">
+            <a:avLst/>
+          </a:prstGeom>
+          <a:noFill/>
+          <a:ln w="0">
+            <a:noFill/>
+          </a:ln>
+        </p:spPr>
+      </p:pic>
+      <p:sp>
+        <p:nvSpPr>
+          <p:cNvPr id="2" name="PlaceHolder 1"/>
+          <p:cNvSpPr>
+            <a:spLocks noGrp="1"/>
+          </p:cNvSpPr>
+          <p:nvPr>
+            <p:ph type="sldNum" idx="2"/>
+          </p:nvPr>
+        </p:nvSpPr>
+        <p:spPr/>
+        <p:txBody>
+          <a:bodyPr/>
+          <a:lstStyle/>
+          <a:p>
+            <a:fld id="{51F652F5-C811-4850-88F1-CB67C98B28EF}" type="slidenum">
+              <a:t>20</a:t>
+            </a:fld>
+            <a:endParaRPr/>
+          </a:p>
+        </p:txBody>
+      </p:sp>
+      <p:pic>
+        <p:nvPicPr>
+          <p:cNvPr id="6" name="그림 5"/>
+          <p:cNvPicPr/>
+          <p:nvPr/>
+        </p:nvPicPr>
+        <p:blipFill>
+          <a:blip r:embed="rId4"/>
+          <a:stretch/>
+        </p:blipFill>
+        <p:spPr>
+          <a:xfrm>
+            <a:off x="5622882" y="1198800"/>
+            <a:ext cx="1613837" cy="2881080"/>
+          </a:xfrm>
+          <a:prstGeom prst="rect">
+            <a:avLst/>
+          </a:prstGeom>
+          <a:noFill/>
+          <a:ln w="0">
+            <a:noFill/>
+          </a:ln>
+        </p:spPr>
+      </p:pic>
+    </p:spTree>
+  </p:cSld>
+  <p:clrMapOvr>
+    <a:masterClrMapping/>
+  </p:clrMapOvr>
+  <mc:AlternateContent xmlns:mc="http://schemas.openxmlformats.org/markup-compatibility/2006" xmlns:p14="http://schemas.microsoft.com/office/powerpoint/2010/main">
+    <mc:Choice Requires="p14">
+      <p:transition spd="slow" p14:dur="2000"/>
+    </mc:Choice>
+    <mc:Fallback xmlns="" xmlns:p15="http://schemas.microsoft.com/office/powerpoint/2012/main">
+      <p:transition spd="slow"/>
+    </mc:Fallback>
+  </mc:AlternateContent>
+  <p:timing>
+    <p:tnLst>
+      <p:par>
+        <p:cTn id="1" dur="indefinite" restart="never" nodeType="tmRoot"/>
+      </p:par>
+    </p:tnLst>
+  </p:timing>
+</p:sld>
+</file>
+
+<file path=ppt/slides/slide21.xml><?xml version="1.0" encoding="utf-8"?>
 <p:sld xmlns:a="http://schemas.openxmlformats.org/drawingml/2006/main" xmlns:r="http://schemas.openxmlformats.org/officeDocument/2006/relationships" xmlns:p="http://schemas.openxmlformats.org/presentationml/2006/main">
   <p:cSld>
     <p:spTree>
@@ -12435,7 +13262,7 @@
           <a:lstStyle/>
           <a:p>
             <a:fld id="{94CA911C-A5C2-4048-895D-96EDFAB658D1}" type="slidenum">
-              <a:t>20</a:t>
+              <a:t>21</a:t>
             </a:fld>
             <a:endParaRPr/>
           </a:p>
@@ -12454,10 +13281,17 @@
       <p:transition spd="slow"/>
     </mc:Fallback>
   </mc:AlternateContent>
+  <p:timing>
+    <p:tnLst>
+      <p:par>
+        <p:cTn id="1" dur="indefinite" restart="never" nodeType="tmRoot"/>
+      </p:par>
+    </p:tnLst>
+  </p:timing>
 </p:sld>
 </file>
 
-<file path=ppt/slides/slide21.xml><?xml version="1.0" encoding="utf-8"?>
+<file path=ppt/slides/slide22.xml><?xml version="1.0" encoding="utf-8"?>
 <p:sld xmlns:a="http://schemas.openxmlformats.org/drawingml/2006/main" xmlns:r="http://schemas.openxmlformats.org/officeDocument/2006/relationships" xmlns:p="http://schemas.openxmlformats.org/presentationml/2006/main">
   <p:cSld>
     <p:spTree>
@@ -12605,12 +13439,36 @@
           <a:lstStyle/>
           <a:p>
             <a:fld id="{43CB39C3-E9C3-40D4-8E6C-843690CD8C78}" type="slidenum">
-              <a:t>21</a:t>
+              <a:t>22</a:t>
             </a:fld>
             <a:endParaRPr/>
           </a:p>
         </p:txBody>
       </p:sp>
+      <p:pic>
+        <p:nvPicPr>
+          <p:cNvPr id="6" name="그림 5"/>
+          <p:cNvPicPr/>
+          <p:nvPr/>
+        </p:nvPicPr>
+        <p:blipFill>
+          <a:blip r:embed="rId4"/>
+          <a:stretch/>
+        </p:blipFill>
+        <p:spPr>
+          <a:xfrm>
+            <a:off x="5992505" y="1609076"/>
+            <a:ext cx="1560820" cy="2745843"/>
+          </a:xfrm>
+          <a:prstGeom prst="rect">
+            <a:avLst/>
+          </a:prstGeom>
+          <a:noFill/>
+          <a:ln w="0">
+            <a:noFill/>
+          </a:ln>
+        </p:spPr>
+      </p:pic>
     </p:spTree>
   </p:cSld>
   <p:clrMapOvr>
@@ -12627,7 +13485,7 @@
 </p:sld>
 </file>
 
-<file path=ppt/slides/slide22.xml><?xml version="1.0" encoding="utf-8"?>
+<file path=ppt/slides/slide23.xml><?xml version="1.0" encoding="utf-8"?>
 <p:sld xmlns:a="http://schemas.openxmlformats.org/drawingml/2006/main" xmlns:r="http://schemas.openxmlformats.org/officeDocument/2006/relationships" xmlns:p="http://schemas.openxmlformats.org/presentationml/2006/main">
   <p:cSld>
     <p:spTree>
@@ -12947,7 +13805,7 @@
         <p:spPr>
           <a:xfrm>
             <a:off x="360720" y="4510080"/>
-            <a:ext cx="3937680" cy="1786320"/>
+            <a:ext cx="3937680" cy="1481003"/>
           </a:xfrm>
           <a:prstGeom prst="rect">
             <a:avLst/>
@@ -12987,7 +13845,7 @@
               </a:spcAft>
             </a:pPr>
             <a:r>
-              <a:rPr lang="en-US" sz="1800" b="1" u="none" strike="noStrike">
+              <a:rPr lang="en-US" sz="1800" b="1" u="none" strike="noStrike" dirty="0">
                 <a:solidFill>
                   <a:schemeClr val="accent1">
                     <a:lumMod val="50000"/>
@@ -12998,9 +13856,65 @@
                 <a:latin typeface="Pretendard"/>
                 <a:ea typeface="Pretendard"/>
               </a:rPr>
-              <a:t>$display("S_Type - %d, %d", alucal, rs2);</a:t>
-            </a:r>
-            <a:endParaRPr lang="en-US" sz="1800" b="0" u="none" strike="noStrike">
+              <a:t>$display("</a:t>
+            </a:r>
+            <a:r>
+              <a:rPr lang="en-US" sz="1800" b="1" u="none" strike="noStrike" dirty="0" err="1">
+                <a:solidFill>
+                  <a:schemeClr val="accent1">
+                    <a:lumMod val="50000"/>
+                  </a:schemeClr>
+                </a:solidFill>
+                <a:effectLst/>
+                <a:uFillTx/>
+                <a:latin typeface="Pretendard"/>
+                <a:ea typeface="Pretendard"/>
+              </a:rPr>
+              <a:t>S_Type</a:t>
+            </a:r>
+            <a:r>
+              <a:rPr lang="en-US" sz="1800" b="1" u="none" strike="noStrike" dirty="0">
+                <a:solidFill>
+                  <a:schemeClr val="accent1">
+                    <a:lumMod val="50000"/>
+                  </a:schemeClr>
+                </a:solidFill>
+                <a:effectLst/>
+                <a:uFillTx/>
+                <a:latin typeface="Pretendard"/>
+                <a:ea typeface="Pretendard"/>
+              </a:rPr>
+              <a:t> - %d, %d", </a:t>
+            </a:r>
+            <a:r>
+              <a:rPr lang="en-US" sz="1800" b="1" u="none" strike="noStrike" dirty="0" err="1">
+                <a:solidFill>
+                  <a:schemeClr val="accent1">
+                    <a:lumMod val="50000"/>
+                  </a:schemeClr>
+                </a:solidFill>
+                <a:effectLst/>
+                <a:uFillTx/>
+                <a:latin typeface="Pretendard"/>
+                <a:ea typeface="Pretendard"/>
+              </a:rPr>
+              <a:t>alucal</a:t>
+            </a:r>
+            <a:r>
+              <a:rPr lang="en-US" sz="1800" b="1" u="none" strike="noStrike" dirty="0">
+                <a:solidFill>
+                  <a:schemeClr val="accent1">
+                    <a:lumMod val="50000"/>
+                  </a:schemeClr>
+                </a:solidFill>
+                <a:effectLst/>
+                <a:uFillTx/>
+                <a:latin typeface="Pretendard"/>
+                <a:ea typeface="Pretendard"/>
+              </a:rPr>
+              <a:t>, rs2);</a:t>
+            </a:r>
+            <a:endParaRPr lang="en-US" sz="1800" b="0" u="none" strike="noStrike" dirty="0">
               <a:solidFill>
                 <a:srgbClr val="000000"/>
               </a:solidFill>
@@ -13022,7 +13936,7 @@
               </a:spcAft>
             </a:pPr>
             <a:r>
-              <a:rPr lang="en-US" sz="1800" b="1" u="none" strike="noStrike">
+              <a:rPr lang="en-US" sz="1800" b="1" u="none" strike="noStrike" dirty="0">
                 <a:solidFill>
                   <a:schemeClr val="accent1">
                     <a:lumMod val="50000"/>
@@ -13033,9 +13947,135 @@
                 <a:latin typeface="Pretendard"/>
                 <a:ea typeface="Pretendard"/>
               </a:rPr>
-              <a:t>$display("L_Type - %d, %d", wdata, u_MCU.u_ram.memclucal/4]); </a:t>
-            </a:r>
-            <a:endParaRPr lang="en-US" sz="1800" b="0" u="none" strike="noStrike">
+              <a:t>$display("</a:t>
+            </a:r>
+            <a:r>
+              <a:rPr lang="en-US" sz="1800" b="1" u="none" strike="noStrike" dirty="0" err="1">
+                <a:solidFill>
+                  <a:schemeClr val="accent1">
+                    <a:lumMod val="50000"/>
+                  </a:schemeClr>
+                </a:solidFill>
+                <a:effectLst/>
+                <a:uFillTx/>
+                <a:latin typeface="Pretendard"/>
+                <a:ea typeface="Pretendard"/>
+              </a:rPr>
+              <a:t>L_Type</a:t>
+            </a:r>
+            <a:r>
+              <a:rPr lang="en-US" sz="1800" b="1" u="none" strike="noStrike" dirty="0">
+                <a:solidFill>
+                  <a:schemeClr val="accent1">
+                    <a:lumMod val="50000"/>
+                  </a:schemeClr>
+                </a:solidFill>
+                <a:effectLst/>
+                <a:uFillTx/>
+                <a:latin typeface="Pretendard"/>
+                <a:ea typeface="Pretendard"/>
+              </a:rPr>
+              <a:t> - %d, %d", </a:t>
+            </a:r>
+            <a:r>
+              <a:rPr lang="en-US" sz="1800" b="1" u="none" strike="noStrike" dirty="0" err="1">
+                <a:solidFill>
+                  <a:schemeClr val="accent1">
+                    <a:lumMod val="50000"/>
+                  </a:schemeClr>
+                </a:solidFill>
+                <a:effectLst/>
+                <a:uFillTx/>
+                <a:latin typeface="Pretendard"/>
+                <a:ea typeface="Pretendard"/>
+              </a:rPr>
+              <a:t>wdata</a:t>
+            </a:r>
+            <a:r>
+              <a:rPr lang="en-US" sz="1800" b="1" u="none" strike="noStrike" dirty="0">
+                <a:solidFill>
+                  <a:schemeClr val="accent1">
+                    <a:lumMod val="50000"/>
+                  </a:schemeClr>
+                </a:solidFill>
+                <a:effectLst/>
+                <a:uFillTx/>
+                <a:latin typeface="Pretendard"/>
+                <a:ea typeface="Pretendard"/>
+              </a:rPr>
+              <a:t>, </a:t>
+            </a:r>
+            <a:r>
+              <a:rPr lang="en-US" sz="1800" b="1" u="none" strike="noStrike" dirty="0" err="1" smtClean="0">
+                <a:solidFill>
+                  <a:schemeClr val="accent1">
+                    <a:lumMod val="50000"/>
+                  </a:schemeClr>
+                </a:solidFill>
+                <a:effectLst/>
+                <a:uFillTx/>
+                <a:latin typeface="Pretendard"/>
+                <a:ea typeface="Pretendard"/>
+              </a:rPr>
+              <a:t>u_MCU.u_ram.mem</a:t>
+            </a:r>
+            <a:r>
+              <a:rPr lang="en-US" sz="1800" b="1" u="none" strike="noStrike" dirty="0" smtClean="0">
+                <a:solidFill>
+                  <a:schemeClr val="accent1">
+                    <a:lumMod val="50000"/>
+                  </a:schemeClr>
+                </a:solidFill>
+                <a:effectLst/>
+                <a:uFillTx/>
+                <a:latin typeface="Pretendard"/>
+                <a:ea typeface="Pretendard"/>
+              </a:rPr>
+              <a:t>[</a:t>
+            </a:r>
+            <a:r>
+              <a:rPr lang="en-US" sz="1800" b="1" u="none" strike="noStrike" dirty="0" err="1" smtClean="0">
+                <a:solidFill>
+                  <a:schemeClr val="accent1">
+                    <a:lumMod val="50000"/>
+                  </a:schemeClr>
+                </a:solidFill>
+                <a:effectLst/>
+                <a:uFillTx/>
+                <a:latin typeface="Pretendard"/>
+                <a:ea typeface="Pretendard"/>
+              </a:rPr>
+              <a:t>alucal</a:t>
+            </a:r>
+            <a:r>
+              <a:rPr lang="en-US" sz="1800" b="1" u="none" strike="noStrike" dirty="0" smtClean="0">
+                <a:solidFill>
+                  <a:schemeClr val="accent1">
+                    <a:lumMod val="50000"/>
+                  </a:schemeClr>
+                </a:solidFill>
+                <a:effectLst/>
+                <a:uFillTx/>
+                <a:latin typeface="Pretendard"/>
+                <a:ea typeface="Pretendard"/>
+              </a:rPr>
+              <a:t>/4</a:t>
+            </a:r>
+            <a:r>
+              <a:rPr lang="en-US" sz="1800" b="1" u="none" strike="noStrike" dirty="0">
+                <a:solidFill>
+                  <a:schemeClr val="accent1">
+                    <a:lumMod val="50000"/>
+                  </a:schemeClr>
+                </a:solidFill>
+                <a:effectLst/>
+                <a:uFillTx/>
+                <a:latin typeface="Pretendard"/>
+                <a:ea typeface="Pretendard"/>
+              </a:rPr>
+              <a:t>]); </a:t>
+            </a:r>
+            <a:endParaRPr lang="en-US" sz="1800" b="0" u="none" strike="noStrike" dirty="0">
               <a:solidFill>
                 <a:srgbClr val="000000"/>
               </a:solidFill>
@@ -13120,7 +14160,7 @@
           <a:lstStyle/>
           <a:p>
             <a:fld id="{76CEDBA9-DB90-4FC0-8353-5DE9050896DB}" type="slidenum">
-              <a:t>22</a:t>
+              <a:t>23</a:t>
             </a:fld>
             <a:endParaRPr/>
           </a:p>
@@ -13163,10 +14203,17 @@
       <p:transition spd="slow"/>
     </mc:Fallback>
   </mc:AlternateContent>
+  <p:timing>
+    <p:tnLst>
+      <p:par>
+        <p:cTn id="1" dur="indefinite" restart="never" nodeType="tmRoot"/>
+      </p:par>
+    </p:tnLst>
+  </p:timing>
 </p:sld>
 </file>
 
-<file path=ppt/slides/slide23.xml><?xml version="1.0" encoding="utf-8"?>
+<file path=ppt/slides/slide24.xml><?xml version="1.0" encoding="utf-8"?>
 <p:sld xmlns:a="http://schemas.openxmlformats.org/drawingml/2006/main" xmlns:r="http://schemas.openxmlformats.org/officeDocument/2006/relationships" xmlns:p="http://schemas.openxmlformats.org/presentationml/2006/main">
   <p:cSld>
     <p:spTree>
@@ -13314,12 +14361,36 @@
           <a:lstStyle/>
           <a:p>
             <a:fld id="{D4BECAC4-C207-47F3-8625-A02AE019E39A}" type="slidenum">
-              <a:t>23</a:t>
+              <a:t>24</a:t>
             </a:fld>
             <a:endParaRPr/>
           </a:p>
         </p:txBody>
       </p:sp>
+      <p:pic>
+        <p:nvPicPr>
+          <p:cNvPr id="6" name="그림 5"/>
+          <p:cNvPicPr>
+            <a:picLocks noChangeAspect="1"/>
+          </p:cNvPicPr>
+          <p:nvPr/>
+        </p:nvPicPr>
+        <p:blipFill>
+          <a:blip r:embed="rId4"/>
+          <a:stretch>
+            <a:fillRect/>
+          </a:stretch>
+        </p:blipFill>
+        <p:spPr>
+          <a:xfrm>
+            <a:off x="4842588" y="2049078"/>
+            <a:ext cx="1955777" cy="1558953"/>
+          </a:xfrm>
+          <a:prstGeom prst="rect">
+            <a:avLst/>
+          </a:prstGeom>
+        </p:spPr>
+      </p:pic>
     </p:spTree>
   </p:cSld>
   <p:clrMapOvr>
@@ -13333,10 +14404,17 @@
       <p:transition spd="slow"/>
     </mc:Fallback>
   </mc:AlternateContent>
+  <p:timing>
+    <p:tnLst>
+      <p:par>
+        <p:cTn id="1" dur="indefinite" restart="never" nodeType="tmRoot"/>
+      </p:par>
+    </p:tnLst>
+  </p:timing>
 </p:sld>
 </file>
 
-<file path=ppt/slides/slide24.xml><?xml version="1.0" encoding="utf-8"?>
+<file path=ppt/slides/slide25.xml><?xml version="1.0" encoding="utf-8"?>
 <p:sld xmlns:a="http://schemas.openxmlformats.org/drawingml/2006/main" xmlns:r="http://schemas.openxmlformats.org/officeDocument/2006/relationships" xmlns:p="http://schemas.openxmlformats.org/presentationml/2006/main">
   <p:cSld>
     <p:spTree>
@@ -13845,7 +14923,7 @@
           <a:lstStyle/>
           <a:p>
             <a:fld id="{6DBB673C-DE29-4A8B-A3E7-C585C1018C1A}" type="slidenum">
-              <a:t>24</a:t>
+              <a:t>25</a:t>
             </a:fld>
             <a:endParaRPr/>
           </a:p>
@@ -13864,10 +14942,17 @@
       <p:transition spd="slow"/>
     </mc:Fallback>
   </mc:AlternateContent>
+  <p:timing>
+    <p:tnLst>
+      <p:par>
+        <p:cTn id="1" dur="indefinite" restart="never" nodeType="tmRoot"/>
+      </p:par>
+    </p:tnLst>
+  </p:timing>
 </p:sld>
 </file>
 
-<file path=ppt/slides/slide25.xml><?xml version="1.0" encoding="utf-8"?>
+<file path=ppt/slides/slide26.xml><?xml version="1.0" encoding="utf-8"?>
 <p:sld xmlns:a="http://schemas.openxmlformats.org/drawingml/2006/main" xmlns:r="http://schemas.openxmlformats.org/officeDocument/2006/relationships" xmlns:p="http://schemas.openxmlformats.org/presentationml/2006/main">
   <p:cSld>
     <p:spTree>
@@ -14016,12 +15101,37 @@
           <a:lstStyle/>
           <a:p>
             <a:fld id="{4458EA1E-BEED-4510-88BF-E2B0F1F3336B}" type="slidenum">
-              <a:t>25</a:t>
+              <a:t>26</a:t>
             </a:fld>
             <a:endParaRPr/>
           </a:p>
         </p:txBody>
       </p:sp>
+      <p:pic>
+        <p:nvPicPr>
+          <p:cNvPr id="6" name="그림 5"/>
+          <p:cNvPicPr/>
+          <p:nvPr/>
+        </p:nvPicPr>
+        <p:blipFill>
+          <a:blip r:embed="rId4"/>
+          <a:srcRect l="69580" t="40663" r="6773" b="21763"/>
+          <a:stretch/>
+        </p:blipFill>
+        <p:spPr>
+          <a:xfrm>
+            <a:off x="4080959" y="2572992"/>
+            <a:ext cx="2755079" cy="1565567"/>
+          </a:xfrm>
+          <a:prstGeom prst="rect">
+            <a:avLst/>
+          </a:prstGeom>
+          <a:noFill/>
+          <a:ln w="0">
+            <a:noFill/>
+          </a:ln>
+        </p:spPr>
+      </p:pic>
     </p:spTree>
   </p:cSld>
   <p:clrMapOvr>
@@ -14035,10 +15145,17 @@
       <p:transition spd="slow"/>
     </mc:Fallback>
   </mc:AlternateContent>
+  <p:timing>
+    <p:tnLst>
+      <p:par>
+        <p:cTn id="1" dur="indefinite" restart="never" nodeType="tmRoot"/>
+      </p:par>
+    </p:tnLst>
+  </p:timing>
 </p:sld>
 </file>
 
-<file path=ppt/slides/slide26.xml><?xml version="1.0" encoding="utf-8"?>
+<file path=ppt/slides/slide27.xml><?xml version="1.0" encoding="utf-8"?>
 <p:sld xmlns:a="http://schemas.openxmlformats.org/drawingml/2006/main" xmlns:r="http://schemas.openxmlformats.org/officeDocument/2006/relationships" xmlns:p="http://schemas.openxmlformats.org/presentationml/2006/main">
   <p:cSld>
     <p:spTree>
@@ -14665,7 +15782,7 @@
           <a:lstStyle/>
           <a:p>
             <a:fld id="{770E60C8-F782-4263-8587-F0A24BF918BE}" type="slidenum">
-              <a:t>26</a:t>
+              <a:t>27</a:t>
             </a:fld>
             <a:endParaRPr/>
           </a:p>
@@ -14684,10 +15801,17 @@
       <p:transition spd="slow"/>
     </mc:Fallback>
   </mc:AlternateContent>
+  <p:timing>
+    <p:tnLst>
+      <p:par>
+        <p:cTn id="1" dur="indefinite" restart="never" nodeType="tmRoot"/>
+      </p:par>
+    </p:tnLst>
+  </p:timing>
 </p:sld>
 </file>
 
-<file path=ppt/slides/slide27.xml><?xml version="1.0" encoding="utf-8"?>
+<file path=ppt/slides/slide28.xml><?xml version="1.0" encoding="utf-8"?>
 <p:sld xmlns:a="http://schemas.openxmlformats.org/drawingml/2006/main" xmlns:r="http://schemas.openxmlformats.org/officeDocument/2006/relationships" xmlns:p="http://schemas.openxmlformats.org/presentationml/2006/main">
   <p:cSld>
     <p:spTree>
@@ -14835,7 +15959,7 @@
           <a:lstStyle/>
           <a:p>
             <a:fld id="{59AC1F0D-7073-457C-B790-3508BEE14041}" type="slidenum">
-              <a:t>27</a:t>
+              <a:t>28</a:t>
             </a:fld>
             <a:endParaRPr/>
           </a:p>
@@ -14843,19 +15967,18 @@
       </p:sp>
       <p:pic>
         <p:nvPicPr>
-          <p:cNvPr id="6" name="그림 5"/>
+          <p:cNvPr id="7" name="그림 6"/>
           <p:cNvPicPr/>
           <p:nvPr/>
         </p:nvPicPr>
         <p:blipFill>
           <a:blip r:embed="rId4"/>
-          <a:srcRect l="69580" t="40663" r="6773" b="21763"/>
           <a:stretch/>
         </p:blipFill>
         <p:spPr>
           <a:xfrm>
-            <a:off x="4933949" y="2127526"/>
-            <a:ext cx="2485455" cy="1412354"/>
+            <a:off x="5868954" y="2170372"/>
+            <a:ext cx="1705985" cy="1369507"/>
           </a:xfrm>
           <a:prstGeom prst="rect">
             <a:avLst/>
@@ -14879,10 +16002,17 @@
       <p:transition spd="slow"/>
     </mc:Fallback>
   </mc:AlternateContent>
+  <p:timing>
+    <p:tnLst>
+      <p:par>
+        <p:cTn id="1" dur="indefinite" restart="never" nodeType="tmRoot"/>
+      </p:par>
+    </p:tnLst>
+  </p:timing>
 </p:sld>
 </file>
 
-<file path=ppt/slides/slide28.xml><?xml version="1.0" encoding="utf-8"?>
+<file path=ppt/slides/slide29.xml><?xml version="1.0" encoding="utf-8"?>
 <p:sld xmlns:a="http://schemas.openxmlformats.org/drawingml/2006/main" xmlns:r="http://schemas.openxmlformats.org/officeDocument/2006/relationships" xmlns:p="http://schemas.openxmlformats.org/presentationml/2006/main">
   <p:cSld>
     <p:spTree>
@@ -15540,7 +16670,7 @@
           <a:lstStyle/>
           <a:p>
             <a:fld id="{4B46B10E-7F58-42F3-9193-30117CBB92C9}" type="slidenum">
-              <a:t>28</a:t>
+              <a:t>29</a:t>
             </a:fld>
             <a:endParaRPr/>
           </a:p>
@@ -15559,176 +16689,13 @@
       <p:transition spd="slow"/>
     </mc:Fallback>
   </mc:AlternateContent>
-</p:sld>
-</file>
-
-<file path=ppt/slides/slide29.xml><?xml version="1.0" encoding="utf-8"?>
-<p:sld xmlns:a="http://schemas.openxmlformats.org/drawingml/2006/main" xmlns:r="http://schemas.openxmlformats.org/officeDocument/2006/relationships" xmlns:p="http://schemas.openxmlformats.org/presentationml/2006/main">
-  <p:cSld>
-    <p:spTree>
-      <p:nvGrpSpPr>
-        <p:cNvPr id="1" name=""/>
-        <p:cNvGrpSpPr/>
-        <p:nvPr/>
-      </p:nvGrpSpPr>
-      <p:grpSpPr>
-        <a:xfrm>
-          <a:off x="0" y="0"/>
-          <a:ext cx="0" cy="0"/>
-          <a:chOff x="0" y="0"/>
-          <a:chExt cx="0" cy="0"/>
-        </a:xfrm>
-      </p:grpSpPr>
-      <p:sp>
-        <p:nvSpPr>
-          <p:cNvPr id="187" name="TextBox 45"/>
-          <p:cNvSpPr/>
-          <p:nvPr/>
-        </p:nvSpPr>
-        <p:spPr>
-          <a:xfrm flipH="1">
-            <a:off x="434160" y="486000"/>
-            <a:ext cx="9284040" cy="853200"/>
-          </a:xfrm>
-          <a:prstGeom prst="rect">
-            <a:avLst/>
-          </a:prstGeom>
-          <a:noFill/>
-          <a:ln w="0">
-            <a:noFill/>
-          </a:ln>
-        </p:spPr>
-        <p:style>
-          <a:lnRef idx="0">
-            <a:scrgbClr r="0" g="0" b="0"/>
-          </a:lnRef>
-          <a:fillRef idx="0">
-            <a:scrgbClr r="0" g="0" b="0"/>
-          </a:fillRef>
-          <a:effectRef idx="0">
-            <a:scrgbClr r="0" g="0" b="0"/>
-          </a:effectRef>
-          <a:fontRef idx="minor"/>
-        </p:style>
-        <p:txBody>
-          <a:bodyPr lIns="90000" tIns="45000" rIns="90000" bIns="45000" anchor="t">
-            <a:spAutoFit/>
-          </a:bodyPr>
-          <a:lstStyle/>
-          <a:p>
-            <a:pPr defTabSz="914400">
-              <a:lnSpc>
-                <a:spcPct val="100000"/>
-              </a:lnSpc>
-            </a:pPr>
-            <a:r>
-              <a:rPr lang="en-US" sz="5000" b="1" u="none" strike="noStrike" spc="-300">
-                <a:solidFill>
-                  <a:schemeClr val="accent1">
-                    <a:lumMod val="50000"/>
-                  </a:schemeClr>
-                </a:solidFill>
-                <a:effectLst/>
-                <a:uFillTx/>
-                <a:latin typeface="Pretendard Black"/>
-                <a:ea typeface="Pretendard Black"/>
-              </a:rPr>
-              <a:t>J, JL_Type</a:t>
-            </a:r>
-            <a:endParaRPr lang="en-US" sz="5000" b="0" u="none" strike="noStrike">
-              <a:solidFill>
-                <a:srgbClr val="000000"/>
-              </a:solidFill>
-              <a:effectLst/>
-              <a:uFillTx/>
-              <a:latin typeface="맑은 고딕"/>
-            </a:endParaRPr>
-          </a:p>
-        </p:txBody>
-      </p:sp>
-      <p:pic>
-        <p:nvPicPr>
-          <p:cNvPr id="188" name="그림 187"/>
-          <p:cNvPicPr/>
-          <p:nvPr/>
-        </p:nvPicPr>
-        <p:blipFill>
-          <a:blip r:embed="rId2"/>
-          <a:stretch/>
-        </p:blipFill>
-        <p:spPr>
-          <a:xfrm>
-            <a:off x="-1080" y="3981960"/>
-            <a:ext cx="12191040" cy="1952640"/>
-          </a:xfrm>
-          <a:prstGeom prst="rect">
-            <a:avLst/>
-          </a:prstGeom>
-          <a:noFill/>
-          <a:ln w="0">
-            <a:noFill/>
-          </a:ln>
-        </p:spPr>
-      </p:pic>
-      <p:pic>
-        <p:nvPicPr>
-          <p:cNvPr id="189" name="그림 188"/>
-          <p:cNvPicPr/>
-          <p:nvPr/>
-        </p:nvPicPr>
-        <p:blipFill>
-          <a:blip r:embed="rId3"/>
-          <a:stretch/>
-        </p:blipFill>
-        <p:spPr>
-          <a:xfrm>
-            <a:off x="7492442" y="1152525"/>
-            <a:ext cx="4697518" cy="2828715"/>
-          </a:xfrm>
-          <a:prstGeom prst="rect">
-            <a:avLst/>
-          </a:prstGeom>
-          <a:noFill/>
-          <a:ln w="0">
-            <a:noFill/>
-          </a:ln>
-        </p:spPr>
-      </p:pic>
-      <p:sp>
-        <p:nvSpPr>
-          <p:cNvPr id="2" name="PlaceHolder 1"/>
-          <p:cNvSpPr>
-            <a:spLocks noGrp="1"/>
-          </p:cNvSpPr>
-          <p:nvPr>
-            <p:ph type="sldNum" idx="2"/>
-          </p:nvPr>
-        </p:nvSpPr>
-        <p:spPr/>
-        <p:txBody>
-          <a:bodyPr/>
-          <a:lstStyle/>
-          <a:p>
-            <a:fld id="{839DF8F8-ABF4-40EF-B612-0EBFEBF172D8}" type="slidenum">
-              <a:t>29</a:t>
-            </a:fld>
-            <a:endParaRPr/>
-          </a:p>
-        </p:txBody>
-      </p:sp>
-    </p:spTree>
-  </p:cSld>
-  <p:clrMapOvr>
-    <a:masterClrMapping/>
-  </p:clrMapOvr>
-  <mc:AlternateContent xmlns:mc="http://schemas.openxmlformats.org/markup-compatibility/2006" xmlns:p14="http://schemas.microsoft.com/office/powerpoint/2010/main">
-    <mc:Choice Requires="p14">
-      <p:transition spd="slow" p14:dur="2000"/>
-    </mc:Choice>
-    <mc:Fallback xmlns="" xmlns:p15="http://schemas.microsoft.com/office/powerpoint/2012/main">
-      <p:transition spd="slow"/>
-    </mc:Fallback>
-  </mc:AlternateContent>
+  <p:timing>
+    <p:tnLst>
+      <p:par>
+        <p:cTn id="1" dur="indefinite" restart="never" nodeType="tmRoot"/>
+      </p:par>
+    </p:tnLst>
+  </p:timing>
 </p:sld>
 </file>
 
@@ -16010,6 +16977,208 @@
       </p:grpSpPr>
       <p:sp>
         <p:nvSpPr>
+          <p:cNvPr id="187" name="TextBox 45"/>
+          <p:cNvSpPr/>
+          <p:nvPr/>
+        </p:nvSpPr>
+        <p:spPr>
+          <a:xfrm flipH="1">
+            <a:off x="434160" y="486000"/>
+            <a:ext cx="9284040" cy="853200"/>
+          </a:xfrm>
+          <a:prstGeom prst="rect">
+            <a:avLst/>
+          </a:prstGeom>
+          <a:noFill/>
+          <a:ln w="0">
+            <a:noFill/>
+          </a:ln>
+        </p:spPr>
+        <p:style>
+          <a:lnRef idx="0">
+            <a:scrgbClr r="0" g="0" b="0"/>
+          </a:lnRef>
+          <a:fillRef idx="0">
+            <a:scrgbClr r="0" g="0" b="0"/>
+          </a:fillRef>
+          <a:effectRef idx="0">
+            <a:scrgbClr r="0" g="0" b="0"/>
+          </a:effectRef>
+          <a:fontRef idx="minor"/>
+        </p:style>
+        <p:txBody>
+          <a:bodyPr lIns="90000" tIns="45000" rIns="90000" bIns="45000" anchor="t">
+            <a:spAutoFit/>
+          </a:bodyPr>
+          <a:lstStyle/>
+          <a:p>
+            <a:pPr defTabSz="914400">
+              <a:lnSpc>
+                <a:spcPct val="100000"/>
+              </a:lnSpc>
+            </a:pPr>
+            <a:r>
+              <a:rPr lang="en-US" sz="5000" b="1" u="none" strike="noStrike" spc="-300">
+                <a:solidFill>
+                  <a:schemeClr val="accent1">
+                    <a:lumMod val="50000"/>
+                  </a:schemeClr>
+                </a:solidFill>
+                <a:effectLst/>
+                <a:uFillTx/>
+                <a:latin typeface="Pretendard Black"/>
+                <a:ea typeface="Pretendard Black"/>
+              </a:rPr>
+              <a:t>J, JL_Type</a:t>
+            </a:r>
+            <a:endParaRPr lang="en-US" sz="5000" b="0" u="none" strike="noStrike">
+              <a:solidFill>
+                <a:srgbClr val="000000"/>
+              </a:solidFill>
+              <a:effectLst/>
+              <a:uFillTx/>
+              <a:latin typeface="맑은 고딕"/>
+            </a:endParaRPr>
+          </a:p>
+        </p:txBody>
+      </p:sp>
+      <p:pic>
+        <p:nvPicPr>
+          <p:cNvPr id="188" name="그림 187"/>
+          <p:cNvPicPr/>
+          <p:nvPr/>
+        </p:nvPicPr>
+        <p:blipFill>
+          <a:blip r:embed="rId2"/>
+          <a:stretch/>
+        </p:blipFill>
+        <p:spPr>
+          <a:xfrm>
+            <a:off x="-1080" y="3981960"/>
+            <a:ext cx="12191040" cy="1952640"/>
+          </a:xfrm>
+          <a:prstGeom prst="rect">
+            <a:avLst/>
+          </a:prstGeom>
+          <a:noFill/>
+          <a:ln w="0">
+            <a:noFill/>
+          </a:ln>
+        </p:spPr>
+      </p:pic>
+      <p:pic>
+        <p:nvPicPr>
+          <p:cNvPr id="189" name="그림 188"/>
+          <p:cNvPicPr/>
+          <p:nvPr/>
+        </p:nvPicPr>
+        <p:blipFill>
+          <a:blip r:embed="rId3"/>
+          <a:stretch/>
+        </p:blipFill>
+        <p:spPr>
+          <a:xfrm>
+            <a:off x="7492442" y="1152525"/>
+            <a:ext cx="4697518" cy="2828715"/>
+          </a:xfrm>
+          <a:prstGeom prst="rect">
+            <a:avLst/>
+          </a:prstGeom>
+          <a:noFill/>
+          <a:ln w="0">
+            <a:noFill/>
+          </a:ln>
+        </p:spPr>
+      </p:pic>
+      <p:sp>
+        <p:nvSpPr>
+          <p:cNvPr id="2" name="PlaceHolder 1"/>
+          <p:cNvSpPr>
+            <a:spLocks noGrp="1"/>
+          </p:cNvSpPr>
+          <p:nvPr>
+            <p:ph type="sldNum" idx="2"/>
+          </p:nvPr>
+        </p:nvSpPr>
+        <p:spPr/>
+        <p:txBody>
+          <a:bodyPr/>
+          <a:lstStyle/>
+          <a:p>
+            <a:fld id="{839DF8F8-ABF4-40EF-B612-0EBFEBF172D8}" type="slidenum">
+              <a:t>30</a:t>
+            </a:fld>
+            <a:endParaRPr/>
+          </a:p>
+        </p:txBody>
+      </p:sp>
+      <p:pic>
+        <p:nvPicPr>
+          <p:cNvPr id="6" name="그림 5"/>
+          <p:cNvPicPr/>
+          <p:nvPr/>
+        </p:nvPicPr>
+        <p:blipFill>
+          <a:blip r:embed="rId4"/>
+          <a:srcRect l="76868" t="36695" r="8505" b="19919"/>
+          <a:stretch/>
+        </p:blipFill>
+        <p:spPr>
+          <a:xfrm>
+            <a:off x="5169159" y="1208937"/>
+            <a:ext cx="2323283" cy="2772663"/>
+          </a:xfrm>
+          <a:prstGeom prst="rect">
+            <a:avLst/>
+          </a:prstGeom>
+          <a:noFill/>
+          <a:ln w="0">
+            <a:noFill/>
+          </a:ln>
+        </p:spPr>
+      </p:pic>
+    </p:spTree>
+  </p:cSld>
+  <p:clrMapOvr>
+    <a:masterClrMapping/>
+  </p:clrMapOvr>
+  <mc:AlternateContent xmlns:mc="http://schemas.openxmlformats.org/markup-compatibility/2006" xmlns:p14="http://schemas.microsoft.com/office/powerpoint/2010/main">
+    <mc:Choice Requires="p14">
+      <p:transition spd="slow" p14:dur="2000"/>
+    </mc:Choice>
+    <mc:Fallback xmlns="" xmlns:p15="http://schemas.microsoft.com/office/powerpoint/2012/main">
+      <p:transition spd="slow"/>
+    </mc:Fallback>
+  </mc:AlternateContent>
+  <p:timing>
+    <p:tnLst>
+      <p:par>
+        <p:cTn id="1" dur="indefinite" restart="never" nodeType="tmRoot"/>
+      </p:par>
+    </p:tnLst>
+  </p:timing>
+</p:sld>
+</file>
+
+<file path=ppt/slides/slide31.xml><?xml version="1.0" encoding="utf-8"?>
+<p:sld xmlns:a="http://schemas.openxmlformats.org/drawingml/2006/main" xmlns:r="http://schemas.openxmlformats.org/officeDocument/2006/relationships" xmlns:p="http://schemas.openxmlformats.org/presentationml/2006/main">
+  <p:cSld>
+    <p:spTree>
+      <p:nvGrpSpPr>
+        <p:cNvPr id="1" name=""/>
+        <p:cNvGrpSpPr/>
+        <p:nvPr/>
+      </p:nvGrpSpPr>
+      <p:grpSpPr>
+        <a:xfrm>
+          <a:off x="0" y="0"/>
+          <a:ext cx="0" cy="0"/>
+          <a:chOff x="0" y="0"/>
+          <a:chExt cx="0" cy="0"/>
+        </a:xfrm>
+      </p:grpSpPr>
+      <p:sp>
+        <p:nvSpPr>
           <p:cNvPr id="190" name="TextBox 47"/>
           <p:cNvSpPr/>
           <p:nvPr/>
@@ -16115,7 +17284,7 @@
           <a:lstStyle/>
           <a:p>
             <a:fld id="{9DCD5035-D2DC-4DD3-A989-F26CB647E0FB}" type="slidenum">
-              <a:t>30</a:t>
+              <a:t>31</a:t>
             </a:fld>
             <a:endParaRPr/>
           </a:p>
@@ -16134,10 +17303,17 @@
       <p:transition spd="slow"/>
     </mc:Fallback>
   </mc:AlternateContent>
+  <p:timing>
+    <p:tnLst>
+      <p:par>
+        <p:cTn id="1" dur="indefinite" restart="never" nodeType="tmRoot"/>
+      </p:par>
+    </p:tnLst>
+  </p:timing>
 </p:sld>
 </file>
 
-<file path=ppt/slides/slide31.xml><?xml version="1.0" encoding="utf-8"?>
+<file path=ppt/slides/slide32.xml><?xml version="1.0" encoding="utf-8"?>
 <p:sld xmlns:a="http://schemas.openxmlformats.org/drawingml/2006/main" xmlns:r="http://schemas.openxmlformats.org/officeDocument/2006/relationships" xmlns:p="http://schemas.openxmlformats.org/presentationml/2006/main">
   <p:cSld>
     <p:spTree>
@@ -16162,8 +17338,8 @@
         </p:nvSpPr>
         <p:spPr>
           <a:xfrm flipH="1">
-            <a:off x="434160" y="486000"/>
-            <a:ext cx="9104040" cy="700560"/>
+            <a:off x="434159" y="486000"/>
+            <a:ext cx="9464583" cy="706432"/>
           </a:xfrm>
           <a:prstGeom prst="rect">
             <a:avLst/>
@@ -16186,7 +17362,7 @@
           <a:fontRef idx="minor"/>
         </p:style>
         <p:txBody>
-          <a:bodyPr lIns="90000" tIns="45000" rIns="90000" bIns="45000" anchor="t">
+          <a:bodyPr wrap="square" lIns="90000" tIns="45000" rIns="90000" bIns="45000" anchor="t">
             <a:spAutoFit/>
           </a:bodyPr>
           <a:lstStyle/>
@@ -16197,11 +17373,9 @@
               </a:lnSpc>
             </a:pPr>
             <a:r>
-              <a:rPr lang="en-US" sz="4000" b="1" u="none" strike="noStrike" spc="-300">
-                <a:solidFill>
-                  <a:schemeClr val="accent1">
-                    <a:lumMod val="50000"/>
-                  </a:schemeClr>
+              <a:rPr lang="en-US" sz="4000" b="1" u="none" strike="noStrike" spc="-300" dirty="0">
+                <a:solidFill>
+                  <a:srgbClr val="C00000"/>
                 </a:solidFill>
                 <a:effectLst/>
                 <a:uFillTx/>
@@ -16211,22 +17385,44 @@
               <a:t>CPU</a:t>
             </a:r>
             <a:r>
-              <a:rPr lang="ko-KR" sz="4000" b="1" u="none" strike="noStrike" spc="-300">
-                <a:solidFill>
-                  <a:schemeClr val="accent1">
-                    <a:lumMod val="50000"/>
-                  </a:schemeClr>
+              <a:rPr lang="ko-KR" sz="4000" b="1" u="none" strike="noStrike" spc="-300" dirty="0">
+                <a:solidFill>
+                  <a:srgbClr val="C00000"/>
                 </a:solidFill>
                 <a:effectLst/>
                 <a:uFillTx/>
                 <a:latin typeface="Pretendard Black"/>
                 <a:ea typeface="Pretendard Black"/>
               </a:rPr>
-              <a:t>는 어떻게 코드를 이해하는가</a:t>
-            </a:r>
-            <a:endParaRPr lang="en-US" sz="4000" b="0" u="none" strike="noStrike">
+              <a:t>는 어떻게 코드를 </a:t>
+            </a:r>
+            <a:r>
+              <a:rPr lang="ko-KR" sz="4000" b="1" u="none" strike="noStrike" spc="-300" dirty="0" smtClean="0">
+                <a:solidFill>
+                  <a:srgbClr val="C00000"/>
+                </a:solidFill>
+                <a:effectLst/>
+                <a:uFillTx/>
+                <a:latin typeface="Pretendard Black"/>
+                <a:ea typeface="Pretendard Black"/>
+              </a:rPr>
+              <a:t>이해</a:t>
+            </a:r>
+            <a:r>
+              <a:rPr lang="ko-KR" altLang="en-US" sz="4000" b="1" u="none" strike="noStrike" spc="-300" dirty="0" smtClean="0">
+                <a:solidFill>
+                  <a:srgbClr val="C00000"/>
+                </a:solidFill>
+                <a:effectLst/>
+                <a:uFillTx/>
+                <a:latin typeface="Pretendard Black"/>
+                <a:ea typeface="Pretendard Black"/>
+              </a:rPr>
+              <a:t>하고 동작하는가</a:t>
+            </a:r>
+            <a:endParaRPr lang="en-US" sz="4000" b="0" u="none" strike="noStrike" dirty="0">
               <a:solidFill>
-                <a:srgbClr val="000000"/>
+                <a:srgbClr val="C00000"/>
               </a:solidFill>
               <a:effectLst/>
               <a:uFillTx/>
@@ -16275,7 +17471,7 @@
           <a:lstStyle/>
           <a:p>
             <a:fld id="{A61311E9-4C3F-47D0-9BF5-74501CCB0DE0}" type="slidenum">
-              <a:t>31</a:t>
+              <a:t>32</a:t>
             </a:fld>
             <a:endParaRPr/>
           </a:p>
@@ -16299,10 +17495,17 @@
       <p:transition spd="slow"/>
     </mc:Fallback>
   </mc:AlternateContent>
+  <p:timing>
+    <p:tnLst>
+      <p:par>
+        <p:cTn id="1" dur="indefinite" restart="never" nodeType="tmRoot"/>
+      </p:par>
+    </p:tnLst>
+  </p:timing>
 </p:sld>
 </file>
 
-<file path=ppt/slides/slide32.xml><?xml version="1.0" encoding="utf-8"?>
+<file path=ppt/slides/slide33.xml><?xml version="1.0" encoding="utf-8"?>
 <p:sld xmlns:a="http://schemas.openxmlformats.org/drawingml/2006/main" xmlns:r="http://schemas.openxmlformats.org/officeDocument/2006/relationships" xmlns:p="http://schemas.openxmlformats.org/presentationml/2006/main">
   <p:cSld>
     <p:spTree>
@@ -16426,7 +17629,7 @@
           <a:lstStyle/>
           <a:p>
             <a:fld id="{AEF8C48B-369C-414E-AAB8-35E32836C57C}" type="slidenum">
-              <a:t>32</a:t>
+              <a:t>33</a:t>
             </a:fld>
             <a:endParaRPr/>
           </a:p>
@@ -16445,10 +17648,17 @@
       <p:transition spd="slow"/>
     </mc:Fallback>
   </mc:AlternateContent>
+  <p:timing>
+    <p:tnLst>
+      <p:par>
+        <p:cTn id="1" dur="indefinite" restart="never" nodeType="tmRoot"/>
+      </p:par>
+    </p:tnLst>
+  </p:timing>
 </p:sld>
 </file>
 
-<file path=ppt/slides/slide33.xml><?xml version="1.0" encoding="utf-8"?>
+<file path=ppt/slides/slide34.xml><?xml version="1.0" encoding="utf-8"?>
 <p:sld xmlns:a="http://schemas.openxmlformats.org/drawingml/2006/main" xmlns:r="http://schemas.openxmlformats.org/officeDocument/2006/relationships" xmlns:p="http://schemas.openxmlformats.org/presentationml/2006/main">
   <p:cSld>
     <p:spTree>
@@ -16572,7 +17782,7 @@
           <a:lstStyle/>
           <a:p>
             <a:fld id="{09FC2B51-3C72-4739-B393-D609518AAD4A}" type="slidenum">
-              <a:t>33</a:t>
+              <a:t>34</a:t>
             </a:fld>
             <a:endParaRPr/>
           </a:p>
@@ -16591,10 +17801,17 @@
       <p:transition spd="slow"/>
     </mc:Fallback>
   </mc:AlternateContent>
+  <p:timing>
+    <p:tnLst>
+      <p:par>
+        <p:cTn id="1" dur="indefinite" restart="never" nodeType="tmRoot"/>
+      </p:par>
+    </p:tnLst>
+  </p:timing>
 </p:sld>
 </file>
 
-<file path=ppt/slides/slide34.xml><?xml version="1.0" encoding="utf-8"?>
+<file path=ppt/slides/slide35.xml><?xml version="1.0" encoding="utf-8"?>
 <p:sld xmlns:a="http://schemas.openxmlformats.org/drawingml/2006/main" xmlns:r="http://schemas.openxmlformats.org/officeDocument/2006/relationships" xmlns:p="http://schemas.openxmlformats.org/presentationml/2006/main">
   <p:cSld>
     <p:spTree>
@@ -16678,30 +17895,6 @@
           </a:p>
         </p:txBody>
       </p:sp>
-      <p:pic>
-        <p:nvPicPr>
-          <p:cNvPr id="198" name="그림 197"/>
-          <p:cNvPicPr/>
-          <p:nvPr/>
-        </p:nvPicPr>
-        <p:blipFill>
-          <a:blip r:embed="rId2"/>
-          <a:stretch/>
-        </p:blipFill>
-        <p:spPr>
-          <a:xfrm>
-            <a:off x="540000" y="1656646"/>
-            <a:ext cx="4555875" cy="4782673"/>
-          </a:xfrm>
-          <a:prstGeom prst="rect">
-            <a:avLst/>
-          </a:prstGeom>
-          <a:noFill/>
-          <a:ln w="0">
-            <a:noFill/>
-          </a:ln>
-        </p:spPr>
-      </p:pic>
       <p:sp>
         <p:nvSpPr>
           <p:cNvPr id="2" name="PlaceHolder 1"/>
@@ -16718,7 +17911,7 @@
           <a:lstStyle/>
           <a:p>
             <a:fld id="{F35F7D29-586E-47F0-8516-B069F6539AFD}" type="slidenum">
-              <a:t>34</a:t>
+              <a:t>35</a:t>
             </a:fld>
             <a:endParaRPr/>
           </a:p>
@@ -16732,8 +17925,8 @@
         </p:nvGrpSpPr>
         <p:grpSpPr>
           <a:xfrm>
-            <a:off x="5399640" y="0"/>
-            <a:ext cx="6792360" cy="3429000"/>
+            <a:off x="6782589" y="0"/>
+            <a:ext cx="5409411" cy="2730843"/>
             <a:chOff x="5850972" y="0"/>
             <a:chExt cx="4336968" cy="1535760"/>
           </a:xfrm>
@@ -16745,7 +17938,7 @@
             <p:nvPr/>
           </p:nvPicPr>
           <p:blipFill rotWithShape="1">
-            <a:blip r:embed="rId3"/>
+            <a:blip r:embed="rId2"/>
             <a:srcRect r="45760"/>
             <a:stretch/>
           </p:blipFill>
@@ -16770,7 +17963,7 @@
             <p:nvPr/>
           </p:nvPicPr>
           <p:blipFill rotWithShape="1">
-            <a:blip r:embed="rId3"/>
+            <a:blip r:embed="rId2"/>
             <a:srcRect l="54336"/>
             <a:stretch/>
           </p:blipFill>
@@ -16789,6 +17982,54 @@
           </p:spPr>
         </p:pic>
       </p:grpSp>
+      <p:pic>
+        <p:nvPicPr>
+          <p:cNvPr id="4" name="그림 3"/>
+          <p:cNvPicPr>
+            <a:picLocks noChangeAspect="1"/>
+          </p:cNvPicPr>
+          <p:nvPr/>
+        </p:nvPicPr>
+        <p:blipFill>
+          <a:blip r:embed="rId3"/>
+          <a:stretch>
+            <a:fillRect/>
+          </a:stretch>
+        </p:blipFill>
+        <p:spPr>
+          <a:xfrm>
+            <a:off x="434160" y="1337760"/>
+            <a:ext cx="4224001" cy="5018760"/>
+          </a:xfrm>
+          <a:prstGeom prst="rect">
+            <a:avLst/>
+          </a:prstGeom>
+        </p:spPr>
+      </p:pic>
+      <p:pic>
+        <p:nvPicPr>
+          <p:cNvPr id="5" name="그림 4"/>
+          <p:cNvPicPr>
+            <a:picLocks noChangeAspect="1"/>
+          </p:cNvPicPr>
+          <p:nvPr/>
+        </p:nvPicPr>
+        <p:blipFill>
+          <a:blip r:embed="rId4"/>
+          <a:stretch>
+            <a:fillRect/>
+          </a:stretch>
+        </p:blipFill>
+        <p:spPr>
+          <a:xfrm>
+            <a:off x="7951184" y="2749679"/>
+            <a:ext cx="4221892" cy="3606841"/>
+          </a:xfrm>
+          <a:prstGeom prst="rect">
+            <a:avLst/>
+          </a:prstGeom>
+        </p:spPr>
+      </p:pic>
     </p:spTree>
   </p:cSld>
   <p:clrMapOvr>
@@ -16802,10 +18043,17 @@
       <p:transition spd="slow"/>
     </mc:Fallback>
   </mc:AlternateContent>
+  <p:timing>
+    <p:tnLst>
+      <p:par>
+        <p:cTn id="1" dur="indefinite" restart="never" nodeType="tmRoot"/>
+      </p:par>
+    </p:tnLst>
+  </p:timing>
 </p:sld>
 </file>
 
-<file path=ppt/slides/slide35.xml><?xml version="1.0" encoding="utf-8"?>
+<file path=ppt/slides/slide36.xml><?xml version="1.0" encoding="utf-8"?>
 <p:sld xmlns:a="http://schemas.openxmlformats.org/drawingml/2006/main" xmlns:r="http://schemas.openxmlformats.org/officeDocument/2006/relationships" xmlns:p="http://schemas.openxmlformats.org/presentationml/2006/main">
   <p:cSld>
     <p:bg>
@@ -17035,7 +18283,7 @@
           <a:lstStyle/>
           <a:p>
             <a:fld id="{92BA8466-D17B-482E-8A71-2AEB23E73F80}" type="slidenum">
-              <a:t>35</a:t>
+              <a:t>36</a:t>
             </a:fld>
             <a:endParaRPr/>
           </a:p>
@@ -17054,10 +18302,17 @@
       <p:transition spd="slow"/>
     </mc:Fallback>
   </mc:AlternateContent>
+  <p:timing>
+    <p:tnLst>
+      <p:par>
+        <p:cTn id="1" dur="indefinite" restart="never" nodeType="tmRoot"/>
+      </p:par>
+    </p:tnLst>
+  </p:timing>
 </p:sld>
 </file>
 
-<file path=ppt/slides/slide36.xml><?xml version="1.0" encoding="utf-8"?>
+<file path=ppt/slides/slide37.xml><?xml version="1.0" encoding="utf-8"?>
 <p:sld xmlns:a="http://schemas.openxmlformats.org/drawingml/2006/main" xmlns:r="http://schemas.openxmlformats.org/officeDocument/2006/relationships" xmlns:p="http://schemas.openxmlformats.org/presentationml/2006/main">
   <p:cSld>
     <p:spTree>
@@ -17117,7 +18372,7 @@
               </a:lnSpc>
             </a:pPr>
             <a:r>
-              <a:rPr lang="ko-KR" sz="5000" b="1" u="none" strike="noStrike" spc="-300" dirty="0">
+              <a:rPr lang="ko-KR" altLang="en-US" sz="5000" b="1" u="none" strike="noStrike" spc="-300" dirty="0" smtClean="0">
                 <a:solidFill>
                   <a:schemeClr val="accent1">
                     <a:lumMod val="50000"/>
@@ -17128,7 +18383,87 @@
                 <a:latin typeface="Pretendard Black"/>
                 <a:ea typeface="Pretendard Black"/>
               </a:rPr>
-              <a:t>곱셈을 추가 </a:t>
+              <a:t>가정</a:t>
+            </a:r>
+            <a:r>
+              <a:rPr lang="en-US" altLang="ko-KR" sz="5000" b="1" u="none" strike="noStrike" spc="-300" dirty="0" smtClean="0">
+                <a:solidFill>
+                  <a:schemeClr val="accent1">
+                    <a:lumMod val="50000"/>
+                  </a:schemeClr>
+                </a:solidFill>
+                <a:effectLst/>
+                <a:uFillTx/>
+                <a:latin typeface="Pretendard Black"/>
+                <a:ea typeface="Pretendard Black"/>
+              </a:rPr>
+              <a:t>) </a:t>
+            </a:r>
+            <a:r>
+              <a:rPr lang="ko-KR" sz="5000" b="1" u="none" strike="noStrike" spc="-300" dirty="0" err="1" smtClean="0">
+                <a:solidFill>
+                  <a:schemeClr val="accent1">
+                    <a:lumMod val="50000"/>
+                  </a:schemeClr>
+                </a:solidFill>
+                <a:effectLst/>
+                <a:uFillTx/>
+                <a:latin typeface="Pretendard Black"/>
+                <a:ea typeface="Pretendard Black"/>
+              </a:rPr>
+              <a:t>곱셈</a:t>
+            </a:r>
+            <a:r>
+              <a:rPr lang="ko-KR" altLang="en-US" sz="5000" b="1" spc="-300" dirty="0" err="1" smtClean="0">
+                <a:solidFill>
+                  <a:schemeClr val="accent1">
+                    <a:lumMod val="50000"/>
+                  </a:schemeClr>
+                </a:solidFill>
+                <a:latin typeface="Pretendard Black"/>
+                <a:ea typeface="Pretendard Black"/>
+              </a:rPr>
+              <a:t>기</a:t>
+            </a:r>
+            <a:r>
+              <a:rPr lang="ko-KR" altLang="en-US" sz="5000" b="1" spc="-300" dirty="0" err="1">
+                <a:solidFill>
+                  <a:schemeClr val="accent1">
+                    <a:lumMod val="50000"/>
+                  </a:schemeClr>
+                </a:solidFill>
+                <a:latin typeface="Pretendard Black"/>
+                <a:ea typeface="Pretendard Black"/>
+              </a:rPr>
+              <a:t>를</a:t>
+            </a:r>
+            <a:r>
+              <a:rPr lang="ko-KR" sz="5000" b="1" u="none" strike="noStrike" spc="-300" dirty="0" smtClean="0">
+                <a:solidFill>
+                  <a:schemeClr val="accent1">
+                    <a:lumMod val="50000"/>
+                  </a:schemeClr>
+                </a:solidFill>
+                <a:effectLst/>
+                <a:uFillTx/>
+                <a:latin typeface="Pretendard Black"/>
+                <a:ea typeface="Pretendard Black"/>
+              </a:rPr>
+              <a:t> </a:t>
+            </a:r>
+            <a:r>
+              <a:rPr lang="ko-KR" sz="5000" b="1" u="none" strike="noStrike" spc="-300" dirty="0">
+                <a:solidFill>
+                  <a:schemeClr val="accent1">
+                    <a:lumMod val="50000"/>
+                  </a:schemeClr>
+                </a:solidFill>
+                <a:effectLst/>
+                <a:uFillTx/>
+                <a:latin typeface="Pretendard Black"/>
+                <a:ea typeface="Pretendard Black"/>
+              </a:rPr>
+              <a:t>추가 </a:t>
             </a:r>
             <a:r>
               <a:rPr lang="ko-KR" altLang="en-US" sz="5000" b="1" spc="-300" dirty="0">
@@ -17536,7 +18871,7 @@
               <a:t>=&gt; </a:t>
             </a:r>
             <a:r>
-              <a:rPr lang="ko-KR" sz="1800" b="1" u="none" strike="noStrike" dirty="0">
+              <a:rPr lang="ko-KR" altLang="en-US" sz="1800" b="1" u="none" strike="noStrike" dirty="0" smtClean="0">
                 <a:solidFill>
                   <a:schemeClr val="accent1">
                     <a:lumMod val="50000"/>
@@ -17547,35 +18882,43 @@
                 <a:latin typeface="Pretendard"/>
                 <a:ea typeface="Pretendard"/>
               </a:rPr>
-              <a:t>단위 클럭이 길어져서 모든 연산이 </a:t>
-            </a:r>
-            <a:r>
-              <a:rPr lang="ko-KR" sz="1800" b="1" u="none" strike="noStrike" dirty="0" err="1">
-                <a:solidFill>
-                  <a:schemeClr val="accent1">
-                    <a:lumMod val="50000"/>
-                  </a:schemeClr>
-                </a:solidFill>
-                <a:effectLst/>
-                <a:uFillTx/>
+              <a:t>수박을 담기 위해 키위나 사과를 </a:t>
+            </a:r>
+            <a:r>
+              <a:rPr lang="en-US" altLang="ko-KR" b="1" dirty="0" smtClean="0">
+                <a:solidFill>
+                  <a:schemeClr val="accent1">
+                    <a:lumMod val="50000"/>
+                  </a:schemeClr>
+                </a:solidFill>
                 <a:latin typeface="Pretendard"/>
                 <a:ea typeface="Pretendard"/>
               </a:rPr>
-              <a:t>느려짐</a:t>
-            </a:r>
-            <a:r>
-              <a:rPr lang="en-US" sz="1800" b="1" u="none" strike="noStrike" dirty="0">
-                <a:solidFill>
-                  <a:schemeClr val="accent1">
-                    <a:lumMod val="50000"/>
-                  </a:schemeClr>
-                </a:solidFill>
-                <a:effectLst/>
-                <a:uFillTx/>
+              <a:t>10</a:t>
+            </a:r>
+            <a:r>
+              <a:rPr lang="ko-KR" altLang="en-US" b="1" dirty="0" smtClean="0">
+                <a:solidFill>
+                  <a:schemeClr val="accent1">
+                    <a:lumMod val="50000"/>
+                  </a:schemeClr>
+                </a:solidFill>
                 <a:latin typeface="Pretendard"/>
                 <a:ea typeface="Pretendard"/>
               </a:rPr>
-              <a:t>.</a:t>
+              <a:t>리터 상자에 </a:t>
+            </a:r>
+            <a:r>
+              <a:rPr lang="ko-KR" altLang="en-US" b="1" dirty="0" err="1" smtClean="0">
+                <a:solidFill>
+                  <a:schemeClr val="accent1">
+                    <a:lumMod val="50000"/>
+                  </a:schemeClr>
+                </a:solidFill>
+                <a:latin typeface="Pretendard"/>
+                <a:ea typeface="Pretendard"/>
+              </a:rPr>
+              <a:t>넣는꼴</a:t>
             </a:r>
             <a:endParaRPr lang="en-US" sz="1800" b="0" u="none" strike="noStrike" dirty="0">
               <a:solidFill>
@@ -17604,7 +18947,7 @@
           <a:lstStyle/>
           <a:p>
             <a:fld id="{A84A90A0-8EC4-441F-ACBC-FEB2A802E153}" type="slidenum">
-              <a:t>36</a:t>
+              <a:t>37</a:t>
             </a:fld>
             <a:endParaRPr/>
           </a:p>
@@ -17612,7 +18955,7 @@
       </p:sp>
       <p:pic>
         <p:nvPicPr>
-          <p:cNvPr id="4" name="그림 3"/>
+          <p:cNvPr id="3" name="그림 2"/>
           <p:cNvPicPr>
             <a:picLocks noChangeAspect="1"/>
           </p:cNvPicPr>
@@ -17626,8 +18969,8 @@
         </p:blipFill>
         <p:spPr>
           <a:xfrm>
-            <a:off x="4394017" y="4667250"/>
-            <a:ext cx="7183993" cy="1626323"/>
+            <a:off x="745200" y="4451087"/>
+            <a:ext cx="8386334" cy="1806514"/>
           </a:xfrm>
           <a:prstGeom prst="rect">
             <a:avLst/>
@@ -17647,10 +18990,17 @@
       <p:transition spd="slow"/>
     </mc:Fallback>
   </mc:AlternateContent>
+  <p:timing>
+    <p:tnLst>
+      <p:par>
+        <p:cTn id="1" dur="indefinite" restart="never" nodeType="tmRoot"/>
+      </p:par>
+    </p:tnLst>
+  </p:timing>
 </p:sld>
 </file>
 
-<file path=ppt/slides/slide37.xml><?xml version="1.0" encoding="utf-8"?>
+<file path=ppt/slides/slide38.xml><?xml version="1.0" encoding="utf-8"?>
 <p:sld xmlns:a="http://schemas.openxmlformats.org/drawingml/2006/main" xmlns:r="http://schemas.openxmlformats.org/officeDocument/2006/relationships" xmlns:p="http://schemas.openxmlformats.org/presentationml/2006/main">
   <p:cSld>
     <p:spTree>
@@ -17803,7 +19153,7 @@
         <p:spPr>
           <a:xfrm>
             <a:off x="720000" y="1440000"/>
-            <a:ext cx="5039640" cy="3691865"/>
+            <a:ext cx="5039640" cy="3968864"/>
           </a:xfrm>
           <a:prstGeom prst="rect">
             <a:avLst/>
@@ -17979,7 +19329,7 @@
               <a:t>곱셈같은 연산도 짧은 연산의 </a:t>
             </a:r>
             <a:r>
-              <a:rPr lang="ko-KR" sz="1800" b="1" u="none" strike="noStrike" dirty="0" err="1" smtClean="0">
+              <a:rPr lang="ko-KR" sz="1800" b="1" u="none" strike="noStrike" dirty="0" smtClean="0">
                 <a:solidFill>
                   <a:schemeClr val="accent1">
                     <a:lumMod val="50000"/>
@@ -17990,7 +19340,35 @@
                 <a:latin typeface="Pretendard"/>
                 <a:ea typeface="Pretendard"/>
               </a:rPr>
-              <a:t>뭉치로계산</a:t>
+              <a:t>뭉치로</a:t>
+            </a:r>
+            <a:r>
+              <a:rPr lang="en-US" altLang="ko-KR" sz="1800" b="1" u="none" strike="noStrike" dirty="0" smtClean="0">
+                <a:solidFill>
+                  <a:schemeClr val="accent1">
+                    <a:lumMod val="50000"/>
+                  </a:schemeClr>
+                </a:solidFill>
+                <a:effectLst/>
+                <a:uFillTx/>
+                <a:latin typeface="Pretendard"/>
+                <a:ea typeface="Pretendard"/>
+              </a:rPr>
+              <a:t> </a:t>
+            </a:r>
+            <a:r>
+              <a:rPr lang="ko-KR" sz="1800" b="1" u="none" strike="noStrike" dirty="0" smtClean="0">
+                <a:solidFill>
+                  <a:schemeClr val="accent1">
+                    <a:lumMod val="50000"/>
+                  </a:schemeClr>
+                </a:solidFill>
+                <a:effectLst/>
+                <a:uFillTx/>
+                <a:latin typeface="Pretendard"/>
+                <a:ea typeface="Pretendard"/>
+              </a:rPr>
+              <a:t>계산</a:t>
             </a:r>
             <a:endParaRPr lang="en-US" altLang="ko-KR" sz="1800" b="1" u="none" strike="noStrike" dirty="0" smtClean="0">
               <a:solidFill>
@@ -18002,6 +19380,113 @@
               <a:uFillTx/>
               <a:latin typeface="Pretendard"/>
               <a:ea typeface="Pretendard"/>
+            </a:endParaRPr>
+          </a:p>
+          <a:p>
+            <a:pPr>
+              <a:lnSpc>
+                <a:spcPct val="100000"/>
+              </a:lnSpc>
+            </a:pPr>
+            <a:endParaRPr lang="en-US" b="1" dirty="0" smtClean="0">
+              <a:solidFill>
+                <a:schemeClr val="accent1">
+                  <a:lumMod val="50000"/>
+                </a:schemeClr>
+              </a:solidFill>
+              <a:latin typeface="Pretendard"/>
+            </a:endParaRPr>
+          </a:p>
+          <a:p>
+            <a:pPr>
+              <a:lnSpc>
+                <a:spcPct val="100000"/>
+              </a:lnSpc>
+            </a:pPr>
+            <a:r>
+              <a:rPr lang="ko-KR" altLang="en-US" b="1" dirty="0" err="1" smtClean="0">
+                <a:solidFill>
+                  <a:schemeClr val="accent1">
+                    <a:lumMod val="50000"/>
+                  </a:schemeClr>
+                </a:solidFill>
+                <a:latin typeface="Pretendard"/>
+              </a:rPr>
+              <a:t>워스트케이스</a:t>
+            </a:r>
+            <a:r>
+              <a:rPr lang="ko-KR" altLang="en-US" b="1" dirty="0" smtClean="0">
+                <a:solidFill>
+                  <a:schemeClr val="accent1">
+                    <a:lumMod val="50000"/>
+                  </a:schemeClr>
+                </a:solidFill>
+                <a:latin typeface="Pretendard"/>
+              </a:rPr>
+              <a:t> </a:t>
+            </a:r>
+            <a:r>
+              <a:rPr lang="en-US" b="1" dirty="0" smtClean="0">
+                <a:solidFill>
+                  <a:schemeClr val="accent1">
+                    <a:lumMod val="50000"/>
+                  </a:schemeClr>
+                </a:solidFill>
+                <a:latin typeface="Pretendard"/>
+              </a:rPr>
+              <a:t>CPI</a:t>
+            </a:r>
+            <a:r>
+              <a:rPr lang="ko-KR" altLang="en-US" b="1" dirty="0" smtClean="0">
+                <a:solidFill>
+                  <a:schemeClr val="accent1">
+                    <a:lumMod val="50000"/>
+                  </a:schemeClr>
+                </a:solidFill>
+                <a:latin typeface="Pretendard"/>
+              </a:rPr>
+              <a:t>는 늘어나나 평균 </a:t>
+            </a:r>
+            <a:r>
+              <a:rPr lang="en-US" altLang="ko-KR" b="1" dirty="0" err="1" smtClean="0">
+                <a:solidFill>
+                  <a:schemeClr val="accent1">
+                    <a:lumMod val="50000"/>
+                  </a:schemeClr>
+                </a:solidFill>
+                <a:latin typeface="Pretendard"/>
+              </a:rPr>
+              <a:t>Inst</a:t>
+            </a:r>
+            <a:r>
+              <a:rPr lang="ko-KR" altLang="en-US" b="1" dirty="0" smtClean="0">
+                <a:solidFill>
+                  <a:schemeClr val="accent1">
+                    <a:lumMod val="50000"/>
+                  </a:schemeClr>
+                </a:solidFill>
+                <a:latin typeface="Pretendard"/>
+              </a:rPr>
+              <a:t>처리속도가 빨라진다</a:t>
+            </a:r>
+            <a:r>
+              <a:rPr lang="en-US" altLang="ko-KR" b="1" dirty="0" smtClean="0">
+                <a:solidFill>
+                  <a:schemeClr val="accent1">
+                    <a:lumMod val="50000"/>
+                  </a:schemeClr>
+                </a:solidFill>
+                <a:latin typeface="Pretendard"/>
+              </a:rPr>
+              <a:t>.</a:t>
+            </a:r>
+            <a:endParaRPr lang="en-US" sz="1800" b="0" u="none" strike="noStrike" dirty="0">
+              <a:solidFill>
+                <a:srgbClr val="000000"/>
+              </a:solidFill>
+              <a:effectLst/>
+              <a:uFillTx/>
+              <a:latin typeface="맑은 고딕"/>
             </a:endParaRPr>
           </a:p>
           <a:p>
@@ -18026,7 +19511,7 @@
               </a:lnSpc>
             </a:pPr>
             <a:r>
-              <a:rPr lang="ko-KR" sz="1800" b="1" u="none" strike="noStrike" dirty="0" err="1">
+              <a:rPr lang="en-US" sz="1800" b="1" u="none" strike="noStrike" dirty="0">
                 <a:solidFill>
                   <a:schemeClr val="accent1">
                     <a:lumMod val="50000"/>
@@ -18037,10 +19522,10 @@
                 <a:latin typeface="Pretendard"/>
                 <a:ea typeface="Pretendard"/>
               </a:rPr>
-              <a:t>클럭주기의</a:t>
-            </a:r>
-            <a:r>
-              <a:rPr lang="ko-KR" sz="1800" b="1" u="none" strike="noStrike" dirty="0">
+              <a:t>MULT </a:t>
+            </a:r>
+            <a:r>
+              <a:rPr lang="en-US" sz="1800" b="1" u="none" strike="noStrike" dirty="0" smtClean="0">
                 <a:solidFill>
                   <a:schemeClr val="accent1">
                     <a:lumMod val="50000"/>
@@ -18051,7 +19536,134 @@
                 <a:latin typeface="Pretendard"/>
                 <a:ea typeface="Pretendard"/>
               </a:rPr>
-              <a:t> 기준이 비교적 짧은 연산에</a:t>
+              <a:t>X2 </a:t>
+            </a:r>
+            <a:r>
+              <a:rPr lang="en-US" b="1" dirty="0" smtClean="0">
+                <a:solidFill>
+                  <a:schemeClr val="accent1">
+                    <a:lumMod val="50000"/>
+                  </a:schemeClr>
+                </a:solidFill>
+                <a:latin typeface="Pretendard"/>
+                <a:ea typeface="Pretendard"/>
+              </a:rPr>
+              <a:t>X1(3)</a:t>
+            </a:r>
+            <a:r>
+              <a:rPr lang="en-US" sz="1800" b="1" u="none" strike="noStrike" dirty="0" smtClean="0">
+                <a:solidFill>
+                  <a:schemeClr val="accent1">
+                    <a:lumMod val="50000"/>
+                  </a:schemeClr>
+                </a:solidFill>
+                <a:effectLst/>
+                <a:uFillTx/>
+                <a:latin typeface="Pretendard"/>
+                <a:ea typeface="Pretendard"/>
+              </a:rPr>
+              <a:t> </a:t>
+            </a:r>
+            <a:r>
+              <a:rPr lang="en-US" b="1" dirty="0" smtClean="0">
+                <a:solidFill>
+                  <a:schemeClr val="accent1">
+                    <a:lumMod val="50000"/>
+                  </a:schemeClr>
+                </a:solidFill>
+                <a:latin typeface="Pretendard"/>
+                <a:ea typeface="Pretendard"/>
+              </a:rPr>
+              <a:t>IMM(5)</a:t>
+            </a:r>
+            <a:endParaRPr lang="en-US" sz="1800" b="1" u="none" strike="noStrike" dirty="0" smtClean="0">
+              <a:solidFill>
+                <a:schemeClr val="accent1">
+                  <a:lumMod val="50000"/>
+                </a:schemeClr>
+              </a:solidFill>
+              <a:effectLst/>
+              <a:uFillTx/>
+              <a:latin typeface="Pretendard"/>
+              <a:ea typeface="Pretendard"/>
+            </a:endParaRPr>
+          </a:p>
+          <a:p>
+            <a:pPr>
+              <a:lnSpc>
+                <a:spcPct val="100000"/>
+              </a:lnSpc>
+            </a:pPr>
+            <a:r>
+              <a:rPr lang="en-US" sz="1800" b="1" u="none" strike="noStrike" dirty="0" smtClean="0">
+                <a:solidFill>
+                  <a:schemeClr val="accent1">
+                    <a:lumMod val="50000"/>
+                  </a:schemeClr>
+                </a:solidFill>
+                <a:effectLst/>
+                <a:uFillTx/>
+                <a:latin typeface="Pretendard"/>
+                <a:ea typeface="Pretendard"/>
+              </a:rPr>
+              <a:t>	ADD X2 X1 IMM(3)</a:t>
+            </a:r>
+            <a:endParaRPr lang="en-US" sz="1800" b="0" u="none" strike="noStrike" dirty="0" smtClean="0">
+              <a:solidFill>
+                <a:srgbClr val="000000"/>
+              </a:solidFill>
+              <a:effectLst/>
+              <a:uFillTx/>
+              <a:latin typeface="맑은 고딕"/>
+            </a:endParaRPr>
+          </a:p>
+          <a:p>
+            <a:pPr>
+              <a:lnSpc>
+                <a:spcPct val="100000"/>
+              </a:lnSpc>
+            </a:pPr>
+            <a:r>
+              <a:rPr lang="en-US" sz="1800" b="1" u="none" strike="noStrike" dirty="0">
+                <a:solidFill>
+                  <a:schemeClr val="accent1">
+                    <a:lumMod val="50000"/>
+                  </a:schemeClr>
+                </a:solidFill>
+                <a:effectLst/>
+                <a:uFillTx/>
+                <a:latin typeface="Pretendard"/>
+                <a:ea typeface="Pretendard"/>
+              </a:rPr>
+              <a:t>	ADD </a:t>
+            </a:r>
+            <a:r>
+              <a:rPr lang="en-US" sz="1800" b="1" u="none" strike="noStrike" dirty="0" smtClean="0">
+                <a:solidFill>
+                  <a:schemeClr val="accent1">
+                    <a:lumMod val="50000"/>
+                  </a:schemeClr>
+                </a:solidFill>
+                <a:effectLst/>
+                <a:uFillTx/>
+                <a:latin typeface="Pretendard"/>
+                <a:ea typeface="Pretendard"/>
+              </a:rPr>
+              <a:t>X2 </a:t>
+            </a:r>
+            <a:r>
+              <a:rPr lang="en-US" sz="1800" b="1" u="none" strike="noStrike" dirty="0">
+                <a:solidFill>
+                  <a:schemeClr val="accent1">
+                    <a:lumMod val="50000"/>
+                  </a:schemeClr>
+                </a:solidFill>
+                <a:effectLst/>
+                <a:uFillTx/>
+                <a:latin typeface="Pretendard"/>
+                <a:ea typeface="Pretendard"/>
+              </a:rPr>
+              <a:t>X1 IMM(3)</a:t>
             </a:r>
             <a:endParaRPr lang="en-US" sz="1800" b="0" u="none" strike="noStrike" dirty="0">
               <a:solidFill>
@@ -18069,7 +19681,7 @@
               </a:lnSpc>
             </a:pPr>
             <a:r>
-              <a:rPr lang="ko-KR" sz="1800" b="1" u="none" strike="noStrike" dirty="0">
+              <a:rPr lang="en-US" sz="1800" b="1" u="none" strike="noStrike" dirty="0">
                 <a:solidFill>
                   <a:schemeClr val="accent1">
                     <a:lumMod val="50000"/>
@@ -18080,10 +19692,10 @@
                 <a:latin typeface="Pretendard"/>
                 <a:ea typeface="Pretendard"/>
               </a:rPr>
-              <a:t>맞춰지기에 결과적으로 연산이 빨라진다</a:t>
-            </a:r>
-            <a:r>
-              <a:rPr lang="en-US" sz="1800" b="1" u="none" strike="noStrike" dirty="0">
+              <a:t>	ADD </a:t>
+            </a:r>
+            <a:r>
+              <a:rPr lang="en-US" sz="1800" b="1" u="none" strike="noStrike" dirty="0" smtClean="0">
                 <a:solidFill>
                   <a:schemeClr val="accent1">
                     <a:lumMod val="50000"/>
@@ -18094,7 +19706,21 @@
                 <a:latin typeface="Pretendard"/>
                 <a:ea typeface="Pretendard"/>
               </a:rPr>
-              <a:t>.</a:t>
+              <a:t>X2 </a:t>
+            </a:r>
+            <a:r>
+              <a:rPr lang="en-US" sz="1800" b="1" u="none" strike="noStrike" dirty="0">
+                <a:solidFill>
+                  <a:schemeClr val="accent1">
+                    <a:lumMod val="50000"/>
+                  </a:schemeClr>
+                </a:solidFill>
+                <a:effectLst/>
+                <a:uFillTx/>
+                <a:latin typeface="Pretendard"/>
+                <a:ea typeface="Pretendard"/>
+              </a:rPr>
+              <a:t>X1 IMM(3)</a:t>
             </a:r>
             <a:endParaRPr lang="en-US" sz="1800" b="0" u="none" strike="noStrike" dirty="0">
               <a:solidFill>
@@ -18104,6 +19730,126 @@
               <a:uFillTx/>
               <a:latin typeface="맑은 고딕"/>
             </a:endParaRPr>
+          </a:p>
+          <a:p>
+            <a:pPr>
+              <a:lnSpc>
+                <a:spcPct val="100000"/>
+              </a:lnSpc>
+            </a:pPr>
+            <a:r>
+              <a:rPr lang="en-US" sz="1800" b="1" u="none" strike="noStrike" dirty="0">
+                <a:solidFill>
+                  <a:schemeClr val="accent1">
+                    <a:lumMod val="50000"/>
+                  </a:schemeClr>
+                </a:solidFill>
+                <a:effectLst/>
+                <a:uFillTx/>
+                <a:latin typeface="Pretendard"/>
+                <a:ea typeface="Pretendard"/>
+              </a:rPr>
+              <a:t>	ADD </a:t>
+            </a:r>
+            <a:r>
+              <a:rPr lang="en-US" sz="1800" b="1" u="none" strike="noStrike" dirty="0" smtClean="0">
+                <a:solidFill>
+                  <a:schemeClr val="accent1">
+                    <a:lumMod val="50000"/>
+                  </a:schemeClr>
+                </a:solidFill>
+                <a:effectLst/>
+                <a:uFillTx/>
+                <a:latin typeface="Pretendard"/>
+                <a:ea typeface="Pretendard"/>
+              </a:rPr>
+              <a:t>X2 </a:t>
+            </a:r>
+            <a:r>
+              <a:rPr lang="en-US" sz="1800" b="1" u="none" strike="noStrike" dirty="0">
+                <a:solidFill>
+                  <a:schemeClr val="accent1">
+                    <a:lumMod val="50000"/>
+                  </a:schemeClr>
+                </a:solidFill>
+                <a:effectLst/>
+                <a:uFillTx/>
+                <a:latin typeface="Pretendard"/>
+                <a:ea typeface="Pretendard"/>
+              </a:rPr>
+              <a:t>X1 IMM(3)</a:t>
+            </a:r>
+            <a:endParaRPr lang="en-US" sz="1800" b="0" u="none" strike="noStrike" dirty="0">
+              <a:solidFill>
+                <a:srgbClr val="000000"/>
+              </a:solidFill>
+              <a:effectLst/>
+              <a:uFillTx/>
+              <a:latin typeface="맑은 고딕"/>
+            </a:endParaRPr>
+          </a:p>
+          <a:p>
+            <a:pPr>
+              <a:lnSpc>
+                <a:spcPct val="100000"/>
+              </a:lnSpc>
+            </a:pPr>
+            <a:r>
+              <a:rPr lang="en-US" sz="1800" b="1" u="none" strike="noStrike" dirty="0">
+                <a:solidFill>
+                  <a:schemeClr val="accent1">
+                    <a:lumMod val="50000"/>
+                  </a:schemeClr>
+                </a:solidFill>
+                <a:effectLst/>
+                <a:uFillTx/>
+                <a:latin typeface="Pretendard"/>
+                <a:ea typeface="Pretendard"/>
+              </a:rPr>
+              <a:t>	ADD </a:t>
+            </a:r>
+            <a:r>
+              <a:rPr lang="en-US" sz="1800" b="1" u="none" strike="noStrike" dirty="0" smtClean="0">
+                <a:solidFill>
+                  <a:schemeClr val="accent1">
+                    <a:lumMod val="50000"/>
+                  </a:schemeClr>
+                </a:solidFill>
+                <a:effectLst/>
+                <a:uFillTx/>
+                <a:latin typeface="Pretendard"/>
+                <a:ea typeface="Pretendard"/>
+              </a:rPr>
+              <a:t>X2 </a:t>
+            </a:r>
+            <a:r>
+              <a:rPr lang="en-US" sz="1800" b="1" u="none" strike="noStrike" dirty="0">
+                <a:solidFill>
+                  <a:schemeClr val="accent1">
+                    <a:lumMod val="50000"/>
+                  </a:schemeClr>
+                </a:solidFill>
+                <a:effectLst/>
+                <a:uFillTx/>
+                <a:latin typeface="Pretendard"/>
+                <a:ea typeface="Pretendard"/>
+              </a:rPr>
+              <a:t>X1 IMM(3</a:t>
+            </a:r>
+            <a:r>
+              <a:rPr lang="en-US" sz="1800" b="1" u="none" strike="noStrike" dirty="0" smtClean="0">
+                <a:solidFill>
+                  <a:schemeClr val="accent1">
+                    <a:lumMod val="50000"/>
+                  </a:schemeClr>
+                </a:solidFill>
+                <a:effectLst/>
+                <a:uFillTx/>
+                <a:latin typeface="Pretendard"/>
+                <a:ea typeface="Pretendard"/>
+              </a:rPr>
+              <a:t>)</a:t>
+            </a:r>
           </a:p>
           <a:p>
             <a:pPr>
@@ -18120,320 +19866,6 @@
               <a:latin typeface="맑은 고딕"/>
             </a:endParaRPr>
           </a:p>
-          <a:p>
-            <a:pPr>
-              <a:lnSpc>
-                <a:spcPct val="100000"/>
-              </a:lnSpc>
-            </a:pPr>
-            <a:r>
-              <a:rPr lang="en-US" sz="1800" b="1" u="none" strike="noStrike" dirty="0">
-                <a:solidFill>
-                  <a:schemeClr val="accent1">
-                    <a:lumMod val="50000"/>
-                  </a:schemeClr>
-                </a:solidFill>
-                <a:effectLst/>
-                <a:uFillTx/>
-                <a:latin typeface="Pretendard"/>
-                <a:ea typeface="Pretendard"/>
-              </a:rPr>
-              <a:t>MULT X1 3 5</a:t>
-            </a:r>
-            <a:endParaRPr lang="en-US" sz="1800" b="0" u="none" strike="noStrike" dirty="0">
-              <a:solidFill>
-                <a:srgbClr val="000000"/>
-              </a:solidFill>
-              <a:effectLst/>
-              <a:uFillTx/>
-              <a:latin typeface="맑은 고딕"/>
-            </a:endParaRPr>
-          </a:p>
-          <a:p>
-            <a:pPr>
-              <a:lnSpc>
-                <a:spcPct val="100000"/>
-              </a:lnSpc>
-            </a:pPr>
-            <a:r>
-              <a:rPr lang="en-US" sz="1800" b="1" u="none" strike="noStrike" dirty="0">
-                <a:solidFill>
-                  <a:schemeClr val="accent1">
-                    <a:lumMod val="50000"/>
-                  </a:schemeClr>
-                </a:solidFill>
-                <a:effectLst/>
-                <a:uFillTx/>
-                <a:latin typeface="Pretendard"/>
-                <a:ea typeface="Pretendard"/>
-              </a:rPr>
-              <a:t>	ADD X1 </a:t>
-            </a:r>
-            <a:r>
-              <a:rPr lang="en-US" sz="1800" b="1" u="none" strike="noStrike" dirty="0" err="1">
-                <a:solidFill>
-                  <a:schemeClr val="accent1">
-                    <a:lumMod val="50000"/>
-                  </a:schemeClr>
-                </a:solidFill>
-                <a:effectLst/>
-                <a:uFillTx/>
-                <a:latin typeface="Pretendard"/>
-                <a:ea typeface="Pretendard"/>
-              </a:rPr>
-              <a:t>X1</a:t>
-            </a:r>
-            <a:r>
-              <a:rPr lang="en-US" sz="1800" b="1" u="none" strike="noStrike" dirty="0">
-                <a:solidFill>
-                  <a:schemeClr val="accent1">
-                    <a:lumMod val="50000"/>
-                  </a:schemeClr>
-                </a:solidFill>
-                <a:effectLst/>
-                <a:uFillTx/>
-                <a:latin typeface="Pretendard"/>
-                <a:ea typeface="Pretendard"/>
-              </a:rPr>
-              <a:t> IMM(3)</a:t>
-            </a:r>
-            <a:endParaRPr lang="en-US" sz="1800" b="0" u="none" strike="noStrike" dirty="0">
-              <a:solidFill>
-                <a:srgbClr val="000000"/>
-              </a:solidFill>
-              <a:effectLst/>
-              <a:uFillTx/>
-              <a:latin typeface="맑은 고딕"/>
-            </a:endParaRPr>
-          </a:p>
-          <a:p>
-            <a:pPr>
-              <a:lnSpc>
-                <a:spcPct val="100000"/>
-              </a:lnSpc>
-            </a:pPr>
-            <a:r>
-              <a:rPr lang="en-US" sz="1800" b="1" u="none" strike="noStrike" dirty="0">
-                <a:solidFill>
-                  <a:schemeClr val="accent1">
-                    <a:lumMod val="50000"/>
-                  </a:schemeClr>
-                </a:solidFill>
-                <a:effectLst/>
-                <a:uFillTx/>
-                <a:latin typeface="Pretendard"/>
-                <a:ea typeface="Pretendard"/>
-              </a:rPr>
-              <a:t>	ADD X1 </a:t>
-            </a:r>
-            <a:r>
-              <a:rPr lang="en-US" sz="1800" b="1" u="none" strike="noStrike" dirty="0" err="1">
-                <a:solidFill>
-                  <a:schemeClr val="accent1">
-                    <a:lumMod val="50000"/>
-                  </a:schemeClr>
-                </a:solidFill>
-                <a:effectLst/>
-                <a:uFillTx/>
-                <a:latin typeface="Pretendard"/>
-                <a:ea typeface="Pretendard"/>
-              </a:rPr>
-              <a:t>X1</a:t>
-            </a:r>
-            <a:r>
-              <a:rPr lang="en-US" sz="1800" b="1" u="none" strike="noStrike" dirty="0">
-                <a:solidFill>
-                  <a:schemeClr val="accent1">
-                    <a:lumMod val="50000"/>
-                  </a:schemeClr>
-                </a:solidFill>
-                <a:effectLst/>
-                <a:uFillTx/>
-                <a:latin typeface="Pretendard"/>
-                <a:ea typeface="Pretendard"/>
-              </a:rPr>
-              <a:t> IMM(3)</a:t>
-            </a:r>
-            <a:endParaRPr lang="en-US" sz="1800" b="0" u="none" strike="noStrike" dirty="0">
-              <a:solidFill>
-                <a:srgbClr val="000000"/>
-              </a:solidFill>
-              <a:effectLst/>
-              <a:uFillTx/>
-              <a:latin typeface="맑은 고딕"/>
-            </a:endParaRPr>
-          </a:p>
-          <a:p>
-            <a:pPr>
-              <a:lnSpc>
-                <a:spcPct val="100000"/>
-              </a:lnSpc>
-            </a:pPr>
-            <a:r>
-              <a:rPr lang="en-US" sz="1800" b="1" u="none" strike="noStrike" dirty="0">
-                <a:solidFill>
-                  <a:schemeClr val="accent1">
-                    <a:lumMod val="50000"/>
-                  </a:schemeClr>
-                </a:solidFill>
-                <a:effectLst/>
-                <a:uFillTx/>
-                <a:latin typeface="Pretendard"/>
-                <a:ea typeface="Pretendard"/>
-              </a:rPr>
-              <a:t>	ADD X1 </a:t>
-            </a:r>
-            <a:r>
-              <a:rPr lang="en-US" sz="1800" b="1" u="none" strike="noStrike" dirty="0" err="1">
-                <a:solidFill>
-                  <a:schemeClr val="accent1">
-                    <a:lumMod val="50000"/>
-                  </a:schemeClr>
-                </a:solidFill>
-                <a:effectLst/>
-                <a:uFillTx/>
-                <a:latin typeface="Pretendard"/>
-                <a:ea typeface="Pretendard"/>
-              </a:rPr>
-              <a:t>X1</a:t>
-            </a:r>
-            <a:r>
-              <a:rPr lang="en-US" sz="1800" b="1" u="none" strike="noStrike" dirty="0">
-                <a:solidFill>
-                  <a:schemeClr val="accent1">
-                    <a:lumMod val="50000"/>
-                  </a:schemeClr>
-                </a:solidFill>
-                <a:effectLst/>
-                <a:uFillTx/>
-                <a:latin typeface="Pretendard"/>
-                <a:ea typeface="Pretendard"/>
-              </a:rPr>
-              <a:t> IMM(3)</a:t>
-            </a:r>
-            <a:endParaRPr lang="en-US" sz="1800" b="0" u="none" strike="noStrike" dirty="0">
-              <a:solidFill>
-                <a:srgbClr val="000000"/>
-              </a:solidFill>
-              <a:effectLst/>
-              <a:uFillTx/>
-              <a:latin typeface="맑은 고딕"/>
-            </a:endParaRPr>
-          </a:p>
-          <a:p>
-            <a:pPr>
-              <a:lnSpc>
-                <a:spcPct val="100000"/>
-              </a:lnSpc>
-            </a:pPr>
-            <a:r>
-              <a:rPr lang="en-US" sz="1800" b="1" u="none" strike="noStrike" dirty="0">
-                <a:solidFill>
-                  <a:schemeClr val="accent1">
-                    <a:lumMod val="50000"/>
-                  </a:schemeClr>
-                </a:solidFill>
-                <a:effectLst/>
-                <a:uFillTx/>
-                <a:latin typeface="Pretendard"/>
-                <a:ea typeface="Pretendard"/>
-              </a:rPr>
-              <a:t>	ADD X1 </a:t>
-            </a:r>
-            <a:r>
-              <a:rPr lang="en-US" sz="1800" b="1" u="none" strike="noStrike" dirty="0" err="1">
-                <a:solidFill>
-                  <a:schemeClr val="accent1">
-                    <a:lumMod val="50000"/>
-                  </a:schemeClr>
-                </a:solidFill>
-                <a:effectLst/>
-                <a:uFillTx/>
-                <a:latin typeface="Pretendard"/>
-                <a:ea typeface="Pretendard"/>
-              </a:rPr>
-              <a:t>X1</a:t>
-            </a:r>
-            <a:r>
-              <a:rPr lang="en-US" sz="1800" b="1" u="none" strike="noStrike" dirty="0">
-                <a:solidFill>
-                  <a:schemeClr val="accent1">
-                    <a:lumMod val="50000"/>
-                  </a:schemeClr>
-                </a:solidFill>
-                <a:effectLst/>
-                <a:uFillTx/>
-                <a:latin typeface="Pretendard"/>
-                <a:ea typeface="Pretendard"/>
-              </a:rPr>
-              <a:t> IMM(3)</a:t>
-            </a:r>
-            <a:endParaRPr lang="en-US" sz="1800" b="0" u="none" strike="noStrike" dirty="0">
-              <a:solidFill>
-                <a:srgbClr val="000000"/>
-              </a:solidFill>
-              <a:effectLst/>
-              <a:uFillTx/>
-              <a:latin typeface="맑은 고딕"/>
-            </a:endParaRPr>
-          </a:p>
-          <a:p>
-            <a:pPr>
-              <a:lnSpc>
-                <a:spcPct val="100000"/>
-              </a:lnSpc>
-            </a:pPr>
-            <a:r>
-              <a:rPr lang="en-US" sz="1800" b="1" u="none" strike="noStrike" dirty="0">
-                <a:solidFill>
-                  <a:schemeClr val="accent1">
-                    <a:lumMod val="50000"/>
-                  </a:schemeClr>
-                </a:solidFill>
-                <a:effectLst/>
-                <a:uFillTx/>
-                <a:latin typeface="Pretendard"/>
-                <a:ea typeface="Pretendard"/>
-              </a:rPr>
-              <a:t>	ADD X1 </a:t>
-            </a:r>
-            <a:r>
-              <a:rPr lang="en-US" sz="1800" b="1" u="none" strike="noStrike" dirty="0" err="1">
-                <a:solidFill>
-                  <a:schemeClr val="accent1">
-                    <a:lumMod val="50000"/>
-                  </a:schemeClr>
-                </a:solidFill>
-                <a:effectLst/>
-                <a:uFillTx/>
-                <a:latin typeface="Pretendard"/>
-                <a:ea typeface="Pretendard"/>
-              </a:rPr>
-              <a:t>X1</a:t>
-            </a:r>
-            <a:r>
-              <a:rPr lang="en-US" sz="1800" b="1" u="none" strike="noStrike" dirty="0">
-                <a:solidFill>
-                  <a:schemeClr val="accent1">
-                    <a:lumMod val="50000"/>
-                  </a:schemeClr>
-                </a:solidFill>
-                <a:effectLst/>
-                <a:uFillTx/>
-                <a:latin typeface="Pretendard"/>
-                <a:ea typeface="Pretendard"/>
-              </a:rPr>
-              <a:t> IMM(3)</a:t>
-            </a:r>
-            <a:endParaRPr lang="en-US" sz="1800" b="0" u="none" strike="noStrike" dirty="0">
-              <a:solidFill>
-                <a:srgbClr val="000000"/>
-              </a:solidFill>
-              <a:effectLst/>
-              <a:uFillTx/>
-              <a:latin typeface="맑은 고딕"/>
-            </a:endParaRPr>
-          </a:p>
         </p:txBody>
       </p:sp>
       <p:pic>
@@ -18443,7 +19875,7 @@
           <p:nvPr/>
         </p:nvPicPr>
         <p:blipFill>
-          <a:blip r:embed="rId2"/>
+          <a:blip r:embed="rId3"/>
           <a:stretch/>
         </p:blipFill>
         <p:spPr>
@@ -18476,7 +19908,7 @@
           <a:lstStyle/>
           <a:p>
             <a:fld id="{89392D52-1E77-4359-AABB-B886937F5D07}" type="slidenum">
-              <a:t>37</a:t>
+              <a:t>38</a:t>
             </a:fld>
             <a:endParaRPr/>
           </a:p>
@@ -18551,16 +19983,7 @@
                 </a:solidFill>
                 <a:latin typeface="맑은 고딕"/>
               </a:rPr>
-              <a:t> </a:t>
-            </a:r>
-            <a:r>
-              <a:rPr lang="en-US" sz="1400" dirty="0" smtClean="0">
-                <a:solidFill>
-                  <a:srgbClr val="000000"/>
-                </a:solidFill>
-                <a:latin typeface="맑은 고딕"/>
-              </a:rPr>
-              <a:t>per </a:t>
+              <a:t> per </a:t>
             </a:r>
             <a:r>
               <a:rPr lang="en-US" sz="1400" dirty="0" err="1" smtClean="0">
@@ -18607,7 +20030,7 @@
 </p:sld>
 </file>
 
-<file path=ppt/slides/slide38.xml><?xml version="1.0" encoding="utf-8"?>
+<file path=ppt/slides/slide39.xml><?xml version="1.0" encoding="utf-8"?>
 <p:sld xmlns:a="http://schemas.openxmlformats.org/drawingml/2006/main" xmlns:r="http://schemas.openxmlformats.org/officeDocument/2006/relationships" xmlns:p="http://schemas.openxmlformats.org/presentationml/2006/main">
   <p:cSld>
     <p:bg>
@@ -18837,594 +20260,12 @@
           <a:lstStyle/>
           <a:p>
             <a:fld id="{8E26EE72-1E59-4C96-89FD-E64F4B0CFD06}" type="slidenum">
-              <a:t>38</a:t>
-            </a:fld>
-            <a:endParaRPr/>
-          </a:p>
-        </p:txBody>
-      </p:sp>
-    </p:spTree>
-  </p:cSld>
-  <p:clrMapOvr>
-    <a:masterClrMapping/>
-  </p:clrMapOvr>
-  <mc:AlternateContent xmlns:mc="http://schemas.openxmlformats.org/markup-compatibility/2006" xmlns:p14="http://schemas.microsoft.com/office/powerpoint/2010/main">
-    <mc:Choice Requires="p14">
-      <p:transition spd="slow" p14:dur="2000"/>
-    </mc:Choice>
-    <mc:Fallback xmlns="" xmlns:p15="http://schemas.microsoft.com/office/powerpoint/2012/main">
-      <p:transition spd="slow"/>
-    </mc:Fallback>
-  </mc:AlternateContent>
-</p:sld>
-</file>
-
-<file path=ppt/slides/slide39.xml><?xml version="1.0" encoding="utf-8"?>
-<p:sld xmlns:a="http://schemas.openxmlformats.org/drawingml/2006/main" xmlns:r="http://schemas.openxmlformats.org/officeDocument/2006/relationships" xmlns:p="http://schemas.openxmlformats.org/presentationml/2006/main">
-  <p:cSld>
-    <p:spTree>
-      <p:nvGrpSpPr>
-        <p:cNvPr id="1" name=""/>
-        <p:cNvGrpSpPr/>
-        <p:nvPr/>
-      </p:nvGrpSpPr>
-      <p:grpSpPr>
-        <a:xfrm>
-          <a:off x="0" y="0"/>
-          <a:ext cx="0" cy="0"/>
-          <a:chOff x="0" y="0"/>
-          <a:chExt cx="0" cy="0"/>
-        </a:xfrm>
-      </p:grpSpPr>
-      <p:sp>
-        <p:nvSpPr>
-          <p:cNvPr id="215" name="TextBox 52"/>
-          <p:cNvSpPr/>
-          <p:nvPr/>
-        </p:nvSpPr>
-        <p:spPr>
-          <a:xfrm flipH="1">
-            <a:off x="434160" y="486000"/>
-            <a:ext cx="9284040" cy="851760"/>
-          </a:xfrm>
-          <a:prstGeom prst="rect">
-            <a:avLst/>
-          </a:prstGeom>
-          <a:noFill/>
-          <a:ln w="0">
-            <a:noFill/>
-          </a:ln>
-        </p:spPr>
-        <p:style>
-          <a:lnRef idx="0">
-            <a:scrgbClr r="0" g="0" b="0"/>
-          </a:lnRef>
-          <a:fillRef idx="0">
-            <a:scrgbClr r="0" g="0" b="0"/>
-          </a:fillRef>
-          <a:effectRef idx="0">
-            <a:scrgbClr r="0" g="0" b="0"/>
-          </a:effectRef>
-          <a:fontRef idx="minor"/>
-        </p:style>
-        <p:txBody>
-          <a:bodyPr lIns="90000" tIns="45000" rIns="90000" bIns="45000" anchor="t">
-            <a:spAutoFit/>
-          </a:bodyPr>
-          <a:lstStyle/>
-          <a:p>
-            <a:pPr defTabSz="914400">
-              <a:lnSpc>
-                <a:spcPct val="100000"/>
-              </a:lnSpc>
-            </a:pPr>
-            <a:r>
-              <a:rPr lang="ko-KR" sz="5000" b="1" u="none" strike="noStrike" spc="-300">
-                <a:solidFill>
-                  <a:schemeClr val="accent1">
-                    <a:lumMod val="50000"/>
-                  </a:schemeClr>
-                </a:solidFill>
-                <a:effectLst/>
-                <a:uFillTx/>
-                <a:latin typeface="Pretendard Black"/>
-                <a:ea typeface="Pretendard Black"/>
-              </a:rPr>
-              <a:t>소감</a:t>
-            </a:r>
-            <a:endParaRPr lang="en-US" sz="5000" b="0" u="none" strike="noStrike">
-              <a:solidFill>
-                <a:srgbClr val="000000"/>
-              </a:solidFill>
-              <a:effectLst/>
-              <a:uFillTx/>
-              <a:latin typeface="맑은 고딕"/>
-            </a:endParaRPr>
-          </a:p>
-        </p:txBody>
-      </p:sp>
-      <p:sp>
-        <p:nvSpPr>
-          <p:cNvPr id="216" name="TextBox 54"/>
-          <p:cNvSpPr/>
-          <p:nvPr/>
-        </p:nvSpPr>
-        <p:spPr>
-          <a:xfrm>
-            <a:off x="745200" y="2515320"/>
-            <a:ext cx="3574440" cy="2018160"/>
-          </a:xfrm>
-          <a:prstGeom prst="rect">
-            <a:avLst/>
-          </a:prstGeom>
-          <a:noFill/>
-          <a:ln w="0">
-            <a:noFill/>
-          </a:ln>
-        </p:spPr>
-        <p:style>
-          <a:lnRef idx="0">
-            <a:scrgbClr r="0" g="0" b="0"/>
-          </a:lnRef>
-          <a:fillRef idx="0">
-            <a:scrgbClr r="0" g="0" b="0"/>
-          </a:fillRef>
-          <a:effectRef idx="0">
-            <a:scrgbClr r="0" g="0" b="0"/>
-          </a:effectRef>
-          <a:fontRef idx="minor"/>
-        </p:style>
-        <p:txBody>
-          <a:bodyPr lIns="90000" tIns="45000" rIns="90000" bIns="45000" anchor="t">
-            <a:spAutoFit/>
-          </a:bodyPr>
-          <a:lstStyle/>
-          <a:p>
-            <a:pPr>
-              <a:lnSpc>
-                <a:spcPct val="100000"/>
-              </a:lnSpc>
-            </a:pPr>
-            <a:endParaRPr lang="en-US" sz="1800" b="0" u="none" strike="noStrike">
-              <a:solidFill>
-                <a:srgbClr val="000000"/>
-              </a:solidFill>
-              <a:effectLst/>
-              <a:uFillTx/>
-              <a:latin typeface="맑은 고딕"/>
-              <a:ea typeface="DejaVu Sans"/>
-            </a:endParaRPr>
-          </a:p>
-        </p:txBody>
-      </p:sp>
-      <p:sp>
-        <p:nvSpPr>
-          <p:cNvPr id="217" name="TextBox 56"/>
-          <p:cNvSpPr/>
-          <p:nvPr/>
-        </p:nvSpPr>
-        <p:spPr>
-          <a:xfrm>
-            <a:off x="745200" y="1543807"/>
-            <a:ext cx="9334440" cy="1234782"/>
-          </a:xfrm>
-          <a:prstGeom prst="rect">
-            <a:avLst/>
-          </a:prstGeom>
-          <a:noFill/>
-          <a:ln w="0">
-            <a:noFill/>
-          </a:ln>
-        </p:spPr>
-        <p:style>
-          <a:lnRef idx="0">
-            <a:scrgbClr r="0" g="0" b="0"/>
-          </a:lnRef>
-          <a:fillRef idx="0">
-            <a:scrgbClr r="0" g="0" b="0"/>
-          </a:fillRef>
-          <a:effectRef idx="0">
-            <a:scrgbClr r="0" g="0" b="0"/>
-          </a:effectRef>
-          <a:fontRef idx="minor"/>
-        </p:style>
-        <p:txBody>
-          <a:bodyPr lIns="90000" tIns="45000" rIns="90000" bIns="45000" anchor="t">
-            <a:spAutoFit/>
-          </a:bodyPr>
-          <a:lstStyle/>
-          <a:p>
-            <a:pPr defTabSz="914400">
-              <a:lnSpc>
-                <a:spcPct val="100000"/>
-              </a:lnSpc>
-              <a:spcBef>
-                <a:spcPts val="1191"/>
-              </a:spcBef>
-              <a:spcAft>
-                <a:spcPts val="992"/>
-              </a:spcAft>
-            </a:pPr>
-            <a:r>
-              <a:rPr lang="ko-KR" sz="1800" b="1" u="none" strike="noStrike" dirty="0">
-                <a:solidFill>
-                  <a:schemeClr val="accent1">
-                    <a:lumMod val="50000"/>
-                  </a:schemeClr>
-                </a:solidFill>
-                <a:effectLst/>
-                <a:uFillTx/>
-                <a:latin typeface="Pretendard"/>
-                <a:ea typeface="Pretendard"/>
-              </a:rPr>
-              <a:t>한 타입을 구현 하고 난 뒤 다른 타입을 구현할 때 비슷한 동작이 있으나 구현 방식에 따라 재사용이 불가능한 </a:t>
-            </a:r>
-            <a:r>
-              <a:rPr lang="ko-KR" sz="1800" b="1" u="none" strike="noStrike" dirty="0" smtClean="0">
-                <a:solidFill>
-                  <a:schemeClr val="accent1">
-                    <a:lumMod val="50000"/>
-                  </a:schemeClr>
-                </a:solidFill>
-                <a:effectLst/>
-                <a:uFillTx/>
-                <a:latin typeface="Pretendard"/>
-                <a:ea typeface="Pretendard"/>
-              </a:rPr>
-              <a:t>경우가</a:t>
-            </a:r>
-            <a:r>
-              <a:rPr lang="en-US" altLang="ko-KR" sz="1800" b="1" u="none" strike="noStrike" dirty="0" smtClean="0">
-                <a:solidFill>
-                  <a:schemeClr val="accent1">
-                    <a:lumMod val="50000"/>
-                  </a:schemeClr>
-                </a:solidFill>
-                <a:effectLst/>
-                <a:uFillTx/>
-                <a:latin typeface="Pretendard"/>
-                <a:ea typeface="Pretendard"/>
-              </a:rPr>
-              <a:t> </a:t>
-            </a:r>
-            <a:r>
-              <a:rPr lang="ko-KR" altLang="en-US" sz="1800" b="1" u="none" strike="noStrike" dirty="0" smtClean="0">
-                <a:solidFill>
-                  <a:schemeClr val="accent1">
-                    <a:lumMod val="50000"/>
-                  </a:schemeClr>
-                </a:solidFill>
-                <a:effectLst/>
-                <a:uFillTx/>
-                <a:latin typeface="Pretendard"/>
-                <a:ea typeface="Pretendard"/>
-              </a:rPr>
-              <a:t>종종 생김</a:t>
-            </a:r>
-            <a:endParaRPr lang="en-US" altLang="ko-KR" sz="1800" b="1" u="none" strike="noStrike" dirty="0" smtClean="0">
-              <a:solidFill>
-                <a:schemeClr val="accent1">
-                  <a:lumMod val="50000"/>
-                </a:schemeClr>
-              </a:solidFill>
-              <a:effectLst/>
-              <a:uFillTx/>
-              <a:latin typeface="Pretendard"/>
-              <a:ea typeface="Pretendard"/>
-            </a:endParaRPr>
-          </a:p>
-          <a:p>
-            <a:pPr defTabSz="914400">
-              <a:lnSpc>
-                <a:spcPct val="100000"/>
-              </a:lnSpc>
-              <a:spcBef>
-                <a:spcPts val="1191"/>
-              </a:spcBef>
-              <a:spcAft>
-                <a:spcPts val="992"/>
-              </a:spcAft>
-            </a:pPr>
-            <a:r>
-              <a:rPr lang="en-US" sz="2000" b="1" dirty="0" smtClean="0">
-                <a:solidFill>
-                  <a:schemeClr val="accent1">
-                    <a:lumMod val="50000"/>
-                  </a:schemeClr>
-                </a:solidFill>
-                <a:latin typeface="Pretendard"/>
-                <a:ea typeface="Pretendard"/>
-              </a:rPr>
-              <a:t>=&gt;</a:t>
-            </a:r>
-            <a:r>
-              <a:rPr lang="en-US" sz="1800" b="1" u="none" strike="noStrike" dirty="0" smtClean="0">
-                <a:solidFill>
-                  <a:schemeClr val="accent1">
-                    <a:lumMod val="50000"/>
-                  </a:schemeClr>
-                </a:solidFill>
-                <a:effectLst/>
-                <a:uFillTx/>
-                <a:latin typeface="Pretendard"/>
-                <a:ea typeface="Pretendard"/>
-              </a:rPr>
-              <a:t> </a:t>
-            </a:r>
-            <a:r>
-              <a:rPr lang="ko-KR" sz="1800" b="1" u="none" strike="noStrike" dirty="0" smtClean="0">
-                <a:solidFill>
-                  <a:schemeClr val="accent1">
-                    <a:lumMod val="50000"/>
-                  </a:schemeClr>
-                </a:solidFill>
-                <a:effectLst/>
-                <a:uFillTx/>
-                <a:latin typeface="Pretendard"/>
-                <a:ea typeface="Pretendard"/>
-              </a:rPr>
-              <a:t>효율</a:t>
-            </a:r>
-            <a:r>
-              <a:rPr lang="ko-KR" altLang="en-US" sz="1800" b="1" u="none" strike="noStrike" dirty="0" smtClean="0">
-                <a:solidFill>
-                  <a:schemeClr val="accent1">
-                    <a:lumMod val="50000"/>
-                  </a:schemeClr>
-                </a:solidFill>
-                <a:effectLst/>
-                <a:uFillTx/>
-                <a:latin typeface="Pretendard"/>
-                <a:ea typeface="Pretendard"/>
-              </a:rPr>
-              <a:t>적인 설계</a:t>
-            </a:r>
-            <a:r>
-              <a:rPr lang="ko-KR" altLang="en-US" b="1" dirty="0">
-                <a:solidFill>
-                  <a:schemeClr val="accent1">
-                    <a:lumMod val="50000"/>
-                  </a:schemeClr>
-                </a:solidFill>
-                <a:latin typeface="Pretendard"/>
-                <a:ea typeface="Pretendard"/>
-              </a:rPr>
-              <a:t>를</a:t>
-            </a:r>
-            <a:r>
-              <a:rPr lang="ko-KR" sz="1800" b="1" u="none" strike="noStrike" dirty="0" smtClean="0">
-                <a:solidFill>
-                  <a:schemeClr val="accent1">
-                    <a:lumMod val="50000"/>
-                  </a:schemeClr>
-                </a:solidFill>
-                <a:effectLst/>
-                <a:uFillTx/>
-                <a:latin typeface="Pretendard"/>
-                <a:ea typeface="Pretendard"/>
-              </a:rPr>
-              <a:t> </a:t>
-            </a:r>
-            <a:r>
-              <a:rPr lang="ko-KR" sz="1800" b="1" u="none" strike="noStrike" dirty="0">
-                <a:solidFill>
-                  <a:schemeClr val="accent1">
-                    <a:lumMod val="50000"/>
-                  </a:schemeClr>
-                </a:solidFill>
-                <a:effectLst/>
-                <a:uFillTx/>
-                <a:latin typeface="Pretendard"/>
-                <a:ea typeface="Pretendard"/>
-              </a:rPr>
-              <a:t>위해서는 전체 구조적 특성을 파악할 필요성을 느낌</a:t>
-            </a:r>
-            <a:r>
-              <a:rPr lang="en-US" sz="1800" b="1" u="none" strike="noStrike" dirty="0">
-                <a:solidFill>
-                  <a:schemeClr val="accent1">
-                    <a:lumMod val="50000"/>
-                  </a:schemeClr>
-                </a:solidFill>
-                <a:effectLst/>
-                <a:uFillTx/>
-                <a:latin typeface="Pretendard"/>
-                <a:ea typeface="Pretendard"/>
-              </a:rPr>
-              <a:t>. </a:t>
-            </a:r>
-            <a:endParaRPr lang="en-US" sz="1800" b="0" u="none" strike="noStrike" dirty="0">
-              <a:solidFill>
-                <a:srgbClr val="000000"/>
-              </a:solidFill>
-              <a:effectLst/>
-              <a:uFillTx/>
-              <a:latin typeface="맑은 고딕"/>
-            </a:endParaRPr>
-          </a:p>
-        </p:txBody>
-      </p:sp>
-      <p:pic>
-        <p:nvPicPr>
-          <p:cNvPr id="218" name="그림 217"/>
-          <p:cNvPicPr/>
-          <p:nvPr/>
-        </p:nvPicPr>
-        <p:blipFill>
-          <a:blip r:embed="rId2"/>
-          <a:stretch/>
-        </p:blipFill>
-        <p:spPr>
-          <a:xfrm>
-            <a:off x="745200" y="3420000"/>
-            <a:ext cx="2399760" cy="2876040"/>
-          </a:xfrm>
-          <a:prstGeom prst="rect">
-            <a:avLst/>
-          </a:prstGeom>
-          <a:noFill/>
-          <a:ln w="0">
-            <a:noFill/>
-          </a:ln>
-        </p:spPr>
-      </p:pic>
-      <p:pic>
-        <p:nvPicPr>
-          <p:cNvPr id="219" name="그림 218"/>
-          <p:cNvPicPr/>
-          <p:nvPr/>
-        </p:nvPicPr>
-        <p:blipFill>
-          <a:blip r:embed="rId3"/>
-          <a:stretch/>
-        </p:blipFill>
-        <p:spPr>
-          <a:xfrm>
-            <a:off x="3145320" y="3105720"/>
-            <a:ext cx="2466360" cy="3190320"/>
-          </a:xfrm>
-          <a:prstGeom prst="rect">
-            <a:avLst/>
-          </a:prstGeom>
-          <a:noFill/>
-          <a:ln w="0">
-            <a:noFill/>
-          </a:ln>
-        </p:spPr>
-      </p:pic>
-      <p:pic>
-        <p:nvPicPr>
-          <p:cNvPr id="220" name="그림 219"/>
-          <p:cNvPicPr/>
-          <p:nvPr/>
-        </p:nvPicPr>
-        <p:blipFill>
-          <a:blip r:embed="rId4"/>
-          <a:stretch/>
-        </p:blipFill>
-        <p:spPr>
-          <a:xfrm>
-            <a:off x="5612040" y="4363200"/>
-            <a:ext cx="2523600" cy="1932840"/>
-          </a:xfrm>
-          <a:prstGeom prst="rect">
-            <a:avLst/>
-          </a:prstGeom>
-          <a:noFill/>
-          <a:ln w="0">
-            <a:noFill/>
-          </a:ln>
-        </p:spPr>
-      </p:pic>
-      <p:sp>
-        <p:nvSpPr>
-          <p:cNvPr id="2" name="PlaceHolder 1"/>
-          <p:cNvSpPr>
-            <a:spLocks noGrp="1"/>
-          </p:cNvSpPr>
-          <p:nvPr>
-            <p:ph type="sldNum" idx="2"/>
-          </p:nvPr>
-        </p:nvSpPr>
-        <p:spPr/>
-        <p:txBody>
-          <a:bodyPr/>
-          <a:lstStyle/>
-          <a:p>
-            <a:fld id="{E4A73E57-A4FB-48DA-B7AA-1FDA145F819C}" type="slidenum">
               <a:t>39</a:t>
             </a:fld>
             <a:endParaRPr/>
           </a:p>
         </p:txBody>
       </p:sp>
-      <p:grpSp>
-        <p:nvGrpSpPr>
-          <p:cNvPr id="7" name="그룹 6"/>
-          <p:cNvGrpSpPr/>
-          <p:nvPr/>
-        </p:nvGrpSpPr>
-        <p:grpSpPr>
-          <a:xfrm>
-            <a:off x="8572375" y="2908893"/>
-            <a:ext cx="3334215" cy="3286583"/>
-            <a:chOff x="8572375" y="2510235"/>
-            <a:chExt cx="3334215" cy="3286583"/>
-          </a:xfrm>
-        </p:grpSpPr>
-        <p:pic>
-          <p:nvPicPr>
-            <p:cNvPr id="4" name="그림 3"/>
-            <p:cNvPicPr>
-              <a:picLocks noChangeAspect="1"/>
-            </p:cNvPicPr>
-            <p:nvPr/>
-          </p:nvPicPr>
-          <p:blipFill>
-            <a:blip r:embed="rId5"/>
-            <a:stretch>
-              <a:fillRect/>
-            </a:stretch>
-          </p:blipFill>
-          <p:spPr>
-            <a:xfrm>
-              <a:off x="8610480" y="4281724"/>
-              <a:ext cx="3229426" cy="1047896"/>
-            </a:xfrm>
-            <a:prstGeom prst="rect">
-              <a:avLst/>
-            </a:prstGeom>
-          </p:spPr>
-        </p:pic>
-        <p:pic>
-          <p:nvPicPr>
-            <p:cNvPr id="5" name="그림 4"/>
-            <p:cNvPicPr>
-              <a:picLocks noChangeAspect="1"/>
-            </p:cNvPicPr>
-            <p:nvPr/>
-          </p:nvPicPr>
-          <p:blipFill>
-            <a:blip r:embed="rId6"/>
-            <a:stretch>
-              <a:fillRect/>
-            </a:stretch>
-          </p:blipFill>
-          <p:spPr>
-            <a:xfrm>
-              <a:off x="8572375" y="2510235"/>
-              <a:ext cx="3305636" cy="1819529"/>
-            </a:xfrm>
-            <a:prstGeom prst="rect">
-              <a:avLst/>
-            </a:prstGeom>
-          </p:spPr>
-        </p:pic>
-        <p:pic>
-          <p:nvPicPr>
-            <p:cNvPr id="6" name="그림 5"/>
-            <p:cNvPicPr>
-              <a:picLocks noChangeAspect="1"/>
-            </p:cNvPicPr>
-            <p:nvPr/>
-          </p:nvPicPr>
-          <p:blipFill>
-            <a:blip r:embed="rId7"/>
-            <a:stretch>
-              <a:fillRect/>
-            </a:stretch>
-          </p:blipFill>
-          <p:spPr>
-            <a:xfrm>
-              <a:off x="8610480" y="5377660"/>
-              <a:ext cx="3296110" cy="419158"/>
-            </a:xfrm>
-            <a:prstGeom prst="rect">
-              <a:avLst/>
-            </a:prstGeom>
-          </p:spPr>
-        </p:pic>
-      </p:grpSp>
     </p:spTree>
   </p:cSld>
   <p:clrMapOvr>
@@ -19707,6 +20548,650 @@
       </p:grpSpPr>
       <p:sp>
         <p:nvSpPr>
+          <p:cNvPr id="215" name="TextBox 52"/>
+          <p:cNvSpPr/>
+          <p:nvPr/>
+        </p:nvSpPr>
+        <p:spPr>
+          <a:xfrm flipH="1">
+            <a:off x="434160" y="486000"/>
+            <a:ext cx="9284040" cy="851760"/>
+          </a:xfrm>
+          <a:prstGeom prst="rect">
+            <a:avLst/>
+          </a:prstGeom>
+          <a:noFill/>
+          <a:ln w="0">
+            <a:noFill/>
+          </a:ln>
+        </p:spPr>
+        <p:style>
+          <a:lnRef idx="0">
+            <a:scrgbClr r="0" g="0" b="0"/>
+          </a:lnRef>
+          <a:fillRef idx="0">
+            <a:scrgbClr r="0" g="0" b="0"/>
+          </a:fillRef>
+          <a:effectRef idx="0">
+            <a:scrgbClr r="0" g="0" b="0"/>
+          </a:effectRef>
+          <a:fontRef idx="minor"/>
+        </p:style>
+        <p:txBody>
+          <a:bodyPr lIns="90000" tIns="45000" rIns="90000" bIns="45000" anchor="t">
+            <a:spAutoFit/>
+          </a:bodyPr>
+          <a:lstStyle/>
+          <a:p>
+            <a:pPr defTabSz="914400">
+              <a:lnSpc>
+                <a:spcPct val="100000"/>
+              </a:lnSpc>
+            </a:pPr>
+            <a:r>
+              <a:rPr lang="ko-KR" sz="5000" b="1" u="none" strike="noStrike" spc="-300">
+                <a:solidFill>
+                  <a:schemeClr val="accent1">
+                    <a:lumMod val="50000"/>
+                  </a:schemeClr>
+                </a:solidFill>
+                <a:effectLst/>
+                <a:uFillTx/>
+                <a:latin typeface="Pretendard Black"/>
+                <a:ea typeface="Pretendard Black"/>
+              </a:rPr>
+              <a:t>소감</a:t>
+            </a:r>
+            <a:endParaRPr lang="en-US" sz="5000" b="0" u="none" strike="noStrike">
+              <a:solidFill>
+                <a:srgbClr val="000000"/>
+              </a:solidFill>
+              <a:effectLst/>
+              <a:uFillTx/>
+              <a:latin typeface="맑은 고딕"/>
+            </a:endParaRPr>
+          </a:p>
+        </p:txBody>
+      </p:sp>
+      <p:sp>
+        <p:nvSpPr>
+          <p:cNvPr id="216" name="TextBox 54"/>
+          <p:cNvSpPr/>
+          <p:nvPr/>
+        </p:nvSpPr>
+        <p:spPr>
+          <a:xfrm>
+            <a:off x="745200" y="2515320"/>
+            <a:ext cx="3574440" cy="2018160"/>
+          </a:xfrm>
+          <a:prstGeom prst="rect">
+            <a:avLst/>
+          </a:prstGeom>
+          <a:noFill/>
+          <a:ln w="0">
+            <a:noFill/>
+          </a:ln>
+        </p:spPr>
+        <p:style>
+          <a:lnRef idx="0">
+            <a:scrgbClr r="0" g="0" b="0"/>
+          </a:lnRef>
+          <a:fillRef idx="0">
+            <a:scrgbClr r="0" g="0" b="0"/>
+          </a:fillRef>
+          <a:effectRef idx="0">
+            <a:scrgbClr r="0" g="0" b="0"/>
+          </a:effectRef>
+          <a:fontRef idx="minor"/>
+        </p:style>
+        <p:txBody>
+          <a:bodyPr lIns="90000" tIns="45000" rIns="90000" bIns="45000" anchor="t">
+            <a:spAutoFit/>
+          </a:bodyPr>
+          <a:lstStyle/>
+          <a:p>
+            <a:pPr>
+              <a:lnSpc>
+                <a:spcPct val="100000"/>
+              </a:lnSpc>
+            </a:pPr>
+            <a:endParaRPr lang="en-US" sz="1800" b="0" u="none" strike="noStrike">
+              <a:solidFill>
+                <a:srgbClr val="000000"/>
+              </a:solidFill>
+              <a:effectLst/>
+              <a:uFillTx/>
+              <a:latin typeface="맑은 고딕"/>
+              <a:ea typeface="DejaVu Sans"/>
+            </a:endParaRPr>
+          </a:p>
+        </p:txBody>
+      </p:sp>
+      <p:sp>
+        <p:nvSpPr>
+          <p:cNvPr id="217" name="TextBox 56"/>
+          <p:cNvSpPr/>
+          <p:nvPr/>
+        </p:nvSpPr>
+        <p:spPr>
+          <a:xfrm>
+            <a:off x="745200" y="1543807"/>
+            <a:ext cx="9334440" cy="1793909"/>
+          </a:xfrm>
+          <a:prstGeom prst="rect">
+            <a:avLst/>
+          </a:prstGeom>
+          <a:noFill/>
+          <a:ln w="0">
+            <a:noFill/>
+          </a:ln>
+        </p:spPr>
+        <p:style>
+          <a:lnRef idx="0">
+            <a:scrgbClr r="0" g="0" b="0"/>
+          </a:lnRef>
+          <a:fillRef idx="0">
+            <a:scrgbClr r="0" g="0" b="0"/>
+          </a:fillRef>
+          <a:effectRef idx="0">
+            <a:scrgbClr r="0" g="0" b="0"/>
+          </a:effectRef>
+          <a:fontRef idx="minor"/>
+        </p:style>
+        <p:txBody>
+          <a:bodyPr lIns="90000" tIns="45000" rIns="90000" bIns="45000" anchor="t">
+            <a:spAutoFit/>
+          </a:bodyPr>
+          <a:lstStyle/>
+          <a:p>
+            <a:pPr>
+              <a:spcBef>
+                <a:spcPts val="1191"/>
+              </a:spcBef>
+              <a:spcAft>
+                <a:spcPts val="992"/>
+              </a:spcAft>
+            </a:pPr>
+            <a:r>
+              <a:rPr lang="en-US" altLang="ko-KR" dirty="0">
+                <a:solidFill>
+                  <a:srgbClr val="000000"/>
+                </a:solidFill>
+                <a:latin typeface="맑은 고딕"/>
+              </a:rPr>
+              <a:t>CPU</a:t>
+            </a:r>
+            <a:r>
+              <a:rPr lang="ko-KR" altLang="en-US" dirty="0">
+                <a:solidFill>
+                  <a:srgbClr val="000000"/>
+                </a:solidFill>
+                <a:latin typeface="맑은 고딕"/>
+              </a:rPr>
+              <a:t>의 동작 과정을 회로로써 시각화 하는 과정을 통해 컴퓨터구조의 이해도가 늘었다</a:t>
+            </a:r>
+            <a:r>
+              <a:rPr lang="en-US" altLang="ko-KR" dirty="0" smtClean="0">
+                <a:solidFill>
+                  <a:srgbClr val="000000"/>
+                </a:solidFill>
+                <a:latin typeface="맑은 고딕"/>
+              </a:rPr>
+              <a:t>.</a:t>
+            </a:r>
+            <a:endParaRPr lang="en-US" altLang="ko-KR" sz="1800" b="1" u="none" strike="noStrike" dirty="0" smtClean="0">
+              <a:solidFill>
+                <a:schemeClr val="accent1">
+                  <a:lumMod val="50000"/>
+                </a:schemeClr>
+              </a:solidFill>
+              <a:effectLst/>
+              <a:uFillTx/>
+              <a:latin typeface="Pretendard"/>
+              <a:ea typeface="Pretendard"/>
+            </a:endParaRPr>
+          </a:p>
+          <a:p>
+            <a:pPr defTabSz="914400">
+              <a:lnSpc>
+                <a:spcPct val="100000"/>
+              </a:lnSpc>
+              <a:spcBef>
+                <a:spcPts val="1191"/>
+              </a:spcBef>
+              <a:spcAft>
+                <a:spcPts val="992"/>
+              </a:spcAft>
+            </a:pPr>
+            <a:r>
+              <a:rPr lang="ko-KR" sz="1800" b="1" u="none" strike="noStrike" dirty="0" smtClean="0">
+                <a:solidFill>
+                  <a:schemeClr val="accent1">
+                    <a:lumMod val="50000"/>
+                  </a:schemeClr>
+                </a:solidFill>
+                <a:effectLst/>
+                <a:uFillTx/>
+                <a:latin typeface="Pretendard"/>
+                <a:ea typeface="Pretendard"/>
+              </a:rPr>
+              <a:t>한 </a:t>
+            </a:r>
+            <a:r>
+              <a:rPr lang="ko-KR" sz="1800" b="1" u="none" strike="noStrike" dirty="0">
+                <a:solidFill>
+                  <a:schemeClr val="accent1">
+                    <a:lumMod val="50000"/>
+                  </a:schemeClr>
+                </a:solidFill>
+                <a:effectLst/>
+                <a:uFillTx/>
+                <a:latin typeface="Pretendard"/>
+                <a:ea typeface="Pretendard"/>
+              </a:rPr>
+              <a:t>타입을 구현 하고 난 뒤 다른 타입을 구현할 때 비슷한 동작이 있으나 구현 방식에 따라 재사용이 불가능한 </a:t>
+            </a:r>
+            <a:r>
+              <a:rPr lang="ko-KR" sz="1800" b="1" u="none" strike="noStrike" dirty="0" smtClean="0">
+                <a:solidFill>
+                  <a:schemeClr val="accent1">
+                    <a:lumMod val="50000"/>
+                  </a:schemeClr>
+                </a:solidFill>
+                <a:effectLst/>
+                <a:uFillTx/>
+                <a:latin typeface="Pretendard"/>
+                <a:ea typeface="Pretendard"/>
+              </a:rPr>
+              <a:t>경우가</a:t>
+            </a:r>
+            <a:r>
+              <a:rPr lang="en-US" altLang="ko-KR" sz="1800" b="1" u="none" strike="noStrike" dirty="0" smtClean="0">
+                <a:solidFill>
+                  <a:schemeClr val="accent1">
+                    <a:lumMod val="50000"/>
+                  </a:schemeClr>
+                </a:solidFill>
+                <a:effectLst/>
+                <a:uFillTx/>
+                <a:latin typeface="Pretendard"/>
+                <a:ea typeface="Pretendard"/>
+              </a:rPr>
+              <a:t> </a:t>
+            </a:r>
+            <a:r>
+              <a:rPr lang="ko-KR" altLang="en-US" sz="1800" b="1" u="none" strike="noStrike" dirty="0" smtClean="0">
+                <a:solidFill>
+                  <a:schemeClr val="accent1">
+                    <a:lumMod val="50000"/>
+                  </a:schemeClr>
+                </a:solidFill>
+                <a:effectLst/>
+                <a:uFillTx/>
+                <a:latin typeface="Pretendard"/>
+                <a:ea typeface="Pretendard"/>
+              </a:rPr>
+              <a:t>종종 생김</a:t>
+            </a:r>
+            <a:endParaRPr lang="en-US" altLang="ko-KR" sz="1800" b="1" u="none" strike="noStrike" dirty="0" smtClean="0">
+              <a:solidFill>
+                <a:schemeClr val="accent1">
+                  <a:lumMod val="50000"/>
+                </a:schemeClr>
+              </a:solidFill>
+              <a:effectLst/>
+              <a:uFillTx/>
+              <a:latin typeface="Pretendard"/>
+              <a:ea typeface="Pretendard"/>
+            </a:endParaRPr>
+          </a:p>
+          <a:p>
+            <a:pPr defTabSz="914400">
+              <a:lnSpc>
+                <a:spcPct val="100000"/>
+              </a:lnSpc>
+              <a:spcBef>
+                <a:spcPts val="1191"/>
+              </a:spcBef>
+              <a:spcAft>
+                <a:spcPts val="992"/>
+              </a:spcAft>
+            </a:pPr>
+            <a:r>
+              <a:rPr lang="en-US" sz="2000" b="1" dirty="0" smtClean="0">
+                <a:solidFill>
+                  <a:schemeClr val="accent1">
+                    <a:lumMod val="50000"/>
+                  </a:schemeClr>
+                </a:solidFill>
+                <a:latin typeface="Pretendard"/>
+                <a:ea typeface="Pretendard"/>
+              </a:rPr>
+              <a:t>=&gt;</a:t>
+            </a:r>
+            <a:r>
+              <a:rPr lang="en-US" sz="1800" b="1" u="none" strike="noStrike" dirty="0" smtClean="0">
+                <a:solidFill>
+                  <a:schemeClr val="accent1">
+                    <a:lumMod val="50000"/>
+                  </a:schemeClr>
+                </a:solidFill>
+                <a:effectLst/>
+                <a:uFillTx/>
+                <a:latin typeface="Pretendard"/>
+                <a:ea typeface="Pretendard"/>
+              </a:rPr>
+              <a:t> </a:t>
+            </a:r>
+            <a:r>
+              <a:rPr lang="ko-KR" sz="1800" b="1" u="none" strike="noStrike" dirty="0" smtClean="0">
+                <a:solidFill>
+                  <a:schemeClr val="accent1">
+                    <a:lumMod val="50000"/>
+                  </a:schemeClr>
+                </a:solidFill>
+                <a:effectLst/>
+                <a:uFillTx/>
+                <a:latin typeface="Pretendard"/>
+                <a:ea typeface="Pretendard"/>
+              </a:rPr>
+              <a:t>효율</a:t>
+            </a:r>
+            <a:r>
+              <a:rPr lang="ko-KR" altLang="en-US" sz="1800" b="1" u="none" strike="noStrike" dirty="0" smtClean="0">
+                <a:solidFill>
+                  <a:schemeClr val="accent1">
+                    <a:lumMod val="50000"/>
+                  </a:schemeClr>
+                </a:solidFill>
+                <a:effectLst/>
+                <a:uFillTx/>
+                <a:latin typeface="Pretendard"/>
+                <a:ea typeface="Pretendard"/>
+              </a:rPr>
+              <a:t>적인 설계</a:t>
+            </a:r>
+            <a:r>
+              <a:rPr lang="ko-KR" altLang="en-US" b="1" dirty="0">
+                <a:solidFill>
+                  <a:schemeClr val="accent1">
+                    <a:lumMod val="50000"/>
+                  </a:schemeClr>
+                </a:solidFill>
+                <a:latin typeface="Pretendard"/>
+                <a:ea typeface="Pretendard"/>
+              </a:rPr>
+              <a:t>를</a:t>
+            </a:r>
+            <a:r>
+              <a:rPr lang="ko-KR" sz="1800" b="1" u="none" strike="noStrike" dirty="0" smtClean="0">
+                <a:solidFill>
+                  <a:schemeClr val="accent1">
+                    <a:lumMod val="50000"/>
+                  </a:schemeClr>
+                </a:solidFill>
+                <a:effectLst/>
+                <a:uFillTx/>
+                <a:latin typeface="Pretendard"/>
+                <a:ea typeface="Pretendard"/>
+              </a:rPr>
+              <a:t> </a:t>
+            </a:r>
+            <a:r>
+              <a:rPr lang="ko-KR" sz="1800" b="1" u="none" strike="noStrike" dirty="0">
+                <a:solidFill>
+                  <a:schemeClr val="accent1">
+                    <a:lumMod val="50000"/>
+                  </a:schemeClr>
+                </a:solidFill>
+                <a:effectLst/>
+                <a:uFillTx/>
+                <a:latin typeface="Pretendard"/>
+                <a:ea typeface="Pretendard"/>
+              </a:rPr>
+              <a:t>위해서는 전체 구조적 특성을 파악할 필요성을 느낌</a:t>
+            </a:r>
+            <a:r>
+              <a:rPr lang="en-US" sz="1800" b="1" u="none" strike="noStrike" dirty="0">
+                <a:solidFill>
+                  <a:schemeClr val="accent1">
+                    <a:lumMod val="50000"/>
+                  </a:schemeClr>
+                </a:solidFill>
+                <a:effectLst/>
+                <a:uFillTx/>
+                <a:latin typeface="Pretendard"/>
+                <a:ea typeface="Pretendard"/>
+              </a:rPr>
+              <a:t>. </a:t>
+            </a:r>
+            <a:endParaRPr lang="en-US" sz="1800" b="0" u="none" strike="noStrike" dirty="0">
+              <a:solidFill>
+                <a:srgbClr val="000000"/>
+              </a:solidFill>
+              <a:effectLst/>
+              <a:uFillTx/>
+              <a:latin typeface="맑은 고딕"/>
+            </a:endParaRPr>
+          </a:p>
+        </p:txBody>
+      </p:sp>
+      <p:pic>
+        <p:nvPicPr>
+          <p:cNvPr id="218" name="그림 217"/>
+          <p:cNvPicPr/>
+          <p:nvPr/>
+        </p:nvPicPr>
+        <p:blipFill>
+          <a:blip r:embed="rId2"/>
+          <a:stretch/>
+        </p:blipFill>
+        <p:spPr>
+          <a:xfrm>
+            <a:off x="766267" y="3947253"/>
+            <a:ext cx="1929763" cy="2340454"/>
+          </a:xfrm>
+          <a:prstGeom prst="rect">
+            <a:avLst/>
+          </a:prstGeom>
+          <a:noFill/>
+          <a:ln w="0">
+            <a:noFill/>
+          </a:ln>
+        </p:spPr>
+      </p:pic>
+      <p:pic>
+        <p:nvPicPr>
+          <p:cNvPr id="219" name="그림 218"/>
+          <p:cNvPicPr/>
+          <p:nvPr/>
+        </p:nvPicPr>
+        <p:blipFill>
+          <a:blip r:embed="rId3"/>
+          <a:stretch/>
+        </p:blipFill>
+        <p:spPr>
+          <a:xfrm>
+            <a:off x="3166972" y="3690587"/>
+            <a:ext cx="1983319" cy="2596209"/>
+          </a:xfrm>
+          <a:prstGeom prst="rect">
+            <a:avLst/>
+          </a:prstGeom>
+          <a:noFill/>
+          <a:ln w="0">
+            <a:noFill/>
+          </a:ln>
+        </p:spPr>
+      </p:pic>
+      <p:pic>
+        <p:nvPicPr>
+          <p:cNvPr id="220" name="그림 219"/>
+          <p:cNvPicPr/>
+          <p:nvPr/>
+        </p:nvPicPr>
+        <p:blipFill>
+          <a:blip r:embed="rId4"/>
+          <a:stretch/>
+        </p:blipFill>
+        <p:spPr>
+          <a:xfrm>
+            <a:off x="5634194" y="4717540"/>
+            <a:ext cx="2029349" cy="1572900"/>
+          </a:xfrm>
+          <a:prstGeom prst="rect">
+            <a:avLst/>
+          </a:prstGeom>
+          <a:noFill/>
+          <a:ln w="0">
+            <a:noFill/>
+          </a:ln>
+        </p:spPr>
+      </p:pic>
+      <p:sp>
+        <p:nvSpPr>
+          <p:cNvPr id="2" name="PlaceHolder 1"/>
+          <p:cNvSpPr>
+            <a:spLocks noGrp="1"/>
+          </p:cNvSpPr>
+          <p:nvPr>
+            <p:ph type="sldNum" idx="2"/>
+          </p:nvPr>
+        </p:nvSpPr>
+        <p:spPr/>
+        <p:txBody>
+          <a:bodyPr/>
+          <a:lstStyle/>
+          <a:p>
+            <a:fld id="{E4A73E57-A4FB-48DA-B7AA-1FDA145F819C}" type="slidenum">
+              <a:t>40</a:t>
+            </a:fld>
+            <a:endParaRPr/>
+          </a:p>
+        </p:txBody>
+      </p:sp>
+      <p:grpSp>
+        <p:nvGrpSpPr>
+          <p:cNvPr id="7" name="그룹 6"/>
+          <p:cNvGrpSpPr/>
+          <p:nvPr/>
+        </p:nvGrpSpPr>
+        <p:grpSpPr>
+          <a:xfrm>
+            <a:off x="8572375" y="2908893"/>
+            <a:ext cx="3305636" cy="3286583"/>
+            <a:chOff x="8572375" y="2510235"/>
+            <a:chExt cx="3305636" cy="3286583"/>
+          </a:xfrm>
+        </p:grpSpPr>
+        <p:pic>
+          <p:nvPicPr>
+            <p:cNvPr id="4" name="그림 3"/>
+            <p:cNvPicPr>
+              <a:picLocks noChangeAspect="1"/>
+            </p:cNvPicPr>
+            <p:nvPr/>
+          </p:nvPicPr>
+          <p:blipFill>
+            <a:blip r:embed="rId5"/>
+            <a:stretch>
+              <a:fillRect/>
+            </a:stretch>
+          </p:blipFill>
+          <p:spPr>
+            <a:xfrm>
+              <a:off x="8610480" y="4281724"/>
+              <a:ext cx="3267530" cy="1047896"/>
+            </a:xfrm>
+            <a:prstGeom prst="rect">
+              <a:avLst/>
+            </a:prstGeom>
+          </p:spPr>
+        </p:pic>
+        <p:pic>
+          <p:nvPicPr>
+            <p:cNvPr id="5" name="그림 4"/>
+            <p:cNvPicPr>
+              <a:picLocks noChangeAspect="1"/>
+            </p:cNvPicPr>
+            <p:nvPr/>
+          </p:nvPicPr>
+          <p:blipFill>
+            <a:blip r:embed="rId6"/>
+            <a:stretch>
+              <a:fillRect/>
+            </a:stretch>
+          </p:blipFill>
+          <p:spPr>
+            <a:xfrm>
+              <a:off x="8572375" y="2510235"/>
+              <a:ext cx="3305636" cy="1819529"/>
+            </a:xfrm>
+            <a:prstGeom prst="rect">
+              <a:avLst/>
+            </a:prstGeom>
+          </p:spPr>
+        </p:pic>
+        <p:pic>
+          <p:nvPicPr>
+            <p:cNvPr id="6" name="그림 5"/>
+            <p:cNvPicPr>
+              <a:picLocks noChangeAspect="1"/>
+            </p:cNvPicPr>
+            <p:nvPr/>
+          </p:nvPicPr>
+          <p:blipFill>
+            <a:blip r:embed="rId7"/>
+            <a:stretch>
+              <a:fillRect/>
+            </a:stretch>
+          </p:blipFill>
+          <p:spPr>
+            <a:xfrm>
+              <a:off x="8572375" y="5377660"/>
+              <a:ext cx="3305635" cy="419158"/>
+            </a:xfrm>
+            <a:prstGeom prst="rect">
+              <a:avLst/>
+            </a:prstGeom>
+          </p:spPr>
+        </p:pic>
+      </p:grpSp>
+    </p:spTree>
+  </p:cSld>
+  <p:clrMapOvr>
+    <a:masterClrMapping/>
+  </p:clrMapOvr>
+  <mc:AlternateContent xmlns:mc="http://schemas.openxmlformats.org/markup-compatibility/2006" xmlns:p14="http://schemas.microsoft.com/office/powerpoint/2010/main">
+    <mc:Choice Requires="p14">
+      <p:transition spd="slow" p14:dur="2000"/>
+    </mc:Choice>
+    <mc:Fallback xmlns="" xmlns:p15="http://schemas.microsoft.com/office/powerpoint/2012/main">
+      <p:transition spd="slow"/>
+    </mc:Fallback>
+  </mc:AlternateContent>
+</p:sld>
+</file>
+
+<file path=ppt/slides/slide41.xml><?xml version="1.0" encoding="utf-8"?>
+<p:sld xmlns:a="http://schemas.openxmlformats.org/drawingml/2006/main" xmlns:r="http://schemas.openxmlformats.org/officeDocument/2006/relationships" xmlns:p="http://schemas.openxmlformats.org/presentationml/2006/main">
+  <p:cSld>
+    <p:spTree>
+      <p:nvGrpSpPr>
+        <p:cNvPr id="1" name=""/>
+        <p:cNvGrpSpPr/>
+        <p:nvPr/>
+      </p:nvGrpSpPr>
+      <p:grpSpPr>
+        <a:xfrm>
+          <a:off x="0" y="0"/>
+          <a:ext cx="0" cy="0"/>
+          <a:chOff x="0" y="0"/>
+          <a:chExt cx="0" cy="0"/>
+        </a:xfrm>
+      </p:grpSpPr>
+      <p:sp>
+        <p:nvSpPr>
           <p:cNvPr id="221" name="TextBox 57"/>
           <p:cNvSpPr/>
           <p:nvPr/>
@@ -19989,7 +21474,7 @@
           <a:lstStyle/>
           <a:p>
             <a:fld id="{5BA1C0EC-159C-4C58-B140-AF97273DA943}" type="slidenum">
-              <a:t>40</a:t>
+              <a:t>41</a:t>
             </a:fld>
             <a:endParaRPr/>
           </a:p>
@@ -20011,7 +21496,7 @@
 </p:sld>
 </file>
 
-<file path=ppt/slides/slide41.xml><?xml version="1.0" encoding="utf-8"?>
+<file path=ppt/slides/slide42.xml><?xml version="1.0" encoding="utf-8"?>
 <p:sld xmlns:a="http://schemas.openxmlformats.org/drawingml/2006/main" xmlns:r="http://schemas.openxmlformats.org/officeDocument/2006/relationships" xmlns:p="http://schemas.openxmlformats.org/presentationml/2006/main">
   <p:cSld>
     <p:bg>
@@ -20230,7 +21715,7 @@
           <a:lstStyle/>
           <a:p>
             <a:fld id="{1F31FFD2-79FC-4D33-912B-80A0255C1492}" type="slidenum">
-              <a:t>41</a:t>
+              <a:t>42</a:t>
             </a:fld>
             <a:endParaRPr/>
           </a:p>
@@ -22098,6 +23583,267 @@
   </a:themeElements>
   <a:objectDefaults/>
   <a:extraClrSchemeLst/>
+</a:theme>
+</file>
+
+<file path=ppt/theme/theme10.xml><?xml version="1.0" encoding="utf-8"?>
+<a:theme xmlns:a="http://schemas.openxmlformats.org/drawingml/2006/main" name="Office 테마">
+  <a:themeElements>
+    <a:clrScheme name="Office">
+      <a:dk1>
+        <a:sysClr val="windowText" lastClr="000000"/>
+      </a:dk1>
+      <a:lt1>
+        <a:sysClr val="window" lastClr="FFFFFF"/>
+      </a:lt1>
+      <a:dk2>
+        <a:srgbClr val="44546A"/>
+      </a:dk2>
+      <a:lt2>
+        <a:srgbClr val="E7E6E6"/>
+      </a:lt2>
+      <a:accent1>
+        <a:srgbClr val="5B9BD5"/>
+      </a:accent1>
+      <a:accent2>
+        <a:srgbClr val="ED7D31"/>
+      </a:accent2>
+      <a:accent3>
+        <a:srgbClr val="A5A5A5"/>
+      </a:accent3>
+      <a:accent4>
+        <a:srgbClr val="FFC000"/>
+      </a:accent4>
+      <a:accent5>
+        <a:srgbClr val="4472C4"/>
+      </a:accent5>
+      <a:accent6>
+        <a:srgbClr val="70AD47"/>
+      </a:accent6>
+      <a:hlink>
+        <a:srgbClr val="0563C1"/>
+      </a:hlink>
+      <a:folHlink>
+        <a:srgbClr val="954F72"/>
+      </a:folHlink>
+    </a:clrScheme>
+    <a:fontScheme name="Office">
+      <a:majorFont>
+        <a:latin typeface="맑은 고딕" panose="020F0302020204030204"/>
+        <a:ea typeface=""/>
+        <a:cs typeface=""/>
+        <a:font script="Jpan" typeface="游ゴシック Light"/>
+        <a:font script="Hang" typeface="맑은 고딕"/>
+        <a:font script="Hans" typeface="等线 Light"/>
+        <a:font script="Hant" typeface="新細明體"/>
+        <a:font script="Arab" typeface="Times New Roman"/>
+        <a:font script="Hebr" typeface="Times New Roman"/>
+        <a:font script="Thai" typeface="Angsana New"/>
+        <a:font script="Ethi" typeface="Nyala"/>
+        <a:font script="Beng" typeface="Vrinda"/>
+        <a:font script="Gujr" typeface="Shruti"/>
+        <a:font script="Khmr" typeface="MoolBoran"/>
+        <a:font script="Knda" typeface="Tunga"/>
+        <a:font script="Guru" typeface="Raavi"/>
+        <a:font script="Cans" typeface="Euphemia"/>
+        <a:font script="Cher" typeface="Plantagenet Cherokee"/>
+        <a:font script="Yiii" typeface="Microsoft Yi Baiti"/>
+        <a:font script="Tibt" typeface="Microsoft Himalaya"/>
+        <a:font script="Thaa" typeface="MV Boli"/>
+        <a:font script="Deva" typeface="Mangal"/>
+        <a:font script="Telu" typeface="Gautami"/>
+        <a:font script="Taml" typeface="Latha"/>
+        <a:font script="Syrc" typeface="Estrangelo Edessa"/>
+        <a:font script="Orya" typeface="Kalinga"/>
+        <a:font script="Mlym" typeface="Kartika"/>
+        <a:font script="Laoo" typeface="DokChampa"/>
+        <a:font script="Sinh" typeface="Iskoola Pota"/>
+        <a:font script="Mong" typeface="Mongolian Baiti"/>
+        <a:font script="Viet" typeface="Times New Roman"/>
+        <a:font script="Uigh" typeface="Microsoft Uighur"/>
+        <a:font script="Geor" typeface="Sylfaen"/>
+      </a:majorFont>
+      <a:minorFont>
+        <a:latin typeface="맑은 고딕" panose="020F0502020204030204"/>
+        <a:ea typeface=""/>
+        <a:cs typeface=""/>
+        <a:font script="Jpan" typeface="游ゴシック"/>
+        <a:font script="Hang" typeface="맑은 고딕"/>
+        <a:font script="Hans" typeface="等线"/>
+        <a:font script="Hant" typeface="新細明體"/>
+        <a:font script="Arab" typeface="Arial"/>
+        <a:font script="Hebr" typeface="Arial"/>
+        <a:font script="Thai" typeface="Cordia New"/>
+        <a:font script="Ethi" typeface="Nyala"/>
+        <a:font script="Beng" typeface="Vrinda"/>
+        <a:font script="Gujr" typeface="Shruti"/>
+        <a:font script="Khmr" typeface="DaunPenh"/>
+        <a:font script="Knda" typeface="Tunga"/>
+        <a:font script="Guru" typeface="Raavi"/>
+        <a:font script="Cans" typeface="Euphemia"/>
+        <a:font script="Cher" typeface="Plantagenet Cherokee"/>
+        <a:font script="Yiii" typeface="Microsoft Yi Baiti"/>
+        <a:font script="Tibt" typeface="Microsoft Himalaya"/>
+        <a:font script="Thaa" typeface="MV Boli"/>
+        <a:font script="Deva" typeface="Mangal"/>
+        <a:font script="Telu" typeface="Gautami"/>
+        <a:font script="Taml" typeface="Latha"/>
+        <a:font script="Syrc" typeface="Estrangelo Edessa"/>
+        <a:font script="Orya" typeface="Kalinga"/>
+        <a:font script="Mlym" typeface="Kartika"/>
+        <a:font script="Laoo" typeface="DokChampa"/>
+        <a:font script="Sinh" typeface="Iskoola Pota"/>
+        <a:font script="Mong" typeface="Mongolian Baiti"/>
+        <a:font script="Viet" typeface="Arial"/>
+        <a:font script="Uigh" typeface="Microsoft Uighur"/>
+        <a:font script="Geor" typeface="Sylfaen"/>
+      </a:minorFont>
+    </a:fontScheme>
+    <a:fmtScheme name="Office">
+      <a:fillStyleLst>
+        <a:solidFill>
+          <a:schemeClr val="phClr"/>
+        </a:solidFill>
+        <a:gradFill rotWithShape="1">
+          <a:gsLst>
+            <a:gs pos="0">
+              <a:schemeClr val="phClr">
+                <a:lumMod val="110000"/>
+                <a:satMod val="105000"/>
+                <a:tint val="67000"/>
+              </a:schemeClr>
+            </a:gs>
+            <a:gs pos="50000">
+              <a:schemeClr val="phClr">
+                <a:lumMod val="105000"/>
+                <a:satMod val="103000"/>
+                <a:tint val="73000"/>
+              </a:schemeClr>
+            </a:gs>
+            <a:gs pos="100000">
+              <a:schemeClr val="phClr">
+                <a:lumMod val="105000"/>
+                <a:satMod val="109000"/>
+                <a:tint val="81000"/>
+              </a:schemeClr>
+            </a:gs>
+          </a:gsLst>
+          <a:lin ang="5400000" scaled="0"/>
+        </a:gradFill>
+        <a:gradFill rotWithShape="1">
+          <a:gsLst>
+            <a:gs pos="0">
+              <a:schemeClr val="phClr">
+                <a:satMod val="103000"/>
+                <a:lumMod val="102000"/>
+                <a:tint val="94000"/>
+              </a:schemeClr>
+            </a:gs>
+            <a:gs pos="50000">
+              <a:schemeClr val="phClr">
+                <a:satMod val="110000"/>
+                <a:lumMod val="100000"/>
+                <a:shade val="100000"/>
+              </a:schemeClr>
+            </a:gs>
+            <a:gs pos="100000">
+              <a:schemeClr val="phClr">
+                <a:lumMod val="99000"/>
+                <a:satMod val="120000"/>
+                <a:shade val="78000"/>
+              </a:schemeClr>
+            </a:gs>
+          </a:gsLst>
+          <a:lin ang="5400000" scaled="0"/>
+        </a:gradFill>
+      </a:fillStyleLst>
+      <a:lnStyleLst>
+        <a:ln w="6350" cap="flat" cmpd="sng" algn="ctr">
+          <a:solidFill>
+            <a:schemeClr val="phClr"/>
+          </a:solidFill>
+          <a:prstDash val="solid"/>
+          <a:miter lim="800000"/>
+        </a:ln>
+        <a:ln w="12700" cap="flat" cmpd="sng" algn="ctr">
+          <a:solidFill>
+            <a:schemeClr val="phClr"/>
+          </a:solidFill>
+          <a:prstDash val="solid"/>
+          <a:miter lim="800000"/>
+        </a:ln>
+        <a:ln w="19050" cap="flat" cmpd="sng" algn="ctr">
+          <a:solidFill>
+            <a:schemeClr val="phClr"/>
+          </a:solidFill>
+          <a:prstDash val="solid"/>
+          <a:miter lim="800000"/>
+        </a:ln>
+      </a:lnStyleLst>
+      <a:effectStyleLst>
+        <a:effectStyle>
+          <a:effectLst/>
+        </a:effectStyle>
+        <a:effectStyle>
+          <a:effectLst/>
+        </a:effectStyle>
+        <a:effectStyle>
+          <a:effectLst>
+            <a:outerShdw blurRad="57150" dist="19050" dir="5400000" algn="ctr" rotWithShape="0">
+              <a:srgbClr val="000000">
+                <a:alpha val="63000"/>
+              </a:srgbClr>
+            </a:outerShdw>
+          </a:effectLst>
+        </a:effectStyle>
+      </a:effectStyleLst>
+      <a:bgFillStyleLst>
+        <a:solidFill>
+          <a:schemeClr val="phClr"/>
+        </a:solidFill>
+        <a:solidFill>
+          <a:schemeClr val="phClr">
+            <a:tint val="95000"/>
+            <a:satMod val="170000"/>
+          </a:schemeClr>
+        </a:solidFill>
+        <a:gradFill rotWithShape="1">
+          <a:gsLst>
+            <a:gs pos="0">
+              <a:schemeClr val="phClr">
+                <a:tint val="93000"/>
+                <a:satMod val="150000"/>
+                <a:shade val="98000"/>
+                <a:lumMod val="102000"/>
+              </a:schemeClr>
+            </a:gs>
+            <a:gs pos="50000">
+              <a:schemeClr val="phClr">
+                <a:tint val="98000"/>
+                <a:satMod val="130000"/>
+                <a:shade val="90000"/>
+                <a:lumMod val="103000"/>
+              </a:schemeClr>
+            </a:gs>
+            <a:gs pos="100000">
+              <a:schemeClr val="phClr">
+                <a:shade val="63000"/>
+                <a:satMod val="120000"/>
+              </a:schemeClr>
+            </a:gs>
+          </a:gsLst>
+          <a:lin ang="5400000" scaled="0"/>
+        </a:gradFill>
+      </a:bgFillStyleLst>
+    </a:fmtScheme>
+  </a:themeElements>
+  <a:objectDefaults/>
+  <a:extraClrSchemeLst/>
+  <a:extLst>
+    <a:ext uri="{05A4C25C-085E-4340-85A3-A5531E510DB2}">
+      <thm15:themeFamily xmlns:thm15="http://schemas.microsoft.com/office/thememl/2012/main" name="Office Theme" id="{62F939B6-93AF-4DB8-9C6B-D6C7DFDC589F}" vid="{4A3C46E8-61CC-4603-A589-7422A47A8E4A}"/>
+    </a:ext>
+  </a:extLst>
 </a:theme>
 </file>
 

--- a/Single Cycle RISC-V 발표_박호윤.pptx
+++ b/Single Cycle RISC-V 발표_박호윤.pptx
@@ -257,7 +257,7 @@
           <a:p>
             <a:fld id="{84C28C04-FE3F-48CA-BD57-469EAB586EAE}" type="datetimeFigureOut">
               <a:rPr lang="ko-KR" altLang="en-US" smtClean="0"/>
-              <a:t>2025-04-14</a:t>
+              <a:t>2025-04-15</a:t>
             </a:fld>
             <a:endParaRPr lang="ko-KR" altLang="en-US"/>
           </a:p>
@@ -8775,7 +8775,7 @@
     <mc:Choice Requires="p14">
       <p:transition spd="slow" p14:dur="2000"/>
     </mc:Choice>
-    <mc:Fallback xmlns="" xmlns:p15="http://schemas.microsoft.com/office/powerpoint/2012/main">
+    <mc:Fallback xmlns:p15="http://schemas.microsoft.com/office/powerpoint/2012/main" xmlns="">
       <p:transition spd="slow"/>
     </mc:Fallback>
   </mc:AlternateContent>
@@ -8940,7 +8940,7 @@
     <mc:Choice Requires="p14">
       <p:transition spd="slow" p14:dur="2000"/>
     </mc:Choice>
-    <mc:Fallback xmlns="" xmlns:p15="http://schemas.microsoft.com/office/powerpoint/2012/main">
+    <mc:Fallback xmlns:p15="http://schemas.microsoft.com/office/powerpoint/2012/main" xmlns="">
       <p:transition spd="slow"/>
     </mc:Fallback>
   </mc:AlternateContent>
@@ -9237,7 +9237,7 @@
     <mc:Choice Requires="p14">
       <p:transition spd="slow" p14:dur="2000"/>
     </mc:Choice>
-    <mc:Fallback xmlns="" xmlns:p15="http://schemas.microsoft.com/office/powerpoint/2012/main">
+    <mc:Fallback xmlns:p15="http://schemas.microsoft.com/office/powerpoint/2012/main" xmlns="">
       <p:transition spd="slow"/>
     </mc:Fallback>
   </mc:AlternateContent>
@@ -9378,7 +9378,7 @@
               </a:lnSpc>
             </a:pPr>
             <a:r>
-              <a:rPr lang="ko-KR" sz="2000" b="1" u="none" strike="noStrike">
+              <a:rPr lang="ko-KR" altLang="en-US" sz="2000" b="1" u="none" strike="noStrike" dirty="0" smtClean="0">
                 <a:solidFill>
                   <a:schemeClr val="accent1">
                     <a:lumMod val="50000"/>
@@ -9389,9 +9389,51 @@
                 <a:latin typeface="Pretendard"/>
                 <a:ea typeface="Pretendard"/>
               </a:rPr>
-              <a:t>램 데이터를 읽고 쓰기 위해 사용</a:t>
-            </a:r>
-            <a:endParaRPr lang="en-US" sz="2000" b="0" u="none" strike="noStrike">
+              <a:t>램에 접근</a:t>
+            </a:r>
+            <a:r>
+              <a:rPr lang="en-US" altLang="ko-KR" sz="2000" b="1" u="none" strike="noStrike" dirty="0" smtClean="0">
+                <a:solidFill>
+                  <a:schemeClr val="accent1">
+                    <a:lumMod val="50000"/>
+                  </a:schemeClr>
+                </a:solidFill>
+                <a:effectLst/>
+                <a:uFillTx/>
+                <a:latin typeface="Pretendard"/>
+                <a:ea typeface="Pretendard"/>
+              </a:rPr>
+              <a:t>, </a:t>
+            </a:r>
+            <a:r>
+              <a:rPr lang="ko-KR" sz="2000" b="1" u="none" strike="noStrike" dirty="0" smtClean="0">
+                <a:solidFill>
+                  <a:schemeClr val="accent1">
+                    <a:lumMod val="50000"/>
+                  </a:schemeClr>
+                </a:solidFill>
+                <a:effectLst/>
+                <a:uFillTx/>
+                <a:latin typeface="Pretendard"/>
+                <a:ea typeface="Pretendard"/>
+              </a:rPr>
+              <a:t>램 </a:t>
+            </a:r>
+            <a:r>
+              <a:rPr lang="ko-KR" sz="2000" b="1" u="none" strike="noStrike" dirty="0">
+                <a:solidFill>
+                  <a:schemeClr val="accent1">
+                    <a:lumMod val="50000"/>
+                  </a:schemeClr>
+                </a:solidFill>
+                <a:effectLst/>
+                <a:uFillTx/>
+                <a:latin typeface="Pretendard"/>
+                <a:ea typeface="Pretendard"/>
+              </a:rPr>
+              <a:t>데이터를 읽고 쓰기 위해 사용</a:t>
+            </a:r>
+            <a:endParaRPr lang="en-US" sz="2000" b="0" u="none" strike="noStrike" dirty="0">
               <a:solidFill>
                 <a:srgbClr val="000000"/>
               </a:solidFill>
@@ -9512,7 +9554,7 @@
     <mc:Choice Requires="p14">
       <p:transition spd="slow" p14:dur="2000"/>
     </mc:Choice>
-    <mc:Fallback xmlns="" xmlns:p15="http://schemas.microsoft.com/office/powerpoint/2012/main">
+    <mc:Fallback xmlns:p15="http://schemas.microsoft.com/office/powerpoint/2012/main" xmlns="">
       <p:transition spd="slow"/>
     </mc:Fallback>
   </mc:AlternateContent>
@@ -9801,7 +9843,7 @@
     <mc:Choice Requires="p14">
       <p:transition spd="slow" p14:dur="2000"/>
     </mc:Choice>
-    <mc:Fallback xmlns="" xmlns:p15="http://schemas.microsoft.com/office/powerpoint/2012/main">
+    <mc:Fallback xmlns:p15="http://schemas.microsoft.com/office/powerpoint/2012/main" xmlns="">
       <p:transition spd="slow"/>
     </mc:Fallback>
   </mc:AlternateContent>
@@ -10106,21 +10148,45 @@
               <a:t>J,JL Type: </a:t>
             </a:r>
             <a:r>
-              <a:rPr lang="ko-KR" sz="2000" b="1" u="none" strike="noStrike" dirty="0" err="1">
-                <a:solidFill>
-                  <a:schemeClr val="accent1">
-                    <a:lumMod val="50000"/>
-                  </a:schemeClr>
-                </a:solidFill>
-                <a:effectLst/>
-                <a:uFillTx/>
+              <a:rPr lang="en-US" sz="2000" b="1" dirty="0" err="1" smtClean="0">
+                <a:solidFill>
+                  <a:schemeClr val="accent1">
+                    <a:lumMod val="50000"/>
+                  </a:schemeClr>
+                </a:solidFill>
                 <a:latin typeface="Pretendard"/>
                 <a:ea typeface="Pretendard"/>
               </a:rPr>
+              <a:t>insRom</a:t>
+            </a:r>
+            <a:r>
+              <a:rPr lang="en-US" sz="2000" b="1" dirty="0" smtClean="0">
+                <a:solidFill>
+                  <a:schemeClr val="accent1">
+                    <a:lumMod val="50000"/>
+                  </a:schemeClr>
+                </a:solidFill>
+                <a:latin typeface="Pretendard"/>
+                <a:ea typeface="Pretendard"/>
+              </a:rPr>
+              <a:t> </a:t>
+            </a:r>
+            <a:r>
+              <a:rPr lang="ko-KR" sz="2000" b="1" u="none" strike="noStrike" dirty="0" err="1" smtClean="0">
+                <a:solidFill>
+                  <a:schemeClr val="accent1">
+                    <a:lumMod val="50000"/>
+                  </a:schemeClr>
+                </a:solidFill>
+                <a:effectLst/>
+                <a:uFillTx/>
+                <a:latin typeface="Pretendard"/>
+                <a:ea typeface="Pretendard"/>
+              </a:rPr>
               <a:t>다음위치를</a:t>
             </a:r>
             <a:r>
-              <a:rPr lang="ko-KR" sz="2000" b="1" u="none" strike="noStrike" dirty="0">
+              <a:rPr lang="ko-KR" sz="2000" b="1" u="none" strike="noStrike" dirty="0" smtClean="0">
                 <a:solidFill>
                   <a:schemeClr val="accent1">
                     <a:lumMod val="50000"/>
@@ -10525,7 +10591,7 @@
     <mc:Choice Requires="p14">
       <p:transition spd="slow" p14:dur="2000"/>
     </mc:Choice>
-    <mc:Fallback xmlns="" xmlns:p15="http://schemas.microsoft.com/office/powerpoint/2012/main">
+    <mc:Fallback xmlns:p15="http://schemas.microsoft.com/office/powerpoint/2012/main" xmlns="">
       <p:transition spd="slow"/>
     </mc:Fallback>
   </mc:AlternateContent>
@@ -10784,7 +10850,7 @@
     <mc:Choice Requires="p14">
       <p:transition spd="slow" p14:dur="2000"/>
     </mc:Choice>
-    <mc:Fallback xmlns="" xmlns:p15="http://schemas.microsoft.com/office/powerpoint/2012/main">
+    <mc:Fallback xmlns:p15="http://schemas.microsoft.com/office/powerpoint/2012/main" xmlns="">
       <p:transition spd="slow"/>
     </mc:Fallback>
   </mc:AlternateContent>
@@ -10935,7 +11001,7 @@
     <mc:Choice Requires="p14">
       <p:transition spd="slow" p14:dur="2000"/>
     </mc:Choice>
-    <mc:Fallback xmlns="" xmlns:p15="http://schemas.microsoft.com/office/powerpoint/2012/main">
+    <mc:Fallback xmlns:p15="http://schemas.microsoft.com/office/powerpoint/2012/main" xmlns="">
       <p:transition spd="slow"/>
     </mc:Fallback>
   </mc:AlternateContent>
@@ -11088,7 +11154,7 @@
     <mc:Choice Requires="p14">
       <p:transition spd="slow" p14:dur="2000"/>
     </mc:Choice>
-    <mc:Fallback xmlns="" xmlns:p15="http://schemas.microsoft.com/office/powerpoint/2012/main">
+    <mc:Fallback xmlns:p15="http://schemas.microsoft.com/office/powerpoint/2012/main" xmlns="">
       <p:transition spd="slow"/>
     </mc:Fallback>
   </mc:AlternateContent>
@@ -11256,7 +11322,7 @@
     <mc:Choice Requires="p14">
       <p:transition spd="slow" p14:dur="2000"/>
     </mc:Choice>
-    <mc:Fallback xmlns="" xmlns:p15="http://schemas.microsoft.com/office/powerpoint/2012/main">
+    <mc:Fallback xmlns:p15="http://schemas.microsoft.com/office/powerpoint/2012/main" xmlns="">
       <p:transition spd="slow"/>
     </mc:Fallback>
   </mc:AlternateContent>
@@ -11765,7 +11831,7 @@
     <mc:Choice Requires="p14">
       <p:transition spd="slow" p14:dur="2000"/>
     </mc:Choice>
-    <mc:Fallback xmlns="" xmlns:p15="http://schemas.microsoft.com/office/powerpoint/2012/main">
+    <mc:Fallback xmlns:p15="http://schemas.microsoft.com/office/powerpoint/2012/main" xmlns="">
       <p:transition spd="slow"/>
     </mc:Fallback>
   </mc:AlternateContent>
@@ -12566,7 +12632,7 @@
     <mc:Choice Requires="p14">
       <p:transition spd="slow" p14:dur="2000"/>
     </mc:Choice>
-    <mc:Fallback xmlns="" xmlns:p15="http://schemas.microsoft.com/office/powerpoint/2012/main">
+    <mc:Fallback xmlns:p15="http://schemas.microsoft.com/office/powerpoint/2012/main" xmlns="">
       <p:transition spd="slow"/>
     </mc:Fallback>
   </mc:AlternateContent>
@@ -12768,7 +12834,7 @@
     <mc:Choice Requires="p14">
       <p:transition spd="slow" p14:dur="2000"/>
     </mc:Choice>
-    <mc:Fallback xmlns="" xmlns:p15="http://schemas.microsoft.com/office/powerpoint/2012/main">
+    <mc:Fallback xmlns:p15="http://schemas.microsoft.com/office/powerpoint/2012/main" xmlns="">
       <p:transition spd="slow"/>
     </mc:Fallback>
   </mc:AlternateContent>
@@ -13277,7 +13343,7 @@
     <mc:Choice Requires="p14">
       <p:transition spd="slow" p14:dur="2000"/>
     </mc:Choice>
-    <mc:Fallback xmlns="" xmlns:p15="http://schemas.microsoft.com/office/powerpoint/2012/main">
+    <mc:Fallback xmlns:p15="http://schemas.microsoft.com/office/powerpoint/2012/main" xmlns="">
       <p:transition spd="slow"/>
     </mc:Fallback>
   </mc:AlternateContent>
@@ -13478,7 +13544,7 @@
     <mc:Choice Requires="p14">
       <p:transition spd="slow" p14:dur="2000"/>
     </mc:Choice>
-    <mc:Fallback xmlns="" xmlns:p15="http://schemas.microsoft.com/office/powerpoint/2012/main">
+    <mc:Fallback xmlns:p15="http://schemas.microsoft.com/office/powerpoint/2012/main" xmlns="">
       <p:transition spd="slow"/>
     </mc:Fallback>
   </mc:AlternateContent>
@@ -14199,7 +14265,7 @@
     <mc:Choice Requires="p14">
       <p:transition spd="slow" p14:dur="2000"/>
     </mc:Choice>
-    <mc:Fallback xmlns="" xmlns:p15="http://schemas.microsoft.com/office/powerpoint/2012/main">
+    <mc:Fallback xmlns:p15="http://schemas.microsoft.com/office/powerpoint/2012/main" xmlns="">
       <p:transition spd="slow"/>
     </mc:Fallback>
   </mc:AlternateContent>
@@ -14400,7 +14466,7 @@
     <mc:Choice Requires="p14">
       <p:transition spd="slow" p14:dur="2000"/>
     </mc:Choice>
-    <mc:Fallback xmlns="" xmlns:p15="http://schemas.microsoft.com/office/powerpoint/2012/main">
+    <mc:Fallback xmlns:p15="http://schemas.microsoft.com/office/powerpoint/2012/main" xmlns="">
       <p:transition spd="slow"/>
     </mc:Fallback>
   </mc:AlternateContent>
@@ -14938,7 +15004,7 @@
     <mc:Choice Requires="p14">
       <p:transition spd="slow" p14:dur="2000"/>
     </mc:Choice>
-    <mc:Fallback xmlns="" xmlns:p15="http://schemas.microsoft.com/office/powerpoint/2012/main">
+    <mc:Fallback xmlns:p15="http://schemas.microsoft.com/office/powerpoint/2012/main" xmlns="">
       <p:transition spd="slow"/>
     </mc:Fallback>
   </mc:AlternateContent>
@@ -15141,7 +15207,7 @@
     <mc:Choice Requires="p14">
       <p:transition spd="slow" p14:dur="2000"/>
     </mc:Choice>
-    <mc:Fallback xmlns="" xmlns:p15="http://schemas.microsoft.com/office/powerpoint/2012/main">
+    <mc:Fallback xmlns:p15="http://schemas.microsoft.com/office/powerpoint/2012/main" xmlns="">
       <p:transition spd="slow"/>
     </mc:Fallback>
   </mc:AlternateContent>
@@ -15797,7 +15863,7 @@
     <mc:Choice Requires="p14">
       <p:transition spd="slow" p14:dur="2000"/>
     </mc:Choice>
-    <mc:Fallback xmlns="" xmlns:p15="http://schemas.microsoft.com/office/powerpoint/2012/main">
+    <mc:Fallback xmlns:p15="http://schemas.microsoft.com/office/powerpoint/2012/main" xmlns="">
       <p:transition spd="slow"/>
     </mc:Fallback>
   </mc:AlternateContent>
@@ -15998,7 +16064,7 @@
     <mc:Choice Requires="p14">
       <p:transition spd="slow" p14:dur="2000"/>
     </mc:Choice>
-    <mc:Fallback xmlns="" xmlns:p15="http://schemas.microsoft.com/office/powerpoint/2012/main">
+    <mc:Fallback xmlns:p15="http://schemas.microsoft.com/office/powerpoint/2012/main" xmlns="">
       <p:transition spd="slow"/>
     </mc:Fallback>
   </mc:AlternateContent>
@@ -16685,7 +16751,7 @@
     <mc:Choice Requires="p14">
       <p:transition spd="slow" p14:dur="2000"/>
     </mc:Choice>
-    <mc:Fallback xmlns="" xmlns:p15="http://schemas.microsoft.com/office/powerpoint/2012/main">
+    <mc:Fallback xmlns:p15="http://schemas.microsoft.com/office/powerpoint/2012/main" xmlns="">
       <p:transition spd="slow"/>
     </mc:Fallback>
   </mc:AlternateContent>
@@ -16944,7 +17010,7 @@
     <mc:Choice Requires="p14">
       <p:transition spd="slow" p14:dur="2000"/>
     </mc:Choice>
-    <mc:Fallback xmlns="" xmlns:p15="http://schemas.microsoft.com/office/powerpoint/2012/main">
+    <mc:Fallback xmlns:p15="http://schemas.microsoft.com/office/powerpoint/2012/main" xmlns="">
       <p:transition spd="slow"/>
     </mc:Fallback>
   </mc:AlternateContent>
@@ -17146,7 +17212,7 @@
     <mc:Choice Requires="p14">
       <p:transition spd="slow" p14:dur="2000"/>
     </mc:Choice>
-    <mc:Fallback xmlns="" xmlns:p15="http://schemas.microsoft.com/office/powerpoint/2012/main">
+    <mc:Fallback xmlns:p15="http://schemas.microsoft.com/office/powerpoint/2012/main" xmlns="">
       <p:transition spd="slow"/>
     </mc:Fallback>
   </mc:AlternateContent>
@@ -17299,7 +17365,7 @@
     <mc:Choice Requires="p14">
       <p:transition spd="slow" p14:dur="2000"/>
     </mc:Choice>
-    <mc:Fallback xmlns="" xmlns:p15="http://schemas.microsoft.com/office/powerpoint/2012/main">
+    <mc:Fallback xmlns:p15="http://schemas.microsoft.com/office/powerpoint/2012/main" xmlns="">
       <p:transition spd="slow"/>
     </mc:Fallback>
   </mc:AlternateContent>
@@ -17491,7 +17557,7 @@
     <mc:Choice Requires="p14">
       <p:transition spd="slow" p14:dur="2000"/>
     </mc:Choice>
-    <mc:Fallback xmlns="" xmlns:p15="http://schemas.microsoft.com/office/powerpoint/2012/main">
+    <mc:Fallback xmlns:p15="http://schemas.microsoft.com/office/powerpoint/2012/main" xmlns="">
       <p:transition spd="slow"/>
     </mc:Fallback>
   </mc:AlternateContent>
@@ -17644,7 +17710,7 @@
     <mc:Choice Requires="p14">
       <p:transition spd="slow" p14:dur="2000"/>
     </mc:Choice>
-    <mc:Fallback xmlns="" xmlns:p15="http://schemas.microsoft.com/office/powerpoint/2012/main">
+    <mc:Fallback xmlns:p15="http://schemas.microsoft.com/office/powerpoint/2012/main" xmlns="">
       <p:transition spd="slow"/>
     </mc:Fallback>
   </mc:AlternateContent>
@@ -17797,7 +17863,7 @@
     <mc:Choice Requires="p14">
       <p:transition spd="slow" p14:dur="2000"/>
     </mc:Choice>
-    <mc:Fallback xmlns="" xmlns:p15="http://schemas.microsoft.com/office/powerpoint/2012/main">
+    <mc:Fallback xmlns:p15="http://schemas.microsoft.com/office/powerpoint/2012/main" xmlns="">
       <p:transition spd="slow"/>
     </mc:Fallback>
   </mc:AlternateContent>
@@ -18039,7 +18105,7 @@
     <mc:Choice Requires="p14">
       <p:transition spd="slow" p14:dur="2000"/>
     </mc:Choice>
-    <mc:Fallback xmlns="" xmlns:p15="http://schemas.microsoft.com/office/powerpoint/2012/main">
+    <mc:Fallback xmlns:p15="http://schemas.microsoft.com/office/powerpoint/2012/main" xmlns="">
       <p:transition spd="slow"/>
     </mc:Fallback>
   </mc:AlternateContent>
@@ -18200,7 +18266,7 @@
                 </a:lnSpc>
               </a:pPr>
               <a:r>
-                <a:rPr lang="ko-KR" sz="4800" b="1" u="none" strike="noStrike" spc="-300">
+                <a:rPr lang="ko-KR" sz="4800" b="1" u="none" strike="noStrike" spc="-300" dirty="0">
                   <a:solidFill>
                     <a:schemeClr val="lt1"/>
                   </a:solidFill>
@@ -18211,7 +18277,7 @@
                 </a:rPr>
                 <a:t>미래 개선사항</a:t>
               </a:r>
-              <a:endParaRPr lang="en-US" sz="4800" b="0" u="none" strike="noStrike">
+              <a:endParaRPr lang="en-US" sz="4800" b="0" u="none" strike="noStrike" dirty="0">
                 <a:solidFill>
                   <a:srgbClr val="FFFFFF"/>
                 </a:solidFill>
@@ -18298,7 +18364,7 @@
     <mc:Choice Requires="p14">
       <p:transition spd="slow" p14:dur="2000"/>
     </mc:Choice>
-    <mc:Fallback xmlns="" xmlns:p15="http://schemas.microsoft.com/office/powerpoint/2012/main">
+    <mc:Fallback xmlns:p15="http://schemas.microsoft.com/office/powerpoint/2012/main" xmlns="">
       <p:transition spd="slow"/>
     </mc:Fallback>
   </mc:AlternateContent>
@@ -18986,7 +19052,7 @@
     <mc:Choice Requires="p14">
       <p:transition spd="slow" p14:dur="2000"/>
     </mc:Choice>
-    <mc:Fallback xmlns="" xmlns:p15="http://schemas.microsoft.com/office/powerpoint/2012/main">
+    <mc:Fallback xmlns:p15="http://schemas.microsoft.com/office/powerpoint/2012/main" xmlns="">
       <p:transition spd="slow"/>
     </mc:Fallback>
   </mc:AlternateContent>
@@ -19060,7 +19126,7 @@
               </a:lnSpc>
             </a:pPr>
             <a:r>
-              <a:rPr lang="en-US" sz="5000" b="1" u="none" strike="noStrike" spc="-300">
+              <a:rPr lang="en-US" sz="5000" b="1" u="none" strike="noStrike" spc="-300" dirty="0">
                 <a:solidFill>
                   <a:schemeClr val="accent1">
                     <a:lumMod val="50000"/>
@@ -19073,7 +19139,7 @@
               </a:rPr>
               <a:t>Multi Cycle Core</a:t>
             </a:r>
-            <a:endParaRPr lang="en-US" sz="5000" b="0" u="none" strike="noStrike">
+            <a:endParaRPr lang="en-US" sz="5000" b="0" u="none" strike="noStrike" dirty="0">
               <a:solidFill>
                 <a:srgbClr val="000000"/>
               </a:solidFill>
@@ -20023,7 +20089,7 @@
     <mc:Choice Requires="p14">
       <p:transition spd="slow" p14:dur="2000"/>
     </mc:Choice>
-    <mc:Fallback xmlns="" xmlns:p15="http://schemas.microsoft.com/office/powerpoint/2012/main">
+    <mc:Fallback xmlns:p15="http://schemas.microsoft.com/office/powerpoint/2012/main" xmlns="">
       <p:transition spd="slow"/>
     </mc:Fallback>
   </mc:AlternateContent>
@@ -20275,7 +20341,7 @@
     <mc:Choice Requires="p14">
       <p:transition spd="slow" p14:dur="2000"/>
     </mc:Choice>
-    <mc:Fallback xmlns="" xmlns:p15="http://schemas.microsoft.com/office/powerpoint/2012/main">
+    <mc:Fallback xmlns:p15="http://schemas.microsoft.com/office/powerpoint/2012/main" xmlns="">
       <p:transition spd="slow"/>
     </mc:Fallback>
   </mc:AlternateContent>
@@ -20515,7 +20581,7 @@
     <mc:Choice Requires="p14">
       <p:transition spd="slow" p14:dur="2000"/>
     </mc:Choice>
-    <mc:Fallback xmlns="" xmlns:p15="http://schemas.microsoft.com/office/powerpoint/2012/main">
+    <mc:Fallback xmlns:p15="http://schemas.microsoft.com/office/powerpoint/2012/main" xmlns="">
       <p:transition spd="slow"/>
     </mc:Fallback>
   </mc:AlternateContent>
@@ -21166,7 +21232,7 @@
     <mc:Choice Requires="p14">
       <p:transition spd="slow" p14:dur="2000"/>
     </mc:Choice>
-    <mc:Fallback xmlns="" xmlns:p15="http://schemas.microsoft.com/office/powerpoint/2012/main">
+    <mc:Fallback xmlns:p15="http://schemas.microsoft.com/office/powerpoint/2012/main" xmlns="">
       <p:transition spd="slow"/>
     </mc:Fallback>
   </mc:AlternateContent>
@@ -21489,7 +21555,7 @@
     <mc:Choice Requires="p14">
       <p:transition spd="slow" p14:dur="2000"/>
     </mc:Choice>
-    <mc:Fallback xmlns="" xmlns:p15="http://schemas.microsoft.com/office/powerpoint/2012/main">
+    <mc:Fallback xmlns:p15="http://schemas.microsoft.com/office/powerpoint/2012/main" xmlns="">
       <p:transition spd="slow"/>
     </mc:Fallback>
   </mc:AlternateContent>
@@ -21730,7 +21796,7 @@
     <mc:Choice Requires="p14">
       <p:transition spd="slow" p14:dur="2000"/>
     </mc:Choice>
-    <mc:Fallback xmlns="" xmlns:p15="http://schemas.microsoft.com/office/powerpoint/2012/main">
+    <mc:Fallback xmlns:p15="http://schemas.microsoft.com/office/powerpoint/2012/main" xmlns="">
       <p:transition spd="slow"/>
     </mc:Fallback>
   </mc:AlternateContent>
@@ -21888,7 +21954,7 @@
     <mc:Choice Requires="p14">
       <p:transition spd="slow" p14:dur="2000"/>
     </mc:Choice>
-    <mc:Fallback xmlns="" xmlns:p15="http://schemas.microsoft.com/office/powerpoint/2012/main">
+    <mc:Fallback xmlns:p15="http://schemas.microsoft.com/office/powerpoint/2012/main" xmlns="">
       <p:transition spd="slow"/>
     </mc:Fallback>
   </mc:AlternateContent>
@@ -22320,7 +22386,7 @@
     <mc:Choice Requires="p14">
       <p:transition spd="slow" p14:dur="2000"/>
     </mc:Choice>
-    <mc:Fallback xmlns="" xmlns:p15="http://schemas.microsoft.com/office/powerpoint/2012/main">
+    <mc:Fallback xmlns:p15="http://schemas.microsoft.com/office/powerpoint/2012/main" xmlns="">
       <p:transition spd="slow"/>
     </mc:Fallback>
   </mc:AlternateContent>
@@ -22969,7 +23035,7 @@
     <mc:Choice Requires="p14">
       <p:transition spd="slow" p14:dur="2000"/>
     </mc:Choice>
-    <mc:Fallback xmlns="" xmlns:p15="http://schemas.microsoft.com/office/powerpoint/2012/main">
+    <mc:Fallback xmlns:p15="http://schemas.microsoft.com/office/powerpoint/2012/main" xmlns="">
       <p:transition spd="slow"/>
     </mc:Fallback>
   </mc:AlternateContent>
@@ -23296,7 +23362,7 @@
     <mc:Choice Requires="p14">
       <p:transition spd="slow" p14:dur="2000"/>
     </mc:Choice>
-    <mc:Fallback xmlns="" xmlns:p15="http://schemas.microsoft.com/office/powerpoint/2012/main">
+    <mc:Fallback xmlns:p15="http://schemas.microsoft.com/office/powerpoint/2012/main" xmlns="">
       <p:transition spd="slow"/>
     </mc:Fallback>
   </mc:AlternateContent>
@@ -23464,7 +23530,7 @@
     <mc:Choice Requires="p14">
       <p:transition spd="slow" p14:dur="2000"/>
     </mc:Choice>
-    <mc:Fallback xmlns="" xmlns:p15="http://schemas.microsoft.com/office/powerpoint/2012/main">
+    <mc:Fallback xmlns:p15="http://schemas.microsoft.com/office/powerpoint/2012/main" xmlns="">
       <p:transition spd="slow"/>
     </mc:Fallback>
   </mc:AlternateContent>

--- a/Single Cycle RISC-V 발표_박호윤.pptx
+++ b/Single Cycle RISC-V 발표_박호윤.pptx
@@ -13,7 +13,7 @@
     <p:sldMasterId id="2147483665" r:id="rId9"/>
   </p:sldMasterIdLst>
   <p:notesMasterIdLst>
-    <p:notesMasterId r:id="rId52"/>
+    <p:notesMasterId r:id="rId54"/>
   </p:notesMasterIdLst>
   <p:sldIdLst>
     <p:sldId id="256" r:id="rId10"/>
@@ -52,12 +52,14 @@
     <p:sldId id="288" r:id="rId43"/>
     <p:sldId id="289" r:id="rId44"/>
     <p:sldId id="290" r:id="rId45"/>
-    <p:sldId id="291" r:id="rId46"/>
-    <p:sldId id="292" r:id="rId47"/>
-    <p:sldId id="293" r:id="rId48"/>
-    <p:sldId id="294" r:id="rId49"/>
-    <p:sldId id="295" r:id="rId50"/>
-    <p:sldId id="296" r:id="rId51"/>
+    <p:sldId id="300" r:id="rId46"/>
+    <p:sldId id="291" r:id="rId47"/>
+    <p:sldId id="301" r:id="rId48"/>
+    <p:sldId id="292" r:id="rId49"/>
+    <p:sldId id="293" r:id="rId50"/>
+    <p:sldId id="294" r:id="rId51"/>
+    <p:sldId id="295" r:id="rId52"/>
+    <p:sldId id="296" r:id="rId53"/>
   </p:sldIdLst>
   <p:sldSz cx="12192000" cy="6858000"/>
   <p:notesSz cx="7559675" cy="10691813"/>
@@ -674,7 +676,7 @@
           <a:p>
             <a:fld id="{A8093E8D-34D3-4F35-8CED-A9B15660B49C}" type="slidenum">
               <a:rPr lang="ko-KR" altLang="en-US" smtClean="0"/>
-              <a:t>38</a:t>
+              <a:t>40</a:t>
             </a:fld>
             <a:endParaRPr lang="ko-KR" altLang="en-US"/>
           </a:p>
@@ -8775,7 +8777,7 @@
     <mc:Choice Requires="p14">
       <p:transition spd="slow" p14:dur="2000"/>
     </mc:Choice>
-    <mc:Fallback xmlns:p15="http://schemas.microsoft.com/office/powerpoint/2012/main" xmlns="">
+    <mc:Fallback xmlns="" xmlns:p15="http://schemas.microsoft.com/office/powerpoint/2012/main">
       <p:transition spd="slow"/>
     </mc:Fallback>
   </mc:AlternateContent>
@@ -8940,7 +8942,7 @@
     <mc:Choice Requires="p14">
       <p:transition spd="slow" p14:dur="2000"/>
     </mc:Choice>
-    <mc:Fallback xmlns:p15="http://schemas.microsoft.com/office/powerpoint/2012/main" xmlns="">
+    <mc:Fallback xmlns="" xmlns:p15="http://schemas.microsoft.com/office/powerpoint/2012/main">
       <p:transition spd="slow"/>
     </mc:Fallback>
   </mc:AlternateContent>
@@ -9237,7 +9239,7 @@
     <mc:Choice Requires="p14">
       <p:transition spd="slow" p14:dur="2000"/>
     </mc:Choice>
-    <mc:Fallback xmlns:p15="http://schemas.microsoft.com/office/powerpoint/2012/main" xmlns="">
+    <mc:Fallback xmlns="" xmlns:p15="http://schemas.microsoft.com/office/powerpoint/2012/main">
       <p:transition spd="slow"/>
     </mc:Fallback>
   </mc:AlternateContent>
@@ -9554,7 +9556,7 @@
     <mc:Choice Requires="p14">
       <p:transition spd="slow" p14:dur="2000"/>
     </mc:Choice>
-    <mc:Fallback xmlns:p15="http://schemas.microsoft.com/office/powerpoint/2012/main" xmlns="">
+    <mc:Fallback xmlns="" xmlns:p15="http://schemas.microsoft.com/office/powerpoint/2012/main">
       <p:transition spd="slow"/>
     </mc:Fallback>
   </mc:AlternateContent>
@@ -9843,7 +9845,7 @@
     <mc:Choice Requires="p14">
       <p:transition spd="slow" p14:dur="2000"/>
     </mc:Choice>
-    <mc:Fallback xmlns:p15="http://schemas.microsoft.com/office/powerpoint/2012/main" xmlns="">
+    <mc:Fallback xmlns="" xmlns:p15="http://schemas.microsoft.com/office/powerpoint/2012/main">
       <p:transition spd="slow"/>
     </mc:Fallback>
   </mc:AlternateContent>
@@ -10047,7 +10049,7 @@
                 <a:latin typeface="Pretendard"/>
                 <a:ea typeface="Pretendard"/>
               </a:rPr>
-              <a:t>로 보낼 수 </a:t>
+              <a:t>로 </a:t>
             </a:r>
             <a:r>
               <a:rPr lang="ko-KR" altLang="en-US" sz="2000" b="1" dirty="0" smtClean="0">
@@ -10059,10 +10061,10 @@
                 <a:latin typeface="Pretendard"/>
                 <a:ea typeface="Pretendard"/>
               </a:rPr>
-              <a:t>없고</a:t>
-            </a:r>
-            <a:r>
-              <a:rPr lang="en-US" altLang="ko-KR" sz="2000" b="1" u="none" strike="noStrike" dirty="0" smtClean="0">
+              <a:t>표현할</a:t>
+            </a:r>
+            <a:r>
+              <a:rPr lang="ko-KR" altLang="en-US" sz="2000" b="1" u="none" strike="noStrike" dirty="0" smtClean="0">
                 <a:solidFill>
                   <a:schemeClr val="accent1">
                     <a:lumMod val="50000"/>
@@ -10073,10 +10075,10 @@
                 <a:latin typeface="Pretendard"/>
                 <a:ea typeface="Pretendard"/>
               </a:rPr>
-              <a:t>, </a:t>
-            </a:r>
-            <a:r>
-              <a:rPr lang="ko-KR" sz="2000" b="1" u="none" strike="noStrike" dirty="0" smtClean="0">
+              <a:t> </a:t>
+            </a:r>
+            <a:r>
+              <a:rPr lang="ko-KR" altLang="en-US" sz="2000" b="1" u="none" strike="noStrike" dirty="0" smtClean="0">
                 <a:solidFill>
                   <a:schemeClr val="accent1">
                     <a:lumMod val="50000"/>
@@ -10087,21 +10089,101 @@
                 <a:latin typeface="Pretendard"/>
                 <a:ea typeface="Pretendard"/>
               </a:rPr>
-              <a:t>레지스터에 없는 </a:t>
-            </a:r>
-            <a:r>
-              <a:rPr lang="ko-KR" sz="2000" b="1" u="none" strike="noStrike" dirty="0">
-                <a:solidFill>
-                  <a:schemeClr val="accent1">
-                    <a:lumMod val="50000"/>
-                  </a:schemeClr>
-                </a:solidFill>
-                <a:effectLst/>
-                <a:uFillTx/>
+              <a:t>수 </a:t>
+            </a:r>
+            <a:r>
+              <a:rPr lang="ko-KR" altLang="en-US" sz="2000" b="1" dirty="0" smtClean="0">
+                <a:solidFill>
+                  <a:schemeClr val="accent1">
+                    <a:lumMod val="50000"/>
+                  </a:schemeClr>
+                </a:solidFill>
                 <a:latin typeface="Pretendard"/>
                 <a:ea typeface="Pretendard"/>
               </a:rPr>
-              <a:t>값을 사용해야 할 때 사용</a:t>
+              <a:t>없고</a:t>
+            </a:r>
+            <a:r>
+              <a:rPr lang="en-US" altLang="ko-KR" sz="2000" b="1" u="none" strike="noStrike" dirty="0" smtClean="0">
+                <a:solidFill>
+                  <a:schemeClr val="accent1">
+                    <a:lumMod val="50000"/>
+                  </a:schemeClr>
+                </a:solidFill>
+                <a:effectLst/>
+                <a:uFillTx/>
+                <a:latin typeface="Pretendard"/>
+                <a:ea typeface="Pretendard"/>
+              </a:rPr>
+              <a:t>, </a:t>
+            </a:r>
+            <a:r>
+              <a:rPr lang="ko-KR" sz="2000" b="1" u="none" strike="noStrike" dirty="0" smtClean="0">
+                <a:solidFill>
+                  <a:schemeClr val="accent1">
+                    <a:lumMod val="50000"/>
+                  </a:schemeClr>
+                </a:solidFill>
+                <a:effectLst/>
+                <a:uFillTx/>
+                <a:latin typeface="Pretendard"/>
+                <a:ea typeface="Pretendard"/>
+              </a:rPr>
+              <a:t>레지스터에 없는 </a:t>
+            </a:r>
+            <a:r>
+              <a:rPr lang="ko-KR" sz="2000" b="1" u="none" strike="noStrike" dirty="0">
+                <a:solidFill>
+                  <a:schemeClr val="accent1">
+                    <a:lumMod val="50000"/>
+                  </a:schemeClr>
+                </a:solidFill>
+                <a:effectLst/>
+                <a:uFillTx/>
+                <a:latin typeface="Pretendard"/>
+                <a:ea typeface="Pretendard"/>
+              </a:rPr>
+              <a:t>값을 </a:t>
+            </a:r>
+            <a:r>
+              <a:rPr lang="ko-KR" altLang="en-US" sz="2000" b="1" dirty="0" smtClean="0">
+                <a:solidFill>
+                  <a:schemeClr val="accent1">
+                    <a:lumMod val="50000"/>
+                  </a:schemeClr>
+                </a:solidFill>
+                <a:latin typeface="Pretendard"/>
+                <a:ea typeface="Pretendard"/>
+              </a:rPr>
+              <a:t>써야</a:t>
+            </a:r>
+            <a:r>
+              <a:rPr lang="ko-KR" sz="2000" b="1" u="none" strike="noStrike" dirty="0" smtClean="0">
+                <a:solidFill>
+                  <a:schemeClr val="accent1">
+                    <a:lumMod val="50000"/>
+                  </a:schemeClr>
+                </a:solidFill>
+                <a:effectLst/>
+                <a:uFillTx/>
+                <a:latin typeface="Pretendard"/>
+                <a:ea typeface="Pretendard"/>
+              </a:rPr>
+              <a:t> </a:t>
+            </a:r>
+            <a:r>
+              <a:rPr lang="ko-KR" sz="2000" b="1" u="none" strike="noStrike" dirty="0">
+                <a:solidFill>
+                  <a:schemeClr val="accent1">
+                    <a:lumMod val="50000"/>
+                  </a:schemeClr>
+                </a:solidFill>
+                <a:effectLst/>
+                <a:uFillTx/>
+                <a:latin typeface="Pretendard"/>
+                <a:ea typeface="Pretendard"/>
+              </a:rPr>
+              <a:t>할 때 사용</a:t>
             </a:r>
             <a:endParaRPr lang="en-US" sz="2000" b="0" u="none" strike="noStrike" dirty="0">
               <a:solidFill>
@@ -10197,21 +10279,7 @@
                 <a:latin typeface="Pretendard"/>
                 <a:ea typeface="Pretendard"/>
               </a:rPr>
-              <a:t> </a:t>
-            </a:r>
-            <a:r>
-              <a:rPr lang="ko-KR" sz="2000" b="1" u="none" strike="noStrike" dirty="0" smtClean="0">
-                <a:solidFill>
-                  <a:schemeClr val="accent1">
-                    <a:lumMod val="50000"/>
-                  </a:schemeClr>
-                </a:solidFill>
-                <a:effectLst/>
-                <a:uFillTx/>
-                <a:latin typeface="Pretendard"/>
-                <a:ea typeface="Pretendard"/>
-              </a:rPr>
-              <a:t>저장</a:t>
+              <a:t> 저장</a:t>
             </a:r>
             <a:r>
               <a:rPr lang="ko-KR" altLang="en-US" sz="2000" b="1" dirty="0" smtClean="0">
@@ -10591,7 +10659,7 @@
     <mc:Choice Requires="p14">
       <p:transition spd="slow" p14:dur="2000"/>
     </mc:Choice>
-    <mc:Fallback xmlns:p15="http://schemas.microsoft.com/office/powerpoint/2012/main" xmlns="">
+    <mc:Fallback xmlns="" xmlns:p15="http://schemas.microsoft.com/office/powerpoint/2012/main">
       <p:transition spd="slow"/>
     </mc:Fallback>
   </mc:AlternateContent>
@@ -10850,7 +10918,7 @@
     <mc:Choice Requires="p14">
       <p:transition spd="slow" p14:dur="2000"/>
     </mc:Choice>
-    <mc:Fallback xmlns:p15="http://schemas.microsoft.com/office/powerpoint/2012/main" xmlns="">
+    <mc:Fallback xmlns="" xmlns:p15="http://schemas.microsoft.com/office/powerpoint/2012/main">
       <p:transition spd="slow"/>
     </mc:Fallback>
   </mc:AlternateContent>
@@ -11001,7 +11069,7 @@
     <mc:Choice Requires="p14">
       <p:transition spd="slow" p14:dur="2000"/>
     </mc:Choice>
-    <mc:Fallback xmlns:p15="http://schemas.microsoft.com/office/powerpoint/2012/main" xmlns="">
+    <mc:Fallback xmlns="" xmlns:p15="http://schemas.microsoft.com/office/powerpoint/2012/main">
       <p:transition spd="slow"/>
     </mc:Fallback>
   </mc:AlternateContent>
@@ -11154,7 +11222,7 @@
     <mc:Choice Requires="p14">
       <p:transition spd="slow" p14:dur="2000"/>
     </mc:Choice>
-    <mc:Fallback xmlns:p15="http://schemas.microsoft.com/office/powerpoint/2012/main" xmlns="">
+    <mc:Fallback xmlns="" xmlns:p15="http://schemas.microsoft.com/office/powerpoint/2012/main">
       <p:transition spd="slow"/>
     </mc:Fallback>
   </mc:AlternateContent>
@@ -11322,7 +11390,7 @@
     <mc:Choice Requires="p14">
       <p:transition spd="slow" p14:dur="2000"/>
     </mc:Choice>
-    <mc:Fallback xmlns:p15="http://schemas.microsoft.com/office/powerpoint/2012/main" xmlns="">
+    <mc:Fallback xmlns="" xmlns:p15="http://schemas.microsoft.com/office/powerpoint/2012/main">
       <p:transition spd="slow"/>
     </mc:Fallback>
   </mc:AlternateContent>
@@ -11831,7 +11899,7 @@
     <mc:Choice Requires="p14">
       <p:transition spd="slow" p14:dur="2000"/>
     </mc:Choice>
-    <mc:Fallback xmlns:p15="http://schemas.microsoft.com/office/powerpoint/2012/main" xmlns="">
+    <mc:Fallback xmlns="" xmlns:p15="http://schemas.microsoft.com/office/powerpoint/2012/main">
       <p:transition spd="slow"/>
     </mc:Fallback>
   </mc:AlternateContent>
@@ -12632,7 +12700,7 @@
     <mc:Choice Requires="p14">
       <p:transition spd="slow" p14:dur="2000"/>
     </mc:Choice>
-    <mc:Fallback xmlns:p15="http://schemas.microsoft.com/office/powerpoint/2012/main" xmlns="">
+    <mc:Fallback xmlns="" xmlns:p15="http://schemas.microsoft.com/office/powerpoint/2012/main">
       <p:transition spd="slow"/>
     </mc:Fallback>
   </mc:AlternateContent>
@@ -12834,7 +12902,7 @@
     <mc:Choice Requires="p14">
       <p:transition spd="slow" p14:dur="2000"/>
     </mc:Choice>
-    <mc:Fallback xmlns:p15="http://schemas.microsoft.com/office/powerpoint/2012/main" xmlns="">
+    <mc:Fallback xmlns="" xmlns:p15="http://schemas.microsoft.com/office/powerpoint/2012/main">
       <p:transition spd="slow"/>
     </mc:Fallback>
   </mc:AlternateContent>
@@ -13343,7 +13411,7 @@
     <mc:Choice Requires="p14">
       <p:transition spd="slow" p14:dur="2000"/>
     </mc:Choice>
-    <mc:Fallback xmlns:p15="http://schemas.microsoft.com/office/powerpoint/2012/main" xmlns="">
+    <mc:Fallback xmlns="" xmlns:p15="http://schemas.microsoft.com/office/powerpoint/2012/main">
       <p:transition spd="slow"/>
     </mc:Fallback>
   </mc:AlternateContent>
@@ -13544,7 +13612,7 @@
     <mc:Choice Requires="p14">
       <p:transition spd="slow" p14:dur="2000"/>
     </mc:Choice>
-    <mc:Fallback xmlns:p15="http://schemas.microsoft.com/office/powerpoint/2012/main" xmlns="">
+    <mc:Fallback xmlns="" xmlns:p15="http://schemas.microsoft.com/office/powerpoint/2012/main">
       <p:transition spd="slow"/>
     </mc:Fallback>
   </mc:AlternateContent>
@@ -14265,7 +14333,7 @@
     <mc:Choice Requires="p14">
       <p:transition spd="slow" p14:dur="2000"/>
     </mc:Choice>
-    <mc:Fallback xmlns:p15="http://schemas.microsoft.com/office/powerpoint/2012/main" xmlns="">
+    <mc:Fallback xmlns="" xmlns:p15="http://schemas.microsoft.com/office/powerpoint/2012/main">
       <p:transition spd="slow"/>
     </mc:Fallback>
   </mc:AlternateContent>
@@ -14466,7 +14534,7 @@
     <mc:Choice Requires="p14">
       <p:transition spd="slow" p14:dur="2000"/>
     </mc:Choice>
-    <mc:Fallback xmlns:p15="http://schemas.microsoft.com/office/powerpoint/2012/main" xmlns="">
+    <mc:Fallback xmlns="" xmlns:p15="http://schemas.microsoft.com/office/powerpoint/2012/main">
       <p:transition spd="slow"/>
     </mc:Fallback>
   </mc:AlternateContent>
@@ -15004,7 +15072,7 @@
     <mc:Choice Requires="p14">
       <p:transition spd="slow" p14:dur="2000"/>
     </mc:Choice>
-    <mc:Fallback xmlns:p15="http://schemas.microsoft.com/office/powerpoint/2012/main" xmlns="">
+    <mc:Fallback xmlns="" xmlns:p15="http://schemas.microsoft.com/office/powerpoint/2012/main">
       <p:transition spd="slow"/>
     </mc:Fallback>
   </mc:AlternateContent>
@@ -15207,7 +15275,7 @@
     <mc:Choice Requires="p14">
       <p:transition spd="slow" p14:dur="2000"/>
     </mc:Choice>
-    <mc:Fallback xmlns:p15="http://schemas.microsoft.com/office/powerpoint/2012/main" xmlns="">
+    <mc:Fallback xmlns="" xmlns:p15="http://schemas.microsoft.com/office/powerpoint/2012/main">
       <p:transition spd="slow"/>
     </mc:Fallback>
   </mc:AlternateContent>
@@ -15863,7 +15931,7 @@
     <mc:Choice Requires="p14">
       <p:transition spd="slow" p14:dur="2000"/>
     </mc:Choice>
-    <mc:Fallback xmlns:p15="http://schemas.microsoft.com/office/powerpoint/2012/main" xmlns="">
+    <mc:Fallback xmlns="" xmlns:p15="http://schemas.microsoft.com/office/powerpoint/2012/main">
       <p:transition spd="slow"/>
     </mc:Fallback>
   </mc:AlternateContent>
@@ -16064,7 +16132,7 @@
     <mc:Choice Requires="p14">
       <p:transition spd="slow" p14:dur="2000"/>
     </mc:Choice>
-    <mc:Fallback xmlns:p15="http://schemas.microsoft.com/office/powerpoint/2012/main" xmlns="">
+    <mc:Fallback xmlns="" xmlns:p15="http://schemas.microsoft.com/office/powerpoint/2012/main">
       <p:transition spd="slow"/>
     </mc:Fallback>
   </mc:AlternateContent>
@@ -16751,7 +16819,7 @@
     <mc:Choice Requires="p14">
       <p:transition spd="slow" p14:dur="2000"/>
     </mc:Choice>
-    <mc:Fallback xmlns:p15="http://schemas.microsoft.com/office/powerpoint/2012/main" xmlns="">
+    <mc:Fallback xmlns="" xmlns:p15="http://schemas.microsoft.com/office/powerpoint/2012/main">
       <p:transition spd="slow"/>
     </mc:Fallback>
   </mc:AlternateContent>
@@ -17010,7 +17078,7 @@
     <mc:Choice Requires="p14">
       <p:transition spd="slow" p14:dur="2000"/>
     </mc:Choice>
-    <mc:Fallback xmlns:p15="http://schemas.microsoft.com/office/powerpoint/2012/main" xmlns="">
+    <mc:Fallback xmlns="" xmlns:p15="http://schemas.microsoft.com/office/powerpoint/2012/main">
       <p:transition spd="slow"/>
     </mc:Fallback>
   </mc:AlternateContent>
@@ -17212,7 +17280,7 @@
     <mc:Choice Requires="p14">
       <p:transition spd="slow" p14:dur="2000"/>
     </mc:Choice>
-    <mc:Fallback xmlns:p15="http://schemas.microsoft.com/office/powerpoint/2012/main" xmlns="">
+    <mc:Fallback xmlns="" xmlns:p15="http://schemas.microsoft.com/office/powerpoint/2012/main">
       <p:transition spd="slow"/>
     </mc:Fallback>
   </mc:AlternateContent>
@@ -17365,7 +17433,7 @@
     <mc:Choice Requires="p14">
       <p:transition spd="slow" p14:dur="2000"/>
     </mc:Choice>
-    <mc:Fallback xmlns:p15="http://schemas.microsoft.com/office/powerpoint/2012/main" xmlns="">
+    <mc:Fallback xmlns="" xmlns:p15="http://schemas.microsoft.com/office/powerpoint/2012/main">
       <p:transition spd="slow"/>
     </mc:Fallback>
   </mc:AlternateContent>
@@ -17557,7 +17625,7 @@
     <mc:Choice Requires="p14">
       <p:transition spd="slow" p14:dur="2000"/>
     </mc:Choice>
-    <mc:Fallback xmlns:p15="http://schemas.microsoft.com/office/powerpoint/2012/main" xmlns="">
+    <mc:Fallback xmlns="" xmlns:p15="http://schemas.microsoft.com/office/powerpoint/2012/main">
       <p:transition spd="slow"/>
     </mc:Fallback>
   </mc:AlternateContent>
@@ -17710,7 +17778,7 @@
     <mc:Choice Requires="p14">
       <p:transition spd="slow" p14:dur="2000"/>
     </mc:Choice>
-    <mc:Fallback xmlns:p15="http://schemas.microsoft.com/office/powerpoint/2012/main" xmlns="">
+    <mc:Fallback xmlns="" xmlns:p15="http://schemas.microsoft.com/office/powerpoint/2012/main">
       <p:transition spd="slow"/>
     </mc:Fallback>
   </mc:AlternateContent>
@@ -17863,7 +17931,7 @@
     <mc:Choice Requires="p14">
       <p:transition spd="slow" p14:dur="2000"/>
     </mc:Choice>
-    <mc:Fallback xmlns:p15="http://schemas.microsoft.com/office/powerpoint/2012/main" xmlns="">
+    <mc:Fallback xmlns="" xmlns:p15="http://schemas.microsoft.com/office/powerpoint/2012/main">
       <p:transition spd="slow"/>
     </mc:Fallback>
   </mc:AlternateContent>
@@ -18105,7 +18173,7 @@
     <mc:Choice Requires="p14">
       <p:transition spd="slow" p14:dur="2000"/>
     </mc:Choice>
-    <mc:Fallback xmlns:p15="http://schemas.microsoft.com/office/powerpoint/2012/main" xmlns="">
+    <mc:Fallback xmlns="" xmlns:p15="http://schemas.microsoft.com/office/powerpoint/2012/main">
       <p:transition spd="slow"/>
     </mc:Fallback>
   </mc:AlternateContent>
@@ -18364,7 +18432,7 @@
     <mc:Choice Requires="p14">
       <p:transition spd="slow" p14:dur="2000"/>
     </mc:Choice>
-    <mc:Fallback xmlns:p15="http://schemas.microsoft.com/office/powerpoint/2012/main" xmlns="">
+    <mc:Fallback xmlns="" xmlns:p15="http://schemas.microsoft.com/office/powerpoint/2012/main">
       <p:transition spd="slow"/>
     </mc:Fallback>
   </mc:AlternateContent>
@@ -18379,6 +18447,159 @@
 </file>
 
 <file path=ppt/slides/slide37.xml><?xml version="1.0" encoding="utf-8"?>
+<p:sld xmlns:a="http://schemas.openxmlformats.org/drawingml/2006/main" xmlns:r="http://schemas.openxmlformats.org/officeDocument/2006/relationships" xmlns:p="http://schemas.openxmlformats.org/presentationml/2006/main">
+  <p:cSld>
+    <p:spTree>
+      <p:nvGrpSpPr>
+        <p:cNvPr id="1" name=""/>
+        <p:cNvGrpSpPr/>
+        <p:nvPr/>
+      </p:nvGrpSpPr>
+      <p:grpSpPr>
+        <a:xfrm>
+          <a:off x="0" y="0"/>
+          <a:ext cx="0" cy="0"/>
+          <a:chOff x="0" y="0"/>
+          <a:chExt cx="0" cy="0"/>
+        </a:xfrm>
+      </p:grpSpPr>
+      <p:cxnSp>
+        <p:nvCxnSpPr>
+          <p:cNvPr id="125" name="직선 연결선 9"/>
+          <p:cNvCxnSpPr/>
+          <p:nvPr/>
+        </p:nvCxnSpPr>
+        <p:spPr>
+          <a:xfrm>
+            <a:off x="513360" y="6298200"/>
+            <a:ext cx="11702880" cy="2880"/>
+          </a:xfrm>
+          <a:prstGeom prst="straightConnector1">
+            <a:avLst/>
+          </a:prstGeom>
+          <a:ln w="57240">
+            <a:solidFill>
+              <a:srgbClr val="BF0041"/>
+            </a:solidFill>
+            <a:miter/>
+          </a:ln>
+        </p:spPr>
+      </p:cxnSp>
+      <p:sp>
+        <p:nvSpPr>
+          <p:cNvPr id="2" name="PlaceHolder 1"/>
+          <p:cNvSpPr>
+            <a:spLocks noGrp="1"/>
+          </p:cNvSpPr>
+          <p:nvPr>
+            <p:ph type="sldNum" idx="2"/>
+          </p:nvPr>
+        </p:nvSpPr>
+        <p:spPr/>
+        <p:txBody>
+          <a:bodyPr/>
+          <a:lstStyle/>
+          <a:p>
+            <a:fld id="{4D1F2B2A-2F63-4F97-BF31-0C6F14E8CF67}" type="slidenum">
+              <a:t>37</a:t>
+            </a:fld>
+            <a:endParaRPr/>
+          </a:p>
+        </p:txBody>
+      </p:sp>
+      <p:sp>
+        <p:nvSpPr>
+          <p:cNvPr id="5" name="TextBox 29"/>
+          <p:cNvSpPr/>
+          <p:nvPr/>
+        </p:nvSpPr>
+        <p:spPr>
+          <a:xfrm flipH="1">
+            <a:off x="2462177" y="5536328"/>
+            <a:ext cx="9284040" cy="706432"/>
+          </a:xfrm>
+          <a:prstGeom prst="rect">
+            <a:avLst/>
+          </a:prstGeom>
+          <a:noFill/>
+          <a:ln w="0">
+            <a:noFill/>
+          </a:ln>
+        </p:spPr>
+        <p:style>
+          <a:lnRef idx="0">
+            <a:scrgbClr r="0" g="0" b="0"/>
+          </a:lnRef>
+          <a:fillRef idx="0">
+            <a:scrgbClr r="0" g="0" b="0"/>
+          </a:fillRef>
+          <a:effectRef idx="0">
+            <a:scrgbClr r="0" g="0" b="0"/>
+          </a:effectRef>
+          <a:fontRef idx="minor"/>
+        </p:style>
+        <p:txBody>
+          <a:bodyPr lIns="90000" tIns="45000" rIns="90000" bIns="45000" anchor="t">
+            <a:spAutoFit/>
+          </a:bodyPr>
+          <a:lstStyle/>
+          <a:p>
+            <a:pPr algn="r" defTabSz="914400">
+              <a:lnSpc>
+                <a:spcPct val="100000"/>
+              </a:lnSpc>
+            </a:pPr>
+            <a:r>
+              <a:rPr lang="ko-KR" altLang="en-US" sz="4000" b="1" u="none" strike="noStrike" dirty="0" smtClean="0">
+                <a:solidFill>
+                  <a:srgbClr val="000000"/>
+                </a:solidFill>
+                <a:effectLst/>
+                <a:uFillTx/>
+                <a:latin typeface="맑은 고딕"/>
+              </a:rPr>
+              <a:t>문제인식</a:t>
+            </a:r>
+            <a:endParaRPr lang="en-US" sz="4000" b="1" u="none" strike="noStrike" dirty="0">
+              <a:solidFill>
+                <a:srgbClr val="000000"/>
+              </a:solidFill>
+              <a:effectLst/>
+              <a:uFillTx/>
+              <a:latin typeface="맑은 고딕"/>
+            </a:endParaRPr>
+          </a:p>
+        </p:txBody>
+      </p:sp>
+    </p:spTree>
+    <p:extLst>
+      <p:ext uri="{BB962C8B-B14F-4D97-AF65-F5344CB8AC3E}">
+        <p14:creationId xmlns:p14="http://schemas.microsoft.com/office/powerpoint/2010/main" val="1923763457"/>
+      </p:ext>
+    </p:extLst>
+  </p:cSld>
+  <p:clrMapOvr>
+    <a:masterClrMapping/>
+  </p:clrMapOvr>
+  <mc:AlternateContent xmlns:mc="http://schemas.openxmlformats.org/markup-compatibility/2006" xmlns:p14="http://schemas.microsoft.com/office/powerpoint/2010/main">
+    <mc:Choice Requires="p14">
+      <p:transition spd="slow" p14:dur="2000"/>
+    </mc:Choice>
+    <mc:Fallback xmlns="" xmlns:p15="http://schemas.microsoft.com/office/powerpoint/2012/main">
+      <p:transition spd="slow"/>
+    </mc:Fallback>
+  </mc:AlternateContent>
+  <p:timing>
+    <p:tnLst>
+      <p:par>
+        <p:cTn id="1" dur="indefinite" restart="never" nodeType="tmRoot"/>
+      </p:par>
+    </p:tnLst>
+  </p:timing>
+</p:sld>
+</file>
+
+<file path=ppt/slides/slide38.xml><?xml version="1.0" encoding="utf-8"?>
 <p:sld xmlns:a="http://schemas.openxmlformats.org/drawingml/2006/main" xmlns:r="http://schemas.openxmlformats.org/officeDocument/2006/relationships" xmlns:p="http://schemas.openxmlformats.org/presentationml/2006/main">
   <p:cSld>
     <p:spTree>
@@ -19013,7 +19234,7 @@
           <a:lstStyle/>
           <a:p>
             <a:fld id="{A84A90A0-8EC4-441F-ACBC-FEB2A802E153}" type="slidenum">
-              <a:t>37</a:t>
+              <a:t>38</a:t>
             </a:fld>
             <a:endParaRPr/>
           </a:p>
@@ -19052,7 +19273,7 @@
     <mc:Choice Requires="p14">
       <p:transition spd="slow" p14:dur="2000"/>
     </mc:Choice>
-    <mc:Fallback xmlns:p15="http://schemas.microsoft.com/office/powerpoint/2012/main" xmlns="">
+    <mc:Fallback xmlns="" xmlns:p15="http://schemas.microsoft.com/office/powerpoint/2012/main">
       <p:transition spd="slow"/>
     </mc:Fallback>
   </mc:AlternateContent>
@@ -19066,7 +19287,407 @@
 </p:sld>
 </file>
 
-<file path=ppt/slides/slide38.xml><?xml version="1.0" encoding="utf-8"?>
+<file path=ppt/slides/slide39.xml><?xml version="1.0" encoding="utf-8"?>
+<p:sld xmlns:a="http://schemas.openxmlformats.org/drawingml/2006/main" xmlns:r="http://schemas.openxmlformats.org/officeDocument/2006/relationships" xmlns:p="http://schemas.openxmlformats.org/presentationml/2006/main">
+  <p:cSld>
+    <p:spTree>
+      <p:nvGrpSpPr>
+        <p:cNvPr id="1" name=""/>
+        <p:cNvGrpSpPr/>
+        <p:nvPr/>
+      </p:nvGrpSpPr>
+      <p:grpSpPr>
+        <a:xfrm>
+          <a:off x="0" y="0"/>
+          <a:ext cx="0" cy="0"/>
+          <a:chOff x="0" y="0"/>
+          <a:chExt cx="0" cy="0"/>
+        </a:xfrm>
+      </p:grpSpPr>
+      <p:cxnSp>
+        <p:nvCxnSpPr>
+          <p:cNvPr id="125" name="직선 연결선 9"/>
+          <p:cNvCxnSpPr/>
+          <p:nvPr/>
+        </p:nvCxnSpPr>
+        <p:spPr>
+          <a:xfrm>
+            <a:off x="513360" y="6298200"/>
+            <a:ext cx="11702880" cy="2880"/>
+          </a:xfrm>
+          <a:prstGeom prst="straightConnector1">
+            <a:avLst/>
+          </a:prstGeom>
+          <a:ln w="57240">
+            <a:solidFill>
+              <a:srgbClr val="BF0041"/>
+            </a:solidFill>
+            <a:miter/>
+          </a:ln>
+        </p:spPr>
+      </p:cxnSp>
+      <p:sp>
+        <p:nvSpPr>
+          <p:cNvPr id="2" name="PlaceHolder 1"/>
+          <p:cNvSpPr>
+            <a:spLocks noGrp="1"/>
+          </p:cNvSpPr>
+          <p:nvPr>
+            <p:ph type="sldNum" idx="2"/>
+          </p:nvPr>
+        </p:nvSpPr>
+        <p:spPr/>
+        <p:txBody>
+          <a:bodyPr/>
+          <a:lstStyle/>
+          <a:p>
+            <a:fld id="{4D1F2B2A-2F63-4F97-BF31-0C6F14E8CF67}" type="slidenum">
+              <a:t>39</a:t>
+            </a:fld>
+            <a:endParaRPr/>
+          </a:p>
+        </p:txBody>
+      </p:sp>
+      <p:sp>
+        <p:nvSpPr>
+          <p:cNvPr id="5" name="TextBox 29"/>
+          <p:cNvSpPr/>
+          <p:nvPr/>
+        </p:nvSpPr>
+        <p:spPr>
+          <a:xfrm flipH="1">
+            <a:off x="2462177" y="5536328"/>
+            <a:ext cx="9284040" cy="706432"/>
+          </a:xfrm>
+          <a:prstGeom prst="rect">
+            <a:avLst/>
+          </a:prstGeom>
+          <a:noFill/>
+          <a:ln w="0">
+            <a:noFill/>
+          </a:ln>
+        </p:spPr>
+        <p:style>
+          <a:lnRef idx="0">
+            <a:scrgbClr r="0" g="0" b="0"/>
+          </a:lnRef>
+          <a:fillRef idx="0">
+            <a:scrgbClr r="0" g="0" b="0"/>
+          </a:fillRef>
+          <a:effectRef idx="0">
+            <a:scrgbClr r="0" g="0" b="0"/>
+          </a:effectRef>
+          <a:fontRef idx="minor"/>
+        </p:style>
+        <p:txBody>
+          <a:bodyPr lIns="90000" tIns="45000" rIns="90000" bIns="45000" anchor="t">
+            <a:spAutoFit/>
+          </a:bodyPr>
+          <a:lstStyle/>
+          <a:p>
+            <a:pPr algn="r" defTabSz="914400">
+              <a:lnSpc>
+                <a:spcPct val="100000"/>
+              </a:lnSpc>
+            </a:pPr>
+            <a:r>
+              <a:rPr lang="ko-KR" altLang="en-US" sz="4000" b="1" u="none" strike="noStrike" smtClean="0">
+                <a:solidFill>
+                  <a:srgbClr val="000000"/>
+                </a:solidFill>
+                <a:effectLst/>
+                <a:uFillTx/>
+                <a:latin typeface="맑은 고딕"/>
+              </a:rPr>
+              <a:t>해결방안</a:t>
+            </a:r>
+            <a:endParaRPr lang="en-US" sz="4000" b="1" u="none" strike="noStrike" dirty="0">
+              <a:solidFill>
+                <a:srgbClr val="000000"/>
+              </a:solidFill>
+              <a:effectLst/>
+              <a:uFillTx/>
+              <a:latin typeface="맑은 고딕"/>
+            </a:endParaRPr>
+          </a:p>
+        </p:txBody>
+      </p:sp>
+    </p:spTree>
+    <p:extLst>
+      <p:ext uri="{BB962C8B-B14F-4D97-AF65-F5344CB8AC3E}">
+        <p14:creationId xmlns:p14="http://schemas.microsoft.com/office/powerpoint/2010/main" val="242312367"/>
+      </p:ext>
+    </p:extLst>
+  </p:cSld>
+  <p:clrMapOvr>
+    <a:masterClrMapping/>
+  </p:clrMapOvr>
+  <mc:AlternateContent xmlns:mc="http://schemas.openxmlformats.org/markup-compatibility/2006" xmlns:p14="http://schemas.microsoft.com/office/powerpoint/2010/main">
+    <mc:Choice Requires="p14">
+      <p:transition spd="slow" p14:dur="2000"/>
+    </mc:Choice>
+    <mc:Fallback xmlns="" xmlns:p15="http://schemas.microsoft.com/office/powerpoint/2012/main">
+      <p:transition spd="slow"/>
+    </mc:Fallback>
+  </mc:AlternateContent>
+  <p:timing>
+    <p:tnLst>
+      <p:par>
+        <p:cTn id="1" dur="indefinite" restart="never" nodeType="tmRoot"/>
+      </p:par>
+    </p:tnLst>
+  </p:timing>
+</p:sld>
+</file>
+
+<file path=ppt/slides/slide4.xml><?xml version="1.0" encoding="utf-8"?>
+<p:sld xmlns:a="http://schemas.openxmlformats.org/drawingml/2006/main" xmlns:r="http://schemas.openxmlformats.org/officeDocument/2006/relationships" xmlns:p="http://schemas.openxmlformats.org/presentationml/2006/main">
+  <p:cSld>
+    <p:spTree>
+      <p:nvGrpSpPr>
+        <p:cNvPr id="1" name=""/>
+        <p:cNvGrpSpPr/>
+        <p:nvPr/>
+      </p:nvGrpSpPr>
+      <p:grpSpPr>
+        <a:xfrm>
+          <a:off x="0" y="0"/>
+          <a:ext cx="0" cy="0"/>
+          <a:chOff x="0" y="0"/>
+          <a:chExt cx="0" cy="0"/>
+        </a:xfrm>
+      </p:grpSpPr>
+      <p:pic>
+        <p:nvPicPr>
+          <p:cNvPr id="80" name="그림 79"/>
+          <p:cNvPicPr/>
+          <p:nvPr/>
+        </p:nvPicPr>
+        <p:blipFill>
+          <a:blip r:embed="rId2"/>
+          <a:stretch/>
+        </p:blipFill>
+        <p:spPr>
+          <a:xfrm>
+            <a:off x="8211606" y="4825876"/>
+            <a:ext cx="3308394" cy="1079624"/>
+          </a:xfrm>
+          <a:prstGeom prst="rect">
+            <a:avLst/>
+          </a:prstGeom>
+          <a:noFill/>
+          <a:ln w="0">
+            <a:noFill/>
+          </a:ln>
+        </p:spPr>
+      </p:pic>
+      <p:pic>
+        <p:nvPicPr>
+          <p:cNvPr id="81" name="그림 80"/>
+          <p:cNvPicPr/>
+          <p:nvPr/>
+        </p:nvPicPr>
+        <p:blipFill>
+          <a:blip r:embed="rId3"/>
+          <a:stretch/>
+        </p:blipFill>
+        <p:spPr>
+          <a:xfrm>
+            <a:off x="8215200" y="3385875"/>
+            <a:ext cx="3304800" cy="1380600"/>
+          </a:xfrm>
+          <a:prstGeom prst="rect">
+            <a:avLst/>
+          </a:prstGeom>
+          <a:noFill/>
+          <a:ln w="0">
+            <a:noFill/>
+          </a:ln>
+        </p:spPr>
+      </p:pic>
+      <p:sp>
+        <p:nvSpPr>
+          <p:cNvPr id="2" name="PlaceHolder 1"/>
+          <p:cNvSpPr>
+            <a:spLocks noGrp="1"/>
+          </p:cNvSpPr>
+          <p:nvPr>
+            <p:ph type="sldNum" idx="2"/>
+          </p:nvPr>
+        </p:nvSpPr>
+        <p:spPr/>
+        <p:txBody>
+          <a:bodyPr/>
+          <a:lstStyle/>
+          <a:p>
+            <a:fld id="{4CD49E3B-66C5-4838-BC82-1B2F04785E55}" type="slidenum">
+              <a:t>4</a:t>
+            </a:fld>
+            <a:endParaRPr/>
+          </a:p>
+        </p:txBody>
+      </p:sp>
+      <p:pic>
+        <p:nvPicPr>
+          <p:cNvPr id="1028" name="Picture 4" descr="New and Improved SystemVerilog 1800-2017 - Verification Horizons"/>
+          <p:cNvPicPr>
+            <a:picLocks noChangeAspect="1" noChangeArrowheads="1"/>
+          </p:cNvPicPr>
+          <p:nvPr/>
+        </p:nvPicPr>
+        <p:blipFill>
+          <a:blip r:embed="rId4">
+            <a:extLst>
+              <a:ext uri="{28A0092B-C50C-407E-A947-70E740481C1C}">
+                <a14:useLocalDpi xmlns:a14="http://schemas.microsoft.com/office/drawing/2010/main" val="0"/>
+              </a:ext>
+            </a:extLst>
+          </a:blip>
+          <a:srcRect/>
+          <a:stretch>
+            <a:fillRect/>
+          </a:stretch>
+        </p:blipFill>
+        <p:spPr bwMode="auto">
+          <a:xfrm>
+            <a:off x="8211606" y="1908591"/>
+            <a:ext cx="3308394" cy="1417884"/>
+          </a:xfrm>
+          <a:prstGeom prst="rect">
+            <a:avLst/>
+          </a:prstGeom>
+          <a:noFill/>
+          <a:extLst>
+            <a:ext uri="{909E8E84-426E-40DD-AFC4-6F175D3DCCD1}">
+              <a14:hiddenFill xmlns:a14="http://schemas.microsoft.com/office/drawing/2010/main">
+                <a:solidFill>
+                  <a:srgbClr val="FFFFFF"/>
+                </a:solidFill>
+              </a14:hiddenFill>
+            </a:ext>
+          </a:extLst>
+        </p:spPr>
+      </p:pic>
+      <p:sp>
+        <p:nvSpPr>
+          <p:cNvPr id="9" name="TextBox 65"/>
+          <p:cNvSpPr/>
+          <p:nvPr/>
+        </p:nvSpPr>
+        <p:spPr>
+          <a:xfrm>
+            <a:off x="330321" y="5199068"/>
+            <a:ext cx="7071660" cy="706432"/>
+          </a:xfrm>
+          <a:prstGeom prst="rect">
+            <a:avLst/>
+          </a:prstGeom>
+          <a:noFill/>
+          <a:ln w="0">
+            <a:noFill/>
+          </a:ln>
+        </p:spPr>
+        <p:style>
+          <a:lnRef idx="0">
+            <a:scrgbClr r="0" g="0" b="0"/>
+          </a:lnRef>
+          <a:fillRef idx="0">
+            <a:scrgbClr r="0" g="0" b="0"/>
+          </a:fillRef>
+          <a:effectRef idx="0">
+            <a:scrgbClr r="0" g="0" b="0"/>
+          </a:effectRef>
+          <a:fontRef idx="minor"/>
+        </p:style>
+        <p:txBody>
+          <a:bodyPr wrap="square" lIns="90000" tIns="45000" rIns="90000" bIns="45000" anchor="t">
+            <a:spAutoFit/>
+          </a:bodyPr>
+          <a:lstStyle/>
+          <a:p>
+            <a:pPr defTabSz="914400">
+              <a:lnSpc>
+                <a:spcPct val="100000"/>
+              </a:lnSpc>
+            </a:pPr>
+            <a:r>
+              <a:rPr lang="ko-KR" altLang="en-US" sz="2000" dirty="0" smtClean="0">
+                <a:solidFill>
+                  <a:srgbClr val="000000"/>
+                </a:solidFill>
+                <a:latin typeface="맑은 고딕"/>
+              </a:rPr>
+              <a:t>프로젝트 관리</a:t>
+            </a:r>
+            <a:r>
+              <a:rPr lang="en-US" altLang="ko-KR" sz="2000" dirty="0" smtClean="0">
+                <a:solidFill>
+                  <a:srgbClr val="000000"/>
+                </a:solidFill>
+                <a:latin typeface="맑은 고딕"/>
+              </a:rPr>
+              <a:t>: GIT</a:t>
+            </a:r>
+          </a:p>
+          <a:p>
+            <a:pPr defTabSz="914400">
+              <a:lnSpc>
+                <a:spcPct val="100000"/>
+              </a:lnSpc>
+            </a:pPr>
+            <a:r>
+              <a:rPr lang="ko-KR" altLang="en-US" sz="2000" dirty="0" smtClean="0">
+                <a:solidFill>
+                  <a:srgbClr val="000000"/>
+                </a:solidFill>
+                <a:latin typeface="맑은 고딕"/>
+              </a:rPr>
+              <a:t>시뮬레이션 및 회로 합성</a:t>
+            </a:r>
+            <a:r>
+              <a:rPr lang="en-US" altLang="ko-KR" sz="2000" dirty="0" smtClean="0">
+                <a:solidFill>
+                  <a:srgbClr val="000000"/>
+                </a:solidFill>
+                <a:latin typeface="맑은 고딕"/>
+              </a:rPr>
+              <a:t>: VIVADO</a:t>
+            </a:r>
+            <a:endParaRPr lang="en-US" sz="2000" b="0" u="none" strike="noStrike" dirty="0">
+              <a:solidFill>
+                <a:srgbClr val="000000"/>
+              </a:solidFill>
+              <a:effectLst/>
+              <a:uFillTx/>
+              <a:latin typeface="맑은 고딕"/>
+            </a:endParaRPr>
+          </a:p>
+        </p:txBody>
+      </p:sp>
+    </p:spTree>
+  </p:cSld>
+  <p:clrMapOvr>
+    <a:masterClrMapping/>
+  </p:clrMapOvr>
+  <mc:AlternateContent xmlns:mc="http://schemas.openxmlformats.org/markup-compatibility/2006" xmlns:p14="http://schemas.microsoft.com/office/powerpoint/2010/main">
+    <mc:Choice Requires="p14">
+      <p:transition spd="slow" p14:dur="2000"/>
+    </mc:Choice>
+    <mc:Fallback xmlns="" xmlns:p15="http://schemas.microsoft.com/office/powerpoint/2012/main">
+      <p:transition spd="slow"/>
+    </mc:Fallback>
+  </mc:AlternateContent>
+  <p:timing>
+    <p:tnLst>
+      <p:par>
+        <p:cTn id="1" dur="indefinite" restart="never" nodeType="tmRoot"/>
+      </p:par>
+    </p:tnLst>
+  </p:timing>
+</p:sld>
+</file>
+
+<file path=ppt/slides/slide40.xml><?xml version="1.0" encoding="utf-8"?>
 <p:sld xmlns:a="http://schemas.openxmlformats.org/drawingml/2006/main" xmlns:r="http://schemas.openxmlformats.org/officeDocument/2006/relationships" xmlns:p="http://schemas.openxmlformats.org/presentationml/2006/main">
   <p:cSld>
     <p:spTree>
@@ -19974,7 +20595,7 @@
           <a:lstStyle/>
           <a:p>
             <a:fld id="{89392D52-1E77-4359-AABB-B886937F5D07}" type="slidenum">
-              <a:t>38</a:t>
+              <a:t>40</a:t>
             </a:fld>
             <a:endParaRPr/>
           </a:p>
@@ -20089,14 +20710,14 @@
     <mc:Choice Requires="p14">
       <p:transition spd="slow" p14:dur="2000"/>
     </mc:Choice>
-    <mc:Fallback xmlns:p15="http://schemas.microsoft.com/office/powerpoint/2012/main" xmlns="">
+    <mc:Fallback xmlns="" xmlns:p15="http://schemas.microsoft.com/office/powerpoint/2012/main">
       <p:transition spd="slow"/>
     </mc:Fallback>
   </mc:AlternateContent>
 </p:sld>
 </file>
 
-<file path=ppt/slides/slide39.xml><?xml version="1.0" encoding="utf-8"?>
+<file path=ppt/slides/slide41.xml><?xml version="1.0" encoding="utf-8"?>
 <p:sld xmlns:a="http://schemas.openxmlformats.org/drawingml/2006/main" xmlns:r="http://schemas.openxmlformats.org/officeDocument/2006/relationships" xmlns:p="http://schemas.openxmlformats.org/presentationml/2006/main">
   <p:cSld>
     <p:bg>
@@ -20326,7 +20947,7 @@
           <a:lstStyle/>
           <a:p>
             <a:fld id="{8E26EE72-1E59-4C96-89FD-E64F4B0CFD06}" type="slidenum">
-              <a:t>39</a:t>
+              <a:t>41</a:t>
             </a:fld>
             <a:endParaRPr/>
           </a:p>
@@ -20341,261 +20962,14 @@
     <mc:Choice Requires="p14">
       <p:transition spd="slow" p14:dur="2000"/>
     </mc:Choice>
-    <mc:Fallback xmlns:p15="http://schemas.microsoft.com/office/powerpoint/2012/main" xmlns="">
+    <mc:Fallback xmlns="" xmlns:p15="http://schemas.microsoft.com/office/powerpoint/2012/main">
       <p:transition spd="slow"/>
     </mc:Fallback>
   </mc:AlternateContent>
 </p:sld>
 </file>
 
-<file path=ppt/slides/slide4.xml><?xml version="1.0" encoding="utf-8"?>
-<p:sld xmlns:a="http://schemas.openxmlformats.org/drawingml/2006/main" xmlns:r="http://schemas.openxmlformats.org/officeDocument/2006/relationships" xmlns:p="http://schemas.openxmlformats.org/presentationml/2006/main">
-  <p:cSld>
-    <p:spTree>
-      <p:nvGrpSpPr>
-        <p:cNvPr id="1" name=""/>
-        <p:cNvGrpSpPr/>
-        <p:nvPr/>
-      </p:nvGrpSpPr>
-      <p:grpSpPr>
-        <a:xfrm>
-          <a:off x="0" y="0"/>
-          <a:ext cx="0" cy="0"/>
-          <a:chOff x="0" y="0"/>
-          <a:chExt cx="0" cy="0"/>
-        </a:xfrm>
-      </p:grpSpPr>
-      <p:pic>
-        <p:nvPicPr>
-          <p:cNvPr id="80" name="그림 79"/>
-          <p:cNvPicPr/>
-          <p:nvPr/>
-        </p:nvPicPr>
-        <p:blipFill>
-          <a:blip r:embed="rId2"/>
-          <a:stretch/>
-        </p:blipFill>
-        <p:spPr>
-          <a:xfrm>
-            <a:off x="8211606" y="4825876"/>
-            <a:ext cx="3308394" cy="1079624"/>
-          </a:xfrm>
-          <a:prstGeom prst="rect">
-            <a:avLst/>
-          </a:prstGeom>
-          <a:noFill/>
-          <a:ln w="0">
-            <a:noFill/>
-          </a:ln>
-        </p:spPr>
-      </p:pic>
-      <p:pic>
-        <p:nvPicPr>
-          <p:cNvPr id="81" name="그림 80"/>
-          <p:cNvPicPr/>
-          <p:nvPr/>
-        </p:nvPicPr>
-        <p:blipFill>
-          <a:blip r:embed="rId3"/>
-          <a:stretch/>
-        </p:blipFill>
-        <p:spPr>
-          <a:xfrm>
-            <a:off x="8215200" y="3385875"/>
-            <a:ext cx="3304800" cy="1380600"/>
-          </a:xfrm>
-          <a:prstGeom prst="rect">
-            <a:avLst/>
-          </a:prstGeom>
-          <a:noFill/>
-          <a:ln w="0">
-            <a:noFill/>
-          </a:ln>
-        </p:spPr>
-      </p:pic>
-      <p:sp>
-        <p:nvSpPr>
-          <p:cNvPr id="2" name="PlaceHolder 1"/>
-          <p:cNvSpPr>
-            <a:spLocks noGrp="1"/>
-          </p:cNvSpPr>
-          <p:nvPr>
-            <p:ph type="sldNum" idx="2"/>
-          </p:nvPr>
-        </p:nvSpPr>
-        <p:spPr/>
-        <p:txBody>
-          <a:bodyPr/>
-          <a:lstStyle/>
-          <a:p>
-            <a:fld id="{4CD49E3B-66C5-4838-BC82-1B2F04785E55}" type="slidenum">
-              <a:t>4</a:t>
-            </a:fld>
-            <a:endParaRPr/>
-          </a:p>
-        </p:txBody>
-      </p:sp>
-      <p:pic>
-        <p:nvPicPr>
-          <p:cNvPr id="1028" name="Picture 4" descr="New and Improved SystemVerilog 1800-2017 - Verification Horizons"/>
-          <p:cNvPicPr>
-            <a:picLocks noChangeAspect="1" noChangeArrowheads="1"/>
-          </p:cNvPicPr>
-          <p:nvPr/>
-        </p:nvPicPr>
-        <p:blipFill>
-          <a:blip r:embed="rId4">
-            <a:extLst>
-              <a:ext uri="{28A0092B-C50C-407E-A947-70E740481C1C}">
-                <a14:useLocalDpi xmlns:a14="http://schemas.microsoft.com/office/drawing/2010/main" val="0"/>
-              </a:ext>
-            </a:extLst>
-          </a:blip>
-          <a:srcRect/>
-          <a:stretch>
-            <a:fillRect/>
-          </a:stretch>
-        </p:blipFill>
-        <p:spPr bwMode="auto">
-          <a:xfrm>
-            <a:off x="8211606" y="1908591"/>
-            <a:ext cx="3308394" cy="1417884"/>
-          </a:xfrm>
-          <a:prstGeom prst="rect">
-            <a:avLst/>
-          </a:prstGeom>
-          <a:noFill/>
-          <a:extLst>
-            <a:ext uri="{909E8E84-426E-40DD-AFC4-6F175D3DCCD1}">
-              <a14:hiddenFill xmlns:a14="http://schemas.microsoft.com/office/drawing/2010/main">
-                <a:solidFill>
-                  <a:srgbClr val="FFFFFF"/>
-                </a:solidFill>
-              </a14:hiddenFill>
-            </a:ext>
-          </a:extLst>
-        </p:spPr>
-      </p:pic>
-      <p:sp>
-        <p:nvSpPr>
-          <p:cNvPr id="9" name="TextBox 65"/>
-          <p:cNvSpPr/>
-          <p:nvPr/>
-        </p:nvSpPr>
-        <p:spPr>
-          <a:xfrm>
-            <a:off x="330321" y="5199068"/>
-            <a:ext cx="7071660" cy="706432"/>
-          </a:xfrm>
-          <a:prstGeom prst="rect">
-            <a:avLst/>
-          </a:prstGeom>
-          <a:noFill/>
-          <a:ln w="0">
-            <a:noFill/>
-          </a:ln>
-        </p:spPr>
-        <p:style>
-          <a:lnRef idx="0">
-            <a:scrgbClr r="0" g="0" b="0"/>
-          </a:lnRef>
-          <a:fillRef idx="0">
-            <a:scrgbClr r="0" g="0" b="0"/>
-          </a:fillRef>
-          <a:effectRef idx="0">
-            <a:scrgbClr r="0" g="0" b="0"/>
-          </a:effectRef>
-          <a:fontRef idx="minor"/>
-        </p:style>
-        <p:txBody>
-          <a:bodyPr wrap="square" lIns="90000" tIns="45000" rIns="90000" bIns="45000" anchor="t">
-            <a:spAutoFit/>
-          </a:bodyPr>
-          <a:lstStyle/>
-          <a:p>
-            <a:pPr defTabSz="914400">
-              <a:lnSpc>
-                <a:spcPct val="100000"/>
-              </a:lnSpc>
-            </a:pPr>
-            <a:r>
-              <a:rPr lang="ko-KR" altLang="en-US" sz="2000" dirty="0" smtClean="0">
-                <a:solidFill>
-                  <a:srgbClr val="000000"/>
-                </a:solidFill>
-                <a:latin typeface="맑은 고딕"/>
-              </a:rPr>
-              <a:t>프로젝트 관리</a:t>
-            </a:r>
-            <a:r>
-              <a:rPr lang="en-US" altLang="ko-KR" sz="2000" dirty="0" smtClean="0">
-                <a:solidFill>
-                  <a:srgbClr val="000000"/>
-                </a:solidFill>
-                <a:latin typeface="맑은 고딕"/>
-              </a:rPr>
-              <a:t>: GIT</a:t>
-            </a:r>
-          </a:p>
-          <a:p>
-            <a:pPr defTabSz="914400">
-              <a:lnSpc>
-                <a:spcPct val="100000"/>
-              </a:lnSpc>
-            </a:pPr>
-            <a:r>
-              <a:rPr lang="ko-KR" altLang="en-US" sz="2000" dirty="0" smtClean="0">
-                <a:solidFill>
-                  <a:srgbClr val="000000"/>
-                </a:solidFill>
-                <a:latin typeface="맑은 고딕"/>
-              </a:rPr>
-              <a:t>시뮬레이션 및 회로 합성</a:t>
-            </a:r>
-            <a:r>
-              <a:rPr lang="en-US" altLang="ko-KR" sz="2000" dirty="0" smtClean="0">
-                <a:solidFill>
-                  <a:srgbClr val="000000"/>
-                </a:solidFill>
-                <a:latin typeface="맑은 고딕"/>
-              </a:rPr>
-              <a:t>: VIVADO</a:t>
-            </a:r>
-            <a:endParaRPr lang="en-US" sz="2000" b="0" u="none" strike="noStrike" dirty="0">
-              <a:solidFill>
-                <a:srgbClr val="000000"/>
-              </a:solidFill>
-              <a:effectLst/>
-              <a:uFillTx/>
-              <a:latin typeface="맑은 고딕"/>
-            </a:endParaRPr>
-          </a:p>
-        </p:txBody>
-      </p:sp>
-    </p:spTree>
-  </p:cSld>
-  <p:clrMapOvr>
-    <a:masterClrMapping/>
-  </p:clrMapOvr>
-  <mc:AlternateContent xmlns:mc="http://schemas.openxmlformats.org/markup-compatibility/2006" xmlns:p14="http://schemas.microsoft.com/office/powerpoint/2010/main">
-    <mc:Choice Requires="p14">
-      <p:transition spd="slow" p14:dur="2000"/>
-    </mc:Choice>
-    <mc:Fallback xmlns:p15="http://schemas.microsoft.com/office/powerpoint/2012/main" xmlns="">
-      <p:transition spd="slow"/>
-    </mc:Fallback>
-  </mc:AlternateContent>
-  <p:timing>
-    <p:tnLst>
-      <p:par>
-        <p:cTn id="1" dur="indefinite" restart="never" nodeType="tmRoot"/>
-      </p:par>
-    </p:tnLst>
-  </p:timing>
-</p:sld>
-</file>
-
-<file path=ppt/slides/slide40.xml><?xml version="1.0" encoding="utf-8"?>
+<file path=ppt/slides/slide42.xml><?xml version="1.0" encoding="utf-8"?>
 <p:sld xmlns:a="http://schemas.openxmlformats.org/drawingml/2006/main" xmlns:r="http://schemas.openxmlformats.org/officeDocument/2006/relationships" xmlns:p="http://schemas.openxmlformats.org/presentationml/2006/main">
   <p:cSld>
     <p:spTree>
@@ -21130,7 +21504,7 @@
           <a:lstStyle/>
           <a:p>
             <a:fld id="{E4A73E57-A4FB-48DA-B7AA-1FDA145F819C}" type="slidenum">
-              <a:t>40</a:t>
+              <a:t>42</a:t>
             </a:fld>
             <a:endParaRPr/>
           </a:p>
@@ -21232,14 +21606,14 @@
     <mc:Choice Requires="p14">
       <p:transition spd="slow" p14:dur="2000"/>
     </mc:Choice>
-    <mc:Fallback xmlns:p15="http://schemas.microsoft.com/office/powerpoint/2012/main" xmlns="">
+    <mc:Fallback xmlns="" xmlns:p15="http://schemas.microsoft.com/office/powerpoint/2012/main">
       <p:transition spd="slow"/>
     </mc:Fallback>
   </mc:AlternateContent>
 </p:sld>
 </file>
 
-<file path=ppt/slides/slide41.xml><?xml version="1.0" encoding="utf-8"?>
+<file path=ppt/slides/slide43.xml><?xml version="1.0" encoding="utf-8"?>
 <p:sld xmlns:a="http://schemas.openxmlformats.org/drawingml/2006/main" xmlns:r="http://schemas.openxmlformats.org/officeDocument/2006/relationships" xmlns:p="http://schemas.openxmlformats.org/presentationml/2006/main">
   <p:cSld>
     <p:spTree>
@@ -21540,7 +21914,7 @@
           <a:lstStyle/>
           <a:p>
             <a:fld id="{5BA1C0EC-159C-4C58-B140-AF97273DA943}" type="slidenum">
-              <a:t>41</a:t>
+              <a:t>43</a:t>
             </a:fld>
             <a:endParaRPr/>
           </a:p>
@@ -21555,14 +21929,14 @@
     <mc:Choice Requires="p14">
       <p:transition spd="slow" p14:dur="2000"/>
     </mc:Choice>
-    <mc:Fallback xmlns:p15="http://schemas.microsoft.com/office/powerpoint/2012/main" xmlns="">
+    <mc:Fallback xmlns="" xmlns:p15="http://schemas.microsoft.com/office/powerpoint/2012/main">
       <p:transition spd="slow"/>
     </mc:Fallback>
   </mc:AlternateContent>
 </p:sld>
 </file>
 
-<file path=ppt/slides/slide42.xml><?xml version="1.0" encoding="utf-8"?>
+<file path=ppt/slides/slide44.xml><?xml version="1.0" encoding="utf-8"?>
 <p:sld xmlns:a="http://schemas.openxmlformats.org/drawingml/2006/main" xmlns:r="http://schemas.openxmlformats.org/officeDocument/2006/relationships" xmlns:p="http://schemas.openxmlformats.org/presentationml/2006/main">
   <p:cSld>
     <p:bg>
@@ -21781,7 +22155,7 @@
           <a:lstStyle/>
           <a:p>
             <a:fld id="{1F31FFD2-79FC-4D33-912B-80A0255C1492}" type="slidenum">
-              <a:t>42</a:t>
+              <a:t>44</a:t>
             </a:fld>
             <a:endParaRPr/>
           </a:p>
@@ -21796,7 +22170,7 @@
     <mc:Choice Requires="p14">
       <p:transition spd="slow" p14:dur="2000"/>
     </mc:Choice>
-    <mc:Fallback xmlns:p15="http://schemas.microsoft.com/office/powerpoint/2012/main" xmlns="">
+    <mc:Fallback xmlns="" xmlns:p15="http://schemas.microsoft.com/office/powerpoint/2012/main">
       <p:transition spd="slow"/>
     </mc:Fallback>
   </mc:AlternateContent>
@@ -21954,7 +22328,7 @@
     <mc:Choice Requires="p14">
       <p:transition spd="slow" p14:dur="2000"/>
     </mc:Choice>
-    <mc:Fallback xmlns:p15="http://schemas.microsoft.com/office/powerpoint/2012/main" xmlns="">
+    <mc:Fallback xmlns="" xmlns:p15="http://schemas.microsoft.com/office/powerpoint/2012/main">
       <p:transition spd="slow"/>
     </mc:Fallback>
   </mc:AlternateContent>
@@ -22386,7 +22760,7 @@
     <mc:Choice Requires="p14">
       <p:transition spd="slow" p14:dur="2000"/>
     </mc:Choice>
-    <mc:Fallback xmlns:p15="http://schemas.microsoft.com/office/powerpoint/2012/main" xmlns="">
+    <mc:Fallback xmlns="" xmlns:p15="http://schemas.microsoft.com/office/powerpoint/2012/main">
       <p:transition spd="slow"/>
     </mc:Fallback>
   </mc:AlternateContent>
@@ -23035,7 +23409,7 @@
     <mc:Choice Requires="p14">
       <p:transition spd="slow" p14:dur="2000"/>
     </mc:Choice>
-    <mc:Fallback xmlns:p15="http://schemas.microsoft.com/office/powerpoint/2012/main" xmlns="">
+    <mc:Fallback xmlns="" xmlns:p15="http://schemas.microsoft.com/office/powerpoint/2012/main">
       <p:transition spd="slow"/>
     </mc:Fallback>
   </mc:AlternateContent>
@@ -23362,7 +23736,7 @@
     <mc:Choice Requires="p14">
       <p:transition spd="slow" p14:dur="2000"/>
     </mc:Choice>
-    <mc:Fallback xmlns:p15="http://schemas.microsoft.com/office/powerpoint/2012/main" xmlns="">
+    <mc:Fallback xmlns="" xmlns:p15="http://schemas.microsoft.com/office/powerpoint/2012/main">
       <p:transition spd="slow"/>
     </mc:Fallback>
   </mc:AlternateContent>
@@ -23530,7 +23904,7 @@
     <mc:Choice Requires="p14">
       <p:transition spd="slow" p14:dur="2000"/>
     </mc:Choice>
-    <mc:Fallback xmlns:p15="http://schemas.microsoft.com/office/powerpoint/2012/main" xmlns="">
+    <mc:Fallback xmlns="" xmlns:p15="http://schemas.microsoft.com/office/powerpoint/2012/main">
       <p:transition spd="slow"/>
     </mc:Fallback>
   </mc:AlternateContent>
